--- a/Marble_Varga_Prop_Presentation.pptx
+++ b/Marble_Varga_Prop_Presentation.pptx
@@ -111,6 +111,11 @@
       </a:defRPr>
     </a:lvl9pPr>
   </p:defaultTextStyle>
+  <p:extLst>
+    <p:ext uri="{EFAFB233-063F-42B5-8137-9DF3F51BA10A}">
+      <p15:sldGuideLst xmlns:p15="http://schemas.microsoft.com/office/powerpoint/2012/main"/>
+    </p:ext>
+  </p:extLst>
 </p:presentation>
 </file>
 
@@ -164,7 +169,7 @@
           <a:noFill/>
           <a:extLst>
             <a:ext uri="{909E8E84-426E-40dd-AFC4-6F175D3DCCD1}">
-              <a14:hiddenFill xmlns:a14="http://schemas.microsoft.com/office/drawing/2010/main" xmlns="">
+              <a14:hiddenFill xmlns="" xmlns:a14="http://schemas.microsoft.com/office/drawing/2010/main">
                 <a:solidFill>
                   <a:srgbClr val="FFFFFF"/>
                 </a:solidFill>
@@ -224,7 +229,7 @@
             </a:ln>
             <a:extLst>
               <a:ext uri="{91240B29-F687-4f45-9708-019B960494DF}">
-                <a14:hiddenLine xmlns:a14="http://schemas.microsoft.com/office/drawing/2010/main" xmlns="" w="9525">
+                <a14:hiddenLine xmlns="" xmlns:a14="http://schemas.microsoft.com/office/drawing/2010/main" w="9525">
                   <a:solidFill>
                     <a:srgbClr val="000000"/>
                   </a:solidFill>
@@ -314,7 +319,7 @@
             </a:ln>
             <a:extLst>
               <a:ext uri="{91240B29-F687-4f45-9708-019B960494DF}">
-                <a14:hiddenLine xmlns:a14="http://schemas.microsoft.com/office/drawing/2010/main" xmlns="" w="9525">
+                <a14:hiddenLine xmlns="" xmlns:a14="http://schemas.microsoft.com/office/drawing/2010/main" w="9525">
                   <a:solidFill>
                     <a:srgbClr val="000000"/>
                   </a:solidFill>
@@ -404,7 +409,7 @@
             </a:ln>
             <a:extLst>
               <a:ext uri="{91240B29-F687-4f45-9708-019B960494DF}">
-                <a14:hiddenLine xmlns:a14="http://schemas.microsoft.com/office/drawing/2010/main" xmlns="" w="9525">
+                <a14:hiddenLine xmlns="" xmlns:a14="http://schemas.microsoft.com/office/drawing/2010/main" w="9525">
                   <a:solidFill>
                     <a:srgbClr val="000000"/>
                   </a:solidFill>
@@ -438,7 +443,7 @@
             </a:ln>
             <a:extLst>
               <a:ext uri="{91240B29-F687-4f45-9708-019B960494DF}">
-                <a14:hiddenLine xmlns:a14="http://schemas.microsoft.com/office/drawing/2010/main" xmlns="" w="9525">
+                <a14:hiddenLine xmlns="" xmlns:a14="http://schemas.microsoft.com/office/drawing/2010/main" w="9525">
                   <a:solidFill>
                     <a:srgbClr val="000000"/>
                   </a:solidFill>
@@ -528,7 +533,7 @@
             </a:ln>
             <a:extLst>
               <a:ext uri="{91240B29-F687-4f45-9708-019B960494DF}">
-                <a14:hiddenLine xmlns:a14="http://schemas.microsoft.com/office/drawing/2010/main" xmlns="" w="9525">
+                <a14:hiddenLine xmlns="" xmlns:a14="http://schemas.microsoft.com/office/drawing/2010/main" w="9525">
                   <a:solidFill>
                     <a:srgbClr val="000000"/>
                   </a:solidFill>
@@ -590,7 +595,7 @@
             </a:ln>
             <a:extLst>
               <a:ext uri="{91240B29-F687-4f45-9708-019B960494DF}">
-                <a14:hiddenLine xmlns:a14="http://schemas.microsoft.com/office/drawing/2010/main" xmlns="" w="9525">
+                <a14:hiddenLine xmlns="" xmlns:a14="http://schemas.microsoft.com/office/drawing/2010/main" w="9525">
                   <a:solidFill>
                     <a:srgbClr val="000000"/>
                   </a:solidFill>
@@ -652,7 +657,7 @@
             </a:ln>
             <a:extLst>
               <a:ext uri="{91240B29-F687-4f45-9708-019B960494DF}">
-                <a14:hiddenLine xmlns:a14="http://schemas.microsoft.com/office/drawing/2010/main" xmlns="" w="9525">
+                <a14:hiddenLine xmlns="" xmlns:a14="http://schemas.microsoft.com/office/drawing/2010/main" w="9525">
                   <a:solidFill>
                     <a:srgbClr val="000000"/>
                   </a:solidFill>
@@ -742,7 +747,7 @@
             </a:ln>
             <a:extLst>
               <a:ext uri="{91240B29-F687-4f45-9708-019B960494DF}">
-                <a14:hiddenLine xmlns:a14="http://schemas.microsoft.com/office/drawing/2010/main" xmlns="" w="9525">
+                <a14:hiddenLine xmlns="" xmlns:a14="http://schemas.microsoft.com/office/drawing/2010/main" w="9525">
                   <a:solidFill>
                     <a:srgbClr val="000000"/>
                   </a:solidFill>
@@ -804,7 +809,7 @@
             </a:ln>
             <a:extLst>
               <a:ext uri="{91240B29-F687-4f45-9708-019B960494DF}">
-                <a14:hiddenLine xmlns:a14="http://schemas.microsoft.com/office/drawing/2010/main" xmlns="" w="9525">
+                <a14:hiddenLine xmlns="" xmlns:a14="http://schemas.microsoft.com/office/drawing/2010/main" w="9525">
                   <a:solidFill>
                     <a:srgbClr val="000000"/>
                   </a:solidFill>
@@ -866,7 +871,7 @@
             </a:ln>
             <a:extLst>
               <a:ext uri="{91240B29-F687-4f45-9708-019B960494DF}">
-                <a14:hiddenLine xmlns:a14="http://schemas.microsoft.com/office/drawing/2010/main" xmlns="" w="9525">
+                <a14:hiddenLine xmlns="" xmlns:a14="http://schemas.microsoft.com/office/drawing/2010/main" w="9525">
                   <a:solidFill>
                     <a:srgbClr val="000000"/>
                   </a:solidFill>
@@ -956,7 +961,7 @@
             </a:ln>
             <a:extLst>
               <a:ext uri="{91240B29-F687-4f45-9708-019B960494DF}">
-                <a14:hiddenLine xmlns:a14="http://schemas.microsoft.com/office/drawing/2010/main" xmlns="" w="9525">
+                <a14:hiddenLine xmlns="" xmlns:a14="http://schemas.microsoft.com/office/drawing/2010/main" w="9525">
                   <a:solidFill>
                     <a:srgbClr val="000000"/>
                   </a:solidFill>
@@ -1046,7 +1051,7 @@
             </a:ln>
             <a:extLst>
               <a:ext uri="{91240B29-F687-4f45-9708-019B960494DF}">
-                <a14:hiddenLine xmlns:a14="http://schemas.microsoft.com/office/drawing/2010/main" xmlns="" w="9525">
+                <a14:hiddenLine xmlns="" xmlns:a14="http://schemas.microsoft.com/office/drawing/2010/main" w="9525">
                   <a:solidFill>
                     <a:srgbClr val="000000"/>
                   </a:solidFill>
@@ -1108,7 +1113,7 @@
             </a:ln>
             <a:extLst>
               <a:ext uri="{91240B29-F687-4f45-9708-019B960494DF}">
-                <a14:hiddenLine xmlns:a14="http://schemas.microsoft.com/office/drawing/2010/main" xmlns="" w="9525">
+                <a14:hiddenLine xmlns="" xmlns:a14="http://schemas.microsoft.com/office/drawing/2010/main" w="9525">
                   <a:solidFill>
                     <a:srgbClr val="000000"/>
                   </a:solidFill>
@@ -1218,7 +1223,7 @@
             </a:ln>
             <a:extLst>
               <a:ext uri="{91240B29-F687-4f45-9708-019B960494DF}">
-                <a14:hiddenLine xmlns:a14="http://schemas.microsoft.com/office/drawing/2010/main" xmlns="" w="9525">
+                <a14:hiddenLine xmlns="" xmlns:a14="http://schemas.microsoft.com/office/drawing/2010/main" w="9525">
                   <a:solidFill>
                     <a:srgbClr val="000000"/>
                   </a:solidFill>
@@ -1280,7 +1285,7 @@
             </a:ln>
             <a:extLst>
               <a:ext uri="{91240B29-F687-4f45-9708-019B960494DF}">
-                <a14:hiddenLine xmlns:a14="http://schemas.microsoft.com/office/drawing/2010/main" xmlns="" w="9525">
+                <a14:hiddenLine xmlns="" xmlns:a14="http://schemas.microsoft.com/office/drawing/2010/main" w="9525">
                   <a:solidFill>
                     <a:srgbClr val="000000"/>
                   </a:solidFill>
@@ -1370,7 +1375,7 @@
             </a:ln>
             <a:extLst>
               <a:ext uri="{91240B29-F687-4f45-9708-019B960494DF}">
-                <a14:hiddenLine xmlns:a14="http://schemas.microsoft.com/office/drawing/2010/main" xmlns="" w="9525">
+                <a14:hiddenLine xmlns="" xmlns:a14="http://schemas.microsoft.com/office/drawing/2010/main" w="9525">
                   <a:solidFill>
                     <a:srgbClr val="000000"/>
                   </a:solidFill>
@@ -1460,7 +1465,7 @@
             </a:ln>
             <a:extLst>
               <a:ext uri="{91240B29-F687-4f45-9708-019B960494DF}">
-                <a14:hiddenLine xmlns:a14="http://schemas.microsoft.com/office/drawing/2010/main" xmlns="" w="9525">
+                <a14:hiddenLine xmlns="" xmlns:a14="http://schemas.microsoft.com/office/drawing/2010/main" w="9525">
                   <a:solidFill>
                     <a:srgbClr val="000000"/>
                   </a:solidFill>
@@ -1522,7 +1527,7 @@
             </a:ln>
             <a:extLst>
               <a:ext uri="{91240B29-F687-4f45-9708-019B960494DF}">
-                <a14:hiddenLine xmlns:a14="http://schemas.microsoft.com/office/drawing/2010/main" xmlns="" w="9525">
+                <a14:hiddenLine xmlns="" xmlns:a14="http://schemas.microsoft.com/office/drawing/2010/main" w="9525">
                   <a:solidFill>
                     <a:srgbClr val="000000"/>
                   </a:solidFill>
@@ -1612,7 +1617,7 @@
             </a:ln>
             <a:extLst>
               <a:ext uri="{91240B29-F687-4f45-9708-019B960494DF}">
-                <a14:hiddenLine xmlns:a14="http://schemas.microsoft.com/office/drawing/2010/main" xmlns="" w="9525">
+                <a14:hiddenLine xmlns="" xmlns:a14="http://schemas.microsoft.com/office/drawing/2010/main" w="9525">
                   <a:solidFill>
                     <a:srgbClr val="000000"/>
                   </a:solidFill>
@@ -1702,7 +1707,7 @@
             </a:ln>
             <a:extLst>
               <a:ext uri="{91240B29-F687-4f45-9708-019B960494DF}">
-                <a14:hiddenLine xmlns:a14="http://schemas.microsoft.com/office/drawing/2010/main" xmlns="" w="9525">
+                <a14:hiddenLine xmlns="" xmlns:a14="http://schemas.microsoft.com/office/drawing/2010/main" w="9525">
                   <a:solidFill>
                     <a:srgbClr val="000000"/>
                   </a:solidFill>
@@ -1758,7 +1763,7 @@
             </a:ln>
             <a:extLst>
               <a:ext uri="{91240B29-F687-4f45-9708-019B960494DF}">
-                <a14:hiddenLine xmlns:a14="http://schemas.microsoft.com/office/drawing/2010/main" xmlns="" w="9525">
+                <a14:hiddenLine xmlns="" xmlns:a14="http://schemas.microsoft.com/office/drawing/2010/main" w="9525">
                   <a:solidFill>
                     <a:srgbClr val="000000"/>
                   </a:solidFill>
@@ -1848,7 +1853,7 @@
             </a:ln>
             <a:extLst>
               <a:ext uri="{91240B29-F687-4f45-9708-019B960494DF}">
-                <a14:hiddenLine xmlns:a14="http://schemas.microsoft.com/office/drawing/2010/main" xmlns="" w="9525">
+                <a14:hiddenLine xmlns="" xmlns:a14="http://schemas.microsoft.com/office/drawing/2010/main" w="9525">
                   <a:solidFill>
                     <a:srgbClr val="000000"/>
                   </a:solidFill>
@@ -1904,7 +1909,7 @@
             </a:ln>
             <a:extLst>
               <a:ext uri="{91240B29-F687-4f45-9708-019B960494DF}">
-                <a14:hiddenLine xmlns:a14="http://schemas.microsoft.com/office/drawing/2010/main" xmlns="" w="9525">
+                <a14:hiddenLine xmlns="" xmlns:a14="http://schemas.microsoft.com/office/drawing/2010/main" w="9525">
                   <a:solidFill>
                     <a:srgbClr val="000000"/>
                   </a:solidFill>
@@ -1994,7 +1999,7 @@
             </a:ln>
             <a:extLst>
               <a:ext uri="{91240B29-F687-4f45-9708-019B960494DF}">
-                <a14:hiddenLine xmlns:a14="http://schemas.microsoft.com/office/drawing/2010/main" xmlns="" w="9525">
+                <a14:hiddenLine xmlns="" xmlns:a14="http://schemas.microsoft.com/office/drawing/2010/main" w="9525">
                   <a:solidFill>
                     <a:srgbClr val="000000"/>
                   </a:solidFill>
@@ -2062,7 +2067,7 @@
             </a:ln>
             <a:extLst>
               <a:ext uri="{91240B29-F687-4f45-9708-019B960494DF}">
-                <a14:hiddenLine xmlns:a14="http://schemas.microsoft.com/office/drawing/2010/main" xmlns="" w="9525">
+                <a14:hiddenLine xmlns="" xmlns:a14="http://schemas.microsoft.com/office/drawing/2010/main" w="9525">
                   <a:solidFill>
                     <a:srgbClr val="000000"/>
                   </a:solidFill>
@@ -2152,7 +2157,7 @@
             </a:ln>
             <a:extLst>
               <a:ext uri="{91240B29-F687-4f45-9708-019B960494DF}">
-                <a14:hiddenLine xmlns:a14="http://schemas.microsoft.com/office/drawing/2010/main" xmlns="" w="9525">
+                <a14:hiddenLine xmlns="" xmlns:a14="http://schemas.microsoft.com/office/drawing/2010/main" w="9525">
                   <a:solidFill>
                     <a:srgbClr val="000000"/>
                   </a:solidFill>
@@ -2220,7 +2225,7 @@
             </a:ln>
             <a:extLst>
               <a:ext uri="{91240B29-F687-4f45-9708-019B960494DF}">
-                <a14:hiddenLine xmlns:a14="http://schemas.microsoft.com/office/drawing/2010/main" xmlns="" w="9525">
+                <a14:hiddenLine xmlns="" xmlns:a14="http://schemas.microsoft.com/office/drawing/2010/main" w="9525">
                   <a:solidFill>
                     <a:srgbClr val="000000"/>
                   </a:solidFill>
@@ -2310,7 +2315,7 @@
             </a:ln>
             <a:extLst>
               <a:ext uri="{91240B29-F687-4f45-9708-019B960494DF}">
-                <a14:hiddenLine xmlns:a14="http://schemas.microsoft.com/office/drawing/2010/main" xmlns="" w="9525">
+                <a14:hiddenLine xmlns="" xmlns:a14="http://schemas.microsoft.com/office/drawing/2010/main" w="9525">
                   <a:solidFill>
                     <a:srgbClr val="000000"/>
                   </a:solidFill>
@@ -2344,7 +2349,7 @@
             </a:ln>
             <a:extLst>
               <a:ext uri="{91240B29-F687-4f45-9708-019B960494DF}">
-                <a14:hiddenLine xmlns:a14="http://schemas.microsoft.com/office/drawing/2010/main" xmlns="" w="9525">
+                <a14:hiddenLine xmlns="" xmlns:a14="http://schemas.microsoft.com/office/drawing/2010/main" w="9525">
                   <a:solidFill>
                     <a:srgbClr val="000000"/>
                   </a:solidFill>
@@ -2434,7 +2439,7 @@
             </a:ln>
             <a:extLst>
               <a:ext uri="{91240B29-F687-4f45-9708-019B960494DF}">
-                <a14:hiddenLine xmlns:a14="http://schemas.microsoft.com/office/drawing/2010/main" xmlns="" w="9525">
+                <a14:hiddenLine xmlns="" xmlns:a14="http://schemas.microsoft.com/office/drawing/2010/main" w="9525">
                   <a:solidFill>
                     <a:srgbClr val="000000"/>
                   </a:solidFill>
@@ -2496,7 +2501,7 @@
             </a:ln>
             <a:extLst>
               <a:ext uri="{91240B29-F687-4f45-9708-019B960494DF}">
-                <a14:hiddenLine xmlns:a14="http://schemas.microsoft.com/office/drawing/2010/main" xmlns="" w="9525">
+                <a14:hiddenLine xmlns="" xmlns:a14="http://schemas.microsoft.com/office/drawing/2010/main" w="9525">
                   <a:solidFill>
                     <a:srgbClr val="000000"/>
                   </a:solidFill>
@@ -2558,7 +2563,7 @@
             </a:ln>
             <a:extLst>
               <a:ext uri="{91240B29-F687-4f45-9708-019B960494DF}">
-                <a14:hiddenLine xmlns:a14="http://schemas.microsoft.com/office/drawing/2010/main" xmlns="" w="9525">
+                <a14:hiddenLine xmlns="" xmlns:a14="http://schemas.microsoft.com/office/drawing/2010/main" w="9525">
                   <a:solidFill>
                     <a:srgbClr val="000000"/>
                   </a:solidFill>
@@ -2648,7 +2653,7 @@
             </a:ln>
             <a:extLst>
               <a:ext uri="{91240B29-F687-4f45-9708-019B960494DF}">
-                <a14:hiddenLine xmlns:a14="http://schemas.microsoft.com/office/drawing/2010/main" xmlns="" w="9525">
+                <a14:hiddenLine xmlns="" xmlns:a14="http://schemas.microsoft.com/office/drawing/2010/main" w="9525">
                   <a:solidFill>
                     <a:srgbClr val="000000"/>
                   </a:solidFill>
@@ -2716,7 +2721,7 @@
             </a:ln>
             <a:extLst>
               <a:ext uri="{91240B29-F687-4f45-9708-019B960494DF}">
-                <a14:hiddenLine xmlns:a14="http://schemas.microsoft.com/office/drawing/2010/main" xmlns="" w="9525">
+                <a14:hiddenLine xmlns="" xmlns:a14="http://schemas.microsoft.com/office/drawing/2010/main" w="9525">
                   <a:solidFill>
                     <a:srgbClr val="000000"/>
                   </a:solidFill>
@@ -2778,7 +2783,7 @@
             </a:ln>
             <a:extLst>
               <a:ext uri="{91240B29-F687-4f45-9708-019B960494DF}">
-                <a14:hiddenLine xmlns:a14="http://schemas.microsoft.com/office/drawing/2010/main" xmlns="" w="9525">
+                <a14:hiddenLine xmlns="" xmlns:a14="http://schemas.microsoft.com/office/drawing/2010/main" w="9525">
                   <a:solidFill>
                     <a:srgbClr val="000000"/>
                   </a:solidFill>
@@ -2868,7 +2873,7 @@
             </a:ln>
             <a:extLst>
               <a:ext uri="{91240B29-F687-4f45-9708-019B960494DF}">
-                <a14:hiddenLine xmlns:a14="http://schemas.microsoft.com/office/drawing/2010/main" xmlns="" w="9525">
+                <a14:hiddenLine xmlns="" xmlns:a14="http://schemas.microsoft.com/office/drawing/2010/main" w="9525">
                   <a:solidFill>
                     <a:srgbClr val="000000"/>
                   </a:solidFill>
@@ -2930,7 +2935,7 @@
             </a:ln>
             <a:extLst>
               <a:ext uri="{91240B29-F687-4f45-9708-019B960494DF}">
-                <a14:hiddenLine xmlns:a14="http://schemas.microsoft.com/office/drawing/2010/main" xmlns="" w="9525">
+                <a14:hiddenLine xmlns="" xmlns:a14="http://schemas.microsoft.com/office/drawing/2010/main" w="9525">
                   <a:solidFill>
                     <a:srgbClr val="000000"/>
                   </a:solidFill>
@@ -3020,7 +3025,7 @@
             </a:ln>
             <a:extLst>
               <a:ext uri="{91240B29-F687-4f45-9708-019B960494DF}">
-                <a14:hiddenLine xmlns:a14="http://schemas.microsoft.com/office/drawing/2010/main" xmlns="" w="9525">
+                <a14:hiddenLine xmlns="" xmlns:a14="http://schemas.microsoft.com/office/drawing/2010/main" w="9525">
                   <a:solidFill>
                     <a:srgbClr val="000000"/>
                   </a:solidFill>
@@ -3082,7 +3087,7 @@
             </a:ln>
             <a:extLst>
               <a:ext uri="{91240B29-F687-4f45-9708-019B960494DF}">
-                <a14:hiddenLine xmlns:a14="http://schemas.microsoft.com/office/drawing/2010/main" xmlns="" w="9525">
+                <a14:hiddenLine xmlns="" xmlns:a14="http://schemas.microsoft.com/office/drawing/2010/main" w="9525">
                   <a:solidFill>
                     <a:srgbClr val="000000"/>
                   </a:solidFill>
@@ -3172,7 +3177,7 @@
             </a:ln>
             <a:extLst>
               <a:ext uri="{91240B29-F687-4f45-9708-019B960494DF}">
-                <a14:hiddenLine xmlns:a14="http://schemas.microsoft.com/office/drawing/2010/main" xmlns="" w="9525">
+                <a14:hiddenLine xmlns="" xmlns:a14="http://schemas.microsoft.com/office/drawing/2010/main" w="9525">
                   <a:solidFill>
                     <a:srgbClr val="000000"/>
                   </a:solidFill>
@@ -3206,7 +3211,7 @@
             </a:ln>
             <a:extLst>
               <a:ext uri="{91240B29-F687-4f45-9708-019B960494DF}">
-                <a14:hiddenLine xmlns:a14="http://schemas.microsoft.com/office/drawing/2010/main" xmlns="" w="9525">
+                <a14:hiddenLine xmlns="" xmlns:a14="http://schemas.microsoft.com/office/drawing/2010/main" w="9525">
                   <a:solidFill>
                     <a:srgbClr val="000000"/>
                   </a:solidFill>
@@ -3271,7 +3276,7 @@
             </a:ln>
             <a:extLst>
               <a:ext uri="{91240B29-F687-4f45-9708-019B960494DF}">
-                <a14:hiddenLine xmlns:a14="http://schemas.microsoft.com/office/drawing/2010/main" xmlns="" w="9525">
+                <a14:hiddenLine xmlns="" xmlns:a14="http://schemas.microsoft.com/office/drawing/2010/main" w="9525">
                   <a:solidFill>
                     <a:srgbClr val="000000"/>
                   </a:solidFill>
@@ -3361,7 +3366,7 @@
             </a:ln>
             <a:extLst>
               <a:ext uri="{91240B29-F687-4f45-9708-019B960494DF}">
-                <a14:hiddenLine xmlns:a14="http://schemas.microsoft.com/office/drawing/2010/main" xmlns="" w="9525">
+                <a14:hiddenLine xmlns="" xmlns:a14="http://schemas.microsoft.com/office/drawing/2010/main" w="9525">
                   <a:solidFill>
                     <a:srgbClr val="000000"/>
                   </a:solidFill>
@@ -3423,7 +3428,7 @@
             </a:ln>
             <a:extLst>
               <a:ext uri="{91240B29-F687-4f45-9708-019B960494DF}">
-                <a14:hiddenLine xmlns:a14="http://schemas.microsoft.com/office/drawing/2010/main" xmlns="" w="9525">
+                <a14:hiddenLine xmlns="" xmlns:a14="http://schemas.microsoft.com/office/drawing/2010/main" w="9525">
                   <a:solidFill>
                     <a:srgbClr val="000000"/>
                   </a:solidFill>
@@ -3513,7 +3518,7 @@
             </a:ln>
             <a:extLst>
               <a:ext uri="{91240B29-F687-4f45-9708-019B960494DF}">
-                <a14:hiddenLine xmlns:a14="http://schemas.microsoft.com/office/drawing/2010/main" xmlns="" w="9525">
+                <a14:hiddenLine xmlns="" xmlns:a14="http://schemas.microsoft.com/office/drawing/2010/main" w="9525">
                   <a:solidFill>
                     <a:srgbClr val="000000"/>
                   </a:solidFill>
@@ -3603,7 +3608,7 @@
             </a:ln>
             <a:extLst>
               <a:ext uri="{91240B29-F687-4f45-9708-019B960494DF}">
-                <a14:hiddenLine xmlns:a14="http://schemas.microsoft.com/office/drawing/2010/main" xmlns="" w="9525">
+                <a14:hiddenLine xmlns="" xmlns:a14="http://schemas.microsoft.com/office/drawing/2010/main" w="9525">
                   <a:solidFill>
                     <a:srgbClr val="000000"/>
                   </a:solidFill>
@@ -3668,7 +3673,7 @@
             </a:ln>
             <a:extLst>
               <a:ext uri="{91240B29-F687-4f45-9708-019B960494DF}">
-                <a14:hiddenLine xmlns:a14="http://schemas.microsoft.com/office/drawing/2010/main" xmlns="" w="9525">
+                <a14:hiddenLine xmlns="" xmlns:a14="http://schemas.microsoft.com/office/drawing/2010/main" w="9525">
                   <a:solidFill>
                     <a:srgbClr val="000000"/>
                   </a:solidFill>
@@ -3730,7 +3735,7 @@
             </a:ln>
             <a:extLst>
               <a:ext uri="{91240B29-F687-4f45-9708-019B960494DF}">
-                <a14:hiddenLine xmlns:a14="http://schemas.microsoft.com/office/drawing/2010/main" xmlns="" w="9525">
+                <a14:hiddenLine xmlns="" xmlns:a14="http://schemas.microsoft.com/office/drawing/2010/main" w="9525">
                   <a:solidFill>
                     <a:srgbClr val="000000"/>
                   </a:solidFill>
@@ -3820,7 +3825,7 @@
             </a:ln>
             <a:extLst>
               <a:ext uri="{91240B29-F687-4f45-9708-019B960494DF}">
-                <a14:hiddenLine xmlns:a14="http://schemas.microsoft.com/office/drawing/2010/main" xmlns="" w="9525">
+                <a14:hiddenLine xmlns="" xmlns:a14="http://schemas.microsoft.com/office/drawing/2010/main" w="9525">
                   <a:solidFill>
                     <a:srgbClr val="000000"/>
                   </a:solidFill>
@@ -3910,7 +3915,7 @@
             </a:ln>
             <a:extLst>
               <a:ext uri="{91240B29-F687-4f45-9708-019B960494DF}">
-                <a14:hiddenLine xmlns:a14="http://schemas.microsoft.com/office/drawing/2010/main" xmlns="" w="9525">
+                <a14:hiddenLine xmlns="" xmlns:a14="http://schemas.microsoft.com/office/drawing/2010/main" w="9525">
                   <a:solidFill>
                     <a:srgbClr val="000000"/>
                   </a:solidFill>
@@ -3972,7 +3977,7 @@
             </a:ln>
             <a:extLst>
               <a:ext uri="{91240B29-F687-4f45-9708-019B960494DF}">
-                <a14:hiddenLine xmlns:a14="http://schemas.microsoft.com/office/drawing/2010/main" xmlns="" w="9525">
+                <a14:hiddenLine xmlns="" xmlns:a14="http://schemas.microsoft.com/office/drawing/2010/main" w="9525">
                   <a:solidFill>
                     <a:srgbClr val="000000"/>
                   </a:solidFill>
@@ -4092,7 +4097,7 @@
             </a:ln>
             <a:extLst>
               <a:ext uri="{91240B29-F687-4f45-9708-019B960494DF}">
-                <a14:hiddenLine xmlns:a14="http://schemas.microsoft.com/office/drawing/2010/main" xmlns="" w="9525">
+                <a14:hiddenLine xmlns="" xmlns:a14="http://schemas.microsoft.com/office/drawing/2010/main" w="9525">
                   <a:solidFill>
                     <a:srgbClr val="000000"/>
                   </a:solidFill>
@@ -4160,7 +4165,7 @@
             </a:ln>
             <a:extLst>
               <a:ext uri="{91240B29-F687-4f45-9708-019B960494DF}">
-                <a14:hiddenLine xmlns:a14="http://schemas.microsoft.com/office/drawing/2010/main" xmlns="" w="9525">
+                <a14:hiddenLine xmlns="" xmlns:a14="http://schemas.microsoft.com/office/drawing/2010/main" w="9525">
                   <a:solidFill>
                     <a:srgbClr val="000000"/>
                   </a:solidFill>
@@ -4250,7 +4255,7 @@
             </a:ln>
             <a:extLst>
               <a:ext uri="{91240B29-F687-4f45-9708-019B960494DF}">
-                <a14:hiddenLine xmlns:a14="http://schemas.microsoft.com/office/drawing/2010/main" xmlns="" w="9525">
+                <a14:hiddenLine xmlns="" xmlns:a14="http://schemas.microsoft.com/office/drawing/2010/main" w="9525">
                   <a:solidFill>
                     <a:srgbClr val="000000"/>
                   </a:solidFill>
@@ -8972,7 +8977,7 @@
           <a:noFill/>
           <a:extLst>
             <a:ext uri="{909E8E84-426E-40dd-AFC4-6F175D3DCCD1}">
-              <a14:hiddenFill xmlns:a14="http://schemas.microsoft.com/office/drawing/2010/main" xmlns="">
+              <a14:hiddenFill xmlns="" xmlns:a14="http://schemas.microsoft.com/office/drawing/2010/main">
                 <a:solidFill>
                   <a:srgbClr val="FFFFFF"/>
                 </a:solidFill>
@@ -9046,7 +9051,7 @@
               </a:ln>
               <a:extLst>
                 <a:ext uri="{91240B29-F687-4f45-9708-019B960494DF}">
-                  <a14:hiddenLine xmlns:a14="http://schemas.microsoft.com/office/drawing/2010/main" xmlns="" w="9525">
+                  <a14:hiddenLine xmlns="" xmlns:a14="http://schemas.microsoft.com/office/drawing/2010/main" w="9525">
                     <a:solidFill>
                       <a:srgbClr val="000000"/>
                     </a:solidFill>
@@ -9136,7 +9141,7 @@
               </a:ln>
               <a:extLst>
                 <a:ext uri="{91240B29-F687-4f45-9708-019B960494DF}">
-                  <a14:hiddenLine xmlns:a14="http://schemas.microsoft.com/office/drawing/2010/main" xmlns="" w="9525">
+                  <a14:hiddenLine xmlns="" xmlns:a14="http://schemas.microsoft.com/office/drawing/2010/main" w="9525">
                     <a:solidFill>
                       <a:srgbClr val="000000"/>
                     </a:solidFill>
@@ -9226,7 +9231,7 @@
               </a:ln>
               <a:extLst>
                 <a:ext uri="{91240B29-F687-4f45-9708-019B960494DF}">
-                  <a14:hiddenLine xmlns:a14="http://schemas.microsoft.com/office/drawing/2010/main" xmlns="" w="9525">
+                  <a14:hiddenLine xmlns="" xmlns:a14="http://schemas.microsoft.com/office/drawing/2010/main" w="9525">
                     <a:solidFill>
                       <a:srgbClr val="000000"/>
                     </a:solidFill>
@@ -9288,7 +9293,7 @@
               </a:ln>
               <a:extLst>
                 <a:ext uri="{91240B29-F687-4f45-9708-019B960494DF}">
-                  <a14:hiddenLine xmlns:a14="http://schemas.microsoft.com/office/drawing/2010/main" xmlns="" w="9525">
+                  <a14:hiddenLine xmlns="" xmlns:a14="http://schemas.microsoft.com/office/drawing/2010/main" w="9525">
                     <a:solidFill>
                       <a:srgbClr val="000000"/>
                     </a:solidFill>
@@ -9378,7 +9383,7 @@
               </a:ln>
               <a:extLst>
                 <a:ext uri="{91240B29-F687-4f45-9708-019B960494DF}">
-                  <a14:hiddenLine xmlns:a14="http://schemas.microsoft.com/office/drawing/2010/main" xmlns="" w="9525">
+                  <a14:hiddenLine xmlns="" xmlns:a14="http://schemas.microsoft.com/office/drawing/2010/main" w="9525">
                     <a:solidFill>
                       <a:srgbClr val="000000"/>
                     </a:solidFill>
@@ -9440,7 +9445,7 @@
               </a:ln>
               <a:extLst>
                 <a:ext uri="{91240B29-F687-4f45-9708-019B960494DF}">
-                  <a14:hiddenLine xmlns:a14="http://schemas.microsoft.com/office/drawing/2010/main" xmlns="" w="9525">
+                  <a14:hiddenLine xmlns="" xmlns:a14="http://schemas.microsoft.com/office/drawing/2010/main" w="9525">
                     <a:solidFill>
                       <a:srgbClr val="000000"/>
                     </a:solidFill>
@@ -9502,7 +9507,7 @@
               </a:ln>
               <a:extLst>
                 <a:ext uri="{91240B29-F687-4f45-9708-019B960494DF}">
-                  <a14:hiddenLine xmlns:a14="http://schemas.microsoft.com/office/drawing/2010/main" xmlns="" w="9525">
+                  <a14:hiddenLine xmlns="" xmlns:a14="http://schemas.microsoft.com/office/drawing/2010/main" w="9525">
                     <a:solidFill>
                       <a:srgbClr val="000000"/>
                     </a:solidFill>
@@ -9592,7 +9597,7 @@
               </a:ln>
               <a:extLst>
                 <a:ext uri="{91240B29-F687-4f45-9708-019B960494DF}">
-                  <a14:hiddenLine xmlns:a14="http://schemas.microsoft.com/office/drawing/2010/main" xmlns="" w="9525">
+                  <a14:hiddenLine xmlns="" xmlns:a14="http://schemas.microsoft.com/office/drawing/2010/main" w="9525">
                     <a:solidFill>
                       <a:srgbClr val="000000"/>
                     </a:solidFill>
@@ -9682,7 +9687,7 @@
               </a:ln>
               <a:extLst>
                 <a:ext uri="{91240B29-F687-4f45-9708-019B960494DF}">
-                  <a14:hiddenLine xmlns:a14="http://schemas.microsoft.com/office/drawing/2010/main" xmlns="" w="9525">
+                  <a14:hiddenLine xmlns="" xmlns:a14="http://schemas.microsoft.com/office/drawing/2010/main" w="9525">
                     <a:solidFill>
                       <a:srgbClr val="000000"/>
                     </a:solidFill>
@@ -9744,7 +9749,7 @@
               </a:ln>
               <a:extLst>
                 <a:ext uri="{91240B29-F687-4f45-9708-019B960494DF}">
-                  <a14:hiddenLine xmlns:a14="http://schemas.microsoft.com/office/drawing/2010/main" xmlns="" w="9525">
+                  <a14:hiddenLine xmlns="" xmlns:a14="http://schemas.microsoft.com/office/drawing/2010/main" w="9525">
                     <a:solidFill>
                       <a:srgbClr val="000000"/>
                     </a:solidFill>
@@ -9854,7 +9859,7 @@
               </a:ln>
               <a:extLst>
                 <a:ext uri="{91240B29-F687-4f45-9708-019B960494DF}">
-                  <a14:hiddenLine xmlns:a14="http://schemas.microsoft.com/office/drawing/2010/main" xmlns="" w="9525">
+                  <a14:hiddenLine xmlns="" xmlns:a14="http://schemas.microsoft.com/office/drawing/2010/main" w="9525">
                     <a:solidFill>
                       <a:srgbClr val="000000"/>
                     </a:solidFill>
@@ -9938,7 +9943,7 @@
               </a:ln>
               <a:extLst>
                 <a:ext uri="{91240B29-F687-4f45-9708-019B960494DF}">
-                  <a14:hiddenLine xmlns:a14="http://schemas.microsoft.com/office/drawing/2010/main" xmlns="" w="9525">
+                  <a14:hiddenLine xmlns="" xmlns:a14="http://schemas.microsoft.com/office/drawing/2010/main" w="9525">
                     <a:solidFill>
                       <a:srgbClr val="000000"/>
                     </a:solidFill>
@@ -10000,7 +10005,7 @@
               </a:ln>
               <a:extLst>
                 <a:ext uri="{91240B29-F687-4f45-9708-019B960494DF}">
-                  <a14:hiddenLine xmlns:a14="http://schemas.microsoft.com/office/drawing/2010/main" xmlns="" w="9525">
+                  <a14:hiddenLine xmlns="" xmlns:a14="http://schemas.microsoft.com/office/drawing/2010/main" w="9525">
                     <a:solidFill>
                       <a:srgbClr val="000000"/>
                     </a:solidFill>
@@ -10062,7 +10067,7 @@
               </a:ln>
               <a:extLst>
                 <a:ext uri="{91240B29-F687-4f45-9708-019B960494DF}">
-                  <a14:hiddenLine xmlns:a14="http://schemas.microsoft.com/office/drawing/2010/main" xmlns="" w="9525">
+                  <a14:hiddenLine xmlns="" xmlns:a14="http://schemas.microsoft.com/office/drawing/2010/main" w="9525">
                     <a:solidFill>
                       <a:srgbClr val="000000"/>
                     </a:solidFill>
@@ -10152,7 +10157,7 @@
               </a:ln>
               <a:extLst>
                 <a:ext uri="{91240B29-F687-4f45-9708-019B960494DF}">
-                  <a14:hiddenLine xmlns:a14="http://schemas.microsoft.com/office/drawing/2010/main" xmlns="" w="9525">
+                  <a14:hiddenLine xmlns="" xmlns:a14="http://schemas.microsoft.com/office/drawing/2010/main" w="9525">
                     <a:solidFill>
                       <a:srgbClr val="000000"/>
                     </a:solidFill>
@@ -10186,7 +10191,7 @@
               </a:ln>
               <a:extLst>
                 <a:ext uri="{91240B29-F687-4f45-9708-019B960494DF}">
-                  <a14:hiddenLine xmlns:a14="http://schemas.microsoft.com/office/drawing/2010/main" xmlns="" w="9525">
+                  <a14:hiddenLine xmlns="" xmlns:a14="http://schemas.microsoft.com/office/drawing/2010/main" w="9525">
                     <a:solidFill>
                       <a:srgbClr val="000000"/>
                     </a:solidFill>
@@ -10251,7 +10256,7 @@
               </a:ln>
               <a:extLst>
                 <a:ext uri="{91240B29-F687-4f45-9708-019B960494DF}">
-                  <a14:hiddenLine xmlns:a14="http://schemas.microsoft.com/office/drawing/2010/main" xmlns="" w="9525">
+                  <a14:hiddenLine xmlns="" xmlns:a14="http://schemas.microsoft.com/office/drawing/2010/main" w="9525">
                     <a:solidFill>
                       <a:srgbClr val="000000"/>
                     </a:solidFill>
@@ -10341,7 +10346,7 @@
               </a:ln>
               <a:extLst>
                 <a:ext uri="{91240B29-F687-4f45-9708-019B960494DF}">
-                  <a14:hiddenLine xmlns:a14="http://schemas.microsoft.com/office/drawing/2010/main" xmlns="" w="9525">
+                  <a14:hiddenLine xmlns="" xmlns:a14="http://schemas.microsoft.com/office/drawing/2010/main" w="9525">
                     <a:solidFill>
                       <a:srgbClr val="000000"/>
                     </a:solidFill>
@@ -10403,7 +10408,7 @@
               </a:ln>
               <a:extLst>
                 <a:ext uri="{91240B29-F687-4f45-9708-019B960494DF}">
-                  <a14:hiddenLine xmlns:a14="http://schemas.microsoft.com/office/drawing/2010/main" xmlns="" w="9525">
+                  <a14:hiddenLine xmlns="" xmlns:a14="http://schemas.microsoft.com/office/drawing/2010/main" w="9525">
                     <a:solidFill>
                       <a:srgbClr val="000000"/>
                     </a:solidFill>
@@ -10493,7 +10498,7 @@
               </a:ln>
               <a:extLst>
                 <a:ext uri="{91240B29-F687-4f45-9708-019B960494DF}">
-                  <a14:hiddenLine xmlns:a14="http://schemas.microsoft.com/office/drawing/2010/main" xmlns="" w="9525">
+                  <a14:hiddenLine xmlns="" xmlns:a14="http://schemas.microsoft.com/office/drawing/2010/main" w="9525">
                     <a:solidFill>
                       <a:srgbClr val="000000"/>
                     </a:solidFill>
@@ -10558,7 +10563,7 @@
               </a:ln>
               <a:extLst>
                 <a:ext uri="{91240B29-F687-4f45-9708-019B960494DF}">
-                  <a14:hiddenLine xmlns:a14="http://schemas.microsoft.com/office/drawing/2010/main" xmlns="" w="9525">
+                  <a14:hiddenLine xmlns="" xmlns:a14="http://schemas.microsoft.com/office/drawing/2010/main" w="9525">
                     <a:solidFill>
                       <a:srgbClr val="000000"/>
                     </a:solidFill>
@@ -10620,7 +10625,7 @@
               </a:ln>
               <a:extLst>
                 <a:ext uri="{91240B29-F687-4f45-9708-019B960494DF}">
-                  <a14:hiddenLine xmlns:a14="http://schemas.microsoft.com/office/drawing/2010/main" xmlns="" w="9525">
+                  <a14:hiddenLine xmlns="" xmlns:a14="http://schemas.microsoft.com/office/drawing/2010/main" w="9525">
                     <a:solidFill>
                       <a:srgbClr val="000000"/>
                     </a:solidFill>
@@ -10710,7 +10715,7 @@
               </a:ln>
               <a:extLst>
                 <a:ext uri="{91240B29-F687-4f45-9708-019B960494DF}">
-                  <a14:hiddenLine xmlns:a14="http://schemas.microsoft.com/office/drawing/2010/main" xmlns="" w="9525">
+                  <a14:hiddenLine xmlns="" xmlns:a14="http://schemas.microsoft.com/office/drawing/2010/main" w="9525">
                     <a:solidFill>
                       <a:srgbClr val="000000"/>
                     </a:solidFill>
@@ -10800,7 +10805,7 @@
               </a:ln>
               <a:extLst>
                 <a:ext uri="{91240B29-F687-4f45-9708-019B960494DF}">
-                  <a14:hiddenLine xmlns:a14="http://schemas.microsoft.com/office/drawing/2010/main" xmlns="" w="9525">
+                  <a14:hiddenLine xmlns="" xmlns:a14="http://schemas.microsoft.com/office/drawing/2010/main" w="9525">
                     <a:solidFill>
                       <a:srgbClr val="000000"/>
                     </a:solidFill>
@@ -10865,7 +10870,7 @@
               </a:ln>
               <a:extLst>
                 <a:ext uri="{91240B29-F687-4f45-9708-019B960494DF}">
-                  <a14:hiddenLine xmlns:a14="http://schemas.microsoft.com/office/drawing/2010/main" xmlns="" w="9525">
+                  <a14:hiddenLine xmlns="" xmlns:a14="http://schemas.microsoft.com/office/drawing/2010/main" w="9525">
                     <a:solidFill>
                       <a:srgbClr val="000000"/>
                     </a:solidFill>
@@ -10985,7 +10990,7 @@
               </a:ln>
               <a:extLst>
                 <a:ext uri="{91240B29-F687-4f45-9708-019B960494DF}">
-                  <a14:hiddenLine xmlns:a14="http://schemas.microsoft.com/office/drawing/2010/main" xmlns="" w="9525">
+                  <a14:hiddenLine xmlns="" xmlns:a14="http://schemas.microsoft.com/office/drawing/2010/main" w="9525">
                     <a:solidFill>
                       <a:srgbClr val="000000"/>
                     </a:solidFill>
@@ -11083,7 +11088,7 @@
               </a:ln>
               <a:extLst>
                 <a:ext uri="{91240B29-F687-4f45-9708-019B960494DF}">
-                  <a14:hiddenLine xmlns:a14="http://schemas.microsoft.com/office/drawing/2010/main" xmlns="" w="9525">
+                  <a14:hiddenLine xmlns="" xmlns:a14="http://schemas.microsoft.com/office/drawing/2010/main" w="9525">
                     <a:solidFill>
                       <a:srgbClr val="000000"/>
                     </a:solidFill>
@@ -11198,7 +11203,7 @@
               </a:ln>
               <a:extLst>
                 <a:ext uri="{91240B29-F687-4f45-9708-019B960494DF}">
-                  <a14:hiddenLine xmlns:a14="http://schemas.microsoft.com/office/drawing/2010/main" xmlns="" w="9525">
+                  <a14:hiddenLine xmlns="" xmlns:a14="http://schemas.microsoft.com/office/drawing/2010/main" w="9525">
                     <a:solidFill>
                       <a:srgbClr val="000000"/>
                     </a:solidFill>
@@ -11288,7 +11293,7 @@
               </a:ln>
               <a:extLst>
                 <a:ext uri="{91240B29-F687-4f45-9708-019B960494DF}">
-                  <a14:hiddenLine xmlns:a14="http://schemas.microsoft.com/office/drawing/2010/main" xmlns="" w="9525">
+                  <a14:hiddenLine xmlns="" xmlns:a14="http://schemas.microsoft.com/office/drawing/2010/main" w="9525">
                     <a:solidFill>
                       <a:srgbClr val="000000"/>
                     </a:solidFill>
@@ -11353,7 +11358,7 @@
               </a:ln>
               <a:extLst>
                 <a:ext uri="{91240B29-F687-4f45-9708-019B960494DF}">
-                  <a14:hiddenLine xmlns:a14="http://schemas.microsoft.com/office/drawing/2010/main" xmlns="" w="9525">
+                  <a14:hiddenLine xmlns="" xmlns:a14="http://schemas.microsoft.com/office/drawing/2010/main" w="9525">
                     <a:solidFill>
                       <a:srgbClr val="000000"/>
                     </a:solidFill>
@@ -11443,7 +11448,7 @@
               </a:ln>
               <a:extLst>
                 <a:ext uri="{91240B29-F687-4f45-9708-019B960494DF}">
-                  <a14:hiddenLine xmlns:a14="http://schemas.microsoft.com/office/drawing/2010/main" xmlns="" w="9525">
+                  <a14:hiddenLine xmlns="" xmlns:a14="http://schemas.microsoft.com/office/drawing/2010/main" w="9525">
                     <a:solidFill>
                       <a:srgbClr val="000000"/>
                     </a:solidFill>
@@ -11511,7 +11516,7 @@
               </a:ln>
               <a:extLst>
                 <a:ext uri="{91240B29-F687-4f45-9708-019B960494DF}">
-                  <a14:hiddenLine xmlns:a14="http://schemas.microsoft.com/office/drawing/2010/main" xmlns="" w="9525">
+                  <a14:hiddenLine xmlns="" xmlns:a14="http://schemas.microsoft.com/office/drawing/2010/main" w="9525">
                     <a:solidFill>
                       <a:srgbClr val="000000"/>
                     </a:solidFill>
@@ -11601,7 +11606,7 @@
               </a:ln>
               <a:extLst>
                 <a:ext uri="{91240B29-F687-4f45-9708-019B960494DF}">
-                  <a14:hiddenLine xmlns:a14="http://schemas.microsoft.com/office/drawing/2010/main" xmlns="" w="9525">
+                  <a14:hiddenLine xmlns="" xmlns:a14="http://schemas.microsoft.com/office/drawing/2010/main" w="9525">
                     <a:solidFill>
                       <a:srgbClr val="000000"/>
                     </a:solidFill>
@@ -11669,7 +11674,7 @@
               </a:ln>
               <a:extLst>
                 <a:ext uri="{91240B29-F687-4f45-9708-019B960494DF}">
-                  <a14:hiddenLine xmlns:a14="http://schemas.microsoft.com/office/drawing/2010/main" xmlns="" w="9525">
+                  <a14:hiddenLine xmlns="" xmlns:a14="http://schemas.microsoft.com/office/drawing/2010/main" w="9525">
                     <a:solidFill>
                       <a:srgbClr val="000000"/>
                     </a:solidFill>
@@ -11759,7 +11764,7 @@
               </a:ln>
               <a:extLst>
                 <a:ext uri="{91240B29-F687-4f45-9708-019B960494DF}">
-                  <a14:hiddenLine xmlns:a14="http://schemas.microsoft.com/office/drawing/2010/main" xmlns="" w="9525">
+                  <a14:hiddenLine xmlns="" xmlns:a14="http://schemas.microsoft.com/office/drawing/2010/main" w="9525">
                     <a:solidFill>
                       <a:srgbClr val="000000"/>
                     </a:solidFill>
@@ -11793,7 +11798,7 @@
               </a:ln>
               <a:extLst>
                 <a:ext uri="{91240B29-F687-4f45-9708-019B960494DF}">
-                  <a14:hiddenLine xmlns:a14="http://schemas.microsoft.com/office/drawing/2010/main" xmlns="" w="9525">
+                  <a14:hiddenLine xmlns="" xmlns:a14="http://schemas.microsoft.com/office/drawing/2010/main" w="9525">
                     <a:solidFill>
                       <a:srgbClr val="000000"/>
                     </a:solidFill>
@@ -12371,7 +12376,6 @@
               <a:rPr lang="en-US" sz="3600" dirty="0"/>
               <a:t>An Experimental Application of Unsupervised Modeling to Chatbots</a:t>
             </a:r>
-            <a:endParaRPr lang="en-US" sz="3600" dirty="0"/>
           </a:p>
         </p:txBody>
       </p:sp>
@@ -12798,7 +12802,36 @@
           <a:p>
             <a:r>
               <a:rPr lang="en-US" dirty="0"/>
-              <a:t>How we plan to create it…..</a:t>
+              <a:t>Use unsupervised learning algorithm (TBD) to group tweets</a:t>
+            </a:r>
+          </a:p>
+          <a:p>
+            <a:r>
+              <a:rPr lang="en-US" dirty="0"/>
+              <a:t>Group into: Question, Answer, Comment, </a:t>
+            </a:r>
+            <a:r>
+              <a:rPr lang="en-US" dirty="0" err="1"/>
+              <a:t>etc</a:t>
+            </a:r>
+            <a:endParaRPr lang="en-US" dirty="0"/>
+          </a:p>
+          <a:p>
+            <a:r>
+              <a:rPr lang="en-US" dirty="0"/>
+              <a:t>If input is a Question, respond with a tweet from Answer</a:t>
+            </a:r>
+          </a:p>
+          <a:p>
+            <a:r>
+              <a:rPr lang="en-US" dirty="0"/>
+              <a:t>Pick best tweet by comparing number of same noun categories</a:t>
+            </a:r>
+          </a:p>
+          <a:p>
+            <a:r>
+              <a:rPr lang="en-US" dirty="0"/>
+              <a:t>Example noun categories: Italian Food, Video Games, Computer Science</a:t>
             </a:r>
           </a:p>
         </p:txBody>
@@ -12872,7 +12905,13 @@
           <a:p>
             <a:r>
               <a:rPr lang="en-US" dirty="0"/>
-              <a:t>What the outcome will look like…</a:t>
+              <a:t>To test, will give a tweet as input</a:t>
+            </a:r>
+          </a:p>
+          <a:p>
+            <a:r>
+              <a:rPr lang="en-US" dirty="0"/>
+              <a:t>If it responds with same response tweet as the real conversation, success</a:t>
             </a:r>
           </a:p>
         </p:txBody>
@@ -12946,19 +12985,19 @@
           <a:p>
             <a:r>
               <a:rPr lang="en-US" dirty="0"/>
-              <a:t>Chatbot create human-like responses</a:t>
+              <a:t>Chatbots create human-like responses</a:t>
             </a:r>
           </a:p>
           <a:p>
             <a:r>
               <a:rPr lang="en-US" dirty="0"/>
-              <a:t>Tools used</a:t>
+              <a:t>Will use a unsupervised learning algorithm</a:t>
             </a:r>
           </a:p>
           <a:p>
             <a:r>
               <a:rPr lang="en-US" dirty="0"/>
-              <a:t>What it will look like</a:t>
+              <a:t>Ours will have more human-like responses </a:t>
             </a:r>
           </a:p>
           <a:p>

--- a/Marble_Varga_Prop_Presentation.pptx
+++ b/Marble_Varga_Prop_Presentation.pptx
@@ -9,10 +9,12 @@
     <p:sldId id="258" r:id="rId3"/>
     <p:sldId id="257" r:id="rId4"/>
     <p:sldId id="263" r:id="rId5"/>
-    <p:sldId id="259" r:id="rId6"/>
-    <p:sldId id="260" r:id="rId7"/>
-    <p:sldId id="261" r:id="rId8"/>
-    <p:sldId id="262" r:id="rId9"/>
+    <p:sldId id="264" r:id="rId6"/>
+    <p:sldId id="265" r:id="rId7"/>
+    <p:sldId id="266" r:id="rId8"/>
+    <p:sldId id="267" r:id="rId9"/>
+    <p:sldId id="268" r:id="rId10"/>
+    <p:sldId id="262" r:id="rId11"/>
   </p:sldIdLst>
   <p:sldSz cx="12192000" cy="6858000"/>
   <p:notesSz cx="6858000" cy="9144000"/>
@@ -119,6 +121,3883 @@
 </p:presentation>
 </file>
 
+<file path=ppt/revisionInfo.xml><?xml version="1.0" encoding="utf-8"?>
+<p1510:revInfo xmlns:a="http://schemas.openxmlformats.org/drawingml/2006/main" xmlns:r="http://schemas.openxmlformats.org/officeDocument/2006/relationships" xmlns:p1510="http://schemas.microsoft.com/office/powerpoint/2015/10/main"/>
+</file>
+
+<file path=ppt/charts/chart1.xml><?xml version="1.0" encoding="utf-8"?>
+<c:chartSpace xmlns:c="http://schemas.openxmlformats.org/drawingml/2006/chart" xmlns:a="http://schemas.openxmlformats.org/drawingml/2006/main" xmlns:r="http://schemas.openxmlformats.org/officeDocument/2006/relationships" xmlns:c16r2="http://schemas.microsoft.com/office/drawing/2015/06/chart">
+  <c:date1904 val="0"/>
+  <c:lang val="en-US"/>
+  <c:roundedCorners val="0"/>
+  <mc:AlternateContent xmlns:mc="http://schemas.openxmlformats.org/markup-compatibility/2006">
+    <mc:Choice xmlns:c14="http://schemas.microsoft.com/office/drawing/2007/8/2/chart" Requires="c14">
+      <c14:style val="102"/>
+    </mc:Choice>
+    <mc:Fallback>
+      <c:style val="2"/>
+    </mc:Fallback>
+  </mc:AlternateContent>
+  <c:chart>
+    <c:title>
+      <c:tx>
+        <c:rich>
+          <a:bodyPr rot="0" spcFirstLastPara="1" vertOverflow="ellipsis" vert="horz" wrap="square" anchor="ctr" anchorCtr="1"/>
+          <a:lstStyle/>
+          <a:p>
+            <a:pPr>
+              <a:defRPr sz="1400" b="0" i="0" u="none" strike="noStrike" kern="1200" spc="0" baseline="0">
+                <a:solidFill>
+                  <a:schemeClr val="tx1">
+                    <a:lumMod val="65000"/>
+                    <a:lumOff val="35000"/>
+                  </a:schemeClr>
+                </a:solidFill>
+                <a:latin typeface="+mn-lt"/>
+                <a:ea typeface="+mn-ea"/>
+                <a:cs typeface="+mn-cs"/>
+              </a:defRPr>
+            </a:pPr>
+            <a:r>
+              <a:rPr lang="en-US" dirty="0">
+                <a:solidFill>
+                  <a:schemeClr val="bg1"/>
+                </a:solidFill>
+              </a:rPr>
+              <a:t>Population</a:t>
+            </a:r>
+            <a:r>
+              <a:rPr lang="en-US" baseline="0" dirty="0">
+                <a:solidFill>
+                  <a:schemeClr val="bg1"/>
+                </a:solidFill>
+              </a:rPr>
+              <a:t> size vs Percentage Responded</a:t>
+            </a:r>
+            <a:endParaRPr lang="en-US" dirty="0">
+              <a:solidFill>
+                <a:schemeClr val="bg1"/>
+              </a:solidFill>
+            </a:endParaRPr>
+          </a:p>
+        </c:rich>
+      </c:tx>
+      <c:overlay val="0"/>
+      <c:spPr>
+        <a:noFill/>
+        <a:ln>
+          <a:noFill/>
+        </a:ln>
+        <a:effectLst/>
+      </c:spPr>
+      <c:txPr>
+        <a:bodyPr rot="0" spcFirstLastPara="1" vertOverflow="ellipsis" vert="horz" wrap="square" anchor="ctr" anchorCtr="1"/>
+        <a:lstStyle/>
+        <a:p>
+          <a:pPr>
+            <a:defRPr sz="1400" b="0" i="0" u="none" strike="noStrike" kern="1200" spc="0" baseline="0">
+              <a:solidFill>
+                <a:schemeClr val="tx1">
+                  <a:lumMod val="65000"/>
+                  <a:lumOff val="35000"/>
+                </a:schemeClr>
+              </a:solidFill>
+              <a:latin typeface="+mn-lt"/>
+              <a:ea typeface="+mn-ea"/>
+              <a:cs typeface="+mn-cs"/>
+            </a:defRPr>
+          </a:pPr>
+          <a:endParaRPr lang="en-US"/>
+        </a:p>
+      </c:txPr>
+    </c:title>
+    <c:autoTitleDeleted val="0"/>
+    <c:plotArea>
+      <c:layout/>
+      <c:lineChart>
+        <c:grouping val="standard"/>
+        <c:varyColors val="0"/>
+        <c:ser>
+          <c:idx val="1"/>
+          <c:order val="0"/>
+          <c:tx>
+            <c:strRef>
+              <c:f>Sheet1!$A$2</c:f>
+              <c:strCache>
+                <c:ptCount val="1"/>
+                <c:pt idx="0">
+                  <c:v>Percentage of response</c:v>
+                </c:pt>
+              </c:strCache>
+            </c:strRef>
+          </c:tx>
+          <c:spPr>
+            <a:ln w="28575" cap="rnd">
+              <a:solidFill>
+                <a:schemeClr val="accent2"/>
+              </a:solidFill>
+              <a:round/>
+            </a:ln>
+            <a:effectLst/>
+          </c:spPr>
+          <c:marker>
+            <c:symbol val="none"/>
+          </c:marker>
+          <c:cat>
+            <c:numRef>
+              <c:f>Sheet1!$B$1:$W$1</c:f>
+              <c:numCache>
+                <c:formatCode>General</c:formatCode>
+                <c:ptCount val="22"/>
+                <c:pt idx="0">
+                  <c:v>1</c:v>
+                </c:pt>
+                <c:pt idx="1">
+                  <c:v>2</c:v>
+                </c:pt>
+                <c:pt idx="2">
+                  <c:v>3</c:v>
+                </c:pt>
+                <c:pt idx="3">
+                  <c:v>4</c:v>
+                </c:pt>
+                <c:pt idx="4">
+                  <c:v>5</c:v>
+                </c:pt>
+                <c:pt idx="5">
+                  <c:v>6</c:v>
+                </c:pt>
+                <c:pt idx="6">
+                  <c:v>7</c:v>
+                </c:pt>
+                <c:pt idx="7">
+                  <c:v>8</c:v>
+                </c:pt>
+                <c:pt idx="8">
+                  <c:v>9</c:v>
+                </c:pt>
+                <c:pt idx="9">
+                  <c:v>10</c:v>
+                </c:pt>
+                <c:pt idx="10">
+                  <c:v>11</c:v>
+                </c:pt>
+                <c:pt idx="11">
+                  <c:v>12</c:v>
+                </c:pt>
+                <c:pt idx="12">
+                  <c:v>13</c:v>
+                </c:pt>
+                <c:pt idx="13">
+                  <c:v>14</c:v>
+                </c:pt>
+                <c:pt idx="14">
+                  <c:v>15</c:v>
+                </c:pt>
+                <c:pt idx="15">
+                  <c:v>20</c:v>
+                </c:pt>
+                <c:pt idx="16">
+                  <c:v>25</c:v>
+                </c:pt>
+                <c:pt idx="17">
+                  <c:v>30</c:v>
+                </c:pt>
+                <c:pt idx="18">
+                  <c:v>35</c:v>
+                </c:pt>
+                <c:pt idx="19">
+                  <c:v>40</c:v>
+                </c:pt>
+                <c:pt idx="20">
+                  <c:v>50</c:v>
+                </c:pt>
+                <c:pt idx="21">
+                  <c:v>100</c:v>
+                </c:pt>
+              </c:numCache>
+            </c:numRef>
+          </c:cat>
+          <c:val>
+            <c:numRef>
+              <c:f>Sheet1!$B$2:$W$2</c:f>
+              <c:numCache>
+                <c:formatCode>General</c:formatCode>
+                <c:ptCount val="22"/>
+                <c:pt idx="0">
+                  <c:v>30</c:v>
+                </c:pt>
+                <c:pt idx="1">
+                  <c:v>50</c:v>
+                </c:pt>
+                <c:pt idx="2">
+                  <c:v>56</c:v>
+                </c:pt>
+                <c:pt idx="3">
+                  <c:v>63</c:v>
+                </c:pt>
+                <c:pt idx="4">
+                  <c:v>66</c:v>
+                </c:pt>
+                <c:pt idx="5">
+                  <c:v>66</c:v>
+                </c:pt>
+                <c:pt idx="6">
+                  <c:v>66</c:v>
+                </c:pt>
+                <c:pt idx="7">
+                  <c:v>66</c:v>
+                </c:pt>
+                <c:pt idx="8">
+                  <c:v>66</c:v>
+                </c:pt>
+                <c:pt idx="9">
+                  <c:v>70</c:v>
+                </c:pt>
+                <c:pt idx="10">
+                  <c:v>70</c:v>
+                </c:pt>
+                <c:pt idx="11">
+                  <c:v>70</c:v>
+                </c:pt>
+                <c:pt idx="12">
+                  <c:v>70</c:v>
+                </c:pt>
+                <c:pt idx="13">
+                  <c:v>70</c:v>
+                </c:pt>
+                <c:pt idx="14">
+                  <c:v>73</c:v>
+                </c:pt>
+                <c:pt idx="15">
+                  <c:v>73</c:v>
+                </c:pt>
+                <c:pt idx="16">
+                  <c:v>73</c:v>
+                </c:pt>
+                <c:pt idx="17">
+                  <c:v>73</c:v>
+                </c:pt>
+                <c:pt idx="18">
+                  <c:v>76</c:v>
+                </c:pt>
+                <c:pt idx="19">
+                  <c:v>76</c:v>
+                </c:pt>
+                <c:pt idx="20">
+                  <c:v>76</c:v>
+                </c:pt>
+                <c:pt idx="21">
+                  <c:v>80</c:v>
+                </c:pt>
+              </c:numCache>
+            </c:numRef>
+          </c:val>
+          <c:smooth val="0"/>
+          <c:extLst>
+            <c:ext xmlns:c16="http://schemas.microsoft.com/office/drawing/2014/chart" uri="{C3380CC4-5D6E-409C-BE32-E72D297353CC}">
+              <c16:uniqueId val="{00000000-B6CA-4E40-9BAD-A893F61B3ED8}"/>
+            </c:ext>
+          </c:extLst>
+        </c:ser>
+        <c:dLbls>
+          <c:showLegendKey val="0"/>
+          <c:showVal val="0"/>
+          <c:showCatName val="0"/>
+          <c:showSerName val="0"/>
+          <c:showPercent val="0"/>
+          <c:showBubbleSize val="0"/>
+        </c:dLbls>
+        <c:smooth val="0"/>
+        <c:axId val="470449768"/>
+        <c:axId val="221964152"/>
+      </c:lineChart>
+      <c:catAx>
+        <c:axId val="470449768"/>
+        <c:scaling>
+          <c:orientation val="minMax"/>
+        </c:scaling>
+        <c:delete val="0"/>
+        <c:axPos val="b"/>
+        <c:title>
+          <c:tx>
+            <c:rich>
+              <a:bodyPr rot="0" spcFirstLastPara="1" vertOverflow="ellipsis" vert="horz" wrap="square" anchor="ctr" anchorCtr="1"/>
+              <a:lstStyle/>
+              <a:p>
+                <a:pPr>
+                  <a:defRPr sz="1000" b="0" i="0" u="none" strike="noStrike" kern="1200" baseline="0">
+                    <a:solidFill>
+                      <a:schemeClr val="tx1">
+                        <a:lumMod val="65000"/>
+                        <a:lumOff val="35000"/>
+                      </a:schemeClr>
+                    </a:solidFill>
+                    <a:latin typeface="+mn-lt"/>
+                    <a:ea typeface="+mn-ea"/>
+                    <a:cs typeface="+mn-cs"/>
+                  </a:defRPr>
+                </a:pPr>
+                <a:r>
+                  <a:rPr lang="en-US" dirty="0">
+                    <a:solidFill>
+                      <a:schemeClr val="bg1"/>
+                    </a:solidFill>
+                  </a:rPr>
+                  <a:t>Size of</a:t>
+                </a:r>
+                <a:r>
+                  <a:rPr lang="en-US" baseline="0" dirty="0">
+                    <a:solidFill>
+                      <a:schemeClr val="bg1"/>
+                    </a:solidFill>
+                  </a:rPr>
+                  <a:t> Population</a:t>
+                </a:r>
+                <a:endParaRPr lang="en-US" dirty="0">
+                  <a:solidFill>
+                    <a:schemeClr val="bg1"/>
+                  </a:solidFill>
+                </a:endParaRPr>
+              </a:p>
+            </c:rich>
+          </c:tx>
+          <c:overlay val="0"/>
+          <c:spPr>
+            <a:noFill/>
+            <a:ln>
+              <a:noFill/>
+            </a:ln>
+            <a:effectLst/>
+          </c:spPr>
+          <c:txPr>
+            <a:bodyPr rot="0" spcFirstLastPara="1" vertOverflow="ellipsis" vert="horz" wrap="square" anchor="ctr" anchorCtr="1"/>
+            <a:lstStyle/>
+            <a:p>
+              <a:pPr>
+                <a:defRPr sz="1000" b="0" i="0" u="none" strike="noStrike" kern="1200" baseline="0">
+                  <a:solidFill>
+                    <a:schemeClr val="tx1">
+                      <a:lumMod val="65000"/>
+                      <a:lumOff val="35000"/>
+                    </a:schemeClr>
+                  </a:solidFill>
+                  <a:latin typeface="+mn-lt"/>
+                  <a:ea typeface="+mn-ea"/>
+                  <a:cs typeface="+mn-cs"/>
+                </a:defRPr>
+              </a:pPr>
+              <a:endParaRPr lang="en-US"/>
+            </a:p>
+          </c:txPr>
+        </c:title>
+        <c:numFmt formatCode="General" sourceLinked="1"/>
+        <c:majorTickMark val="out"/>
+        <c:minorTickMark val="none"/>
+        <c:tickLblPos val="nextTo"/>
+        <c:spPr>
+          <a:noFill/>
+          <a:ln w="9525" cap="flat" cmpd="sng" algn="ctr">
+            <a:solidFill>
+              <a:schemeClr val="tx1">
+                <a:lumMod val="15000"/>
+                <a:lumOff val="85000"/>
+              </a:schemeClr>
+            </a:solidFill>
+            <a:round/>
+          </a:ln>
+          <a:effectLst/>
+        </c:spPr>
+        <c:txPr>
+          <a:bodyPr rot="-60000000" spcFirstLastPara="1" vertOverflow="ellipsis" vert="horz" wrap="square" anchor="ctr" anchorCtr="1"/>
+          <a:lstStyle/>
+          <a:p>
+            <a:pPr>
+              <a:defRPr sz="900" b="0" i="0" u="none" strike="noStrike" kern="1200" baseline="0">
+                <a:solidFill>
+                  <a:schemeClr val="bg1"/>
+                </a:solidFill>
+                <a:latin typeface="+mn-lt"/>
+                <a:ea typeface="+mn-ea"/>
+                <a:cs typeface="+mn-cs"/>
+              </a:defRPr>
+            </a:pPr>
+            <a:endParaRPr lang="en-US"/>
+          </a:p>
+        </c:txPr>
+        <c:crossAx val="221964152"/>
+        <c:crosses val="autoZero"/>
+        <c:auto val="1"/>
+        <c:lblAlgn val="ctr"/>
+        <c:lblOffset val="100"/>
+        <c:noMultiLvlLbl val="0"/>
+      </c:catAx>
+      <c:valAx>
+        <c:axId val="221964152"/>
+        <c:scaling>
+          <c:orientation val="minMax"/>
+        </c:scaling>
+        <c:delete val="0"/>
+        <c:axPos val="l"/>
+        <c:majorGridlines>
+          <c:spPr>
+            <a:ln w="9525" cap="flat" cmpd="sng" algn="ctr">
+              <a:solidFill>
+                <a:schemeClr val="tx1">
+                  <a:lumMod val="15000"/>
+                  <a:lumOff val="85000"/>
+                </a:schemeClr>
+              </a:solidFill>
+              <a:round/>
+            </a:ln>
+            <a:effectLst/>
+          </c:spPr>
+        </c:majorGridlines>
+        <c:title>
+          <c:tx>
+            <c:rich>
+              <a:bodyPr rot="-5400000" spcFirstLastPara="1" vertOverflow="ellipsis" vert="horz" wrap="square" anchor="ctr" anchorCtr="1"/>
+              <a:lstStyle/>
+              <a:p>
+                <a:pPr>
+                  <a:defRPr sz="1000" b="0" i="0" u="none" strike="noStrike" kern="1200" baseline="0">
+                    <a:solidFill>
+                      <a:schemeClr val="tx1">
+                        <a:lumMod val="65000"/>
+                        <a:lumOff val="35000"/>
+                      </a:schemeClr>
+                    </a:solidFill>
+                    <a:latin typeface="+mn-lt"/>
+                    <a:ea typeface="+mn-ea"/>
+                    <a:cs typeface="+mn-cs"/>
+                  </a:defRPr>
+                </a:pPr>
+                <a:r>
+                  <a:rPr lang="en-US" dirty="0">
+                    <a:solidFill>
+                      <a:schemeClr val="bg1"/>
+                    </a:solidFill>
+                  </a:rPr>
+                  <a:t>Percentage</a:t>
+                </a:r>
+                <a:r>
+                  <a:rPr lang="en-US" baseline="0" dirty="0">
+                    <a:solidFill>
+                      <a:schemeClr val="bg1"/>
+                    </a:solidFill>
+                  </a:rPr>
+                  <a:t> responded</a:t>
+                </a:r>
+                <a:endParaRPr lang="en-US" dirty="0">
+                  <a:solidFill>
+                    <a:schemeClr val="bg1"/>
+                  </a:solidFill>
+                </a:endParaRPr>
+              </a:p>
+            </c:rich>
+          </c:tx>
+          <c:overlay val="0"/>
+          <c:spPr>
+            <a:noFill/>
+            <a:ln>
+              <a:noFill/>
+            </a:ln>
+            <a:effectLst/>
+          </c:spPr>
+          <c:txPr>
+            <a:bodyPr rot="-5400000" spcFirstLastPara="1" vertOverflow="ellipsis" vert="horz" wrap="square" anchor="ctr" anchorCtr="1"/>
+            <a:lstStyle/>
+            <a:p>
+              <a:pPr>
+                <a:defRPr sz="1000" b="0" i="0" u="none" strike="noStrike" kern="1200" baseline="0">
+                  <a:solidFill>
+                    <a:schemeClr val="tx1">
+                      <a:lumMod val="65000"/>
+                      <a:lumOff val="35000"/>
+                    </a:schemeClr>
+                  </a:solidFill>
+                  <a:latin typeface="+mn-lt"/>
+                  <a:ea typeface="+mn-ea"/>
+                  <a:cs typeface="+mn-cs"/>
+                </a:defRPr>
+              </a:pPr>
+              <a:endParaRPr lang="en-US"/>
+            </a:p>
+          </c:txPr>
+        </c:title>
+        <c:numFmt formatCode="General" sourceLinked="1"/>
+        <c:majorTickMark val="out"/>
+        <c:minorTickMark val="none"/>
+        <c:tickLblPos val="nextTo"/>
+        <c:spPr>
+          <a:noFill/>
+          <a:ln>
+            <a:noFill/>
+          </a:ln>
+          <a:effectLst/>
+        </c:spPr>
+        <c:txPr>
+          <a:bodyPr rot="-60000000" spcFirstLastPara="1" vertOverflow="ellipsis" vert="horz" wrap="square" anchor="ctr" anchorCtr="1"/>
+          <a:lstStyle/>
+          <a:p>
+            <a:pPr>
+              <a:defRPr sz="900" b="0" i="0" u="none" strike="noStrike" kern="1200" baseline="0">
+                <a:solidFill>
+                  <a:schemeClr val="bg1"/>
+                </a:solidFill>
+                <a:latin typeface="+mn-lt"/>
+                <a:ea typeface="+mn-ea"/>
+                <a:cs typeface="+mn-cs"/>
+              </a:defRPr>
+            </a:pPr>
+            <a:endParaRPr lang="en-US"/>
+          </a:p>
+        </c:txPr>
+        <c:crossAx val="470449768"/>
+        <c:crosses val="autoZero"/>
+        <c:crossBetween val="between"/>
+      </c:valAx>
+      <c:spPr>
+        <a:noFill/>
+        <a:ln>
+          <a:noFill/>
+        </a:ln>
+        <a:effectLst/>
+      </c:spPr>
+    </c:plotArea>
+    <c:legend>
+      <c:legendPos val="b"/>
+      <c:overlay val="0"/>
+      <c:spPr>
+        <a:noFill/>
+        <a:ln>
+          <a:noFill/>
+        </a:ln>
+        <a:effectLst/>
+      </c:spPr>
+      <c:txPr>
+        <a:bodyPr rot="0" spcFirstLastPara="1" vertOverflow="ellipsis" vert="horz" wrap="square" anchor="ctr" anchorCtr="1"/>
+        <a:lstStyle/>
+        <a:p>
+          <a:pPr>
+            <a:defRPr sz="900" b="0" i="0" u="none" strike="noStrike" kern="1200" baseline="0">
+              <a:solidFill>
+                <a:schemeClr val="tx1">
+                  <a:lumMod val="65000"/>
+                  <a:lumOff val="35000"/>
+                </a:schemeClr>
+              </a:solidFill>
+              <a:latin typeface="+mn-lt"/>
+              <a:ea typeface="+mn-ea"/>
+              <a:cs typeface="+mn-cs"/>
+            </a:defRPr>
+          </a:pPr>
+          <a:endParaRPr lang="en-US"/>
+        </a:p>
+      </c:txPr>
+    </c:legend>
+    <c:plotVisOnly val="1"/>
+    <c:dispBlanksAs val="gap"/>
+    <c:showDLblsOverMax val="0"/>
+  </c:chart>
+  <c:spPr>
+    <a:noFill/>
+    <a:ln>
+      <a:noFill/>
+    </a:ln>
+    <a:effectLst/>
+  </c:spPr>
+  <c:txPr>
+    <a:bodyPr/>
+    <a:lstStyle/>
+    <a:p>
+      <a:pPr>
+        <a:defRPr/>
+      </a:pPr>
+      <a:endParaRPr lang="en-US"/>
+    </a:p>
+  </c:txPr>
+  <c:externalData r:id="rId3">
+    <c:autoUpdate val="0"/>
+  </c:externalData>
+</c:chartSpace>
+</file>
+
+<file path=ppt/charts/colors1.xml><?xml version="1.0" encoding="utf-8"?>
+<cs:colorStyle xmlns:cs="http://schemas.microsoft.com/office/drawing/2012/chartStyle" xmlns:a="http://schemas.openxmlformats.org/drawingml/2006/main" meth="cycle" id="10">
+  <a:schemeClr val="accent1"/>
+  <a:schemeClr val="accent2"/>
+  <a:schemeClr val="accent3"/>
+  <a:schemeClr val="accent4"/>
+  <a:schemeClr val="accent5"/>
+  <a:schemeClr val="accent6"/>
+  <cs:variation/>
+  <cs:variation>
+    <a:lumMod val="60000"/>
+  </cs:variation>
+  <cs:variation>
+    <a:lumMod val="80000"/>
+    <a:lumOff val="20000"/>
+  </cs:variation>
+  <cs:variation>
+    <a:lumMod val="80000"/>
+  </cs:variation>
+  <cs:variation>
+    <a:lumMod val="60000"/>
+    <a:lumOff val="40000"/>
+  </cs:variation>
+  <cs:variation>
+    <a:lumMod val="50000"/>
+  </cs:variation>
+  <cs:variation>
+    <a:lumMod val="70000"/>
+    <a:lumOff val="30000"/>
+  </cs:variation>
+  <cs:variation>
+    <a:lumMod val="70000"/>
+  </cs:variation>
+  <cs:variation>
+    <a:lumMod val="50000"/>
+    <a:lumOff val="50000"/>
+  </cs:variation>
+</cs:colorStyle>
+</file>
+
+<file path=ppt/charts/style1.xml><?xml version="1.0" encoding="utf-8"?>
+<cs:chartStyle xmlns:cs="http://schemas.microsoft.com/office/drawing/2012/chartStyle" xmlns:a="http://schemas.openxmlformats.org/drawingml/2006/main" id="227">
+  <cs:axisTitle>
+    <cs:lnRef idx="0"/>
+    <cs:fillRef idx="0"/>
+    <cs:effectRef idx="0"/>
+    <cs:fontRef idx="minor">
+      <a:schemeClr val="tx1">
+        <a:lumMod val="65000"/>
+        <a:lumOff val="35000"/>
+      </a:schemeClr>
+    </cs:fontRef>
+    <cs:defRPr sz="1000" kern="1200"/>
+  </cs:axisTitle>
+  <cs:categoryAxis>
+    <cs:lnRef idx="0"/>
+    <cs:fillRef idx="0"/>
+    <cs:effectRef idx="0"/>
+    <cs:fontRef idx="minor">
+      <a:schemeClr val="tx1">
+        <a:lumMod val="65000"/>
+        <a:lumOff val="35000"/>
+      </a:schemeClr>
+    </cs:fontRef>
+    <cs:spPr>
+      <a:ln w="9525" cap="flat" cmpd="sng" algn="ctr">
+        <a:solidFill>
+          <a:schemeClr val="tx1">
+            <a:lumMod val="15000"/>
+            <a:lumOff val="85000"/>
+          </a:schemeClr>
+        </a:solidFill>
+        <a:round/>
+      </a:ln>
+    </cs:spPr>
+    <cs:defRPr sz="900" kern="1200"/>
+  </cs:categoryAxis>
+  <cs:chartArea mods="allowNoFillOverride allowNoLineOverride">
+    <cs:lnRef idx="0"/>
+    <cs:fillRef idx="0"/>
+    <cs:effectRef idx="0"/>
+    <cs:fontRef idx="minor">
+      <a:schemeClr val="tx1"/>
+    </cs:fontRef>
+    <cs:spPr>
+      <a:solidFill>
+        <a:schemeClr val="bg1"/>
+      </a:solidFill>
+      <a:ln w="9525" cap="flat" cmpd="sng" algn="ctr">
+        <a:solidFill>
+          <a:schemeClr val="tx1">
+            <a:lumMod val="15000"/>
+            <a:lumOff val="85000"/>
+          </a:schemeClr>
+        </a:solidFill>
+        <a:round/>
+      </a:ln>
+    </cs:spPr>
+    <cs:defRPr sz="1000" kern="1200"/>
+  </cs:chartArea>
+  <cs:dataLabel>
+    <cs:lnRef idx="0"/>
+    <cs:fillRef idx="0"/>
+    <cs:effectRef idx="0"/>
+    <cs:fontRef idx="minor">
+      <a:schemeClr val="tx1">
+        <a:lumMod val="75000"/>
+        <a:lumOff val="25000"/>
+      </a:schemeClr>
+    </cs:fontRef>
+    <cs:defRPr sz="900" kern="1200"/>
+  </cs:dataLabel>
+  <cs:dataLabelCallout>
+    <cs:lnRef idx="0"/>
+    <cs:fillRef idx="0"/>
+    <cs:effectRef idx="0"/>
+    <cs:fontRef idx="minor">
+      <a:schemeClr val="dk1">
+        <a:lumMod val="65000"/>
+        <a:lumOff val="35000"/>
+      </a:schemeClr>
+    </cs:fontRef>
+    <cs:spPr>
+      <a:solidFill>
+        <a:schemeClr val="lt1"/>
+      </a:solidFill>
+      <a:ln>
+        <a:solidFill>
+          <a:schemeClr val="dk1">
+            <a:lumMod val="25000"/>
+            <a:lumOff val="75000"/>
+          </a:schemeClr>
+        </a:solidFill>
+      </a:ln>
+    </cs:spPr>
+    <cs:defRPr sz="900" kern="1200"/>
+    <cs:bodyPr rot="0" spcFirstLastPara="1" vertOverflow="clip" horzOverflow="clip" vert="horz" wrap="square" lIns="36576" tIns="18288" rIns="36576" bIns="18288" anchor="ctr" anchorCtr="1">
+      <a:spAutoFit/>
+    </cs:bodyPr>
+  </cs:dataLabelCallout>
+  <cs:dataPoint>
+    <cs:lnRef idx="0"/>
+    <cs:fillRef idx="1">
+      <cs:styleClr val="auto"/>
+    </cs:fillRef>
+    <cs:effectRef idx="0"/>
+    <cs:fontRef idx="minor">
+      <a:schemeClr val="tx1"/>
+    </cs:fontRef>
+    <cs:spPr>
+      <a:solidFill>
+        <a:schemeClr val="phClr"/>
+      </a:solidFill>
+    </cs:spPr>
+  </cs:dataPoint>
+  <cs:dataPoint3D>
+    <cs:lnRef idx="0"/>
+    <cs:fillRef idx="1">
+      <cs:styleClr val="auto"/>
+    </cs:fillRef>
+    <cs:effectRef idx="0"/>
+    <cs:fontRef idx="minor">
+      <a:schemeClr val="tx1"/>
+    </cs:fontRef>
+    <cs:spPr>
+      <a:solidFill>
+        <a:schemeClr val="phClr"/>
+      </a:solidFill>
+    </cs:spPr>
+  </cs:dataPoint3D>
+  <cs:dataPointLine>
+    <cs:lnRef idx="0">
+      <cs:styleClr val="auto"/>
+    </cs:lnRef>
+    <cs:fillRef idx="1"/>
+    <cs:effectRef idx="0"/>
+    <cs:fontRef idx="minor">
+      <a:schemeClr val="tx1"/>
+    </cs:fontRef>
+    <cs:spPr>
+      <a:ln w="28575" cap="rnd">
+        <a:solidFill>
+          <a:schemeClr val="phClr"/>
+        </a:solidFill>
+        <a:round/>
+      </a:ln>
+    </cs:spPr>
+  </cs:dataPointLine>
+  <cs:dataPointMarker>
+    <cs:lnRef idx="0">
+      <cs:styleClr val="auto"/>
+    </cs:lnRef>
+    <cs:fillRef idx="1">
+      <cs:styleClr val="auto"/>
+    </cs:fillRef>
+    <cs:effectRef idx="0"/>
+    <cs:fontRef idx="minor">
+      <a:schemeClr val="tx1"/>
+    </cs:fontRef>
+    <cs:spPr>
+      <a:solidFill>
+        <a:schemeClr val="phClr"/>
+      </a:solidFill>
+      <a:ln w="9525">
+        <a:solidFill>
+          <a:schemeClr val="phClr"/>
+        </a:solidFill>
+      </a:ln>
+    </cs:spPr>
+  </cs:dataPointMarker>
+  <cs:dataPointMarkerLayout symbol="circle" size="5"/>
+  <cs:dataPointWireframe>
+    <cs:lnRef idx="0">
+      <cs:styleClr val="auto"/>
+    </cs:lnRef>
+    <cs:fillRef idx="1"/>
+    <cs:effectRef idx="0"/>
+    <cs:fontRef idx="minor">
+      <a:schemeClr val="tx1"/>
+    </cs:fontRef>
+    <cs:spPr>
+      <a:ln w="9525" cap="rnd">
+        <a:solidFill>
+          <a:schemeClr val="phClr"/>
+        </a:solidFill>
+        <a:round/>
+      </a:ln>
+    </cs:spPr>
+  </cs:dataPointWireframe>
+  <cs:dataTable>
+    <cs:lnRef idx="0"/>
+    <cs:fillRef idx="0"/>
+    <cs:effectRef idx="0"/>
+    <cs:fontRef idx="minor">
+      <a:schemeClr val="tx1">
+        <a:lumMod val="65000"/>
+        <a:lumOff val="35000"/>
+      </a:schemeClr>
+    </cs:fontRef>
+    <cs:spPr>
+      <a:noFill/>
+      <a:ln w="9525" cap="flat" cmpd="sng" algn="ctr">
+        <a:solidFill>
+          <a:schemeClr val="tx1">
+            <a:lumMod val="15000"/>
+            <a:lumOff val="85000"/>
+          </a:schemeClr>
+        </a:solidFill>
+        <a:round/>
+      </a:ln>
+    </cs:spPr>
+    <cs:defRPr sz="900" kern="1200"/>
+  </cs:dataTable>
+  <cs:downBar>
+    <cs:lnRef idx="0"/>
+    <cs:fillRef idx="0"/>
+    <cs:effectRef idx="0"/>
+    <cs:fontRef idx="minor">
+      <a:schemeClr val="dk1"/>
+    </cs:fontRef>
+    <cs:spPr>
+      <a:solidFill>
+        <a:schemeClr val="dk1">
+          <a:lumMod val="65000"/>
+          <a:lumOff val="35000"/>
+        </a:schemeClr>
+      </a:solidFill>
+      <a:ln w="9525">
+        <a:solidFill>
+          <a:schemeClr val="tx1">
+            <a:lumMod val="65000"/>
+            <a:lumOff val="35000"/>
+          </a:schemeClr>
+        </a:solidFill>
+      </a:ln>
+    </cs:spPr>
+  </cs:downBar>
+  <cs:dropLine>
+    <cs:lnRef idx="0"/>
+    <cs:fillRef idx="0"/>
+    <cs:effectRef idx="0"/>
+    <cs:fontRef idx="minor">
+      <a:schemeClr val="tx1"/>
+    </cs:fontRef>
+    <cs:spPr>
+      <a:ln w="9525" cap="flat" cmpd="sng" algn="ctr">
+        <a:solidFill>
+          <a:schemeClr val="tx1">
+            <a:lumMod val="35000"/>
+            <a:lumOff val="65000"/>
+          </a:schemeClr>
+        </a:solidFill>
+        <a:round/>
+      </a:ln>
+    </cs:spPr>
+  </cs:dropLine>
+  <cs:errorBar>
+    <cs:lnRef idx="0"/>
+    <cs:fillRef idx="0"/>
+    <cs:effectRef idx="0"/>
+    <cs:fontRef idx="minor">
+      <a:schemeClr val="tx1"/>
+    </cs:fontRef>
+    <cs:spPr>
+      <a:ln w="9525" cap="flat" cmpd="sng" algn="ctr">
+        <a:solidFill>
+          <a:schemeClr val="tx1">
+            <a:lumMod val="65000"/>
+            <a:lumOff val="35000"/>
+          </a:schemeClr>
+        </a:solidFill>
+        <a:round/>
+      </a:ln>
+    </cs:spPr>
+  </cs:errorBar>
+  <cs:floor>
+    <cs:lnRef idx="0"/>
+    <cs:fillRef idx="0"/>
+    <cs:effectRef idx="0"/>
+    <cs:fontRef idx="minor">
+      <a:schemeClr val="tx1"/>
+    </cs:fontRef>
+    <cs:spPr>
+      <a:noFill/>
+      <a:ln>
+        <a:noFill/>
+      </a:ln>
+    </cs:spPr>
+  </cs:floor>
+  <cs:gridlineMajor>
+    <cs:lnRef idx="0"/>
+    <cs:fillRef idx="0"/>
+    <cs:effectRef idx="0"/>
+    <cs:fontRef idx="minor">
+      <a:schemeClr val="tx1"/>
+    </cs:fontRef>
+    <cs:spPr>
+      <a:ln w="9525" cap="flat" cmpd="sng" algn="ctr">
+        <a:solidFill>
+          <a:schemeClr val="tx1">
+            <a:lumMod val="15000"/>
+            <a:lumOff val="85000"/>
+          </a:schemeClr>
+        </a:solidFill>
+        <a:round/>
+      </a:ln>
+    </cs:spPr>
+  </cs:gridlineMajor>
+  <cs:gridlineMinor>
+    <cs:lnRef idx="0"/>
+    <cs:fillRef idx="0"/>
+    <cs:effectRef idx="0"/>
+    <cs:fontRef idx="minor">
+      <a:schemeClr val="tx1"/>
+    </cs:fontRef>
+    <cs:spPr>
+      <a:ln w="9525" cap="flat" cmpd="sng" algn="ctr">
+        <a:solidFill>
+          <a:schemeClr val="tx1">
+            <a:lumMod val="5000"/>
+            <a:lumOff val="95000"/>
+          </a:schemeClr>
+        </a:solidFill>
+        <a:round/>
+      </a:ln>
+    </cs:spPr>
+  </cs:gridlineMinor>
+  <cs:hiLoLine>
+    <cs:lnRef idx="0"/>
+    <cs:fillRef idx="0"/>
+    <cs:effectRef idx="0"/>
+    <cs:fontRef idx="minor">
+      <a:schemeClr val="tx1"/>
+    </cs:fontRef>
+    <cs:spPr>
+      <a:ln w="9525" cap="flat" cmpd="sng" algn="ctr">
+        <a:solidFill>
+          <a:schemeClr val="tx1">
+            <a:lumMod val="75000"/>
+            <a:lumOff val="25000"/>
+          </a:schemeClr>
+        </a:solidFill>
+        <a:round/>
+      </a:ln>
+    </cs:spPr>
+  </cs:hiLoLine>
+  <cs:leaderLine>
+    <cs:lnRef idx="0"/>
+    <cs:fillRef idx="0"/>
+    <cs:effectRef idx="0"/>
+    <cs:fontRef idx="minor">
+      <a:schemeClr val="tx1"/>
+    </cs:fontRef>
+    <cs:spPr>
+      <a:ln w="9525" cap="flat" cmpd="sng" algn="ctr">
+        <a:solidFill>
+          <a:schemeClr val="tx1">
+            <a:lumMod val="35000"/>
+            <a:lumOff val="65000"/>
+          </a:schemeClr>
+        </a:solidFill>
+        <a:round/>
+      </a:ln>
+    </cs:spPr>
+  </cs:leaderLine>
+  <cs:legend>
+    <cs:lnRef idx="0"/>
+    <cs:fillRef idx="0"/>
+    <cs:effectRef idx="0"/>
+    <cs:fontRef idx="minor">
+      <a:schemeClr val="tx1">
+        <a:lumMod val="65000"/>
+        <a:lumOff val="35000"/>
+      </a:schemeClr>
+    </cs:fontRef>
+    <cs:defRPr sz="900" kern="1200"/>
+  </cs:legend>
+  <cs:plotArea mods="allowNoFillOverride allowNoLineOverride">
+    <cs:lnRef idx="0"/>
+    <cs:fillRef idx="0"/>
+    <cs:effectRef idx="0"/>
+    <cs:fontRef idx="minor">
+      <a:schemeClr val="tx1"/>
+    </cs:fontRef>
+  </cs:plotArea>
+  <cs:plotArea3D mods="allowNoFillOverride allowNoLineOverride">
+    <cs:lnRef idx="0"/>
+    <cs:fillRef idx="0"/>
+    <cs:effectRef idx="0"/>
+    <cs:fontRef idx="minor">
+      <a:schemeClr val="tx1"/>
+    </cs:fontRef>
+  </cs:plotArea3D>
+  <cs:seriesAxis>
+    <cs:lnRef idx="0"/>
+    <cs:fillRef idx="0"/>
+    <cs:effectRef idx="0"/>
+    <cs:fontRef idx="minor">
+      <a:schemeClr val="tx1">
+        <a:lumMod val="65000"/>
+        <a:lumOff val="35000"/>
+      </a:schemeClr>
+    </cs:fontRef>
+    <cs:defRPr sz="900" kern="1200"/>
+  </cs:seriesAxis>
+  <cs:seriesLine>
+    <cs:lnRef idx="0"/>
+    <cs:fillRef idx="0"/>
+    <cs:effectRef idx="0"/>
+    <cs:fontRef idx="minor">
+      <a:schemeClr val="tx1"/>
+    </cs:fontRef>
+    <cs:spPr>
+      <a:ln w="9525" cap="flat" cmpd="sng" algn="ctr">
+        <a:solidFill>
+          <a:schemeClr val="tx1">
+            <a:lumMod val="35000"/>
+            <a:lumOff val="65000"/>
+          </a:schemeClr>
+        </a:solidFill>
+        <a:round/>
+      </a:ln>
+    </cs:spPr>
+  </cs:seriesLine>
+  <cs:title>
+    <cs:lnRef idx="0"/>
+    <cs:fillRef idx="0"/>
+    <cs:effectRef idx="0"/>
+    <cs:fontRef idx="minor">
+      <a:schemeClr val="tx1">
+        <a:lumMod val="65000"/>
+        <a:lumOff val="35000"/>
+      </a:schemeClr>
+    </cs:fontRef>
+    <cs:defRPr sz="1400" b="0" kern="1200" spc="0" baseline="0"/>
+  </cs:title>
+  <cs:trendline>
+    <cs:lnRef idx="0">
+      <cs:styleClr val="auto"/>
+    </cs:lnRef>
+    <cs:fillRef idx="0"/>
+    <cs:effectRef idx="0"/>
+    <cs:fontRef idx="minor">
+      <a:schemeClr val="tx1"/>
+    </cs:fontRef>
+    <cs:spPr>
+      <a:ln w="19050" cap="rnd">
+        <a:solidFill>
+          <a:schemeClr val="phClr"/>
+        </a:solidFill>
+        <a:prstDash val="sysDot"/>
+      </a:ln>
+    </cs:spPr>
+  </cs:trendline>
+  <cs:trendlineLabel>
+    <cs:lnRef idx="0"/>
+    <cs:fillRef idx="0"/>
+    <cs:effectRef idx="0"/>
+    <cs:fontRef idx="minor">
+      <a:schemeClr val="tx1">
+        <a:lumMod val="65000"/>
+        <a:lumOff val="35000"/>
+      </a:schemeClr>
+    </cs:fontRef>
+    <cs:defRPr sz="900" kern="1200"/>
+  </cs:trendlineLabel>
+  <cs:upBar>
+    <cs:lnRef idx="0"/>
+    <cs:fillRef idx="0"/>
+    <cs:effectRef idx="0"/>
+    <cs:fontRef idx="minor">
+      <a:schemeClr val="dk1"/>
+    </cs:fontRef>
+    <cs:spPr>
+      <a:solidFill>
+        <a:schemeClr val="lt1"/>
+      </a:solidFill>
+      <a:ln w="9525">
+        <a:solidFill>
+          <a:schemeClr val="tx1">
+            <a:lumMod val="15000"/>
+            <a:lumOff val="85000"/>
+          </a:schemeClr>
+        </a:solidFill>
+      </a:ln>
+    </cs:spPr>
+  </cs:upBar>
+  <cs:valueAxis>
+    <cs:lnRef idx="0"/>
+    <cs:fillRef idx="0"/>
+    <cs:effectRef idx="0"/>
+    <cs:fontRef idx="minor">
+      <a:schemeClr val="tx1">
+        <a:lumMod val="65000"/>
+        <a:lumOff val="35000"/>
+      </a:schemeClr>
+    </cs:fontRef>
+    <cs:defRPr sz="900" kern="1200"/>
+  </cs:valueAxis>
+  <cs:wall>
+    <cs:lnRef idx="0"/>
+    <cs:fillRef idx="0"/>
+    <cs:effectRef idx="0"/>
+    <cs:fontRef idx="minor">
+      <a:schemeClr val="tx1"/>
+    </cs:fontRef>
+    <cs:spPr>
+      <a:noFill/>
+      <a:ln>
+        <a:noFill/>
+      </a:ln>
+    </cs:spPr>
+  </cs:wall>
+</cs:chartStyle>
+</file>
+
+<file path=ppt/diagrams/colors1.xml><?xml version="1.0" encoding="utf-8"?>
+<dgm:colorsDef xmlns:dgm="http://schemas.openxmlformats.org/drawingml/2006/diagram" xmlns:a="http://schemas.openxmlformats.org/drawingml/2006/main" uniqueId="urn:microsoft.com/office/officeart/2005/8/colors/accent2_2">
+  <dgm:title val=""/>
+  <dgm:desc val=""/>
+  <dgm:catLst>
+    <dgm:cat type="accent2" pri="11200"/>
+  </dgm:catLst>
+  <dgm:styleLbl name="node0">
+    <dgm:fillClrLst meth="repeat">
+      <a:schemeClr val="accent2"/>
+    </dgm:fillClrLst>
+    <dgm:linClrLst meth="repeat">
+      <a:schemeClr val="lt1"/>
+    </dgm:linClrLst>
+    <dgm:effectClrLst/>
+    <dgm:txLinClrLst/>
+    <dgm:txFillClrLst/>
+    <dgm:txEffectClrLst/>
+  </dgm:styleLbl>
+  <dgm:styleLbl name="node1">
+    <dgm:fillClrLst meth="repeat">
+      <a:schemeClr val="accent2"/>
+    </dgm:fillClrLst>
+    <dgm:linClrLst meth="repeat">
+      <a:schemeClr val="lt1"/>
+    </dgm:linClrLst>
+    <dgm:effectClrLst/>
+    <dgm:txLinClrLst/>
+    <dgm:txFillClrLst/>
+    <dgm:txEffectClrLst/>
+  </dgm:styleLbl>
+  <dgm:styleLbl name="alignNode1">
+    <dgm:fillClrLst meth="repeat">
+      <a:schemeClr val="accent2"/>
+    </dgm:fillClrLst>
+    <dgm:linClrLst meth="repeat">
+      <a:schemeClr val="accent2"/>
+    </dgm:linClrLst>
+    <dgm:effectClrLst/>
+    <dgm:txLinClrLst/>
+    <dgm:txFillClrLst/>
+    <dgm:txEffectClrLst/>
+  </dgm:styleLbl>
+  <dgm:styleLbl name="lnNode1">
+    <dgm:fillClrLst meth="repeat">
+      <a:schemeClr val="accent2"/>
+    </dgm:fillClrLst>
+    <dgm:linClrLst meth="repeat">
+      <a:schemeClr val="lt1"/>
+    </dgm:linClrLst>
+    <dgm:effectClrLst/>
+    <dgm:txLinClrLst/>
+    <dgm:txFillClrLst/>
+    <dgm:txEffectClrLst/>
+  </dgm:styleLbl>
+  <dgm:styleLbl name="vennNode1">
+    <dgm:fillClrLst meth="repeat">
+      <a:schemeClr val="accent2">
+        <a:alpha val="50000"/>
+      </a:schemeClr>
+    </dgm:fillClrLst>
+    <dgm:linClrLst meth="repeat">
+      <a:schemeClr val="lt1"/>
+    </dgm:linClrLst>
+    <dgm:effectClrLst/>
+    <dgm:txLinClrLst/>
+    <dgm:txFillClrLst/>
+    <dgm:txEffectClrLst/>
+  </dgm:styleLbl>
+  <dgm:styleLbl name="node2">
+    <dgm:fillClrLst meth="repeat">
+      <a:schemeClr val="accent2"/>
+    </dgm:fillClrLst>
+    <dgm:linClrLst meth="repeat">
+      <a:schemeClr val="lt1"/>
+    </dgm:linClrLst>
+    <dgm:effectClrLst/>
+    <dgm:txLinClrLst/>
+    <dgm:txFillClrLst/>
+    <dgm:txEffectClrLst/>
+  </dgm:styleLbl>
+  <dgm:styleLbl name="node3">
+    <dgm:fillClrLst meth="repeat">
+      <a:schemeClr val="accent2"/>
+    </dgm:fillClrLst>
+    <dgm:linClrLst meth="repeat">
+      <a:schemeClr val="lt1"/>
+    </dgm:linClrLst>
+    <dgm:effectClrLst/>
+    <dgm:txLinClrLst/>
+    <dgm:txFillClrLst/>
+    <dgm:txEffectClrLst/>
+  </dgm:styleLbl>
+  <dgm:styleLbl name="node4">
+    <dgm:fillClrLst meth="repeat">
+      <a:schemeClr val="accent2"/>
+    </dgm:fillClrLst>
+    <dgm:linClrLst meth="repeat">
+      <a:schemeClr val="lt1"/>
+    </dgm:linClrLst>
+    <dgm:effectClrLst/>
+    <dgm:txLinClrLst/>
+    <dgm:txFillClrLst/>
+    <dgm:txEffectClrLst/>
+  </dgm:styleLbl>
+  <dgm:styleLbl name="fgImgPlace1">
+    <dgm:fillClrLst meth="repeat">
+      <a:schemeClr val="accent2">
+        <a:tint val="50000"/>
+      </a:schemeClr>
+    </dgm:fillClrLst>
+    <dgm:linClrLst meth="repeat">
+      <a:schemeClr val="lt1"/>
+    </dgm:linClrLst>
+    <dgm:effectClrLst/>
+    <dgm:txLinClrLst/>
+    <dgm:txFillClrLst meth="repeat">
+      <a:schemeClr val="lt1"/>
+    </dgm:txFillClrLst>
+    <dgm:txEffectClrLst/>
+  </dgm:styleLbl>
+  <dgm:styleLbl name="alignImgPlace1">
+    <dgm:fillClrLst meth="repeat">
+      <a:schemeClr val="accent2">
+        <a:tint val="50000"/>
+      </a:schemeClr>
+    </dgm:fillClrLst>
+    <dgm:linClrLst meth="repeat">
+      <a:schemeClr val="lt1"/>
+    </dgm:linClrLst>
+    <dgm:effectClrLst/>
+    <dgm:txLinClrLst/>
+    <dgm:txFillClrLst meth="repeat">
+      <a:schemeClr val="lt1"/>
+    </dgm:txFillClrLst>
+    <dgm:txEffectClrLst/>
+  </dgm:styleLbl>
+  <dgm:styleLbl name="bgImgPlace1">
+    <dgm:fillClrLst meth="repeat">
+      <a:schemeClr val="accent2">
+        <a:tint val="50000"/>
+      </a:schemeClr>
+    </dgm:fillClrLst>
+    <dgm:linClrLst meth="repeat">
+      <a:schemeClr val="lt1"/>
+    </dgm:linClrLst>
+    <dgm:effectClrLst/>
+    <dgm:txLinClrLst/>
+    <dgm:txFillClrLst meth="repeat">
+      <a:schemeClr val="lt1"/>
+    </dgm:txFillClrLst>
+    <dgm:txEffectClrLst/>
+  </dgm:styleLbl>
+  <dgm:styleLbl name="sibTrans2D1">
+    <dgm:fillClrLst meth="repeat">
+      <a:schemeClr val="accent2">
+        <a:tint val="60000"/>
+      </a:schemeClr>
+    </dgm:fillClrLst>
+    <dgm:linClrLst meth="repeat">
+      <a:schemeClr val="accent2">
+        <a:tint val="60000"/>
+      </a:schemeClr>
+    </dgm:linClrLst>
+    <dgm:effectClrLst/>
+    <dgm:txLinClrLst/>
+    <dgm:txFillClrLst/>
+    <dgm:txEffectClrLst/>
+  </dgm:styleLbl>
+  <dgm:styleLbl name="fgSibTrans2D1">
+    <dgm:fillClrLst meth="repeat">
+      <a:schemeClr val="accent2">
+        <a:tint val="60000"/>
+      </a:schemeClr>
+    </dgm:fillClrLst>
+    <dgm:linClrLst meth="repeat">
+      <a:schemeClr val="accent2">
+        <a:tint val="60000"/>
+      </a:schemeClr>
+    </dgm:linClrLst>
+    <dgm:effectClrLst/>
+    <dgm:txLinClrLst/>
+    <dgm:txFillClrLst/>
+    <dgm:txEffectClrLst/>
+  </dgm:styleLbl>
+  <dgm:styleLbl name="bgSibTrans2D1">
+    <dgm:fillClrLst meth="repeat">
+      <a:schemeClr val="accent2">
+        <a:tint val="60000"/>
+      </a:schemeClr>
+    </dgm:fillClrLst>
+    <dgm:linClrLst meth="repeat">
+      <a:schemeClr val="accent2">
+        <a:tint val="60000"/>
+      </a:schemeClr>
+    </dgm:linClrLst>
+    <dgm:effectClrLst/>
+    <dgm:txLinClrLst/>
+    <dgm:txFillClrLst/>
+    <dgm:txEffectClrLst/>
+  </dgm:styleLbl>
+  <dgm:styleLbl name="sibTrans1D1">
+    <dgm:fillClrLst meth="repeat">
+      <a:schemeClr val="accent2"/>
+    </dgm:fillClrLst>
+    <dgm:linClrLst meth="repeat">
+      <a:schemeClr val="accent2"/>
+    </dgm:linClrLst>
+    <dgm:effectClrLst/>
+    <dgm:txLinClrLst/>
+    <dgm:txFillClrLst meth="repeat">
+      <a:schemeClr val="tx1"/>
+    </dgm:txFillClrLst>
+    <dgm:txEffectClrLst/>
+  </dgm:styleLbl>
+  <dgm:styleLbl name="callout">
+    <dgm:fillClrLst meth="repeat">
+      <a:schemeClr val="accent2"/>
+    </dgm:fillClrLst>
+    <dgm:linClrLst meth="repeat">
+      <a:schemeClr val="accent2">
+        <a:tint val="50000"/>
+      </a:schemeClr>
+    </dgm:linClrLst>
+    <dgm:effectClrLst/>
+    <dgm:txLinClrLst/>
+    <dgm:txFillClrLst meth="repeat">
+      <a:schemeClr val="tx1"/>
+    </dgm:txFillClrLst>
+    <dgm:txEffectClrLst/>
+  </dgm:styleLbl>
+  <dgm:styleLbl name="asst0">
+    <dgm:fillClrLst meth="repeat">
+      <a:schemeClr val="accent2"/>
+    </dgm:fillClrLst>
+    <dgm:linClrLst meth="repeat">
+      <a:schemeClr val="lt1"/>
+    </dgm:linClrLst>
+    <dgm:effectClrLst/>
+    <dgm:txLinClrLst/>
+    <dgm:txFillClrLst/>
+    <dgm:txEffectClrLst/>
+  </dgm:styleLbl>
+  <dgm:styleLbl name="asst1">
+    <dgm:fillClrLst meth="repeat">
+      <a:schemeClr val="accent2"/>
+    </dgm:fillClrLst>
+    <dgm:linClrLst meth="repeat">
+      <a:schemeClr val="lt1"/>
+    </dgm:linClrLst>
+    <dgm:effectClrLst/>
+    <dgm:txLinClrLst/>
+    <dgm:txFillClrLst/>
+    <dgm:txEffectClrLst/>
+  </dgm:styleLbl>
+  <dgm:styleLbl name="asst2">
+    <dgm:fillClrLst meth="repeat">
+      <a:schemeClr val="accent2"/>
+    </dgm:fillClrLst>
+    <dgm:linClrLst meth="repeat">
+      <a:schemeClr val="lt1"/>
+    </dgm:linClrLst>
+    <dgm:effectClrLst/>
+    <dgm:txLinClrLst/>
+    <dgm:txFillClrLst/>
+    <dgm:txEffectClrLst/>
+  </dgm:styleLbl>
+  <dgm:styleLbl name="asst3">
+    <dgm:fillClrLst meth="repeat">
+      <a:schemeClr val="accent2"/>
+    </dgm:fillClrLst>
+    <dgm:linClrLst meth="repeat">
+      <a:schemeClr val="lt1"/>
+    </dgm:linClrLst>
+    <dgm:effectClrLst/>
+    <dgm:txLinClrLst/>
+    <dgm:txFillClrLst/>
+    <dgm:txEffectClrLst/>
+  </dgm:styleLbl>
+  <dgm:styleLbl name="asst4">
+    <dgm:fillClrLst meth="repeat">
+      <a:schemeClr val="accent2"/>
+    </dgm:fillClrLst>
+    <dgm:linClrLst meth="repeat">
+      <a:schemeClr val="lt1"/>
+    </dgm:linClrLst>
+    <dgm:effectClrLst/>
+    <dgm:txLinClrLst/>
+    <dgm:txFillClrLst/>
+    <dgm:txEffectClrLst/>
+  </dgm:styleLbl>
+  <dgm:styleLbl name="parChTrans2D1">
+    <dgm:fillClrLst meth="repeat">
+      <a:schemeClr val="accent2">
+        <a:tint val="60000"/>
+      </a:schemeClr>
+    </dgm:fillClrLst>
+    <dgm:linClrLst meth="repeat">
+      <a:schemeClr val="accent2">
+        <a:tint val="60000"/>
+      </a:schemeClr>
+    </dgm:linClrLst>
+    <dgm:effectClrLst/>
+    <dgm:txLinClrLst/>
+    <dgm:txFillClrLst meth="repeat">
+      <a:schemeClr val="lt1"/>
+    </dgm:txFillClrLst>
+    <dgm:txEffectClrLst/>
+  </dgm:styleLbl>
+  <dgm:styleLbl name="parChTrans2D2">
+    <dgm:fillClrLst meth="repeat">
+      <a:schemeClr val="accent2"/>
+    </dgm:fillClrLst>
+    <dgm:linClrLst meth="repeat">
+      <a:schemeClr val="accent2"/>
+    </dgm:linClrLst>
+    <dgm:effectClrLst/>
+    <dgm:txLinClrLst/>
+    <dgm:txFillClrLst meth="repeat">
+      <a:schemeClr val="lt1"/>
+    </dgm:txFillClrLst>
+    <dgm:txEffectClrLst/>
+  </dgm:styleLbl>
+  <dgm:styleLbl name="parChTrans2D3">
+    <dgm:fillClrLst meth="repeat">
+      <a:schemeClr val="accent2"/>
+    </dgm:fillClrLst>
+    <dgm:linClrLst meth="repeat">
+      <a:schemeClr val="accent2"/>
+    </dgm:linClrLst>
+    <dgm:effectClrLst/>
+    <dgm:txLinClrLst/>
+    <dgm:txFillClrLst meth="repeat">
+      <a:schemeClr val="lt1"/>
+    </dgm:txFillClrLst>
+    <dgm:txEffectClrLst/>
+  </dgm:styleLbl>
+  <dgm:styleLbl name="parChTrans2D4">
+    <dgm:fillClrLst meth="repeat">
+      <a:schemeClr val="accent2"/>
+    </dgm:fillClrLst>
+    <dgm:linClrLst meth="repeat">
+      <a:schemeClr val="accent2"/>
+    </dgm:linClrLst>
+    <dgm:effectClrLst/>
+    <dgm:txLinClrLst/>
+    <dgm:txFillClrLst meth="repeat">
+      <a:schemeClr val="lt1"/>
+    </dgm:txFillClrLst>
+    <dgm:txEffectClrLst/>
+  </dgm:styleLbl>
+  <dgm:styleLbl name="parChTrans1D1">
+    <dgm:fillClrLst meth="repeat">
+      <a:schemeClr val="accent2"/>
+    </dgm:fillClrLst>
+    <dgm:linClrLst meth="repeat">
+      <a:schemeClr val="accent2">
+        <a:shade val="60000"/>
+      </a:schemeClr>
+    </dgm:linClrLst>
+    <dgm:effectClrLst/>
+    <dgm:txLinClrLst/>
+    <dgm:txFillClrLst meth="repeat">
+      <a:schemeClr val="tx1"/>
+    </dgm:txFillClrLst>
+    <dgm:txEffectClrLst/>
+  </dgm:styleLbl>
+  <dgm:styleLbl name="parChTrans1D2">
+    <dgm:fillClrLst meth="repeat">
+      <a:schemeClr val="accent2"/>
+    </dgm:fillClrLst>
+    <dgm:linClrLst meth="repeat">
+      <a:schemeClr val="accent2">
+        <a:shade val="60000"/>
+      </a:schemeClr>
+    </dgm:linClrLst>
+    <dgm:effectClrLst/>
+    <dgm:txLinClrLst/>
+    <dgm:txFillClrLst meth="repeat">
+      <a:schemeClr val="tx1"/>
+    </dgm:txFillClrLst>
+    <dgm:txEffectClrLst/>
+  </dgm:styleLbl>
+  <dgm:styleLbl name="parChTrans1D3">
+    <dgm:fillClrLst meth="repeat">
+      <a:schemeClr val="accent2"/>
+    </dgm:fillClrLst>
+    <dgm:linClrLst meth="repeat">
+      <a:schemeClr val="accent2">
+        <a:shade val="80000"/>
+      </a:schemeClr>
+    </dgm:linClrLst>
+    <dgm:effectClrLst/>
+    <dgm:txLinClrLst/>
+    <dgm:txFillClrLst meth="repeat">
+      <a:schemeClr val="tx1"/>
+    </dgm:txFillClrLst>
+    <dgm:txEffectClrLst/>
+  </dgm:styleLbl>
+  <dgm:styleLbl name="parChTrans1D4">
+    <dgm:fillClrLst meth="repeat">
+      <a:schemeClr val="accent2"/>
+    </dgm:fillClrLst>
+    <dgm:linClrLst meth="repeat">
+      <a:schemeClr val="accent2">
+        <a:shade val="80000"/>
+      </a:schemeClr>
+    </dgm:linClrLst>
+    <dgm:effectClrLst/>
+    <dgm:txLinClrLst/>
+    <dgm:txFillClrLst meth="repeat">
+      <a:schemeClr val="tx1"/>
+    </dgm:txFillClrLst>
+    <dgm:txEffectClrLst/>
+  </dgm:styleLbl>
+  <dgm:styleLbl name="fgAcc1">
+    <dgm:fillClrLst meth="repeat">
+      <a:schemeClr val="lt1">
+        <a:alpha val="90000"/>
+      </a:schemeClr>
+    </dgm:fillClrLst>
+    <dgm:linClrLst meth="repeat">
+      <a:schemeClr val="accent2"/>
+    </dgm:linClrLst>
+    <dgm:effectClrLst/>
+    <dgm:txLinClrLst/>
+    <dgm:txFillClrLst meth="repeat">
+      <a:schemeClr val="dk1"/>
+    </dgm:txFillClrLst>
+    <dgm:txEffectClrLst/>
+  </dgm:styleLbl>
+  <dgm:styleLbl name="conFgAcc1">
+    <dgm:fillClrLst meth="repeat">
+      <a:schemeClr val="lt1">
+        <a:alpha val="90000"/>
+      </a:schemeClr>
+    </dgm:fillClrLst>
+    <dgm:linClrLst meth="repeat">
+      <a:schemeClr val="accent2"/>
+    </dgm:linClrLst>
+    <dgm:effectClrLst/>
+    <dgm:txLinClrLst/>
+    <dgm:txFillClrLst meth="repeat">
+      <a:schemeClr val="dk1"/>
+    </dgm:txFillClrLst>
+    <dgm:txEffectClrLst/>
+  </dgm:styleLbl>
+  <dgm:styleLbl name="alignAcc1">
+    <dgm:fillClrLst meth="repeat">
+      <a:schemeClr val="lt1">
+        <a:alpha val="90000"/>
+      </a:schemeClr>
+    </dgm:fillClrLst>
+    <dgm:linClrLst meth="repeat">
+      <a:schemeClr val="accent2"/>
+    </dgm:linClrLst>
+    <dgm:effectClrLst/>
+    <dgm:txLinClrLst/>
+    <dgm:txFillClrLst meth="repeat">
+      <a:schemeClr val="dk1"/>
+    </dgm:txFillClrLst>
+    <dgm:txEffectClrLst/>
+  </dgm:styleLbl>
+  <dgm:styleLbl name="trAlignAcc1">
+    <dgm:fillClrLst meth="repeat">
+      <a:schemeClr val="lt1">
+        <a:alpha val="40000"/>
+      </a:schemeClr>
+    </dgm:fillClrLst>
+    <dgm:linClrLst meth="repeat">
+      <a:schemeClr val="accent2"/>
+    </dgm:linClrLst>
+    <dgm:effectClrLst/>
+    <dgm:txLinClrLst/>
+    <dgm:txFillClrLst meth="repeat">
+      <a:schemeClr val="dk1"/>
+    </dgm:txFillClrLst>
+    <dgm:txEffectClrLst/>
+  </dgm:styleLbl>
+  <dgm:styleLbl name="bgAcc1">
+    <dgm:fillClrLst meth="repeat">
+      <a:schemeClr val="lt1">
+        <a:alpha val="90000"/>
+      </a:schemeClr>
+    </dgm:fillClrLst>
+    <dgm:linClrLst meth="repeat">
+      <a:schemeClr val="accent2"/>
+    </dgm:linClrLst>
+    <dgm:effectClrLst/>
+    <dgm:txLinClrLst/>
+    <dgm:txFillClrLst meth="repeat">
+      <a:schemeClr val="dk1"/>
+    </dgm:txFillClrLst>
+    <dgm:txEffectClrLst/>
+  </dgm:styleLbl>
+  <dgm:styleLbl name="solidFgAcc1">
+    <dgm:fillClrLst meth="repeat">
+      <a:schemeClr val="lt1"/>
+    </dgm:fillClrLst>
+    <dgm:linClrLst meth="repeat">
+      <a:schemeClr val="accent2"/>
+    </dgm:linClrLst>
+    <dgm:effectClrLst/>
+    <dgm:txLinClrLst/>
+    <dgm:txFillClrLst meth="repeat">
+      <a:schemeClr val="dk1"/>
+    </dgm:txFillClrLst>
+    <dgm:txEffectClrLst/>
+  </dgm:styleLbl>
+  <dgm:styleLbl name="solidAlignAcc1">
+    <dgm:fillClrLst meth="repeat">
+      <a:schemeClr val="lt1"/>
+    </dgm:fillClrLst>
+    <dgm:linClrLst meth="repeat">
+      <a:schemeClr val="accent2"/>
+    </dgm:linClrLst>
+    <dgm:effectClrLst/>
+    <dgm:txLinClrLst/>
+    <dgm:txFillClrLst meth="repeat">
+      <a:schemeClr val="dk1"/>
+    </dgm:txFillClrLst>
+    <dgm:txEffectClrLst/>
+  </dgm:styleLbl>
+  <dgm:styleLbl name="solidBgAcc1">
+    <dgm:fillClrLst meth="repeat">
+      <a:schemeClr val="lt1"/>
+    </dgm:fillClrLst>
+    <dgm:linClrLst meth="repeat">
+      <a:schemeClr val="accent2"/>
+    </dgm:linClrLst>
+    <dgm:effectClrLst/>
+    <dgm:txLinClrLst/>
+    <dgm:txFillClrLst meth="repeat">
+      <a:schemeClr val="dk1"/>
+    </dgm:txFillClrLst>
+    <dgm:txEffectClrLst/>
+  </dgm:styleLbl>
+  <dgm:styleLbl name="fgAccFollowNode1">
+    <dgm:fillClrLst meth="repeat">
+      <a:schemeClr val="accent2">
+        <a:alpha val="90000"/>
+        <a:tint val="40000"/>
+      </a:schemeClr>
+    </dgm:fillClrLst>
+    <dgm:linClrLst meth="repeat">
+      <a:schemeClr val="accent2">
+        <a:alpha val="90000"/>
+        <a:tint val="40000"/>
+      </a:schemeClr>
+    </dgm:linClrLst>
+    <dgm:effectClrLst/>
+    <dgm:txLinClrLst/>
+    <dgm:txFillClrLst meth="repeat">
+      <a:schemeClr val="dk1"/>
+    </dgm:txFillClrLst>
+    <dgm:txEffectClrLst/>
+  </dgm:styleLbl>
+  <dgm:styleLbl name="alignAccFollowNode1">
+    <dgm:fillClrLst meth="repeat">
+      <a:schemeClr val="accent2">
+        <a:alpha val="90000"/>
+        <a:tint val="40000"/>
+      </a:schemeClr>
+    </dgm:fillClrLst>
+    <dgm:linClrLst meth="repeat">
+      <a:schemeClr val="accent2">
+        <a:alpha val="90000"/>
+        <a:tint val="40000"/>
+      </a:schemeClr>
+    </dgm:linClrLst>
+    <dgm:effectClrLst/>
+    <dgm:txLinClrLst/>
+    <dgm:txFillClrLst meth="repeat">
+      <a:schemeClr val="dk1"/>
+    </dgm:txFillClrLst>
+    <dgm:txEffectClrLst/>
+  </dgm:styleLbl>
+  <dgm:styleLbl name="bgAccFollowNode1">
+    <dgm:fillClrLst meth="repeat">
+      <a:schemeClr val="accent2">
+        <a:alpha val="90000"/>
+        <a:tint val="40000"/>
+      </a:schemeClr>
+    </dgm:fillClrLst>
+    <dgm:linClrLst meth="repeat">
+      <a:schemeClr val="accent2">
+        <a:alpha val="90000"/>
+        <a:tint val="40000"/>
+      </a:schemeClr>
+    </dgm:linClrLst>
+    <dgm:effectClrLst/>
+    <dgm:txLinClrLst/>
+    <dgm:txFillClrLst meth="repeat">
+      <a:schemeClr val="dk1"/>
+    </dgm:txFillClrLst>
+    <dgm:txEffectClrLst/>
+  </dgm:styleLbl>
+  <dgm:styleLbl name="fgAcc0">
+    <dgm:fillClrLst meth="repeat">
+      <a:schemeClr val="lt1">
+        <a:alpha val="90000"/>
+      </a:schemeClr>
+    </dgm:fillClrLst>
+    <dgm:linClrLst meth="repeat">
+      <a:schemeClr val="accent2"/>
+    </dgm:linClrLst>
+    <dgm:effectClrLst/>
+    <dgm:txLinClrLst/>
+    <dgm:txFillClrLst meth="repeat">
+      <a:schemeClr val="dk1"/>
+    </dgm:txFillClrLst>
+    <dgm:txEffectClrLst/>
+  </dgm:styleLbl>
+  <dgm:styleLbl name="fgAcc2">
+    <dgm:fillClrLst meth="repeat">
+      <a:schemeClr val="lt1">
+        <a:alpha val="90000"/>
+      </a:schemeClr>
+    </dgm:fillClrLst>
+    <dgm:linClrLst meth="repeat">
+      <a:schemeClr val="accent2"/>
+    </dgm:linClrLst>
+    <dgm:effectClrLst/>
+    <dgm:txLinClrLst/>
+    <dgm:txFillClrLst meth="repeat">
+      <a:schemeClr val="dk1"/>
+    </dgm:txFillClrLst>
+    <dgm:txEffectClrLst/>
+  </dgm:styleLbl>
+  <dgm:styleLbl name="fgAcc3">
+    <dgm:fillClrLst meth="repeat">
+      <a:schemeClr val="lt1">
+        <a:alpha val="90000"/>
+      </a:schemeClr>
+    </dgm:fillClrLst>
+    <dgm:linClrLst meth="repeat">
+      <a:schemeClr val="accent2"/>
+    </dgm:linClrLst>
+    <dgm:effectClrLst/>
+    <dgm:txLinClrLst/>
+    <dgm:txFillClrLst meth="repeat">
+      <a:schemeClr val="dk1"/>
+    </dgm:txFillClrLst>
+    <dgm:txEffectClrLst/>
+  </dgm:styleLbl>
+  <dgm:styleLbl name="fgAcc4">
+    <dgm:fillClrLst meth="repeat">
+      <a:schemeClr val="lt1">
+        <a:alpha val="90000"/>
+      </a:schemeClr>
+    </dgm:fillClrLst>
+    <dgm:linClrLst meth="repeat">
+      <a:schemeClr val="accent2"/>
+    </dgm:linClrLst>
+    <dgm:effectClrLst/>
+    <dgm:txLinClrLst/>
+    <dgm:txFillClrLst meth="repeat">
+      <a:schemeClr val="dk1"/>
+    </dgm:txFillClrLst>
+    <dgm:txEffectClrLst/>
+  </dgm:styleLbl>
+  <dgm:styleLbl name="bgShp">
+    <dgm:fillClrLst meth="repeat">
+      <a:schemeClr val="accent2">
+        <a:tint val="40000"/>
+      </a:schemeClr>
+    </dgm:fillClrLst>
+    <dgm:linClrLst meth="repeat">
+      <a:schemeClr val="accent2"/>
+    </dgm:linClrLst>
+    <dgm:effectClrLst/>
+    <dgm:txLinClrLst/>
+    <dgm:txFillClrLst meth="repeat">
+      <a:schemeClr val="dk1"/>
+    </dgm:txFillClrLst>
+    <dgm:txEffectClrLst/>
+  </dgm:styleLbl>
+  <dgm:styleLbl name="dkBgShp">
+    <dgm:fillClrLst meth="repeat">
+      <a:schemeClr val="accent2">
+        <a:shade val="80000"/>
+      </a:schemeClr>
+    </dgm:fillClrLst>
+    <dgm:linClrLst meth="repeat">
+      <a:schemeClr val="accent2"/>
+    </dgm:linClrLst>
+    <dgm:effectClrLst/>
+    <dgm:txLinClrLst/>
+    <dgm:txFillClrLst meth="repeat">
+      <a:schemeClr val="lt1"/>
+    </dgm:txFillClrLst>
+    <dgm:txEffectClrLst/>
+  </dgm:styleLbl>
+  <dgm:styleLbl name="trBgShp">
+    <dgm:fillClrLst meth="repeat">
+      <a:schemeClr val="accent2">
+        <a:tint val="50000"/>
+        <a:alpha val="40000"/>
+      </a:schemeClr>
+    </dgm:fillClrLst>
+    <dgm:linClrLst meth="repeat">
+      <a:schemeClr val="accent2"/>
+    </dgm:linClrLst>
+    <dgm:effectClrLst/>
+    <dgm:txLinClrLst/>
+    <dgm:txFillClrLst meth="repeat">
+      <a:schemeClr val="lt1"/>
+    </dgm:txFillClrLst>
+    <dgm:txEffectClrLst/>
+  </dgm:styleLbl>
+  <dgm:styleLbl name="fgShp">
+    <dgm:fillClrLst meth="repeat">
+      <a:schemeClr val="accent2">
+        <a:tint val="60000"/>
+      </a:schemeClr>
+    </dgm:fillClrLst>
+    <dgm:linClrLst meth="repeat">
+      <a:schemeClr val="lt1"/>
+    </dgm:linClrLst>
+    <dgm:effectClrLst/>
+    <dgm:txLinClrLst/>
+    <dgm:txFillClrLst meth="repeat">
+      <a:schemeClr val="dk1"/>
+    </dgm:txFillClrLst>
+    <dgm:txEffectClrLst/>
+  </dgm:styleLbl>
+  <dgm:styleLbl name="revTx">
+    <dgm:fillClrLst meth="repeat">
+      <a:schemeClr val="lt1">
+        <a:alpha val="0"/>
+      </a:schemeClr>
+    </dgm:fillClrLst>
+    <dgm:linClrLst meth="repeat">
+      <a:schemeClr val="dk1">
+        <a:alpha val="0"/>
+      </a:schemeClr>
+    </dgm:linClrLst>
+    <dgm:effectClrLst/>
+    <dgm:txLinClrLst/>
+    <dgm:txFillClrLst meth="repeat">
+      <a:schemeClr val="tx1"/>
+    </dgm:txFillClrLst>
+    <dgm:txEffectClrLst/>
+  </dgm:styleLbl>
+</dgm:colorsDef>
+</file>
+
+<file path=ppt/diagrams/data1.xml><?xml version="1.0" encoding="utf-8"?>
+<dgm:dataModel xmlns:dgm="http://schemas.openxmlformats.org/drawingml/2006/diagram" xmlns:a="http://schemas.openxmlformats.org/drawingml/2006/main">
+  <dgm:ptLst>
+    <dgm:pt modelId="{B9278F6D-8D69-41C2-8326-FEFB29D621A9}" type="doc">
+      <dgm:prSet loTypeId="urn:microsoft.com/office/officeart/2005/8/layout/process1" loCatId="process" qsTypeId="urn:microsoft.com/office/officeart/2005/8/quickstyle/simple1" qsCatId="simple" csTypeId="urn:microsoft.com/office/officeart/2005/8/colors/accent2_2" csCatId="accent2" phldr="1"/>
+      <dgm:spPr/>
+    </dgm:pt>
+    <dgm:pt modelId="{6A2DA85F-EE09-4553-A0D2-6A3BBB47DA2D}">
+      <dgm:prSet phldrT="[Text]"/>
+      <dgm:spPr/>
+      <dgm:t>
+        <a:bodyPr/>
+        <a:lstStyle/>
+        <a:p>
+          <a:r>
+            <a:rPr lang="en-US" dirty="0"/>
+            <a:t>Determine input subjects/ideas</a:t>
+          </a:r>
+        </a:p>
+      </dgm:t>
+    </dgm:pt>
+    <dgm:pt modelId="{FD2E7415-456D-49E9-9AD8-FA5FFDBA5D05}" type="parTrans" cxnId="{8E24B7F0-C0F9-4488-BBD8-EB004F1BBFD1}">
+      <dgm:prSet/>
+      <dgm:spPr/>
+      <dgm:t>
+        <a:bodyPr/>
+        <a:lstStyle/>
+        <a:p>
+          <a:endParaRPr lang="en-US"/>
+        </a:p>
+      </dgm:t>
+    </dgm:pt>
+    <dgm:pt modelId="{98ABC47D-32C2-4528-AA73-CD55C872DC05}" type="sibTrans" cxnId="{8E24B7F0-C0F9-4488-BBD8-EB004F1BBFD1}">
+      <dgm:prSet/>
+      <dgm:spPr/>
+      <dgm:t>
+        <a:bodyPr/>
+        <a:lstStyle/>
+        <a:p>
+          <a:endParaRPr lang="en-US"/>
+        </a:p>
+      </dgm:t>
+    </dgm:pt>
+    <dgm:pt modelId="{F8FB9AB2-5492-4BF9-B19D-DD73EA6B2789}">
+      <dgm:prSet phldrT="[Text]"/>
+      <dgm:spPr/>
+      <dgm:t>
+        <a:bodyPr/>
+        <a:lstStyle/>
+        <a:p>
+          <a:r>
+            <a:rPr lang="en-US" dirty="0"/>
+            <a:t>Model and rank all sentences</a:t>
+          </a:r>
+        </a:p>
+      </dgm:t>
+    </dgm:pt>
+    <dgm:pt modelId="{BE9311B6-8297-4143-83A9-A8BEA546854C}" type="parTrans" cxnId="{A12BC460-DD89-4B95-A816-7C84AAFEAEBA}">
+      <dgm:prSet/>
+      <dgm:spPr/>
+      <dgm:t>
+        <a:bodyPr/>
+        <a:lstStyle/>
+        <a:p>
+          <a:endParaRPr lang="en-US"/>
+        </a:p>
+      </dgm:t>
+    </dgm:pt>
+    <dgm:pt modelId="{1E928DCD-7D7E-45D7-83F3-909ADB64167F}" type="sibTrans" cxnId="{A12BC460-DD89-4B95-A816-7C84AAFEAEBA}">
+      <dgm:prSet/>
+      <dgm:spPr/>
+      <dgm:t>
+        <a:bodyPr/>
+        <a:lstStyle/>
+        <a:p>
+          <a:endParaRPr lang="en-US"/>
+        </a:p>
+      </dgm:t>
+    </dgm:pt>
+    <dgm:pt modelId="{7C4E78D4-CDE3-4573-9C7C-4D16F115FEE5}">
+      <dgm:prSet phldrT="[Text]"/>
+      <dgm:spPr/>
+      <dgm:t>
+        <a:bodyPr/>
+        <a:lstStyle/>
+        <a:p>
+          <a:r>
+            <a:rPr lang="en-US" dirty="0"/>
+            <a:t>Reply with most similar tweet</a:t>
+          </a:r>
+        </a:p>
+      </dgm:t>
+    </dgm:pt>
+    <dgm:pt modelId="{5386714D-9C50-4583-A12E-D81B45D6C1D7}" type="parTrans" cxnId="{B9953313-4D53-4F37-BF46-4EB36F5D9EEA}">
+      <dgm:prSet/>
+      <dgm:spPr/>
+      <dgm:t>
+        <a:bodyPr/>
+        <a:lstStyle/>
+        <a:p>
+          <a:endParaRPr lang="en-US"/>
+        </a:p>
+      </dgm:t>
+    </dgm:pt>
+    <dgm:pt modelId="{1050EEE4-3ACF-4B4A-9EF2-A0E821D65A04}" type="sibTrans" cxnId="{B9953313-4D53-4F37-BF46-4EB36F5D9EEA}">
+      <dgm:prSet/>
+      <dgm:spPr/>
+      <dgm:t>
+        <a:bodyPr/>
+        <a:lstStyle/>
+        <a:p>
+          <a:endParaRPr lang="en-US"/>
+        </a:p>
+      </dgm:t>
+    </dgm:pt>
+    <dgm:pt modelId="{634AA2D6-F1AF-4070-B3E6-68725D607840}">
+      <dgm:prSet phldrT="[Text]"/>
+      <dgm:spPr/>
+      <dgm:t>
+        <a:bodyPr/>
+        <a:lstStyle/>
+        <a:p>
+          <a:r>
+            <a:rPr lang="en-US" dirty="0"/>
+            <a:t>Query for similar subjects/ideas</a:t>
+          </a:r>
+        </a:p>
+      </dgm:t>
+    </dgm:pt>
+    <dgm:pt modelId="{FBFF383A-04AF-4240-B7C4-2CA00A87C896}" type="parTrans" cxnId="{AF402D3C-E8D4-4759-8823-263BA9739052}">
+      <dgm:prSet/>
+      <dgm:spPr/>
+      <dgm:t>
+        <a:bodyPr/>
+        <a:lstStyle/>
+        <a:p>
+          <a:endParaRPr lang="en-US"/>
+        </a:p>
+      </dgm:t>
+    </dgm:pt>
+    <dgm:pt modelId="{47F55FD3-6EC0-4546-B7B4-F056A6DA8B1C}" type="sibTrans" cxnId="{AF402D3C-E8D4-4759-8823-263BA9739052}">
+      <dgm:prSet/>
+      <dgm:spPr/>
+      <dgm:t>
+        <a:bodyPr/>
+        <a:lstStyle/>
+        <a:p>
+          <a:endParaRPr lang="en-US"/>
+        </a:p>
+      </dgm:t>
+    </dgm:pt>
+    <dgm:pt modelId="{E26897BA-647F-4FA3-92A7-C854BC5AEDA4}" type="pres">
+      <dgm:prSet presAssocID="{B9278F6D-8D69-41C2-8326-FEFB29D621A9}" presName="Name0" presStyleCnt="0">
+        <dgm:presLayoutVars>
+          <dgm:dir/>
+          <dgm:resizeHandles val="exact"/>
+        </dgm:presLayoutVars>
+      </dgm:prSet>
+      <dgm:spPr/>
+    </dgm:pt>
+    <dgm:pt modelId="{A0C11B1D-DC0C-4F19-9474-F6B3256B596A}" type="pres">
+      <dgm:prSet presAssocID="{6A2DA85F-EE09-4553-A0D2-6A3BBB47DA2D}" presName="node" presStyleLbl="node1" presStyleIdx="0" presStyleCnt="4">
+        <dgm:presLayoutVars>
+          <dgm:bulletEnabled val="1"/>
+        </dgm:presLayoutVars>
+      </dgm:prSet>
+      <dgm:spPr/>
+    </dgm:pt>
+    <dgm:pt modelId="{380FDE13-EB76-4E94-A039-4770CA84E5F2}" type="pres">
+      <dgm:prSet presAssocID="{98ABC47D-32C2-4528-AA73-CD55C872DC05}" presName="sibTrans" presStyleLbl="sibTrans2D1" presStyleIdx="0" presStyleCnt="3"/>
+      <dgm:spPr/>
+    </dgm:pt>
+    <dgm:pt modelId="{70187F5C-3586-47FB-A7EF-46B81CC23D0B}" type="pres">
+      <dgm:prSet presAssocID="{98ABC47D-32C2-4528-AA73-CD55C872DC05}" presName="connectorText" presStyleLbl="sibTrans2D1" presStyleIdx="0" presStyleCnt="3"/>
+      <dgm:spPr/>
+    </dgm:pt>
+    <dgm:pt modelId="{5475B36F-D779-47B3-AFDC-EC20D2CE324C}" type="pres">
+      <dgm:prSet presAssocID="{634AA2D6-F1AF-4070-B3E6-68725D607840}" presName="node" presStyleLbl="node1" presStyleIdx="1" presStyleCnt="4">
+        <dgm:presLayoutVars>
+          <dgm:bulletEnabled val="1"/>
+        </dgm:presLayoutVars>
+      </dgm:prSet>
+      <dgm:spPr/>
+    </dgm:pt>
+    <dgm:pt modelId="{10C9A3BC-BFA5-4E60-9FAA-0CE5AE5C694D}" type="pres">
+      <dgm:prSet presAssocID="{47F55FD3-6EC0-4546-B7B4-F056A6DA8B1C}" presName="sibTrans" presStyleLbl="sibTrans2D1" presStyleIdx="1" presStyleCnt="3"/>
+      <dgm:spPr/>
+    </dgm:pt>
+    <dgm:pt modelId="{C69736AF-F3B8-4B83-A31A-49CBAE2B4E4B}" type="pres">
+      <dgm:prSet presAssocID="{47F55FD3-6EC0-4546-B7B4-F056A6DA8B1C}" presName="connectorText" presStyleLbl="sibTrans2D1" presStyleIdx="1" presStyleCnt="3"/>
+      <dgm:spPr/>
+    </dgm:pt>
+    <dgm:pt modelId="{85E9F424-4586-4C98-99F5-4CC55F45DA8B}" type="pres">
+      <dgm:prSet presAssocID="{F8FB9AB2-5492-4BF9-B19D-DD73EA6B2789}" presName="node" presStyleLbl="node1" presStyleIdx="2" presStyleCnt="4">
+        <dgm:presLayoutVars>
+          <dgm:bulletEnabled val="1"/>
+        </dgm:presLayoutVars>
+      </dgm:prSet>
+      <dgm:spPr/>
+    </dgm:pt>
+    <dgm:pt modelId="{667B4AC9-DE80-4774-A0AF-148C95686FE9}" type="pres">
+      <dgm:prSet presAssocID="{1E928DCD-7D7E-45D7-83F3-909ADB64167F}" presName="sibTrans" presStyleLbl="sibTrans2D1" presStyleIdx="2" presStyleCnt="3"/>
+      <dgm:spPr/>
+    </dgm:pt>
+    <dgm:pt modelId="{00DDF4D2-1805-4BCC-8402-48BF4118CF90}" type="pres">
+      <dgm:prSet presAssocID="{1E928DCD-7D7E-45D7-83F3-909ADB64167F}" presName="connectorText" presStyleLbl="sibTrans2D1" presStyleIdx="2" presStyleCnt="3"/>
+      <dgm:spPr/>
+    </dgm:pt>
+    <dgm:pt modelId="{ABC9E1C4-F91D-4673-A7FD-471A1DEA8488}" type="pres">
+      <dgm:prSet presAssocID="{7C4E78D4-CDE3-4573-9C7C-4D16F115FEE5}" presName="node" presStyleLbl="node1" presStyleIdx="3" presStyleCnt="4">
+        <dgm:presLayoutVars>
+          <dgm:bulletEnabled val="1"/>
+        </dgm:presLayoutVars>
+      </dgm:prSet>
+      <dgm:spPr/>
+    </dgm:pt>
+  </dgm:ptLst>
+  <dgm:cxnLst>
+    <dgm:cxn modelId="{B9953313-4D53-4F37-BF46-4EB36F5D9EEA}" srcId="{B9278F6D-8D69-41C2-8326-FEFB29D621A9}" destId="{7C4E78D4-CDE3-4573-9C7C-4D16F115FEE5}" srcOrd="3" destOrd="0" parTransId="{5386714D-9C50-4583-A12E-D81B45D6C1D7}" sibTransId="{1050EEE4-3ACF-4B4A-9EF2-A0E821D65A04}"/>
+    <dgm:cxn modelId="{1EF89C18-4105-42B2-8752-964E50372CC4}" type="presOf" srcId="{7C4E78D4-CDE3-4573-9C7C-4D16F115FEE5}" destId="{ABC9E1C4-F91D-4673-A7FD-471A1DEA8488}" srcOrd="0" destOrd="0" presId="urn:microsoft.com/office/officeart/2005/8/layout/process1"/>
+    <dgm:cxn modelId="{E0542330-CE79-44E7-ACA4-095821EFC4AD}" type="presOf" srcId="{98ABC47D-32C2-4528-AA73-CD55C872DC05}" destId="{380FDE13-EB76-4E94-A039-4770CA84E5F2}" srcOrd="0" destOrd="0" presId="urn:microsoft.com/office/officeart/2005/8/layout/process1"/>
+    <dgm:cxn modelId="{AF402D3C-E8D4-4759-8823-263BA9739052}" srcId="{B9278F6D-8D69-41C2-8326-FEFB29D621A9}" destId="{634AA2D6-F1AF-4070-B3E6-68725D607840}" srcOrd="1" destOrd="0" parTransId="{FBFF383A-04AF-4240-B7C4-2CA00A87C896}" sibTransId="{47F55FD3-6EC0-4546-B7B4-F056A6DA8B1C}"/>
+    <dgm:cxn modelId="{2518853D-AB71-4FAD-85F8-3AD6982EF139}" type="presOf" srcId="{47F55FD3-6EC0-4546-B7B4-F056A6DA8B1C}" destId="{10C9A3BC-BFA5-4E60-9FAA-0CE5AE5C694D}" srcOrd="0" destOrd="0" presId="urn:microsoft.com/office/officeart/2005/8/layout/process1"/>
+    <dgm:cxn modelId="{A12BC460-DD89-4B95-A816-7C84AAFEAEBA}" srcId="{B9278F6D-8D69-41C2-8326-FEFB29D621A9}" destId="{F8FB9AB2-5492-4BF9-B19D-DD73EA6B2789}" srcOrd="2" destOrd="0" parTransId="{BE9311B6-8297-4143-83A9-A8BEA546854C}" sibTransId="{1E928DCD-7D7E-45D7-83F3-909ADB64167F}"/>
+    <dgm:cxn modelId="{B0E5AB44-1EF5-4FB1-8222-F938DD721A33}" type="presOf" srcId="{6A2DA85F-EE09-4553-A0D2-6A3BBB47DA2D}" destId="{A0C11B1D-DC0C-4F19-9474-F6B3256B596A}" srcOrd="0" destOrd="0" presId="urn:microsoft.com/office/officeart/2005/8/layout/process1"/>
+    <dgm:cxn modelId="{1C43AD66-75DF-498C-9AB4-F7F42CCE0D3E}" type="presOf" srcId="{634AA2D6-F1AF-4070-B3E6-68725D607840}" destId="{5475B36F-D779-47B3-AFDC-EC20D2CE324C}" srcOrd="0" destOrd="0" presId="urn:microsoft.com/office/officeart/2005/8/layout/process1"/>
+    <dgm:cxn modelId="{DA8B7D68-5C67-4A2B-A931-540CC63A2F80}" type="presOf" srcId="{B9278F6D-8D69-41C2-8326-FEFB29D621A9}" destId="{E26897BA-647F-4FA3-92A7-C854BC5AEDA4}" srcOrd="0" destOrd="0" presId="urn:microsoft.com/office/officeart/2005/8/layout/process1"/>
+    <dgm:cxn modelId="{7714886A-9DA4-4450-8164-CBF294355F5B}" type="presOf" srcId="{47F55FD3-6EC0-4546-B7B4-F056A6DA8B1C}" destId="{C69736AF-F3B8-4B83-A31A-49CBAE2B4E4B}" srcOrd="1" destOrd="0" presId="urn:microsoft.com/office/officeart/2005/8/layout/process1"/>
+    <dgm:cxn modelId="{8A37E556-08AE-459B-BD87-B4A21513C6FB}" type="presOf" srcId="{1E928DCD-7D7E-45D7-83F3-909ADB64167F}" destId="{00DDF4D2-1805-4BCC-8402-48BF4118CF90}" srcOrd="1" destOrd="0" presId="urn:microsoft.com/office/officeart/2005/8/layout/process1"/>
+    <dgm:cxn modelId="{8EC2DD9E-78B8-4D92-89AE-637CC326D12B}" type="presOf" srcId="{98ABC47D-32C2-4528-AA73-CD55C872DC05}" destId="{70187F5C-3586-47FB-A7EF-46B81CC23D0B}" srcOrd="1" destOrd="0" presId="urn:microsoft.com/office/officeart/2005/8/layout/process1"/>
+    <dgm:cxn modelId="{8E24B7F0-C0F9-4488-BBD8-EB004F1BBFD1}" srcId="{B9278F6D-8D69-41C2-8326-FEFB29D621A9}" destId="{6A2DA85F-EE09-4553-A0D2-6A3BBB47DA2D}" srcOrd="0" destOrd="0" parTransId="{FD2E7415-456D-49E9-9AD8-FA5FFDBA5D05}" sibTransId="{98ABC47D-32C2-4528-AA73-CD55C872DC05}"/>
+    <dgm:cxn modelId="{2B5833F3-6023-47BC-BACA-39C7799220F8}" type="presOf" srcId="{F8FB9AB2-5492-4BF9-B19D-DD73EA6B2789}" destId="{85E9F424-4586-4C98-99F5-4CC55F45DA8B}" srcOrd="0" destOrd="0" presId="urn:microsoft.com/office/officeart/2005/8/layout/process1"/>
+    <dgm:cxn modelId="{EAFE68F6-B3CD-4485-9D05-BEE7501A66D1}" type="presOf" srcId="{1E928DCD-7D7E-45D7-83F3-909ADB64167F}" destId="{667B4AC9-DE80-4774-A0AF-148C95686FE9}" srcOrd="0" destOrd="0" presId="urn:microsoft.com/office/officeart/2005/8/layout/process1"/>
+    <dgm:cxn modelId="{9A28C28E-2154-4C17-BDA6-50640C53F7A3}" type="presParOf" srcId="{E26897BA-647F-4FA3-92A7-C854BC5AEDA4}" destId="{A0C11B1D-DC0C-4F19-9474-F6B3256B596A}" srcOrd="0" destOrd="0" presId="urn:microsoft.com/office/officeart/2005/8/layout/process1"/>
+    <dgm:cxn modelId="{3139AFBF-77D8-413B-A805-7228DD95C0C3}" type="presParOf" srcId="{E26897BA-647F-4FA3-92A7-C854BC5AEDA4}" destId="{380FDE13-EB76-4E94-A039-4770CA84E5F2}" srcOrd="1" destOrd="0" presId="urn:microsoft.com/office/officeart/2005/8/layout/process1"/>
+    <dgm:cxn modelId="{FFDC1282-0EAB-4567-9F40-7034E597B247}" type="presParOf" srcId="{380FDE13-EB76-4E94-A039-4770CA84E5F2}" destId="{70187F5C-3586-47FB-A7EF-46B81CC23D0B}" srcOrd="0" destOrd="0" presId="urn:microsoft.com/office/officeart/2005/8/layout/process1"/>
+    <dgm:cxn modelId="{C82315D3-15AA-4412-B6EC-0E82FC450DE7}" type="presParOf" srcId="{E26897BA-647F-4FA3-92A7-C854BC5AEDA4}" destId="{5475B36F-D779-47B3-AFDC-EC20D2CE324C}" srcOrd="2" destOrd="0" presId="urn:microsoft.com/office/officeart/2005/8/layout/process1"/>
+    <dgm:cxn modelId="{50FF71E9-E538-45C1-AA19-0D77228E6E5A}" type="presParOf" srcId="{E26897BA-647F-4FA3-92A7-C854BC5AEDA4}" destId="{10C9A3BC-BFA5-4E60-9FAA-0CE5AE5C694D}" srcOrd="3" destOrd="0" presId="urn:microsoft.com/office/officeart/2005/8/layout/process1"/>
+    <dgm:cxn modelId="{624C88E0-660E-4D7D-A2C1-2131007C1B5E}" type="presParOf" srcId="{10C9A3BC-BFA5-4E60-9FAA-0CE5AE5C694D}" destId="{C69736AF-F3B8-4B83-A31A-49CBAE2B4E4B}" srcOrd="0" destOrd="0" presId="urn:microsoft.com/office/officeart/2005/8/layout/process1"/>
+    <dgm:cxn modelId="{DF7B67D5-684B-4A89-A391-E9C50A970442}" type="presParOf" srcId="{E26897BA-647F-4FA3-92A7-C854BC5AEDA4}" destId="{85E9F424-4586-4C98-99F5-4CC55F45DA8B}" srcOrd="4" destOrd="0" presId="urn:microsoft.com/office/officeart/2005/8/layout/process1"/>
+    <dgm:cxn modelId="{08AB2509-7CC6-4A27-A35E-6BC5AE46094D}" type="presParOf" srcId="{E26897BA-647F-4FA3-92A7-C854BC5AEDA4}" destId="{667B4AC9-DE80-4774-A0AF-148C95686FE9}" srcOrd="5" destOrd="0" presId="urn:microsoft.com/office/officeart/2005/8/layout/process1"/>
+    <dgm:cxn modelId="{C9C6B9BB-408D-40D9-AEC7-F11E1E0108E0}" type="presParOf" srcId="{667B4AC9-DE80-4774-A0AF-148C95686FE9}" destId="{00DDF4D2-1805-4BCC-8402-48BF4118CF90}" srcOrd="0" destOrd="0" presId="urn:microsoft.com/office/officeart/2005/8/layout/process1"/>
+    <dgm:cxn modelId="{731C7F06-88B3-4393-8E9E-9975958E4B0D}" type="presParOf" srcId="{E26897BA-647F-4FA3-92A7-C854BC5AEDA4}" destId="{ABC9E1C4-F91D-4673-A7FD-471A1DEA8488}" srcOrd="6" destOrd="0" presId="urn:microsoft.com/office/officeart/2005/8/layout/process1"/>
+  </dgm:cxnLst>
+  <dgm:bg/>
+  <dgm:whole/>
+  <dgm:extLst>
+    <a:ext uri="http://schemas.microsoft.com/office/drawing/2008/diagram">
+      <dsp:dataModelExt xmlns:dsp="http://schemas.microsoft.com/office/drawing/2008/diagram" relId="rId6" minVer="http://schemas.openxmlformats.org/drawingml/2006/diagram"/>
+    </a:ext>
+  </dgm:extLst>
+</dgm:dataModel>
+</file>
+
+<file path=ppt/diagrams/drawing1.xml><?xml version="1.0" encoding="utf-8"?>
+<dsp:drawing xmlns:dgm="http://schemas.openxmlformats.org/drawingml/2006/diagram" xmlns:dsp="http://schemas.microsoft.com/office/drawing/2008/diagram" xmlns:a="http://schemas.openxmlformats.org/drawingml/2006/main">
+  <dsp:spTree>
+    <dsp:nvGrpSpPr>
+      <dsp:cNvPr id="0" name=""/>
+      <dsp:cNvGrpSpPr/>
+    </dsp:nvGrpSpPr>
+    <dsp:grpSpPr/>
+    <dsp:sp modelId="{A0C11B1D-DC0C-4F19-9474-F6B3256B596A}">
+      <dsp:nvSpPr>
+        <dsp:cNvPr id="0" name=""/>
+        <dsp:cNvSpPr/>
+      </dsp:nvSpPr>
+      <dsp:spPr>
+        <a:xfrm>
+          <a:off x="4353" y="1199858"/>
+          <a:ext cx="1903325" cy="1141995"/>
+        </a:xfrm>
+        <a:prstGeom prst="roundRect">
+          <a:avLst>
+            <a:gd name="adj" fmla="val 10000"/>
+          </a:avLst>
+        </a:prstGeom>
+        <a:solidFill>
+          <a:schemeClr val="accent2">
+            <a:hueOff val="0"/>
+            <a:satOff val="0"/>
+            <a:lumOff val="0"/>
+            <a:alphaOff val="0"/>
+          </a:schemeClr>
+        </a:solidFill>
+        <a:ln w="15875" cap="flat" cmpd="sng" algn="ctr">
+          <a:solidFill>
+            <a:schemeClr val="lt1">
+              <a:hueOff val="0"/>
+              <a:satOff val="0"/>
+              <a:lumOff val="0"/>
+              <a:alphaOff val="0"/>
+            </a:schemeClr>
+          </a:solidFill>
+          <a:prstDash val="solid"/>
+        </a:ln>
+        <a:effectLst/>
+      </dsp:spPr>
+      <dsp:style>
+        <a:lnRef idx="2">
+          <a:scrgbClr r="0" g="0" b="0"/>
+        </a:lnRef>
+        <a:fillRef idx="1">
+          <a:scrgbClr r="0" g="0" b="0"/>
+        </a:fillRef>
+        <a:effectRef idx="0">
+          <a:scrgbClr r="0" g="0" b="0"/>
+        </a:effectRef>
+        <a:fontRef idx="minor">
+          <a:schemeClr val="lt1"/>
+        </a:fontRef>
+      </dsp:style>
+      <dsp:txBody>
+        <a:bodyPr spcFirstLastPara="0" vert="horz" wrap="square" lIns="87630" tIns="87630" rIns="87630" bIns="87630" numCol="1" spcCol="1270" anchor="ctr" anchorCtr="0">
+          <a:noAutofit/>
+        </a:bodyPr>
+        <a:lstStyle/>
+        <a:p>
+          <a:pPr marL="0" lvl="0" indent="0" algn="ctr" defTabSz="1022350">
+            <a:lnSpc>
+              <a:spcPct val="90000"/>
+            </a:lnSpc>
+            <a:spcBef>
+              <a:spcPct val="0"/>
+            </a:spcBef>
+            <a:spcAft>
+              <a:spcPct val="35000"/>
+            </a:spcAft>
+            <a:buNone/>
+          </a:pPr>
+          <a:r>
+            <a:rPr lang="en-US" sz="2300" kern="1200" dirty="0"/>
+            <a:t>Determine input subjects/ideas</a:t>
+          </a:r>
+        </a:p>
+      </dsp:txBody>
+      <dsp:txXfrm>
+        <a:off x="37801" y="1233306"/>
+        <a:ext cx="1836429" cy="1075099"/>
+      </dsp:txXfrm>
+    </dsp:sp>
+    <dsp:sp modelId="{380FDE13-EB76-4E94-A039-4770CA84E5F2}">
+      <dsp:nvSpPr>
+        <dsp:cNvPr id="0" name=""/>
+        <dsp:cNvSpPr/>
+      </dsp:nvSpPr>
+      <dsp:spPr>
+        <a:xfrm>
+          <a:off x="2098011" y="1534843"/>
+          <a:ext cx="403505" cy="472024"/>
+        </a:xfrm>
+        <a:prstGeom prst="rightArrow">
+          <a:avLst>
+            <a:gd name="adj1" fmla="val 60000"/>
+            <a:gd name="adj2" fmla="val 50000"/>
+          </a:avLst>
+        </a:prstGeom>
+        <a:solidFill>
+          <a:schemeClr val="accent2">
+            <a:tint val="60000"/>
+            <a:hueOff val="0"/>
+            <a:satOff val="0"/>
+            <a:lumOff val="0"/>
+            <a:alphaOff val="0"/>
+          </a:schemeClr>
+        </a:solidFill>
+        <a:ln>
+          <a:noFill/>
+        </a:ln>
+        <a:effectLst/>
+      </dsp:spPr>
+      <dsp:style>
+        <a:lnRef idx="0">
+          <a:scrgbClr r="0" g="0" b="0"/>
+        </a:lnRef>
+        <a:fillRef idx="1">
+          <a:scrgbClr r="0" g="0" b="0"/>
+        </a:fillRef>
+        <a:effectRef idx="0">
+          <a:scrgbClr r="0" g="0" b="0"/>
+        </a:effectRef>
+        <a:fontRef idx="minor">
+          <a:schemeClr val="lt1"/>
+        </a:fontRef>
+      </dsp:style>
+      <dsp:txBody>
+        <a:bodyPr spcFirstLastPara="0" vert="horz" wrap="square" lIns="0" tIns="0" rIns="0" bIns="0" numCol="1" spcCol="1270" anchor="ctr" anchorCtr="0">
+          <a:noAutofit/>
+        </a:bodyPr>
+        <a:lstStyle/>
+        <a:p>
+          <a:pPr marL="0" lvl="0" indent="0" algn="ctr" defTabSz="844550">
+            <a:lnSpc>
+              <a:spcPct val="90000"/>
+            </a:lnSpc>
+            <a:spcBef>
+              <a:spcPct val="0"/>
+            </a:spcBef>
+            <a:spcAft>
+              <a:spcPct val="35000"/>
+            </a:spcAft>
+            <a:buNone/>
+          </a:pPr>
+          <a:endParaRPr lang="en-US" sz="1900" kern="1200"/>
+        </a:p>
+      </dsp:txBody>
+      <dsp:txXfrm>
+        <a:off x="2098011" y="1629248"/>
+        <a:ext cx="282454" cy="283214"/>
+      </dsp:txXfrm>
+    </dsp:sp>
+    <dsp:sp modelId="{5475B36F-D779-47B3-AFDC-EC20D2CE324C}">
+      <dsp:nvSpPr>
+        <dsp:cNvPr id="0" name=""/>
+        <dsp:cNvSpPr/>
+      </dsp:nvSpPr>
+      <dsp:spPr>
+        <a:xfrm>
+          <a:off x="2669009" y="1199858"/>
+          <a:ext cx="1903325" cy="1141995"/>
+        </a:xfrm>
+        <a:prstGeom prst="roundRect">
+          <a:avLst>
+            <a:gd name="adj" fmla="val 10000"/>
+          </a:avLst>
+        </a:prstGeom>
+        <a:solidFill>
+          <a:schemeClr val="accent2">
+            <a:hueOff val="0"/>
+            <a:satOff val="0"/>
+            <a:lumOff val="0"/>
+            <a:alphaOff val="0"/>
+          </a:schemeClr>
+        </a:solidFill>
+        <a:ln w="15875" cap="flat" cmpd="sng" algn="ctr">
+          <a:solidFill>
+            <a:schemeClr val="lt1">
+              <a:hueOff val="0"/>
+              <a:satOff val="0"/>
+              <a:lumOff val="0"/>
+              <a:alphaOff val="0"/>
+            </a:schemeClr>
+          </a:solidFill>
+          <a:prstDash val="solid"/>
+        </a:ln>
+        <a:effectLst/>
+      </dsp:spPr>
+      <dsp:style>
+        <a:lnRef idx="2">
+          <a:scrgbClr r="0" g="0" b="0"/>
+        </a:lnRef>
+        <a:fillRef idx="1">
+          <a:scrgbClr r="0" g="0" b="0"/>
+        </a:fillRef>
+        <a:effectRef idx="0">
+          <a:scrgbClr r="0" g="0" b="0"/>
+        </a:effectRef>
+        <a:fontRef idx="minor">
+          <a:schemeClr val="lt1"/>
+        </a:fontRef>
+      </dsp:style>
+      <dsp:txBody>
+        <a:bodyPr spcFirstLastPara="0" vert="horz" wrap="square" lIns="87630" tIns="87630" rIns="87630" bIns="87630" numCol="1" spcCol="1270" anchor="ctr" anchorCtr="0">
+          <a:noAutofit/>
+        </a:bodyPr>
+        <a:lstStyle/>
+        <a:p>
+          <a:pPr marL="0" lvl="0" indent="0" algn="ctr" defTabSz="1022350">
+            <a:lnSpc>
+              <a:spcPct val="90000"/>
+            </a:lnSpc>
+            <a:spcBef>
+              <a:spcPct val="0"/>
+            </a:spcBef>
+            <a:spcAft>
+              <a:spcPct val="35000"/>
+            </a:spcAft>
+            <a:buNone/>
+          </a:pPr>
+          <a:r>
+            <a:rPr lang="en-US" sz="2300" kern="1200" dirty="0"/>
+            <a:t>Query for similar subjects/ideas</a:t>
+          </a:r>
+        </a:p>
+      </dsp:txBody>
+      <dsp:txXfrm>
+        <a:off x="2702457" y="1233306"/>
+        <a:ext cx="1836429" cy="1075099"/>
+      </dsp:txXfrm>
+    </dsp:sp>
+    <dsp:sp modelId="{10C9A3BC-BFA5-4E60-9FAA-0CE5AE5C694D}">
+      <dsp:nvSpPr>
+        <dsp:cNvPr id="0" name=""/>
+        <dsp:cNvSpPr/>
+      </dsp:nvSpPr>
+      <dsp:spPr>
+        <a:xfrm>
+          <a:off x="4762667" y="1534843"/>
+          <a:ext cx="403505" cy="472024"/>
+        </a:xfrm>
+        <a:prstGeom prst="rightArrow">
+          <a:avLst>
+            <a:gd name="adj1" fmla="val 60000"/>
+            <a:gd name="adj2" fmla="val 50000"/>
+          </a:avLst>
+        </a:prstGeom>
+        <a:solidFill>
+          <a:schemeClr val="accent2">
+            <a:tint val="60000"/>
+            <a:hueOff val="0"/>
+            <a:satOff val="0"/>
+            <a:lumOff val="0"/>
+            <a:alphaOff val="0"/>
+          </a:schemeClr>
+        </a:solidFill>
+        <a:ln>
+          <a:noFill/>
+        </a:ln>
+        <a:effectLst/>
+      </dsp:spPr>
+      <dsp:style>
+        <a:lnRef idx="0">
+          <a:scrgbClr r="0" g="0" b="0"/>
+        </a:lnRef>
+        <a:fillRef idx="1">
+          <a:scrgbClr r="0" g="0" b="0"/>
+        </a:fillRef>
+        <a:effectRef idx="0">
+          <a:scrgbClr r="0" g="0" b="0"/>
+        </a:effectRef>
+        <a:fontRef idx="minor">
+          <a:schemeClr val="lt1"/>
+        </a:fontRef>
+      </dsp:style>
+      <dsp:txBody>
+        <a:bodyPr spcFirstLastPara="0" vert="horz" wrap="square" lIns="0" tIns="0" rIns="0" bIns="0" numCol="1" spcCol="1270" anchor="ctr" anchorCtr="0">
+          <a:noAutofit/>
+        </a:bodyPr>
+        <a:lstStyle/>
+        <a:p>
+          <a:pPr marL="0" lvl="0" indent="0" algn="ctr" defTabSz="844550">
+            <a:lnSpc>
+              <a:spcPct val="90000"/>
+            </a:lnSpc>
+            <a:spcBef>
+              <a:spcPct val="0"/>
+            </a:spcBef>
+            <a:spcAft>
+              <a:spcPct val="35000"/>
+            </a:spcAft>
+            <a:buNone/>
+          </a:pPr>
+          <a:endParaRPr lang="en-US" sz="1900" kern="1200"/>
+        </a:p>
+      </dsp:txBody>
+      <dsp:txXfrm>
+        <a:off x="4762667" y="1629248"/>
+        <a:ext cx="282454" cy="283214"/>
+      </dsp:txXfrm>
+    </dsp:sp>
+    <dsp:sp modelId="{85E9F424-4586-4C98-99F5-4CC55F45DA8B}">
+      <dsp:nvSpPr>
+        <dsp:cNvPr id="0" name=""/>
+        <dsp:cNvSpPr/>
+      </dsp:nvSpPr>
+      <dsp:spPr>
+        <a:xfrm>
+          <a:off x="5333665" y="1199858"/>
+          <a:ext cx="1903325" cy="1141995"/>
+        </a:xfrm>
+        <a:prstGeom prst="roundRect">
+          <a:avLst>
+            <a:gd name="adj" fmla="val 10000"/>
+          </a:avLst>
+        </a:prstGeom>
+        <a:solidFill>
+          <a:schemeClr val="accent2">
+            <a:hueOff val="0"/>
+            <a:satOff val="0"/>
+            <a:lumOff val="0"/>
+            <a:alphaOff val="0"/>
+          </a:schemeClr>
+        </a:solidFill>
+        <a:ln w="15875" cap="flat" cmpd="sng" algn="ctr">
+          <a:solidFill>
+            <a:schemeClr val="lt1">
+              <a:hueOff val="0"/>
+              <a:satOff val="0"/>
+              <a:lumOff val="0"/>
+              <a:alphaOff val="0"/>
+            </a:schemeClr>
+          </a:solidFill>
+          <a:prstDash val="solid"/>
+        </a:ln>
+        <a:effectLst/>
+      </dsp:spPr>
+      <dsp:style>
+        <a:lnRef idx="2">
+          <a:scrgbClr r="0" g="0" b="0"/>
+        </a:lnRef>
+        <a:fillRef idx="1">
+          <a:scrgbClr r="0" g="0" b="0"/>
+        </a:fillRef>
+        <a:effectRef idx="0">
+          <a:scrgbClr r="0" g="0" b="0"/>
+        </a:effectRef>
+        <a:fontRef idx="minor">
+          <a:schemeClr val="lt1"/>
+        </a:fontRef>
+      </dsp:style>
+      <dsp:txBody>
+        <a:bodyPr spcFirstLastPara="0" vert="horz" wrap="square" lIns="87630" tIns="87630" rIns="87630" bIns="87630" numCol="1" spcCol="1270" anchor="ctr" anchorCtr="0">
+          <a:noAutofit/>
+        </a:bodyPr>
+        <a:lstStyle/>
+        <a:p>
+          <a:pPr marL="0" lvl="0" indent="0" algn="ctr" defTabSz="1022350">
+            <a:lnSpc>
+              <a:spcPct val="90000"/>
+            </a:lnSpc>
+            <a:spcBef>
+              <a:spcPct val="0"/>
+            </a:spcBef>
+            <a:spcAft>
+              <a:spcPct val="35000"/>
+            </a:spcAft>
+            <a:buNone/>
+          </a:pPr>
+          <a:r>
+            <a:rPr lang="en-US" sz="2300" kern="1200" dirty="0"/>
+            <a:t>Model and rank all sentences</a:t>
+          </a:r>
+        </a:p>
+      </dsp:txBody>
+      <dsp:txXfrm>
+        <a:off x="5367113" y="1233306"/>
+        <a:ext cx="1836429" cy="1075099"/>
+      </dsp:txXfrm>
+    </dsp:sp>
+    <dsp:sp modelId="{667B4AC9-DE80-4774-A0AF-148C95686FE9}">
+      <dsp:nvSpPr>
+        <dsp:cNvPr id="0" name=""/>
+        <dsp:cNvSpPr/>
+      </dsp:nvSpPr>
+      <dsp:spPr>
+        <a:xfrm>
+          <a:off x="7427323" y="1534843"/>
+          <a:ext cx="403505" cy="472024"/>
+        </a:xfrm>
+        <a:prstGeom prst="rightArrow">
+          <a:avLst>
+            <a:gd name="adj1" fmla="val 60000"/>
+            <a:gd name="adj2" fmla="val 50000"/>
+          </a:avLst>
+        </a:prstGeom>
+        <a:solidFill>
+          <a:schemeClr val="accent2">
+            <a:tint val="60000"/>
+            <a:hueOff val="0"/>
+            <a:satOff val="0"/>
+            <a:lumOff val="0"/>
+            <a:alphaOff val="0"/>
+          </a:schemeClr>
+        </a:solidFill>
+        <a:ln>
+          <a:noFill/>
+        </a:ln>
+        <a:effectLst/>
+      </dsp:spPr>
+      <dsp:style>
+        <a:lnRef idx="0">
+          <a:scrgbClr r="0" g="0" b="0"/>
+        </a:lnRef>
+        <a:fillRef idx="1">
+          <a:scrgbClr r="0" g="0" b="0"/>
+        </a:fillRef>
+        <a:effectRef idx="0">
+          <a:scrgbClr r="0" g="0" b="0"/>
+        </a:effectRef>
+        <a:fontRef idx="minor">
+          <a:schemeClr val="lt1"/>
+        </a:fontRef>
+      </dsp:style>
+      <dsp:txBody>
+        <a:bodyPr spcFirstLastPara="0" vert="horz" wrap="square" lIns="0" tIns="0" rIns="0" bIns="0" numCol="1" spcCol="1270" anchor="ctr" anchorCtr="0">
+          <a:noAutofit/>
+        </a:bodyPr>
+        <a:lstStyle/>
+        <a:p>
+          <a:pPr marL="0" lvl="0" indent="0" algn="ctr" defTabSz="844550">
+            <a:lnSpc>
+              <a:spcPct val="90000"/>
+            </a:lnSpc>
+            <a:spcBef>
+              <a:spcPct val="0"/>
+            </a:spcBef>
+            <a:spcAft>
+              <a:spcPct val="35000"/>
+            </a:spcAft>
+            <a:buNone/>
+          </a:pPr>
+          <a:endParaRPr lang="en-US" sz="1900" kern="1200"/>
+        </a:p>
+      </dsp:txBody>
+      <dsp:txXfrm>
+        <a:off x="7427323" y="1629248"/>
+        <a:ext cx="282454" cy="283214"/>
+      </dsp:txXfrm>
+    </dsp:sp>
+    <dsp:sp modelId="{ABC9E1C4-F91D-4673-A7FD-471A1DEA8488}">
+      <dsp:nvSpPr>
+        <dsp:cNvPr id="0" name=""/>
+        <dsp:cNvSpPr/>
+      </dsp:nvSpPr>
+      <dsp:spPr>
+        <a:xfrm>
+          <a:off x="7998321" y="1199858"/>
+          <a:ext cx="1903325" cy="1141995"/>
+        </a:xfrm>
+        <a:prstGeom prst="roundRect">
+          <a:avLst>
+            <a:gd name="adj" fmla="val 10000"/>
+          </a:avLst>
+        </a:prstGeom>
+        <a:solidFill>
+          <a:schemeClr val="accent2">
+            <a:hueOff val="0"/>
+            <a:satOff val="0"/>
+            <a:lumOff val="0"/>
+            <a:alphaOff val="0"/>
+          </a:schemeClr>
+        </a:solidFill>
+        <a:ln w="15875" cap="flat" cmpd="sng" algn="ctr">
+          <a:solidFill>
+            <a:schemeClr val="lt1">
+              <a:hueOff val="0"/>
+              <a:satOff val="0"/>
+              <a:lumOff val="0"/>
+              <a:alphaOff val="0"/>
+            </a:schemeClr>
+          </a:solidFill>
+          <a:prstDash val="solid"/>
+        </a:ln>
+        <a:effectLst/>
+      </dsp:spPr>
+      <dsp:style>
+        <a:lnRef idx="2">
+          <a:scrgbClr r="0" g="0" b="0"/>
+        </a:lnRef>
+        <a:fillRef idx="1">
+          <a:scrgbClr r="0" g="0" b="0"/>
+        </a:fillRef>
+        <a:effectRef idx="0">
+          <a:scrgbClr r="0" g="0" b="0"/>
+        </a:effectRef>
+        <a:fontRef idx="minor">
+          <a:schemeClr val="lt1"/>
+        </a:fontRef>
+      </dsp:style>
+      <dsp:txBody>
+        <a:bodyPr spcFirstLastPara="0" vert="horz" wrap="square" lIns="87630" tIns="87630" rIns="87630" bIns="87630" numCol="1" spcCol="1270" anchor="ctr" anchorCtr="0">
+          <a:noAutofit/>
+        </a:bodyPr>
+        <a:lstStyle/>
+        <a:p>
+          <a:pPr marL="0" lvl="0" indent="0" algn="ctr" defTabSz="1022350">
+            <a:lnSpc>
+              <a:spcPct val="90000"/>
+            </a:lnSpc>
+            <a:spcBef>
+              <a:spcPct val="0"/>
+            </a:spcBef>
+            <a:spcAft>
+              <a:spcPct val="35000"/>
+            </a:spcAft>
+            <a:buNone/>
+          </a:pPr>
+          <a:r>
+            <a:rPr lang="en-US" sz="2300" kern="1200" dirty="0"/>
+            <a:t>Reply with most similar tweet</a:t>
+          </a:r>
+        </a:p>
+      </dsp:txBody>
+      <dsp:txXfrm>
+        <a:off x="8031769" y="1233306"/>
+        <a:ext cx="1836429" cy="1075099"/>
+      </dsp:txXfrm>
+    </dsp:sp>
+  </dsp:spTree>
+</dsp:drawing>
+</file>
+
+<file path=ppt/diagrams/layout1.xml><?xml version="1.0" encoding="utf-8"?>
+<dgm:layoutDef xmlns:dgm="http://schemas.openxmlformats.org/drawingml/2006/diagram" xmlns:a="http://schemas.openxmlformats.org/drawingml/2006/main" uniqueId="urn:microsoft.com/office/officeart/2005/8/layout/process1">
+  <dgm:title val=""/>
+  <dgm:desc val=""/>
+  <dgm:catLst>
+    <dgm:cat type="process" pri="1000"/>
+    <dgm:cat type="convert" pri="15000"/>
+  </dgm:catLst>
+  <dgm:sampData useDef="1">
+    <dgm:dataModel>
+      <dgm:ptLst/>
+      <dgm:bg/>
+      <dgm:whole/>
+    </dgm:dataModel>
+  </dgm:sampData>
+  <dgm:styleData>
+    <dgm:dataModel>
+      <dgm:ptLst>
+        <dgm:pt modelId="0" type="doc"/>
+        <dgm:pt modelId="1"/>
+        <dgm:pt modelId="2"/>
+      </dgm:ptLst>
+      <dgm:cxnLst>
+        <dgm:cxn modelId="3" srcId="0" destId="1" srcOrd="0" destOrd="0"/>
+        <dgm:cxn modelId="4" srcId="0" destId="2" srcOrd="1" destOrd="0"/>
+      </dgm:cxnLst>
+      <dgm:bg/>
+      <dgm:whole/>
+    </dgm:dataModel>
+  </dgm:styleData>
+  <dgm:clrData>
+    <dgm:dataModel>
+      <dgm:ptLst>
+        <dgm:pt modelId="0" type="doc"/>
+        <dgm:pt modelId="1"/>
+        <dgm:pt modelId="2"/>
+        <dgm:pt modelId="3"/>
+        <dgm:pt modelId="4"/>
+      </dgm:ptLst>
+      <dgm:cxnLst>
+        <dgm:cxn modelId="5" srcId="0" destId="1" srcOrd="0" destOrd="0"/>
+        <dgm:cxn modelId="6" srcId="0" destId="2" srcOrd="1" destOrd="0"/>
+        <dgm:cxn modelId="7" srcId="0" destId="3" srcOrd="2" destOrd="0"/>
+        <dgm:cxn modelId="8" srcId="0" destId="4" srcOrd="3" destOrd="0"/>
+      </dgm:cxnLst>
+      <dgm:bg/>
+      <dgm:whole/>
+    </dgm:dataModel>
+  </dgm:clrData>
+  <dgm:layoutNode name="Name0">
+    <dgm:varLst>
+      <dgm:dir/>
+      <dgm:resizeHandles val="exact"/>
+    </dgm:varLst>
+    <dgm:choose name="Name1">
+      <dgm:if name="Name2" func="var" arg="dir" op="equ" val="norm">
+        <dgm:alg type="lin"/>
+      </dgm:if>
+      <dgm:else name="Name3">
+        <dgm:alg type="lin">
+          <dgm:param type="linDir" val="fromR"/>
+        </dgm:alg>
+      </dgm:else>
+    </dgm:choose>
+    <dgm:shape xmlns:r="http://schemas.openxmlformats.org/officeDocument/2006/relationships" r:blip="">
+      <dgm:adjLst/>
+    </dgm:shape>
+    <dgm:presOf/>
+    <dgm:constrLst>
+      <dgm:constr type="w" for="ch" ptType="node" refType="w"/>
+      <dgm:constr type="h" for="ch" ptType="node" op="equ"/>
+      <dgm:constr type="primFontSz" for="ch" ptType="node" op="equ" val="65"/>
+      <dgm:constr type="w" for="ch" ptType="sibTrans" refType="w" refFor="ch" refPtType="node" op="equ" fact="0.4"/>
+      <dgm:constr type="h" for="ch" ptType="sibTrans" op="equ"/>
+      <dgm:constr type="primFontSz" for="des" forName="connectorText" op="equ" val="55"/>
+      <dgm:constr type="primFontSz" for="des" forName="connectorText" refType="primFontSz" refFor="ch" refPtType="node" op="lte" fact="0.8"/>
+    </dgm:constrLst>
+    <dgm:ruleLst/>
+    <dgm:forEach name="nodesForEach" axis="ch" ptType="node">
+      <dgm:layoutNode name="node">
+        <dgm:varLst>
+          <dgm:bulletEnabled val="1"/>
+        </dgm:varLst>
+        <dgm:alg type="tx"/>
+        <dgm:shape xmlns:r="http://schemas.openxmlformats.org/officeDocument/2006/relationships" type="roundRect" r:blip="">
+          <dgm:adjLst>
+            <dgm:adj idx="1" val="0.1"/>
+          </dgm:adjLst>
+        </dgm:shape>
+        <dgm:presOf axis="desOrSelf" ptType="node"/>
+        <dgm:constrLst>
+          <dgm:constr type="h" refType="w" fact="0.6"/>
+          <dgm:constr type="tMarg" refType="primFontSz" fact="0.3"/>
+          <dgm:constr type="bMarg" refType="primFontSz" fact="0.3"/>
+          <dgm:constr type="lMarg" refType="primFontSz" fact="0.3"/>
+          <dgm:constr type="rMarg" refType="primFontSz" fact="0.3"/>
+        </dgm:constrLst>
+        <dgm:ruleLst>
+          <dgm:rule type="primFontSz" val="18" fact="NaN" max="NaN"/>
+          <dgm:rule type="h" val="NaN" fact="1.5" max="NaN"/>
+          <dgm:rule type="primFontSz" val="5" fact="NaN" max="NaN"/>
+          <dgm:rule type="h" val="INF" fact="NaN" max="NaN"/>
+        </dgm:ruleLst>
+      </dgm:layoutNode>
+      <dgm:forEach name="sibTransForEach" axis="followSib" ptType="sibTrans" cnt="1">
+        <dgm:layoutNode name="sibTrans">
+          <dgm:alg type="conn">
+            <dgm:param type="begPts" val="auto"/>
+            <dgm:param type="endPts" val="auto"/>
+          </dgm:alg>
+          <dgm:shape xmlns:r="http://schemas.openxmlformats.org/officeDocument/2006/relationships" type="conn" r:blip="">
+            <dgm:adjLst/>
+          </dgm:shape>
+          <dgm:presOf axis="self"/>
+          <dgm:constrLst>
+            <dgm:constr type="h" refType="w" fact="0.62"/>
+            <dgm:constr type="connDist"/>
+            <dgm:constr type="begPad" refType="connDist" fact="0.25"/>
+            <dgm:constr type="endPad" refType="connDist" fact="0.22"/>
+          </dgm:constrLst>
+          <dgm:ruleLst/>
+          <dgm:layoutNode name="connectorText">
+            <dgm:alg type="tx">
+              <dgm:param type="autoTxRot" val="grav"/>
+            </dgm:alg>
+            <dgm:shape xmlns:r="http://schemas.openxmlformats.org/officeDocument/2006/relationships" type="conn" r:blip="" hideGeom="1">
+              <dgm:adjLst/>
+            </dgm:shape>
+            <dgm:presOf axis="self"/>
+            <dgm:constrLst>
+              <dgm:constr type="lMarg"/>
+              <dgm:constr type="rMarg"/>
+              <dgm:constr type="tMarg"/>
+              <dgm:constr type="bMarg"/>
+            </dgm:constrLst>
+            <dgm:ruleLst>
+              <dgm:rule type="primFontSz" val="5" fact="NaN" max="NaN"/>
+            </dgm:ruleLst>
+          </dgm:layoutNode>
+        </dgm:layoutNode>
+      </dgm:forEach>
+    </dgm:forEach>
+  </dgm:layoutNode>
+</dgm:layoutDef>
+</file>
+
+<file path=ppt/diagrams/quickStyle1.xml><?xml version="1.0" encoding="utf-8"?>
+<dgm:styleDef xmlns:dgm="http://schemas.openxmlformats.org/drawingml/2006/diagram" xmlns:a="http://schemas.openxmlformats.org/drawingml/2006/main" uniqueId="urn:microsoft.com/office/officeart/2005/8/quickstyle/simple1">
+  <dgm:title val=""/>
+  <dgm:desc val=""/>
+  <dgm:catLst>
+    <dgm:cat type="simple" pri="10100"/>
+  </dgm:catLst>
+  <dgm:scene3d>
+    <a:camera prst="orthographicFront"/>
+    <a:lightRig rig="threePt" dir="t"/>
+  </dgm:scene3d>
+  <dgm:styleLbl name="node0">
+    <dgm:scene3d>
+      <a:camera prst="orthographicFront"/>
+      <a:lightRig rig="threePt" dir="t"/>
+    </dgm:scene3d>
+    <dgm:sp3d/>
+    <dgm:txPr/>
+    <dgm:style>
+      <a:lnRef idx="2">
+        <a:scrgbClr r="0" g="0" b="0"/>
+      </a:lnRef>
+      <a:fillRef idx="1">
+        <a:scrgbClr r="0" g="0" b="0"/>
+      </a:fillRef>
+      <a:effectRef idx="0">
+        <a:scrgbClr r="0" g="0" b="0"/>
+      </a:effectRef>
+      <a:fontRef idx="minor">
+        <a:schemeClr val="lt1"/>
+      </a:fontRef>
+    </dgm:style>
+  </dgm:styleLbl>
+  <dgm:styleLbl name="lnNode1">
+    <dgm:scene3d>
+      <a:camera prst="orthographicFront"/>
+      <a:lightRig rig="threePt" dir="t"/>
+    </dgm:scene3d>
+    <dgm:sp3d/>
+    <dgm:txPr/>
+    <dgm:style>
+      <a:lnRef idx="2">
+        <a:scrgbClr r="0" g="0" b="0"/>
+      </a:lnRef>
+      <a:fillRef idx="1">
+        <a:scrgbClr r="0" g="0" b="0"/>
+      </a:fillRef>
+      <a:effectRef idx="0">
+        <a:scrgbClr r="0" g="0" b="0"/>
+      </a:effectRef>
+      <a:fontRef idx="minor">
+        <a:schemeClr val="lt1"/>
+      </a:fontRef>
+    </dgm:style>
+  </dgm:styleLbl>
+  <dgm:styleLbl name="vennNode1">
+    <dgm:scene3d>
+      <a:camera prst="orthographicFront"/>
+      <a:lightRig rig="threePt" dir="t"/>
+    </dgm:scene3d>
+    <dgm:sp3d/>
+    <dgm:txPr/>
+    <dgm:style>
+      <a:lnRef idx="2">
+        <a:scrgbClr r="0" g="0" b="0"/>
+      </a:lnRef>
+      <a:fillRef idx="1">
+        <a:scrgbClr r="0" g="0" b="0"/>
+      </a:fillRef>
+      <a:effectRef idx="0">
+        <a:scrgbClr r="0" g="0" b="0"/>
+      </a:effectRef>
+      <a:fontRef idx="minor">
+        <a:schemeClr val="tx1"/>
+      </a:fontRef>
+    </dgm:style>
+  </dgm:styleLbl>
+  <dgm:styleLbl name="alignNode1">
+    <dgm:scene3d>
+      <a:camera prst="orthographicFront"/>
+      <a:lightRig rig="threePt" dir="t"/>
+    </dgm:scene3d>
+    <dgm:sp3d/>
+    <dgm:txPr/>
+    <dgm:style>
+      <a:lnRef idx="2">
+        <a:scrgbClr r="0" g="0" b="0"/>
+      </a:lnRef>
+      <a:fillRef idx="1">
+        <a:scrgbClr r="0" g="0" b="0"/>
+      </a:fillRef>
+      <a:effectRef idx="0">
+        <a:scrgbClr r="0" g="0" b="0"/>
+      </a:effectRef>
+      <a:fontRef idx="minor">
+        <a:schemeClr val="lt1"/>
+      </a:fontRef>
+    </dgm:style>
+  </dgm:styleLbl>
+  <dgm:styleLbl name="node1">
+    <dgm:scene3d>
+      <a:camera prst="orthographicFront"/>
+      <a:lightRig rig="threePt" dir="t"/>
+    </dgm:scene3d>
+    <dgm:sp3d/>
+    <dgm:txPr/>
+    <dgm:style>
+      <a:lnRef idx="2">
+        <a:scrgbClr r="0" g="0" b="0"/>
+      </a:lnRef>
+      <a:fillRef idx="1">
+        <a:scrgbClr r="0" g="0" b="0"/>
+      </a:fillRef>
+      <a:effectRef idx="0">
+        <a:scrgbClr r="0" g="0" b="0"/>
+      </a:effectRef>
+      <a:fontRef idx="minor">
+        <a:schemeClr val="lt1"/>
+      </a:fontRef>
+    </dgm:style>
+  </dgm:styleLbl>
+  <dgm:styleLbl name="node2">
+    <dgm:scene3d>
+      <a:camera prst="orthographicFront"/>
+      <a:lightRig rig="threePt" dir="t"/>
+    </dgm:scene3d>
+    <dgm:sp3d/>
+    <dgm:txPr/>
+    <dgm:style>
+      <a:lnRef idx="2">
+        <a:scrgbClr r="0" g="0" b="0"/>
+      </a:lnRef>
+      <a:fillRef idx="1">
+        <a:scrgbClr r="0" g="0" b="0"/>
+      </a:fillRef>
+      <a:effectRef idx="0">
+        <a:scrgbClr r="0" g="0" b="0"/>
+      </a:effectRef>
+      <a:fontRef idx="minor">
+        <a:schemeClr val="lt1"/>
+      </a:fontRef>
+    </dgm:style>
+  </dgm:styleLbl>
+  <dgm:styleLbl name="node3">
+    <dgm:scene3d>
+      <a:camera prst="orthographicFront"/>
+      <a:lightRig rig="threePt" dir="t"/>
+    </dgm:scene3d>
+    <dgm:sp3d/>
+    <dgm:txPr/>
+    <dgm:style>
+      <a:lnRef idx="2">
+        <a:scrgbClr r="0" g="0" b="0"/>
+      </a:lnRef>
+      <a:fillRef idx="1">
+        <a:scrgbClr r="0" g="0" b="0"/>
+      </a:fillRef>
+      <a:effectRef idx="0">
+        <a:scrgbClr r="0" g="0" b="0"/>
+      </a:effectRef>
+      <a:fontRef idx="minor">
+        <a:schemeClr val="lt1"/>
+      </a:fontRef>
+    </dgm:style>
+  </dgm:styleLbl>
+  <dgm:styleLbl name="node4">
+    <dgm:scene3d>
+      <a:camera prst="orthographicFront"/>
+      <a:lightRig rig="threePt" dir="t"/>
+    </dgm:scene3d>
+    <dgm:sp3d/>
+    <dgm:txPr/>
+    <dgm:style>
+      <a:lnRef idx="2">
+        <a:scrgbClr r="0" g="0" b="0"/>
+      </a:lnRef>
+      <a:fillRef idx="1">
+        <a:scrgbClr r="0" g="0" b="0"/>
+      </a:fillRef>
+      <a:effectRef idx="0">
+        <a:scrgbClr r="0" g="0" b="0"/>
+      </a:effectRef>
+      <a:fontRef idx="minor">
+        <a:schemeClr val="lt1"/>
+      </a:fontRef>
+    </dgm:style>
+  </dgm:styleLbl>
+  <dgm:styleLbl name="fgImgPlace1">
+    <dgm:scene3d>
+      <a:camera prst="orthographicFront"/>
+      <a:lightRig rig="threePt" dir="t"/>
+    </dgm:scene3d>
+    <dgm:sp3d/>
+    <dgm:txPr/>
+    <dgm:style>
+      <a:lnRef idx="2">
+        <a:scrgbClr r="0" g="0" b="0"/>
+      </a:lnRef>
+      <a:fillRef idx="1">
+        <a:scrgbClr r="0" g="0" b="0"/>
+      </a:fillRef>
+      <a:effectRef idx="0">
+        <a:scrgbClr r="0" g="0" b="0"/>
+      </a:effectRef>
+      <a:fontRef idx="minor"/>
+    </dgm:style>
+  </dgm:styleLbl>
+  <dgm:styleLbl name="alignImgPlace1">
+    <dgm:scene3d>
+      <a:camera prst="orthographicFront"/>
+      <a:lightRig rig="threePt" dir="t"/>
+    </dgm:scene3d>
+    <dgm:sp3d/>
+    <dgm:txPr/>
+    <dgm:style>
+      <a:lnRef idx="2">
+        <a:scrgbClr r="0" g="0" b="0"/>
+      </a:lnRef>
+      <a:fillRef idx="1">
+        <a:scrgbClr r="0" g="0" b="0"/>
+      </a:fillRef>
+      <a:effectRef idx="0">
+        <a:scrgbClr r="0" g="0" b="0"/>
+      </a:effectRef>
+      <a:fontRef idx="minor"/>
+    </dgm:style>
+  </dgm:styleLbl>
+  <dgm:styleLbl name="bgImgPlace1">
+    <dgm:scene3d>
+      <a:camera prst="orthographicFront"/>
+      <a:lightRig rig="threePt" dir="t"/>
+    </dgm:scene3d>
+    <dgm:sp3d/>
+    <dgm:txPr/>
+    <dgm:style>
+      <a:lnRef idx="2">
+        <a:scrgbClr r="0" g="0" b="0"/>
+      </a:lnRef>
+      <a:fillRef idx="1">
+        <a:scrgbClr r="0" g="0" b="0"/>
+      </a:fillRef>
+      <a:effectRef idx="0">
+        <a:scrgbClr r="0" g="0" b="0"/>
+      </a:effectRef>
+      <a:fontRef idx="minor"/>
+    </dgm:style>
+  </dgm:styleLbl>
+  <dgm:styleLbl name="sibTrans2D1">
+    <dgm:scene3d>
+      <a:camera prst="orthographicFront"/>
+      <a:lightRig rig="threePt" dir="t"/>
+    </dgm:scene3d>
+    <dgm:sp3d/>
+    <dgm:txPr/>
+    <dgm:style>
+      <a:lnRef idx="0">
+        <a:scrgbClr r="0" g="0" b="0"/>
+      </a:lnRef>
+      <a:fillRef idx="1">
+        <a:scrgbClr r="0" g="0" b="0"/>
+      </a:fillRef>
+      <a:effectRef idx="0">
+        <a:scrgbClr r="0" g="0" b="0"/>
+      </a:effectRef>
+      <a:fontRef idx="minor">
+        <a:schemeClr val="lt1"/>
+      </a:fontRef>
+    </dgm:style>
+  </dgm:styleLbl>
+  <dgm:styleLbl name="fgSibTrans2D1">
+    <dgm:scene3d>
+      <a:camera prst="orthographicFront"/>
+      <a:lightRig rig="threePt" dir="t"/>
+    </dgm:scene3d>
+    <dgm:sp3d/>
+    <dgm:txPr/>
+    <dgm:style>
+      <a:lnRef idx="0">
+        <a:scrgbClr r="0" g="0" b="0"/>
+      </a:lnRef>
+      <a:fillRef idx="1">
+        <a:scrgbClr r="0" g="0" b="0"/>
+      </a:fillRef>
+      <a:effectRef idx="0">
+        <a:scrgbClr r="0" g="0" b="0"/>
+      </a:effectRef>
+      <a:fontRef idx="minor">
+        <a:schemeClr val="lt1"/>
+      </a:fontRef>
+    </dgm:style>
+  </dgm:styleLbl>
+  <dgm:styleLbl name="bgSibTrans2D1">
+    <dgm:scene3d>
+      <a:camera prst="orthographicFront"/>
+      <a:lightRig rig="threePt" dir="t"/>
+    </dgm:scene3d>
+    <dgm:sp3d/>
+    <dgm:txPr/>
+    <dgm:style>
+      <a:lnRef idx="0">
+        <a:scrgbClr r="0" g="0" b="0"/>
+      </a:lnRef>
+      <a:fillRef idx="1">
+        <a:scrgbClr r="0" g="0" b="0"/>
+      </a:fillRef>
+      <a:effectRef idx="0">
+        <a:scrgbClr r="0" g="0" b="0"/>
+      </a:effectRef>
+      <a:fontRef idx="minor">
+        <a:schemeClr val="lt1"/>
+      </a:fontRef>
+    </dgm:style>
+  </dgm:styleLbl>
+  <dgm:styleLbl name="sibTrans1D1">
+    <dgm:scene3d>
+      <a:camera prst="orthographicFront"/>
+      <a:lightRig rig="threePt" dir="t"/>
+    </dgm:scene3d>
+    <dgm:sp3d/>
+    <dgm:txPr/>
+    <dgm:style>
+      <a:lnRef idx="1">
+        <a:scrgbClr r="0" g="0" b="0"/>
+      </a:lnRef>
+      <a:fillRef idx="0">
+        <a:scrgbClr r="0" g="0" b="0"/>
+      </a:fillRef>
+      <a:effectRef idx="0">
+        <a:scrgbClr r="0" g="0" b="0"/>
+      </a:effectRef>
+      <a:fontRef idx="minor"/>
+    </dgm:style>
+  </dgm:styleLbl>
+  <dgm:styleLbl name="callout">
+    <dgm:scene3d>
+      <a:camera prst="orthographicFront"/>
+      <a:lightRig rig="threePt" dir="t"/>
+    </dgm:scene3d>
+    <dgm:sp3d/>
+    <dgm:txPr/>
+    <dgm:style>
+      <a:lnRef idx="2">
+        <a:scrgbClr r="0" g="0" b="0"/>
+      </a:lnRef>
+      <a:fillRef idx="1">
+        <a:scrgbClr r="0" g="0" b="0"/>
+      </a:fillRef>
+      <a:effectRef idx="0">
+        <a:scrgbClr r="0" g="0" b="0"/>
+      </a:effectRef>
+      <a:fontRef idx="minor"/>
+    </dgm:style>
+  </dgm:styleLbl>
+  <dgm:styleLbl name="asst0">
+    <dgm:scene3d>
+      <a:camera prst="orthographicFront"/>
+      <a:lightRig rig="threePt" dir="t"/>
+    </dgm:scene3d>
+    <dgm:sp3d/>
+    <dgm:txPr/>
+    <dgm:style>
+      <a:lnRef idx="2">
+        <a:scrgbClr r="0" g="0" b="0"/>
+      </a:lnRef>
+      <a:fillRef idx="1">
+        <a:scrgbClr r="0" g="0" b="0"/>
+      </a:fillRef>
+      <a:effectRef idx="0">
+        <a:scrgbClr r="0" g="0" b="0"/>
+      </a:effectRef>
+      <a:fontRef idx="minor">
+        <a:schemeClr val="lt1"/>
+      </a:fontRef>
+    </dgm:style>
+  </dgm:styleLbl>
+  <dgm:styleLbl name="asst1">
+    <dgm:scene3d>
+      <a:camera prst="orthographicFront"/>
+      <a:lightRig rig="threePt" dir="t"/>
+    </dgm:scene3d>
+    <dgm:sp3d/>
+    <dgm:txPr/>
+    <dgm:style>
+      <a:lnRef idx="2">
+        <a:scrgbClr r="0" g="0" b="0"/>
+      </a:lnRef>
+      <a:fillRef idx="1">
+        <a:scrgbClr r="0" g="0" b="0"/>
+      </a:fillRef>
+      <a:effectRef idx="0">
+        <a:scrgbClr r="0" g="0" b="0"/>
+      </a:effectRef>
+      <a:fontRef idx="minor">
+        <a:schemeClr val="lt1"/>
+      </a:fontRef>
+    </dgm:style>
+  </dgm:styleLbl>
+  <dgm:styleLbl name="asst2">
+    <dgm:scene3d>
+      <a:camera prst="orthographicFront"/>
+      <a:lightRig rig="threePt" dir="t"/>
+    </dgm:scene3d>
+    <dgm:sp3d/>
+    <dgm:txPr/>
+    <dgm:style>
+      <a:lnRef idx="2">
+        <a:scrgbClr r="0" g="0" b="0"/>
+      </a:lnRef>
+      <a:fillRef idx="1">
+        <a:scrgbClr r="0" g="0" b="0"/>
+      </a:fillRef>
+      <a:effectRef idx="0">
+        <a:scrgbClr r="0" g="0" b="0"/>
+      </a:effectRef>
+      <a:fontRef idx="minor">
+        <a:schemeClr val="lt1"/>
+      </a:fontRef>
+    </dgm:style>
+  </dgm:styleLbl>
+  <dgm:styleLbl name="asst3">
+    <dgm:scene3d>
+      <a:camera prst="orthographicFront"/>
+      <a:lightRig rig="threePt" dir="t"/>
+    </dgm:scene3d>
+    <dgm:sp3d/>
+    <dgm:txPr/>
+    <dgm:style>
+      <a:lnRef idx="2">
+        <a:scrgbClr r="0" g="0" b="0"/>
+      </a:lnRef>
+      <a:fillRef idx="1">
+        <a:scrgbClr r="0" g="0" b="0"/>
+      </a:fillRef>
+      <a:effectRef idx="0">
+        <a:scrgbClr r="0" g="0" b="0"/>
+      </a:effectRef>
+      <a:fontRef idx="minor">
+        <a:schemeClr val="lt1"/>
+      </a:fontRef>
+    </dgm:style>
+  </dgm:styleLbl>
+  <dgm:styleLbl name="asst4">
+    <dgm:scene3d>
+      <a:camera prst="orthographicFront"/>
+      <a:lightRig rig="threePt" dir="t"/>
+    </dgm:scene3d>
+    <dgm:sp3d/>
+    <dgm:txPr/>
+    <dgm:style>
+      <a:lnRef idx="2">
+        <a:scrgbClr r="0" g="0" b="0"/>
+      </a:lnRef>
+      <a:fillRef idx="1">
+        <a:scrgbClr r="0" g="0" b="0"/>
+      </a:fillRef>
+      <a:effectRef idx="0">
+        <a:scrgbClr r="0" g="0" b="0"/>
+      </a:effectRef>
+      <a:fontRef idx="minor">
+        <a:schemeClr val="lt1"/>
+      </a:fontRef>
+    </dgm:style>
+  </dgm:styleLbl>
+  <dgm:styleLbl name="parChTrans2D1">
+    <dgm:scene3d>
+      <a:camera prst="orthographicFront"/>
+      <a:lightRig rig="threePt" dir="t"/>
+    </dgm:scene3d>
+    <dgm:sp3d/>
+    <dgm:txPr/>
+    <dgm:style>
+      <a:lnRef idx="2">
+        <a:scrgbClr r="0" g="0" b="0"/>
+      </a:lnRef>
+      <a:fillRef idx="1">
+        <a:scrgbClr r="0" g="0" b="0"/>
+      </a:fillRef>
+      <a:effectRef idx="0">
+        <a:scrgbClr r="0" g="0" b="0"/>
+      </a:effectRef>
+      <a:fontRef idx="minor">
+        <a:schemeClr val="lt1"/>
+      </a:fontRef>
+    </dgm:style>
+  </dgm:styleLbl>
+  <dgm:styleLbl name="parChTrans2D2">
+    <dgm:scene3d>
+      <a:camera prst="orthographicFront"/>
+      <a:lightRig rig="threePt" dir="t"/>
+    </dgm:scene3d>
+    <dgm:sp3d/>
+    <dgm:txPr/>
+    <dgm:style>
+      <a:lnRef idx="2">
+        <a:scrgbClr r="0" g="0" b="0"/>
+      </a:lnRef>
+      <a:fillRef idx="1">
+        <a:scrgbClr r="0" g="0" b="0"/>
+      </a:fillRef>
+      <a:effectRef idx="0">
+        <a:scrgbClr r="0" g="0" b="0"/>
+      </a:effectRef>
+      <a:fontRef idx="minor">
+        <a:schemeClr val="lt1"/>
+      </a:fontRef>
+    </dgm:style>
+  </dgm:styleLbl>
+  <dgm:styleLbl name="parChTrans2D3">
+    <dgm:scene3d>
+      <a:camera prst="orthographicFront"/>
+      <a:lightRig rig="threePt" dir="t"/>
+    </dgm:scene3d>
+    <dgm:sp3d/>
+    <dgm:txPr/>
+    <dgm:style>
+      <a:lnRef idx="2">
+        <a:scrgbClr r="0" g="0" b="0"/>
+      </a:lnRef>
+      <a:fillRef idx="1">
+        <a:scrgbClr r="0" g="0" b="0"/>
+      </a:fillRef>
+      <a:effectRef idx="0">
+        <a:scrgbClr r="0" g="0" b="0"/>
+      </a:effectRef>
+      <a:fontRef idx="minor">
+        <a:schemeClr val="lt1"/>
+      </a:fontRef>
+    </dgm:style>
+  </dgm:styleLbl>
+  <dgm:styleLbl name="parChTrans2D4">
+    <dgm:scene3d>
+      <a:camera prst="orthographicFront"/>
+      <a:lightRig rig="threePt" dir="t"/>
+    </dgm:scene3d>
+    <dgm:sp3d/>
+    <dgm:txPr/>
+    <dgm:style>
+      <a:lnRef idx="2">
+        <a:scrgbClr r="0" g="0" b="0"/>
+      </a:lnRef>
+      <a:fillRef idx="1">
+        <a:scrgbClr r="0" g="0" b="0"/>
+      </a:fillRef>
+      <a:effectRef idx="0">
+        <a:scrgbClr r="0" g="0" b="0"/>
+      </a:effectRef>
+      <a:fontRef idx="minor">
+        <a:schemeClr val="lt1"/>
+      </a:fontRef>
+    </dgm:style>
+  </dgm:styleLbl>
+  <dgm:styleLbl name="parChTrans1D1">
+    <dgm:scene3d>
+      <a:camera prst="orthographicFront"/>
+      <a:lightRig rig="threePt" dir="t"/>
+    </dgm:scene3d>
+    <dgm:sp3d/>
+    <dgm:txPr/>
+    <dgm:style>
+      <a:lnRef idx="2">
+        <a:scrgbClr r="0" g="0" b="0"/>
+      </a:lnRef>
+      <a:fillRef idx="0">
+        <a:scrgbClr r="0" g="0" b="0"/>
+      </a:fillRef>
+      <a:effectRef idx="0">
+        <a:scrgbClr r="0" g="0" b="0"/>
+      </a:effectRef>
+      <a:fontRef idx="minor"/>
+    </dgm:style>
+  </dgm:styleLbl>
+  <dgm:styleLbl name="parChTrans1D2">
+    <dgm:scene3d>
+      <a:camera prst="orthographicFront"/>
+      <a:lightRig rig="threePt" dir="t"/>
+    </dgm:scene3d>
+    <dgm:sp3d/>
+    <dgm:txPr/>
+    <dgm:style>
+      <a:lnRef idx="2">
+        <a:scrgbClr r="0" g="0" b="0"/>
+      </a:lnRef>
+      <a:fillRef idx="0">
+        <a:scrgbClr r="0" g="0" b="0"/>
+      </a:fillRef>
+      <a:effectRef idx="0">
+        <a:scrgbClr r="0" g="0" b="0"/>
+      </a:effectRef>
+      <a:fontRef idx="minor"/>
+    </dgm:style>
+  </dgm:styleLbl>
+  <dgm:styleLbl name="parChTrans1D3">
+    <dgm:scene3d>
+      <a:camera prst="orthographicFront"/>
+      <a:lightRig rig="threePt" dir="t"/>
+    </dgm:scene3d>
+    <dgm:sp3d/>
+    <dgm:txPr/>
+    <dgm:style>
+      <a:lnRef idx="2">
+        <a:scrgbClr r="0" g="0" b="0"/>
+      </a:lnRef>
+      <a:fillRef idx="0">
+        <a:scrgbClr r="0" g="0" b="0"/>
+      </a:fillRef>
+      <a:effectRef idx="0">
+        <a:scrgbClr r="0" g="0" b="0"/>
+      </a:effectRef>
+      <a:fontRef idx="minor"/>
+    </dgm:style>
+  </dgm:styleLbl>
+  <dgm:styleLbl name="parChTrans1D4">
+    <dgm:scene3d>
+      <a:camera prst="orthographicFront"/>
+      <a:lightRig rig="threePt" dir="t"/>
+    </dgm:scene3d>
+    <dgm:sp3d/>
+    <dgm:txPr/>
+    <dgm:style>
+      <a:lnRef idx="2">
+        <a:scrgbClr r="0" g="0" b="0"/>
+      </a:lnRef>
+      <a:fillRef idx="0">
+        <a:scrgbClr r="0" g="0" b="0"/>
+      </a:fillRef>
+      <a:effectRef idx="0">
+        <a:scrgbClr r="0" g="0" b="0"/>
+      </a:effectRef>
+      <a:fontRef idx="minor"/>
+    </dgm:style>
+  </dgm:styleLbl>
+  <dgm:styleLbl name="fgAcc1">
+    <dgm:scene3d>
+      <a:camera prst="orthographicFront"/>
+      <a:lightRig rig="threePt" dir="t"/>
+    </dgm:scene3d>
+    <dgm:sp3d/>
+    <dgm:txPr/>
+    <dgm:style>
+      <a:lnRef idx="2">
+        <a:scrgbClr r="0" g="0" b="0"/>
+      </a:lnRef>
+      <a:fillRef idx="1">
+        <a:scrgbClr r="0" g="0" b="0"/>
+      </a:fillRef>
+      <a:effectRef idx="0">
+        <a:scrgbClr r="0" g="0" b="0"/>
+      </a:effectRef>
+      <a:fontRef idx="minor"/>
+    </dgm:style>
+  </dgm:styleLbl>
+  <dgm:styleLbl name="conFgAcc1">
+    <dgm:scene3d>
+      <a:camera prst="orthographicFront"/>
+      <a:lightRig rig="threePt" dir="t"/>
+    </dgm:scene3d>
+    <dgm:sp3d/>
+    <dgm:txPr/>
+    <dgm:style>
+      <a:lnRef idx="2">
+        <a:scrgbClr r="0" g="0" b="0"/>
+      </a:lnRef>
+      <a:fillRef idx="1">
+        <a:scrgbClr r="0" g="0" b="0"/>
+      </a:fillRef>
+      <a:effectRef idx="0">
+        <a:scrgbClr r="0" g="0" b="0"/>
+      </a:effectRef>
+      <a:fontRef idx="minor"/>
+    </dgm:style>
+  </dgm:styleLbl>
+  <dgm:styleLbl name="alignAcc1">
+    <dgm:scene3d>
+      <a:camera prst="orthographicFront"/>
+      <a:lightRig rig="threePt" dir="t"/>
+    </dgm:scene3d>
+    <dgm:sp3d/>
+    <dgm:txPr/>
+    <dgm:style>
+      <a:lnRef idx="2">
+        <a:scrgbClr r="0" g="0" b="0"/>
+      </a:lnRef>
+      <a:fillRef idx="1">
+        <a:scrgbClr r="0" g="0" b="0"/>
+      </a:fillRef>
+      <a:effectRef idx="0">
+        <a:scrgbClr r="0" g="0" b="0"/>
+      </a:effectRef>
+      <a:fontRef idx="minor"/>
+    </dgm:style>
+  </dgm:styleLbl>
+  <dgm:styleLbl name="trAlignAcc1">
+    <dgm:scene3d>
+      <a:camera prst="orthographicFront"/>
+      <a:lightRig rig="threePt" dir="t"/>
+    </dgm:scene3d>
+    <dgm:sp3d/>
+    <dgm:txPr/>
+    <dgm:style>
+      <a:lnRef idx="1">
+        <a:scrgbClr r="0" g="0" b="0"/>
+      </a:lnRef>
+      <a:fillRef idx="1">
+        <a:scrgbClr r="0" g="0" b="0"/>
+      </a:fillRef>
+      <a:effectRef idx="0">
+        <a:scrgbClr r="0" g="0" b="0"/>
+      </a:effectRef>
+      <a:fontRef idx="minor"/>
+    </dgm:style>
+  </dgm:styleLbl>
+  <dgm:styleLbl name="bgAcc1">
+    <dgm:scene3d>
+      <a:camera prst="orthographicFront"/>
+      <a:lightRig rig="threePt" dir="t"/>
+    </dgm:scene3d>
+    <dgm:sp3d/>
+    <dgm:txPr/>
+    <dgm:style>
+      <a:lnRef idx="2">
+        <a:scrgbClr r="0" g="0" b="0"/>
+      </a:lnRef>
+      <a:fillRef idx="1">
+        <a:scrgbClr r="0" g="0" b="0"/>
+      </a:fillRef>
+      <a:effectRef idx="0">
+        <a:scrgbClr r="0" g="0" b="0"/>
+      </a:effectRef>
+      <a:fontRef idx="minor"/>
+    </dgm:style>
+  </dgm:styleLbl>
+  <dgm:styleLbl name="solidFgAcc1">
+    <dgm:scene3d>
+      <a:camera prst="orthographicFront"/>
+      <a:lightRig rig="threePt" dir="t"/>
+    </dgm:scene3d>
+    <dgm:sp3d/>
+    <dgm:txPr/>
+    <dgm:style>
+      <a:lnRef idx="2">
+        <a:scrgbClr r="0" g="0" b="0"/>
+      </a:lnRef>
+      <a:fillRef idx="1">
+        <a:scrgbClr r="0" g="0" b="0"/>
+      </a:fillRef>
+      <a:effectRef idx="0">
+        <a:scrgbClr r="0" g="0" b="0"/>
+      </a:effectRef>
+      <a:fontRef idx="minor"/>
+    </dgm:style>
+  </dgm:styleLbl>
+  <dgm:styleLbl name="solidAlignAcc1">
+    <dgm:scene3d>
+      <a:camera prst="orthographicFront"/>
+      <a:lightRig rig="threePt" dir="t"/>
+    </dgm:scene3d>
+    <dgm:sp3d/>
+    <dgm:txPr/>
+    <dgm:style>
+      <a:lnRef idx="2">
+        <a:scrgbClr r="0" g="0" b="0"/>
+      </a:lnRef>
+      <a:fillRef idx="1">
+        <a:scrgbClr r="0" g="0" b="0"/>
+      </a:fillRef>
+      <a:effectRef idx="0">
+        <a:scrgbClr r="0" g="0" b="0"/>
+      </a:effectRef>
+      <a:fontRef idx="minor"/>
+    </dgm:style>
+  </dgm:styleLbl>
+  <dgm:styleLbl name="solidBgAcc1">
+    <dgm:scene3d>
+      <a:camera prst="orthographicFront"/>
+      <a:lightRig rig="threePt" dir="t"/>
+    </dgm:scene3d>
+    <dgm:sp3d/>
+    <dgm:txPr/>
+    <dgm:style>
+      <a:lnRef idx="2">
+        <a:scrgbClr r="0" g="0" b="0"/>
+      </a:lnRef>
+      <a:fillRef idx="1">
+        <a:scrgbClr r="0" g="0" b="0"/>
+      </a:fillRef>
+      <a:effectRef idx="0">
+        <a:scrgbClr r="0" g="0" b="0"/>
+      </a:effectRef>
+      <a:fontRef idx="minor"/>
+    </dgm:style>
+  </dgm:styleLbl>
+  <dgm:styleLbl name="fgAccFollowNode1">
+    <dgm:scene3d>
+      <a:camera prst="orthographicFront"/>
+      <a:lightRig rig="threePt" dir="t"/>
+    </dgm:scene3d>
+    <dgm:sp3d/>
+    <dgm:txPr/>
+    <dgm:style>
+      <a:lnRef idx="2">
+        <a:scrgbClr r="0" g="0" b="0"/>
+      </a:lnRef>
+      <a:fillRef idx="1">
+        <a:scrgbClr r="0" g="0" b="0"/>
+      </a:fillRef>
+      <a:effectRef idx="0">
+        <a:scrgbClr r="0" g="0" b="0"/>
+      </a:effectRef>
+      <a:fontRef idx="minor"/>
+    </dgm:style>
+  </dgm:styleLbl>
+  <dgm:styleLbl name="alignAccFollowNode1">
+    <dgm:scene3d>
+      <a:camera prst="orthographicFront"/>
+      <a:lightRig rig="threePt" dir="t"/>
+    </dgm:scene3d>
+    <dgm:sp3d/>
+    <dgm:txPr/>
+    <dgm:style>
+      <a:lnRef idx="2">
+        <a:scrgbClr r="0" g="0" b="0"/>
+      </a:lnRef>
+      <a:fillRef idx="1">
+        <a:scrgbClr r="0" g="0" b="0"/>
+      </a:fillRef>
+      <a:effectRef idx="0">
+        <a:scrgbClr r="0" g="0" b="0"/>
+      </a:effectRef>
+      <a:fontRef idx="minor"/>
+    </dgm:style>
+  </dgm:styleLbl>
+  <dgm:styleLbl name="bgAccFollowNode1">
+    <dgm:scene3d>
+      <a:camera prst="orthographicFront"/>
+      <a:lightRig rig="threePt" dir="t"/>
+    </dgm:scene3d>
+    <dgm:sp3d/>
+    <dgm:txPr/>
+    <dgm:style>
+      <a:lnRef idx="2">
+        <a:scrgbClr r="0" g="0" b="0"/>
+      </a:lnRef>
+      <a:fillRef idx="1">
+        <a:scrgbClr r="0" g="0" b="0"/>
+      </a:fillRef>
+      <a:effectRef idx="0">
+        <a:scrgbClr r="0" g="0" b="0"/>
+      </a:effectRef>
+      <a:fontRef idx="minor"/>
+    </dgm:style>
+  </dgm:styleLbl>
+  <dgm:styleLbl name="fgAcc0">
+    <dgm:scene3d>
+      <a:camera prst="orthographicFront"/>
+      <a:lightRig rig="threePt" dir="t"/>
+    </dgm:scene3d>
+    <dgm:sp3d/>
+    <dgm:txPr/>
+    <dgm:style>
+      <a:lnRef idx="2">
+        <a:scrgbClr r="0" g="0" b="0"/>
+      </a:lnRef>
+      <a:fillRef idx="1">
+        <a:scrgbClr r="0" g="0" b="0"/>
+      </a:fillRef>
+      <a:effectRef idx="0">
+        <a:scrgbClr r="0" g="0" b="0"/>
+      </a:effectRef>
+      <a:fontRef idx="minor"/>
+    </dgm:style>
+  </dgm:styleLbl>
+  <dgm:styleLbl name="fgAcc2">
+    <dgm:scene3d>
+      <a:camera prst="orthographicFront"/>
+      <a:lightRig rig="threePt" dir="t"/>
+    </dgm:scene3d>
+    <dgm:sp3d/>
+    <dgm:txPr/>
+    <dgm:style>
+      <a:lnRef idx="2">
+        <a:scrgbClr r="0" g="0" b="0"/>
+      </a:lnRef>
+      <a:fillRef idx="1">
+        <a:scrgbClr r="0" g="0" b="0"/>
+      </a:fillRef>
+      <a:effectRef idx="0">
+        <a:scrgbClr r="0" g="0" b="0"/>
+      </a:effectRef>
+      <a:fontRef idx="minor"/>
+    </dgm:style>
+  </dgm:styleLbl>
+  <dgm:styleLbl name="fgAcc3">
+    <dgm:scene3d>
+      <a:camera prst="orthographicFront"/>
+      <a:lightRig rig="threePt" dir="t"/>
+    </dgm:scene3d>
+    <dgm:sp3d/>
+    <dgm:txPr/>
+    <dgm:style>
+      <a:lnRef idx="2">
+        <a:scrgbClr r="0" g="0" b="0"/>
+      </a:lnRef>
+      <a:fillRef idx="1">
+        <a:scrgbClr r="0" g="0" b="0"/>
+      </a:fillRef>
+      <a:effectRef idx="0">
+        <a:scrgbClr r="0" g="0" b="0"/>
+      </a:effectRef>
+      <a:fontRef idx="minor"/>
+    </dgm:style>
+  </dgm:styleLbl>
+  <dgm:styleLbl name="fgAcc4">
+    <dgm:scene3d>
+      <a:camera prst="orthographicFront"/>
+      <a:lightRig rig="threePt" dir="t"/>
+    </dgm:scene3d>
+    <dgm:sp3d/>
+    <dgm:txPr/>
+    <dgm:style>
+      <a:lnRef idx="2">
+        <a:scrgbClr r="0" g="0" b="0"/>
+      </a:lnRef>
+      <a:fillRef idx="1">
+        <a:scrgbClr r="0" g="0" b="0"/>
+      </a:fillRef>
+      <a:effectRef idx="0">
+        <a:scrgbClr r="0" g="0" b="0"/>
+      </a:effectRef>
+      <a:fontRef idx="minor"/>
+    </dgm:style>
+  </dgm:styleLbl>
+  <dgm:styleLbl name="bgShp">
+    <dgm:scene3d>
+      <a:camera prst="orthographicFront"/>
+      <a:lightRig rig="threePt" dir="t"/>
+    </dgm:scene3d>
+    <dgm:sp3d/>
+    <dgm:txPr/>
+    <dgm:style>
+      <a:lnRef idx="0">
+        <a:scrgbClr r="0" g="0" b="0"/>
+      </a:lnRef>
+      <a:fillRef idx="1">
+        <a:scrgbClr r="0" g="0" b="0"/>
+      </a:fillRef>
+      <a:effectRef idx="0">
+        <a:scrgbClr r="0" g="0" b="0"/>
+      </a:effectRef>
+      <a:fontRef idx="minor"/>
+    </dgm:style>
+  </dgm:styleLbl>
+  <dgm:styleLbl name="dkBgShp">
+    <dgm:scene3d>
+      <a:camera prst="orthographicFront"/>
+      <a:lightRig rig="threePt" dir="t"/>
+    </dgm:scene3d>
+    <dgm:sp3d/>
+    <dgm:txPr/>
+    <dgm:style>
+      <a:lnRef idx="0">
+        <a:scrgbClr r="0" g="0" b="0"/>
+      </a:lnRef>
+      <a:fillRef idx="1">
+        <a:scrgbClr r="0" g="0" b="0"/>
+      </a:fillRef>
+      <a:effectRef idx="0">
+        <a:scrgbClr r="0" g="0" b="0"/>
+      </a:effectRef>
+      <a:fontRef idx="minor"/>
+    </dgm:style>
+  </dgm:styleLbl>
+  <dgm:styleLbl name="trBgShp">
+    <dgm:scene3d>
+      <a:camera prst="orthographicFront"/>
+      <a:lightRig rig="threePt" dir="t"/>
+    </dgm:scene3d>
+    <dgm:sp3d/>
+    <dgm:txPr/>
+    <dgm:style>
+      <a:lnRef idx="0">
+        <a:scrgbClr r="0" g="0" b="0"/>
+      </a:lnRef>
+      <a:fillRef idx="1">
+        <a:scrgbClr r="0" g="0" b="0"/>
+      </a:fillRef>
+      <a:effectRef idx="0">
+        <a:scrgbClr r="0" g="0" b="0"/>
+      </a:effectRef>
+      <a:fontRef idx="minor"/>
+    </dgm:style>
+  </dgm:styleLbl>
+  <dgm:styleLbl name="fgShp">
+    <dgm:scene3d>
+      <a:camera prst="orthographicFront"/>
+      <a:lightRig rig="threePt" dir="t"/>
+    </dgm:scene3d>
+    <dgm:sp3d/>
+    <dgm:txPr/>
+    <dgm:style>
+      <a:lnRef idx="2">
+        <a:scrgbClr r="0" g="0" b="0"/>
+      </a:lnRef>
+      <a:fillRef idx="1">
+        <a:scrgbClr r="0" g="0" b="0"/>
+      </a:fillRef>
+      <a:effectRef idx="0">
+        <a:scrgbClr r="0" g="0" b="0"/>
+      </a:effectRef>
+      <a:fontRef idx="minor"/>
+    </dgm:style>
+  </dgm:styleLbl>
+  <dgm:styleLbl name="revTx">
+    <dgm:scene3d>
+      <a:camera prst="orthographicFront"/>
+      <a:lightRig rig="threePt" dir="t"/>
+    </dgm:scene3d>
+    <dgm:sp3d/>
+    <dgm:txPr/>
+    <dgm:style>
+      <a:lnRef idx="0">
+        <a:scrgbClr r="0" g="0" b="0"/>
+      </a:lnRef>
+      <a:fillRef idx="0">
+        <a:scrgbClr r="0" g="0" b="0"/>
+      </a:fillRef>
+      <a:effectRef idx="0">
+        <a:scrgbClr r="0" g="0" b="0"/>
+      </a:effectRef>
+      <a:fontRef idx="minor"/>
+    </dgm:style>
+  </dgm:styleLbl>
+</dgm:styleDef>
+</file>
+
 <file path=ppt/slideLayouts/slideLayout1.xml><?xml version="1.0" encoding="utf-8"?>
 <p:sldLayout xmlns:a="http://schemas.openxmlformats.org/drawingml/2006/main" xmlns:r="http://schemas.openxmlformats.org/officeDocument/2006/relationships" xmlns:p="http://schemas.openxmlformats.org/presentationml/2006/main" showMasterSp="0" type="title" preserve="1">
   <p:cSld name="Title Slide">
@@ -169,7 +4048,7 @@
           <a:noFill/>
           <a:extLst>
             <a:ext uri="{909E8E84-426E-40dd-AFC4-6F175D3DCCD1}">
-              <a14:hiddenFill xmlns="" xmlns:a14="http://schemas.microsoft.com/office/drawing/2010/main">
+              <a14:hiddenFill xmlns:a14="http://schemas.microsoft.com/office/drawing/2010/main" xmlns="">
                 <a:solidFill>
                   <a:srgbClr val="FFFFFF"/>
                 </a:solidFill>
@@ -229,7 +4108,7 @@
             </a:ln>
             <a:extLst>
               <a:ext uri="{91240B29-F687-4f45-9708-019B960494DF}">
-                <a14:hiddenLine xmlns="" xmlns:a14="http://schemas.microsoft.com/office/drawing/2010/main" w="9525">
+                <a14:hiddenLine xmlns:a14="http://schemas.microsoft.com/office/drawing/2010/main" xmlns="" w="9525">
                   <a:solidFill>
                     <a:srgbClr val="000000"/>
                   </a:solidFill>
@@ -319,7 +4198,7 @@
             </a:ln>
             <a:extLst>
               <a:ext uri="{91240B29-F687-4f45-9708-019B960494DF}">
-                <a14:hiddenLine xmlns="" xmlns:a14="http://schemas.microsoft.com/office/drawing/2010/main" w="9525">
+                <a14:hiddenLine xmlns:a14="http://schemas.microsoft.com/office/drawing/2010/main" xmlns="" w="9525">
                   <a:solidFill>
                     <a:srgbClr val="000000"/>
                   </a:solidFill>
@@ -409,7 +4288,7 @@
             </a:ln>
             <a:extLst>
               <a:ext uri="{91240B29-F687-4f45-9708-019B960494DF}">
-                <a14:hiddenLine xmlns="" xmlns:a14="http://schemas.microsoft.com/office/drawing/2010/main" w="9525">
+                <a14:hiddenLine xmlns:a14="http://schemas.microsoft.com/office/drawing/2010/main" xmlns="" w="9525">
                   <a:solidFill>
                     <a:srgbClr val="000000"/>
                   </a:solidFill>
@@ -443,7 +4322,7 @@
             </a:ln>
             <a:extLst>
               <a:ext uri="{91240B29-F687-4f45-9708-019B960494DF}">
-                <a14:hiddenLine xmlns="" xmlns:a14="http://schemas.microsoft.com/office/drawing/2010/main" w="9525">
+                <a14:hiddenLine xmlns:a14="http://schemas.microsoft.com/office/drawing/2010/main" xmlns="" w="9525">
                   <a:solidFill>
                     <a:srgbClr val="000000"/>
                   </a:solidFill>
@@ -533,7 +4412,7 @@
             </a:ln>
             <a:extLst>
               <a:ext uri="{91240B29-F687-4f45-9708-019B960494DF}">
-                <a14:hiddenLine xmlns="" xmlns:a14="http://schemas.microsoft.com/office/drawing/2010/main" w="9525">
+                <a14:hiddenLine xmlns:a14="http://schemas.microsoft.com/office/drawing/2010/main" xmlns="" w="9525">
                   <a:solidFill>
                     <a:srgbClr val="000000"/>
                   </a:solidFill>
@@ -595,7 +4474,7 @@
             </a:ln>
             <a:extLst>
               <a:ext uri="{91240B29-F687-4f45-9708-019B960494DF}">
-                <a14:hiddenLine xmlns="" xmlns:a14="http://schemas.microsoft.com/office/drawing/2010/main" w="9525">
+                <a14:hiddenLine xmlns:a14="http://schemas.microsoft.com/office/drawing/2010/main" xmlns="" w="9525">
                   <a:solidFill>
                     <a:srgbClr val="000000"/>
                   </a:solidFill>
@@ -657,7 +4536,7 @@
             </a:ln>
             <a:extLst>
               <a:ext uri="{91240B29-F687-4f45-9708-019B960494DF}">
-                <a14:hiddenLine xmlns="" xmlns:a14="http://schemas.microsoft.com/office/drawing/2010/main" w="9525">
+                <a14:hiddenLine xmlns:a14="http://schemas.microsoft.com/office/drawing/2010/main" xmlns="" w="9525">
                   <a:solidFill>
                     <a:srgbClr val="000000"/>
                   </a:solidFill>
@@ -747,7 +4626,7 @@
             </a:ln>
             <a:extLst>
               <a:ext uri="{91240B29-F687-4f45-9708-019B960494DF}">
-                <a14:hiddenLine xmlns="" xmlns:a14="http://schemas.microsoft.com/office/drawing/2010/main" w="9525">
+                <a14:hiddenLine xmlns:a14="http://schemas.microsoft.com/office/drawing/2010/main" xmlns="" w="9525">
                   <a:solidFill>
                     <a:srgbClr val="000000"/>
                   </a:solidFill>
@@ -809,7 +4688,7 @@
             </a:ln>
             <a:extLst>
               <a:ext uri="{91240B29-F687-4f45-9708-019B960494DF}">
-                <a14:hiddenLine xmlns="" xmlns:a14="http://schemas.microsoft.com/office/drawing/2010/main" w="9525">
+                <a14:hiddenLine xmlns:a14="http://schemas.microsoft.com/office/drawing/2010/main" xmlns="" w="9525">
                   <a:solidFill>
                     <a:srgbClr val="000000"/>
                   </a:solidFill>
@@ -871,7 +4750,7 @@
             </a:ln>
             <a:extLst>
               <a:ext uri="{91240B29-F687-4f45-9708-019B960494DF}">
-                <a14:hiddenLine xmlns="" xmlns:a14="http://schemas.microsoft.com/office/drawing/2010/main" w="9525">
+                <a14:hiddenLine xmlns:a14="http://schemas.microsoft.com/office/drawing/2010/main" xmlns="" w="9525">
                   <a:solidFill>
                     <a:srgbClr val="000000"/>
                   </a:solidFill>
@@ -961,7 +4840,7 @@
             </a:ln>
             <a:extLst>
               <a:ext uri="{91240B29-F687-4f45-9708-019B960494DF}">
-                <a14:hiddenLine xmlns="" xmlns:a14="http://schemas.microsoft.com/office/drawing/2010/main" w="9525">
+                <a14:hiddenLine xmlns:a14="http://schemas.microsoft.com/office/drawing/2010/main" xmlns="" w="9525">
                   <a:solidFill>
                     <a:srgbClr val="000000"/>
                   </a:solidFill>
@@ -1051,7 +4930,7 @@
             </a:ln>
             <a:extLst>
               <a:ext uri="{91240B29-F687-4f45-9708-019B960494DF}">
-                <a14:hiddenLine xmlns="" xmlns:a14="http://schemas.microsoft.com/office/drawing/2010/main" w="9525">
+                <a14:hiddenLine xmlns:a14="http://schemas.microsoft.com/office/drawing/2010/main" xmlns="" w="9525">
                   <a:solidFill>
                     <a:srgbClr val="000000"/>
                   </a:solidFill>
@@ -1113,7 +4992,7 @@
             </a:ln>
             <a:extLst>
               <a:ext uri="{91240B29-F687-4f45-9708-019B960494DF}">
-                <a14:hiddenLine xmlns="" xmlns:a14="http://schemas.microsoft.com/office/drawing/2010/main" w="9525">
+                <a14:hiddenLine xmlns:a14="http://schemas.microsoft.com/office/drawing/2010/main" xmlns="" w="9525">
                   <a:solidFill>
                     <a:srgbClr val="000000"/>
                   </a:solidFill>
@@ -1223,7 +5102,7 @@
             </a:ln>
             <a:extLst>
               <a:ext uri="{91240B29-F687-4f45-9708-019B960494DF}">
-                <a14:hiddenLine xmlns="" xmlns:a14="http://schemas.microsoft.com/office/drawing/2010/main" w="9525">
+                <a14:hiddenLine xmlns:a14="http://schemas.microsoft.com/office/drawing/2010/main" xmlns="" w="9525">
                   <a:solidFill>
                     <a:srgbClr val="000000"/>
                   </a:solidFill>
@@ -1285,7 +5164,7 @@
             </a:ln>
             <a:extLst>
               <a:ext uri="{91240B29-F687-4f45-9708-019B960494DF}">
-                <a14:hiddenLine xmlns="" xmlns:a14="http://schemas.microsoft.com/office/drawing/2010/main" w="9525">
+                <a14:hiddenLine xmlns:a14="http://schemas.microsoft.com/office/drawing/2010/main" xmlns="" w="9525">
                   <a:solidFill>
                     <a:srgbClr val="000000"/>
                   </a:solidFill>
@@ -1375,7 +5254,7 @@
             </a:ln>
             <a:extLst>
               <a:ext uri="{91240B29-F687-4f45-9708-019B960494DF}">
-                <a14:hiddenLine xmlns="" xmlns:a14="http://schemas.microsoft.com/office/drawing/2010/main" w="9525">
+                <a14:hiddenLine xmlns:a14="http://schemas.microsoft.com/office/drawing/2010/main" xmlns="" w="9525">
                   <a:solidFill>
                     <a:srgbClr val="000000"/>
                   </a:solidFill>
@@ -1465,7 +5344,7 @@
             </a:ln>
             <a:extLst>
               <a:ext uri="{91240B29-F687-4f45-9708-019B960494DF}">
-                <a14:hiddenLine xmlns="" xmlns:a14="http://schemas.microsoft.com/office/drawing/2010/main" w="9525">
+                <a14:hiddenLine xmlns:a14="http://schemas.microsoft.com/office/drawing/2010/main" xmlns="" w="9525">
                   <a:solidFill>
                     <a:srgbClr val="000000"/>
                   </a:solidFill>
@@ -1527,7 +5406,7 @@
             </a:ln>
             <a:extLst>
               <a:ext uri="{91240B29-F687-4f45-9708-019B960494DF}">
-                <a14:hiddenLine xmlns="" xmlns:a14="http://schemas.microsoft.com/office/drawing/2010/main" w="9525">
+                <a14:hiddenLine xmlns:a14="http://schemas.microsoft.com/office/drawing/2010/main" xmlns="" w="9525">
                   <a:solidFill>
                     <a:srgbClr val="000000"/>
                   </a:solidFill>
@@ -1617,7 +5496,7 @@
             </a:ln>
             <a:extLst>
               <a:ext uri="{91240B29-F687-4f45-9708-019B960494DF}">
-                <a14:hiddenLine xmlns="" xmlns:a14="http://schemas.microsoft.com/office/drawing/2010/main" w="9525">
+                <a14:hiddenLine xmlns:a14="http://schemas.microsoft.com/office/drawing/2010/main" xmlns="" w="9525">
                   <a:solidFill>
                     <a:srgbClr val="000000"/>
                   </a:solidFill>
@@ -1707,7 +5586,7 @@
             </a:ln>
             <a:extLst>
               <a:ext uri="{91240B29-F687-4f45-9708-019B960494DF}">
-                <a14:hiddenLine xmlns="" xmlns:a14="http://schemas.microsoft.com/office/drawing/2010/main" w="9525">
+                <a14:hiddenLine xmlns:a14="http://schemas.microsoft.com/office/drawing/2010/main" xmlns="" w="9525">
                   <a:solidFill>
                     <a:srgbClr val="000000"/>
                   </a:solidFill>
@@ -1763,7 +5642,7 @@
             </a:ln>
             <a:extLst>
               <a:ext uri="{91240B29-F687-4f45-9708-019B960494DF}">
-                <a14:hiddenLine xmlns="" xmlns:a14="http://schemas.microsoft.com/office/drawing/2010/main" w="9525">
+                <a14:hiddenLine xmlns:a14="http://schemas.microsoft.com/office/drawing/2010/main" xmlns="" w="9525">
                   <a:solidFill>
                     <a:srgbClr val="000000"/>
                   </a:solidFill>
@@ -1853,7 +5732,7 @@
             </a:ln>
             <a:extLst>
               <a:ext uri="{91240B29-F687-4f45-9708-019B960494DF}">
-                <a14:hiddenLine xmlns="" xmlns:a14="http://schemas.microsoft.com/office/drawing/2010/main" w="9525">
+                <a14:hiddenLine xmlns:a14="http://schemas.microsoft.com/office/drawing/2010/main" xmlns="" w="9525">
                   <a:solidFill>
                     <a:srgbClr val="000000"/>
                   </a:solidFill>
@@ -1909,7 +5788,7 @@
             </a:ln>
             <a:extLst>
               <a:ext uri="{91240B29-F687-4f45-9708-019B960494DF}">
-                <a14:hiddenLine xmlns="" xmlns:a14="http://schemas.microsoft.com/office/drawing/2010/main" w="9525">
+                <a14:hiddenLine xmlns:a14="http://schemas.microsoft.com/office/drawing/2010/main" xmlns="" w="9525">
                   <a:solidFill>
                     <a:srgbClr val="000000"/>
                   </a:solidFill>
@@ -1999,7 +5878,7 @@
             </a:ln>
             <a:extLst>
               <a:ext uri="{91240B29-F687-4f45-9708-019B960494DF}">
-                <a14:hiddenLine xmlns="" xmlns:a14="http://schemas.microsoft.com/office/drawing/2010/main" w="9525">
+                <a14:hiddenLine xmlns:a14="http://schemas.microsoft.com/office/drawing/2010/main" xmlns="" w="9525">
                   <a:solidFill>
                     <a:srgbClr val="000000"/>
                   </a:solidFill>
@@ -2067,7 +5946,7 @@
             </a:ln>
             <a:extLst>
               <a:ext uri="{91240B29-F687-4f45-9708-019B960494DF}">
-                <a14:hiddenLine xmlns="" xmlns:a14="http://schemas.microsoft.com/office/drawing/2010/main" w="9525">
+                <a14:hiddenLine xmlns:a14="http://schemas.microsoft.com/office/drawing/2010/main" xmlns="" w="9525">
                   <a:solidFill>
                     <a:srgbClr val="000000"/>
                   </a:solidFill>
@@ -2157,7 +6036,7 @@
             </a:ln>
             <a:extLst>
               <a:ext uri="{91240B29-F687-4f45-9708-019B960494DF}">
-                <a14:hiddenLine xmlns="" xmlns:a14="http://schemas.microsoft.com/office/drawing/2010/main" w="9525">
+                <a14:hiddenLine xmlns:a14="http://schemas.microsoft.com/office/drawing/2010/main" xmlns="" w="9525">
                   <a:solidFill>
                     <a:srgbClr val="000000"/>
                   </a:solidFill>
@@ -2225,7 +6104,7 @@
             </a:ln>
             <a:extLst>
               <a:ext uri="{91240B29-F687-4f45-9708-019B960494DF}">
-                <a14:hiddenLine xmlns="" xmlns:a14="http://schemas.microsoft.com/office/drawing/2010/main" w="9525">
+                <a14:hiddenLine xmlns:a14="http://schemas.microsoft.com/office/drawing/2010/main" xmlns="" w="9525">
                   <a:solidFill>
                     <a:srgbClr val="000000"/>
                   </a:solidFill>
@@ -2315,7 +6194,7 @@
             </a:ln>
             <a:extLst>
               <a:ext uri="{91240B29-F687-4f45-9708-019B960494DF}">
-                <a14:hiddenLine xmlns="" xmlns:a14="http://schemas.microsoft.com/office/drawing/2010/main" w="9525">
+                <a14:hiddenLine xmlns:a14="http://schemas.microsoft.com/office/drawing/2010/main" xmlns="" w="9525">
                   <a:solidFill>
                     <a:srgbClr val="000000"/>
                   </a:solidFill>
@@ -2349,7 +6228,7 @@
             </a:ln>
             <a:extLst>
               <a:ext uri="{91240B29-F687-4f45-9708-019B960494DF}">
-                <a14:hiddenLine xmlns="" xmlns:a14="http://schemas.microsoft.com/office/drawing/2010/main" w="9525">
+                <a14:hiddenLine xmlns:a14="http://schemas.microsoft.com/office/drawing/2010/main" xmlns="" w="9525">
                   <a:solidFill>
                     <a:srgbClr val="000000"/>
                   </a:solidFill>
@@ -2439,7 +6318,7 @@
             </a:ln>
             <a:extLst>
               <a:ext uri="{91240B29-F687-4f45-9708-019B960494DF}">
-                <a14:hiddenLine xmlns="" xmlns:a14="http://schemas.microsoft.com/office/drawing/2010/main" w="9525">
+                <a14:hiddenLine xmlns:a14="http://schemas.microsoft.com/office/drawing/2010/main" xmlns="" w="9525">
                   <a:solidFill>
                     <a:srgbClr val="000000"/>
                   </a:solidFill>
@@ -2501,7 +6380,7 @@
             </a:ln>
             <a:extLst>
               <a:ext uri="{91240B29-F687-4f45-9708-019B960494DF}">
-                <a14:hiddenLine xmlns="" xmlns:a14="http://schemas.microsoft.com/office/drawing/2010/main" w="9525">
+                <a14:hiddenLine xmlns:a14="http://schemas.microsoft.com/office/drawing/2010/main" xmlns="" w="9525">
                   <a:solidFill>
                     <a:srgbClr val="000000"/>
                   </a:solidFill>
@@ -2563,7 +6442,7 @@
             </a:ln>
             <a:extLst>
               <a:ext uri="{91240B29-F687-4f45-9708-019B960494DF}">
-                <a14:hiddenLine xmlns="" xmlns:a14="http://schemas.microsoft.com/office/drawing/2010/main" w="9525">
+                <a14:hiddenLine xmlns:a14="http://schemas.microsoft.com/office/drawing/2010/main" xmlns="" w="9525">
                   <a:solidFill>
                     <a:srgbClr val="000000"/>
                   </a:solidFill>
@@ -2653,7 +6532,7 @@
             </a:ln>
             <a:extLst>
               <a:ext uri="{91240B29-F687-4f45-9708-019B960494DF}">
-                <a14:hiddenLine xmlns="" xmlns:a14="http://schemas.microsoft.com/office/drawing/2010/main" w="9525">
+                <a14:hiddenLine xmlns:a14="http://schemas.microsoft.com/office/drawing/2010/main" xmlns="" w="9525">
                   <a:solidFill>
                     <a:srgbClr val="000000"/>
                   </a:solidFill>
@@ -2721,7 +6600,7 @@
             </a:ln>
             <a:extLst>
               <a:ext uri="{91240B29-F687-4f45-9708-019B960494DF}">
-                <a14:hiddenLine xmlns="" xmlns:a14="http://schemas.microsoft.com/office/drawing/2010/main" w="9525">
+                <a14:hiddenLine xmlns:a14="http://schemas.microsoft.com/office/drawing/2010/main" xmlns="" w="9525">
                   <a:solidFill>
                     <a:srgbClr val="000000"/>
                   </a:solidFill>
@@ -2783,7 +6662,7 @@
             </a:ln>
             <a:extLst>
               <a:ext uri="{91240B29-F687-4f45-9708-019B960494DF}">
-                <a14:hiddenLine xmlns="" xmlns:a14="http://schemas.microsoft.com/office/drawing/2010/main" w="9525">
+                <a14:hiddenLine xmlns:a14="http://schemas.microsoft.com/office/drawing/2010/main" xmlns="" w="9525">
                   <a:solidFill>
                     <a:srgbClr val="000000"/>
                   </a:solidFill>
@@ -2873,7 +6752,7 @@
             </a:ln>
             <a:extLst>
               <a:ext uri="{91240B29-F687-4f45-9708-019B960494DF}">
-                <a14:hiddenLine xmlns="" xmlns:a14="http://schemas.microsoft.com/office/drawing/2010/main" w="9525">
+                <a14:hiddenLine xmlns:a14="http://schemas.microsoft.com/office/drawing/2010/main" xmlns="" w="9525">
                   <a:solidFill>
                     <a:srgbClr val="000000"/>
                   </a:solidFill>
@@ -2935,7 +6814,7 @@
             </a:ln>
             <a:extLst>
               <a:ext uri="{91240B29-F687-4f45-9708-019B960494DF}">
-                <a14:hiddenLine xmlns="" xmlns:a14="http://schemas.microsoft.com/office/drawing/2010/main" w="9525">
+                <a14:hiddenLine xmlns:a14="http://schemas.microsoft.com/office/drawing/2010/main" xmlns="" w="9525">
                   <a:solidFill>
                     <a:srgbClr val="000000"/>
                   </a:solidFill>
@@ -3025,7 +6904,7 @@
             </a:ln>
             <a:extLst>
               <a:ext uri="{91240B29-F687-4f45-9708-019B960494DF}">
-                <a14:hiddenLine xmlns="" xmlns:a14="http://schemas.microsoft.com/office/drawing/2010/main" w="9525">
+                <a14:hiddenLine xmlns:a14="http://schemas.microsoft.com/office/drawing/2010/main" xmlns="" w="9525">
                   <a:solidFill>
                     <a:srgbClr val="000000"/>
                   </a:solidFill>
@@ -3087,7 +6966,7 @@
             </a:ln>
             <a:extLst>
               <a:ext uri="{91240B29-F687-4f45-9708-019B960494DF}">
-                <a14:hiddenLine xmlns="" xmlns:a14="http://schemas.microsoft.com/office/drawing/2010/main" w="9525">
+                <a14:hiddenLine xmlns:a14="http://schemas.microsoft.com/office/drawing/2010/main" xmlns="" w="9525">
                   <a:solidFill>
                     <a:srgbClr val="000000"/>
                   </a:solidFill>
@@ -3177,7 +7056,7 @@
             </a:ln>
             <a:extLst>
               <a:ext uri="{91240B29-F687-4f45-9708-019B960494DF}">
-                <a14:hiddenLine xmlns="" xmlns:a14="http://schemas.microsoft.com/office/drawing/2010/main" w="9525">
+                <a14:hiddenLine xmlns:a14="http://schemas.microsoft.com/office/drawing/2010/main" xmlns="" w="9525">
                   <a:solidFill>
                     <a:srgbClr val="000000"/>
                   </a:solidFill>
@@ -3211,7 +7090,7 @@
             </a:ln>
             <a:extLst>
               <a:ext uri="{91240B29-F687-4f45-9708-019B960494DF}">
-                <a14:hiddenLine xmlns="" xmlns:a14="http://schemas.microsoft.com/office/drawing/2010/main" w="9525">
+                <a14:hiddenLine xmlns:a14="http://schemas.microsoft.com/office/drawing/2010/main" xmlns="" w="9525">
                   <a:solidFill>
                     <a:srgbClr val="000000"/>
                   </a:solidFill>
@@ -3276,7 +7155,7 @@
             </a:ln>
             <a:extLst>
               <a:ext uri="{91240B29-F687-4f45-9708-019B960494DF}">
-                <a14:hiddenLine xmlns="" xmlns:a14="http://schemas.microsoft.com/office/drawing/2010/main" w="9525">
+                <a14:hiddenLine xmlns:a14="http://schemas.microsoft.com/office/drawing/2010/main" xmlns="" w="9525">
                   <a:solidFill>
                     <a:srgbClr val="000000"/>
                   </a:solidFill>
@@ -3366,7 +7245,7 @@
             </a:ln>
             <a:extLst>
               <a:ext uri="{91240B29-F687-4f45-9708-019B960494DF}">
-                <a14:hiddenLine xmlns="" xmlns:a14="http://schemas.microsoft.com/office/drawing/2010/main" w="9525">
+                <a14:hiddenLine xmlns:a14="http://schemas.microsoft.com/office/drawing/2010/main" xmlns="" w="9525">
                   <a:solidFill>
                     <a:srgbClr val="000000"/>
                   </a:solidFill>
@@ -3428,7 +7307,7 @@
             </a:ln>
             <a:extLst>
               <a:ext uri="{91240B29-F687-4f45-9708-019B960494DF}">
-                <a14:hiddenLine xmlns="" xmlns:a14="http://schemas.microsoft.com/office/drawing/2010/main" w="9525">
+                <a14:hiddenLine xmlns:a14="http://schemas.microsoft.com/office/drawing/2010/main" xmlns="" w="9525">
                   <a:solidFill>
                     <a:srgbClr val="000000"/>
                   </a:solidFill>
@@ -3518,7 +7397,7 @@
             </a:ln>
             <a:extLst>
               <a:ext uri="{91240B29-F687-4f45-9708-019B960494DF}">
-                <a14:hiddenLine xmlns="" xmlns:a14="http://schemas.microsoft.com/office/drawing/2010/main" w="9525">
+                <a14:hiddenLine xmlns:a14="http://schemas.microsoft.com/office/drawing/2010/main" xmlns="" w="9525">
                   <a:solidFill>
                     <a:srgbClr val="000000"/>
                   </a:solidFill>
@@ -3608,7 +7487,7 @@
             </a:ln>
             <a:extLst>
               <a:ext uri="{91240B29-F687-4f45-9708-019B960494DF}">
-                <a14:hiddenLine xmlns="" xmlns:a14="http://schemas.microsoft.com/office/drawing/2010/main" w="9525">
+                <a14:hiddenLine xmlns:a14="http://schemas.microsoft.com/office/drawing/2010/main" xmlns="" w="9525">
                   <a:solidFill>
                     <a:srgbClr val="000000"/>
                   </a:solidFill>
@@ -3673,7 +7552,7 @@
             </a:ln>
             <a:extLst>
               <a:ext uri="{91240B29-F687-4f45-9708-019B960494DF}">
-                <a14:hiddenLine xmlns="" xmlns:a14="http://schemas.microsoft.com/office/drawing/2010/main" w="9525">
+                <a14:hiddenLine xmlns:a14="http://schemas.microsoft.com/office/drawing/2010/main" xmlns="" w="9525">
                   <a:solidFill>
                     <a:srgbClr val="000000"/>
                   </a:solidFill>
@@ -3735,7 +7614,7 @@
             </a:ln>
             <a:extLst>
               <a:ext uri="{91240B29-F687-4f45-9708-019B960494DF}">
-                <a14:hiddenLine xmlns="" xmlns:a14="http://schemas.microsoft.com/office/drawing/2010/main" w="9525">
+                <a14:hiddenLine xmlns:a14="http://schemas.microsoft.com/office/drawing/2010/main" xmlns="" w="9525">
                   <a:solidFill>
                     <a:srgbClr val="000000"/>
                   </a:solidFill>
@@ -3825,7 +7704,7 @@
             </a:ln>
             <a:extLst>
               <a:ext uri="{91240B29-F687-4f45-9708-019B960494DF}">
-                <a14:hiddenLine xmlns="" xmlns:a14="http://schemas.microsoft.com/office/drawing/2010/main" w="9525">
+                <a14:hiddenLine xmlns:a14="http://schemas.microsoft.com/office/drawing/2010/main" xmlns="" w="9525">
                   <a:solidFill>
                     <a:srgbClr val="000000"/>
                   </a:solidFill>
@@ -3915,7 +7794,7 @@
             </a:ln>
             <a:extLst>
               <a:ext uri="{91240B29-F687-4f45-9708-019B960494DF}">
-                <a14:hiddenLine xmlns="" xmlns:a14="http://schemas.microsoft.com/office/drawing/2010/main" w="9525">
+                <a14:hiddenLine xmlns:a14="http://schemas.microsoft.com/office/drawing/2010/main" xmlns="" w="9525">
                   <a:solidFill>
                     <a:srgbClr val="000000"/>
                   </a:solidFill>
@@ -3977,7 +7856,7 @@
             </a:ln>
             <a:extLst>
               <a:ext uri="{91240B29-F687-4f45-9708-019B960494DF}">
-                <a14:hiddenLine xmlns="" xmlns:a14="http://schemas.microsoft.com/office/drawing/2010/main" w="9525">
+                <a14:hiddenLine xmlns:a14="http://schemas.microsoft.com/office/drawing/2010/main" xmlns="" w="9525">
                   <a:solidFill>
                     <a:srgbClr val="000000"/>
                   </a:solidFill>
@@ -4097,7 +7976,7 @@
             </a:ln>
             <a:extLst>
               <a:ext uri="{91240B29-F687-4f45-9708-019B960494DF}">
-                <a14:hiddenLine xmlns="" xmlns:a14="http://schemas.microsoft.com/office/drawing/2010/main" w="9525">
+                <a14:hiddenLine xmlns:a14="http://schemas.microsoft.com/office/drawing/2010/main" xmlns="" w="9525">
                   <a:solidFill>
                     <a:srgbClr val="000000"/>
                   </a:solidFill>
@@ -4165,7 +8044,7 @@
             </a:ln>
             <a:extLst>
               <a:ext uri="{91240B29-F687-4f45-9708-019B960494DF}">
-                <a14:hiddenLine xmlns="" xmlns:a14="http://schemas.microsoft.com/office/drawing/2010/main" w="9525">
+                <a14:hiddenLine xmlns:a14="http://schemas.microsoft.com/office/drawing/2010/main" xmlns="" w="9525">
                   <a:solidFill>
                     <a:srgbClr val="000000"/>
                   </a:solidFill>
@@ -4255,7 +8134,7 @@
             </a:ln>
             <a:extLst>
               <a:ext uri="{91240B29-F687-4f45-9708-019B960494DF}">
-                <a14:hiddenLine xmlns="" xmlns:a14="http://schemas.microsoft.com/office/drawing/2010/main" w="9525">
+                <a14:hiddenLine xmlns:a14="http://schemas.microsoft.com/office/drawing/2010/main" xmlns="" w="9525">
                   <a:solidFill>
                     <a:srgbClr val="000000"/>
                   </a:solidFill>
@@ -4395,7 +8274,7 @@
           <a:p>
             <a:fld id="{48A87A34-81AB-432B-8DAE-1953F412C126}" type="datetimeFigureOut">
               <a:rPr lang="en-US" dirty="0"/>
-              <a:t>2/12/2017</a:t>
+              <a:t>4/2/2017</a:t>
             </a:fld>
             <a:endParaRPr lang="en-US" dirty="0"/>
           </a:p>
@@ -4657,7 +8536,7 @@
           <a:p>
             <a:fld id="{48A87A34-81AB-432B-8DAE-1953F412C126}" type="datetimeFigureOut">
               <a:rPr lang="en-US" dirty="0"/>
-              <a:t>2/12/2017</a:t>
+              <a:t>4/2/2017</a:t>
             </a:fld>
             <a:endParaRPr lang="en-US" dirty="0"/>
           </a:p>
@@ -4848,7 +8727,7 @@
           <a:p>
             <a:fld id="{48A87A34-81AB-432B-8DAE-1953F412C126}" type="datetimeFigureOut">
               <a:rPr lang="en-US" dirty="0"/>
-              <a:t>2/12/2017</a:t>
+              <a:t>4/2/2017</a:t>
             </a:fld>
             <a:endParaRPr lang="en-US" dirty="0"/>
           </a:p>
@@ -5106,7 +8985,7 @@
           <a:p>
             <a:fld id="{48A87A34-81AB-432B-8DAE-1953F412C126}" type="datetimeFigureOut">
               <a:rPr lang="en-US" dirty="0"/>
-              <a:t>2/12/2017</a:t>
+              <a:t>4/2/2017</a:t>
             </a:fld>
             <a:endParaRPr lang="en-US" dirty="0"/>
           </a:p>
@@ -5535,7 +9414,7 @@
           <a:p>
             <a:fld id="{48A87A34-81AB-432B-8DAE-1953F412C126}" type="datetimeFigureOut">
               <a:rPr lang="en-US" dirty="0"/>
-              <a:t>2/12/2017</a:t>
+              <a:t>4/2/2017</a:t>
             </a:fld>
             <a:endParaRPr lang="en-US" dirty="0"/>
           </a:p>
@@ -6076,7 +9955,7 @@
           <a:p>
             <a:fld id="{48A87A34-81AB-432B-8DAE-1953F412C126}" type="datetimeFigureOut">
               <a:rPr lang="en-US" dirty="0"/>
-              <a:t>2/12/2017</a:t>
+              <a:t>4/2/2017</a:t>
             </a:fld>
             <a:endParaRPr lang="en-US" dirty="0"/>
           </a:p>
@@ -6791,7 +10670,7 @@
           <a:p>
             <a:fld id="{48A87A34-81AB-432B-8DAE-1953F412C126}" type="datetimeFigureOut">
               <a:rPr lang="en-US" dirty="0"/>
-              <a:t>2/12/2017</a:t>
+              <a:t>4/2/2017</a:t>
             </a:fld>
             <a:endParaRPr lang="en-US" dirty="0"/>
           </a:p>
@@ -6956,7 +10835,7 @@
           <a:p>
             <a:fld id="{48A87A34-81AB-432B-8DAE-1953F412C126}" type="datetimeFigureOut">
               <a:rPr lang="en-US" dirty="0"/>
-              <a:t>2/12/2017</a:t>
+              <a:t>4/2/2017</a:t>
             </a:fld>
             <a:endParaRPr lang="en-US" dirty="0"/>
           </a:p>
@@ -7131,7 +11010,7 @@
           <a:p>
             <a:fld id="{48A87A34-81AB-432B-8DAE-1953F412C126}" type="datetimeFigureOut">
               <a:rPr lang="en-US" dirty="0"/>
-              <a:t>2/12/2017</a:t>
+              <a:t>4/2/2017</a:t>
             </a:fld>
             <a:endParaRPr lang="en-US" dirty="0"/>
           </a:p>
@@ -7296,7 +11175,7 @@
           <a:p>
             <a:fld id="{48A87A34-81AB-432B-8DAE-1953F412C126}" type="datetimeFigureOut">
               <a:rPr lang="en-US" dirty="0"/>
-              <a:t>2/12/2017</a:t>
+              <a:t>4/2/2017</a:t>
             </a:fld>
             <a:endParaRPr lang="en-US" dirty="0"/>
           </a:p>
@@ -7541,7 +11420,7 @@
           <a:p>
             <a:fld id="{48A87A34-81AB-432B-8DAE-1953F412C126}" type="datetimeFigureOut">
               <a:rPr lang="en-US" dirty="0"/>
-              <a:t>2/12/2017</a:t>
+              <a:t>4/2/2017</a:t>
             </a:fld>
             <a:endParaRPr lang="en-US" dirty="0"/>
           </a:p>
@@ -7768,7 +11647,7 @@
           <a:p>
             <a:fld id="{48A87A34-81AB-432B-8DAE-1953F412C126}" type="datetimeFigureOut">
               <a:rPr lang="en-US" dirty="0"/>
-              <a:t>2/12/2017</a:t>
+              <a:t>4/2/2017</a:t>
             </a:fld>
             <a:endParaRPr lang="en-US" dirty="0"/>
           </a:p>
@@ -8144,7 +12023,7 @@
           <a:p>
             <a:fld id="{48A87A34-81AB-432B-8DAE-1953F412C126}" type="datetimeFigureOut">
               <a:rPr lang="en-US" dirty="0"/>
-              <a:t>2/12/2017</a:t>
+              <a:t>4/2/2017</a:t>
             </a:fld>
             <a:endParaRPr lang="en-US" dirty="0"/>
           </a:p>
@@ -8257,7 +12136,7 @@
           <a:p>
             <a:fld id="{48A87A34-81AB-432B-8DAE-1953F412C126}" type="datetimeFigureOut">
               <a:rPr lang="en-US" dirty="0"/>
-              <a:t>2/12/2017</a:t>
+              <a:t>4/2/2017</a:t>
             </a:fld>
             <a:endParaRPr lang="en-US" dirty="0"/>
           </a:p>
@@ -8347,7 +12226,7 @@
           <a:p>
             <a:fld id="{48A87A34-81AB-432B-8DAE-1953F412C126}" type="datetimeFigureOut">
               <a:rPr lang="en-US" dirty="0"/>
-              <a:t>2/12/2017</a:t>
+              <a:t>4/2/2017</a:t>
             </a:fld>
             <a:endParaRPr lang="en-US" dirty="0"/>
           </a:p>
@@ -8591,7 +12470,7 @@
           <a:p>
             <a:fld id="{48A87A34-81AB-432B-8DAE-1953F412C126}" type="datetimeFigureOut">
               <a:rPr lang="en-US" dirty="0"/>
-              <a:t>2/12/2017</a:t>
+              <a:t>4/2/2017</a:t>
             </a:fld>
             <a:endParaRPr lang="en-US" dirty="0"/>
           </a:p>
@@ -8866,7 +12745,7 @@
           <a:p>
             <a:fld id="{48A87A34-81AB-432B-8DAE-1953F412C126}" type="datetimeFigureOut">
               <a:rPr lang="en-US" dirty="0"/>
-              <a:t>2/12/2017</a:t>
+              <a:t>4/2/2017</a:t>
             </a:fld>
             <a:endParaRPr lang="en-US" dirty="0"/>
           </a:p>
@@ -8977,7 +12856,7 @@
           <a:noFill/>
           <a:extLst>
             <a:ext uri="{909E8E84-426E-40dd-AFC4-6F175D3DCCD1}">
-              <a14:hiddenFill xmlns="" xmlns:a14="http://schemas.microsoft.com/office/drawing/2010/main">
+              <a14:hiddenFill xmlns:a14="http://schemas.microsoft.com/office/drawing/2010/main" xmlns="">
                 <a:solidFill>
                   <a:srgbClr val="FFFFFF"/>
                 </a:solidFill>
@@ -9051,7 +12930,7 @@
               </a:ln>
               <a:extLst>
                 <a:ext uri="{91240B29-F687-4f45-9708-019B960494DF}">
-                  <a14:hiddenLine xmlns="" xmlns:a14="http://schemas.microsoft.com/office/drawing/2010/main" w="9525">
+                  <a14:hiddenLine xmlns:a14="http://schemas.microsoft.com/office/drawing/2010/main" xmlns="" w="9525">
                     <a:solidFill>
                       <a:srgbClr val="000000"/>
                     </a:solidFill>
@@ -9141,7 +13020,7 @@
               </a:ln>
               <a:extLst>
                 <a:ext uri="{91240B29-F687-4f45-9708-019B960494DF}">
-                  <a14:hiddenLine xmlns="" xmlns:a14="http://schemas.microsoft.com/office/drawing/2010/main" w="9525">
+                  <a14:hiddenLine xmlns:a14="http://schemas.microsoft.com/office/drawing/2010/main" xmlns="" w="9525">
                     <a:solidFill>
                       <a:srgbClr val="000000"/>
                     </a:solidFill>
@@ -9231,7 +13110,7 @@
               </a:ln>
               <a:extLst>
                 <a:ext uri="{91240B29-F687-4f45-9708-019B960494DF}">
-                  <a14:hiddenLine xmlns="" xmlns:a14="http://schemas.microsoft.com/office/drawing/2010/main" w="9525">
+                  <a14:hiddenLine xmlns:a14="http://schemas.microsoft.com/office/drawing/2010/main" xmlns="" w="9525">
                     <a:solidFill>
                       <a:srgbClr val="000000"/>
                     </a:solidFill>
@@ -9293,7 +13172,7 @@
               </a:ln>
               <a:extLst>
                 <a:ext uri="{91240B29-F687-4f45-9708-019B960494DF}">
-                  <a14:hiddenLine xmlns="" xmlns:a14="http://schemas.microsoft.com/office/drawing/2010/main" w="9525">
+                  <a14:hiddenLine xmlns:a14="http://schemas.microsoft.com/office/drawing/2010/main" xmlns="" w="9525">
                     <a:solidFill>
                       <a:srgbClr val="000000"/>
                     </a:solidFill>
@@ -9383,7 +13262,7 @@
               </a:ln>
               <a:extLst>
                 <a:ext uri="{91240B29-F687-4f45-9708-019B960494DF}">
-                  <a14:hiddenLine xmlns="" xmlns:a14="http://schemas.microsoft.com/office/drawing/2010/main" w="9525">
+                  <a14:hiddenLine xmlns:a14="http://schemas.microsoft.com/office/drawing/2010/main" xmlns="" w="9525">
                     <a:solidFill>
                       <a:srgbClr val="000000"/>
                     </a:solidFill>
@@ -9445,7 +13324,7 @@
               </a:ln>
               <a:extLst>
                 <a:ext uri="{91240B29-F687-4f45-9708-019B960494DF}">
-                  <a14:hiddenLine xmlns="" xmlns:a14="http://schemas.microsoft.com/office/drawing/2010/main" w="9525">
+                  <a14:hiddenLine xmlns:a14="http://schemas.microsoft.com/office/drawing/2010/main" xmlns="" w="9525">
                     <a:solidFill>
                       <a:srgbClr val="000000"/>
                     </a:solidFill>
@@ -9507,7 +13386,7 @@
               </a:ln>
               <a:extLst>
                 <a:ext uri="{91240B29-F687-4f45-9708-019B960494DF}">
-                  <a14:hiddenLine xmlns="" xmlns:a14="http://schemas.microsoft.com/office/drawing/2010/main" w="9525">
+                  <a14:hiddenLine xmlns:a14="http://schemas.microsoft.com/office/drawing/2010/main" xmlns="" w="9525">
                     <a:solidFill>
                       <a:srgbClr val="000000"/>
                     </a:solidFill>
@@ -9597,7 +13476,7 @@
               </a:ln>
               <a:extLst>
                 <a:ext uri="{91240B29-F687-4f45-9708-019B960494DF}">
-                  <a14:hiddenLine xmlns="" xmlns:a14="http://schemas.microsoft.com/office/drawing/2010/main" w="9525">
+                  <a14:hiddenLine xmlns:a14="http://schemas.microsoft.com/office/drawing/2010/main" xmlns="" w="9525">
                     <a:solidFill>
                       <a:srgbClr val="000000"/>
                     </a:solidFill>
@@ -9687,7 +13566,7 @@
               </a:ln>
               <a:extLst>
                 <a:ext uri="{91240B29-F687-4f45-9708-019B960494DF}">
-                  <a14:hiddenLine xmlns="" xmlns:a14="http://schemas.microsoft.com/office/drawing/2010/main" w="9525">
+                  <a14:hiddenLine xmlns:a14="http://schemas.microsoft.com/office/drawing/2010/main" xmlns="" w="9525">
                     <a:solidFill>
                       <a:srgbClr val="000000"/>
                     </a:solidFill>
@@ -9749,7 +13628,7 @@
               </a:ln>
               <a:extLst>
                 <a:ext uri="{91240B29-F687-4f45-9708-019B960494DF}">
-                  <a14:hiddenLine xmlns="" xmlns:a14="http://schemas.microsoft.com/office/drawing/2010/main" w="9525">
+                  <a14:hiddenLine xmlns:a14="http://schemas.microsoft.com/office/drawing/2010/main" xmlns="" w="9525">
                     <a:solidFill>
                       <a:srgbClr val="000000"/>
                     </a:solidFill>
@@ -9859,7 +13738,7 @@
               </a:ln>
               <a:extLst>
                 <a:ext uri="{91240B29-F687-4f45-9708-019B960494DF}">
-                  <a14:hiddenLine xmlns="" xmlns:a14="http://schemas.microsoft.com/office/drawing/2010/main" w="9525">
+                  <a14:hiddenLine xmlns:a14="http://schemas.microsoft.com/office/drawing/2010/main" xmlns="" w="9525">
                     <a:solidFill>
                       <a:srgbClr val="000000"/>
                     </a:solidFill>
@@ -9943,7 +13822,7 @@
               </a:ln>
               <a:extLst>
                 <a:ext uri="{91240B29-F687-4f45-9708-019B960494DF}">
-                  <a14:hiddenLine xmlns="" xmlns:a14="http://schemas.microsoft.com/office/drawing/2010/main" w="9525">
+                  <a14:hiddenLine xmlns:a14="http://schemas.microsoft.com/office/drawing/2010/main" xmlns="" w="9525">
                     <a:solidFill>
                       <a:srgbClr val="000000"/>
                     </a:solidFill>
@@ -10005,7 +13884,7 @@
               </a:ln>
               <a:extLst>
                 <a:ext uri="{91240B29-F687-4f45-9708-019B960494DF}">
-                  <a14:hiddenLine xmlns="" xmlns:a14="http://schemas.microsoft.com/office/drawing/2010/main" w="9525">
+                  <a14:hiddenLine xmlns:a14="http://schemas.microsoft.com/office/drawing/2010/main" xmlns="" w="9525">
                     <a:solidFill>
                       <a:srgbClr val="000000"/>
                     </a:solidFill>
@@ -10067,7 +13946,7 @@
               </a:ln>
               <a:extLst>
                 <a:ext uri="{91240B29-F687-4f45-9708-019B960494DF}">
-                  <a14:hiddenLine xmlns="" xmlns:a14="http://schemas.microsoft.com/office/drawing/2010/main" w="9525">
+                  <a14:hiddenLine xmlns:a14="http://schemas.microsoft.com/office/drawing/2010/main" xmlns="" w="9525">
                     <a:solidFill>
                       <a:srgbClr val="000000"/>
                     </a:solidFill>
@@ -10157,7 +14036,7 @@
               </a:ln>
               <a:extLst>
                 <a:ext uri="{91240B29-F687-4f45-9708-019B960494DF}">
-                  <a14:hiddenLine xmlns="" xmlns:a14="http://schemas.microsoft.com/office/drawing/2010/main" w="9525">
+                  <a14:hiddenLine xmlns:a14="http://schemas.microsoft.com/office/drawing/2010/main" xmlns="" w="9525">
                     <a:solidFill>
                       <a:srgbClr val="000000"/>
                     </a:solidFill>
@@ -10191,7 +14070,7 @@
               </a:ln>
               <a:extLst>
                 <a:ext uri="{91240B29-F687-4f45-9708-019B960494DF}">
-                  <a14:hiddenLine xmlns="" xmlns:a14="http://schemas.microsoft.com/office/drawing/2010/main" w="9525">
+                  <a14:hiddenLine xmlns:a14="http://schemas.microsoft.com/office/drawing/2010/main" xmlns="" w="9525">
                     <a:solidFill>
                       <a:srgbClr val="000000"/>
                     </a:solidFill>
@@ -10256,7 +14135,7 @@
               </a:ln>
               <a:extLst>
                 <a:ext uri="{91240B29-F687-4f45-9708-019B960494DF}">
-                  <a14:hiddenLine xmlns="" xmlns:a14="http://schemas.microsoft.com/office/drawing/2010/main" w="9525">
+                  <a14:hiddenLine xmlns:a14="http://schemas.microsoft.com/office/drawing/2010/main" xmlns="" w="9525">
                     <a:solidFill>
                       <a:srgbClr val="000000"/>
                     </a:solidFill>
@@ -10346,7 +14225,7 @@
               </a:ln>
               <a:extLst>
                 <a:ext uri="{91240B29-F687-4f45-9708-019B960494DF}">
-                  <a14:hiddenLine xmlns="" xmlns:a14="http://schemas.microsoft.com/office/drawing/2010/main" w="9525">
+                  <a14:hiddenLine xmlns:a14="http://schemas.microsoft.com/office/drawing/2010/main" xmlns="" w="9525">
                     <a:solidFill>
                       <a:srgbClr val="000000"/>
                     </a:solidFill>
@@ -10408,7 +14287,7 @@
               </a:ln>
               <a:extLst>
                 <a:ext uri="{91240B29-F687-4f45-9708-019B960494DF}">
-                  <a14:hiddenLine xmlns="" xmlns:a14="http://schemas.microsoft.com/office/drawing/2010/main" w="9525">
+                  <a14:hiddenLine xmlns:a14="http://schemas.microsoft.com/office/drawing/2010/main" xmlns="" w="9525">
                     <a:solidFill>
                       <a:srgbClr val="000000"/>
                     </a:solidFill>
@@ -10498,7 +14377,7 @@
               </a:ln>
               <a:extLst>
                 <a:ext uri="{91240B29-F687-4f45-9708-019B960494DF}">
-                  <a14:hiddenLine xmlns="" xmlns:a14="http://schemas.microsoft.com/office/drawing/2010/main" w="9525">
+                  <a14:hiddenLine xmlns:a14="http://schemas.microsoft.com/office/drawing/2010/main" xmlns="" w="9525">
                     <a:solidFill>
                       <a:srgbClr val="000000"/>
                     </a:solidFill>
@@ -10563,7 +14442,7 @@
               </a:ln>
               <a:extLst>
                 <a:ext uri="{91240B29-F687-4f45-9708-019B960494DF}">
-                  <a14:hiddenLine xmlns="" xmlns:a14="http://schemas.microsoft.com/office/drawing/2010/main" w="9525">
+                  <a14:hiddenLine xmlns:a14="http://schemas.microsoft.com/office/drawing/2010/main" xmlns="" w="9525">
                     <a:solidFill>
                       <a:srgbClr val="000000"/>
                     </a:solidFill>
@@ -10625,7 +14504,7 @@
               </a:ln>
               <a:extLst>
                 <a:ext uri="{91240B29-F687-4f45-9708-019B960494DF}">
-                  <a14:hiddenLine xmlns="" xmlns:a14="http://schemas.microsoft.com/office/drawing/2010/main" w="9525">
+                  <a14:hiddenLine xmlns:a14="http://schemas.microsoft.com/office/drawing/2010/main" xmlns="" w="9525">
                     <a:solidFill>
                       <a:srgbClr val="000000"/>
                     </a:solidFill>
@@ -10715,7 +14594,7 @@
               </a:ln>
               <a:extLst>
                 <a:ext uri="{91240B29-F687-4f45-9708-019B960494DF}">
-                  <a14:hiddenLine xmlns="" xmlns:a14="http://schemas.microsoft.com/office/drawing/2010/main" w="9525">
+                  <a14:hiddenLine xmlns:a14="http://schemas.microsoft.com/office/drawing/2010/main" xmlns="" w="9525">
                     <a:solidFill>
                       <a:srgbClr val="000000"/>
                     </a:solidFill>
@@ -10805,7 +14684,7 @@
               </a:ln>
               <a:extLst>
                 <a:ext uri="{91240B29-F687-4f45-9708-019B960494DF}">
-                  <a14:hiddenLine xmlns="" xmlns:a14="http://schemas.microsoft.com/office/drawing/2010/main" w="9525">
+                  <a14:hiddenLine xmlns:a14="http://schemas.microsoft.com/office/drawing/2010/main" xmlns="" w="9525">
                     <a:solidFill>
                       <a:srgbClr val="000000"/>
                     </a:solidFill>
@@ -10870,7 +14749,7 @@
               </a:ln>
               <a:extLst>
                 <a:ext uri="{91240B29-F687-4f45-9708-019B960494DF}">
-                  <a14:hiddenLine xmlns="" xmlns:a14="http://schemas.microsoft.com/office/drawing/2010/main" w="9525">
+                  <a14:hiddenLine xmlns:a14="http://schemas.microsoft.com/office/drawing/2010/main" xmlns="" w="9525">
                     <a:solidFill>
                       <a:srgbClr val="000000"/>
                     </a:solidFill>
@@ -10990,7 +14869,7 @@
               </a:ln>
               <a:extLst>
                 <a:ext uri="{91240B29-F687-4f45-9708-019B960494DF}">
-                  <a14:hiddenLine xmlns="" xmlns:a14="http://schemas.microsoft.com/office/drawing/2010/main" w="9525">
+                  <a14:hiddenLine xmlns:a14="http://schemas.microsoft.com/office/drawing/2010/main" xmlns="" w="9525">
                     <a:solidFill>
                       <a:srgbClr val="000000"/>
                     </a:solidFill>
@@ -11088,7 +14967,7 @@
               </a:ln>
               <a:extLst>
                 <a:ext uri="{91240B29-F687-4f45-9708-019B960494DF}">
-                  <a14:hiddenLine xmlns="" xmlns:a14="http://schemas.microsoft.com/office/drawing/2010/main" w="9525">
+                  <a14:hiddenLine xmlns:a14="http://schemas.microsoft.com/office/drawing/2010/main" xmlns="" w="9525">
                     <a:solidFill>
                       <a:srgbClr val="000000"/>
                     </a:solidFill>
@@ -11203,7 +15082,7 @@
               </a:ln>
               <a:extLst>
                 <a:ext uri="{91240B29-F687-4f45-9708-019B960494DF}">
-                  <a14:hiddenLine xmlns="" xmlns:a14="http://schemas.microsoft.com/office/drawing/2010/main" w="9525">
+                  <a14:hiddenLine xmlns:a14="http://schemas.microsoft.com/office/drawing/2010/main" xmlns="" w="9525">
                     <a:solidFill>
                       <a:srgbClr val="000000"/>
                     </a:solidFill>
@@ -11293,7 +15172,7 @@
               </a:ln>
               <a:extLst>
                 <a:ext uri="{91240B29-F687-4f45-9708-019B960494DF}">
-                  <a14:hiddenLine xmlns="" xmlns:a14="http://schemas.microsoft.com/office/drawing/2010/main" w="9525">
+                  <a14:hiddenLine xmlns:a14="http://schemas.microsoft.com/office/drawing/2010/main" xmlns="" w="9525">
                     <a:solidFill>
                       <a:srgbClr val="000000"/>
                     </a:solidFill>
@@ -11358,7 +15237,7 @@
               </a:ln>
               <a:extLst>
                 <a:ext uri="{91240B29-F687-4f45-9708-019B960494DF}">
-                  <a14:hiddenLine xmlns="" xmlns:a14="http://schemas.microsoft.com/office/drawing/2010/main" w="9525">
+                  <a14:hiddenLine xmlns:a14="http://schemas.microsoft.com/office/drawing/2010/main" xmlns="" w="9525">
                     <a:solidFill>
                       <a:srgbClr val="000000"/>
                     </a:solidFill>
@@ -11448,7 +15327,7 @@
               </a:ln>
               <a:extLst>
                 <a:ext uri="{91240B29-F687-4f45-9708-019B960494DF}">
-                  <a14:hiddenLine xmlns="" xmlns:a14="http://schemas.microsoft.com/office/drawing/2010/main" w="9525">
+                  <a14:hiddenLine xmlns:a14="http://schemas.microsoft.com/office/drawing/2010/main" xmlns="" w="9525">
                     <a:solidFill>
                       <a:srgbClr val="000000"/>
                     </a:solidFill>
@@ -11516,7 +15395,7 @@
               </a:ln>
               <a:extLst>
                 <a:ext uri="{91240B29-F687-4f45-9708-019B960494DF}">
-                  <a14:hiddenLine xmlns="" xmlns:a14="http://schemas.microsoft.com/office/drawing/2010/main" w="9525">
+                  <a14:hiddenLine xmlns:a14="http://schemas.microsoft.com/office/drawing/2010/main" xmlns="" w="9525">
                     <a:solidFill>
                       <a:srgbClr val="000000"/>
                     </a:solidFill>
@@ -11606,7 +15485,7 @@
               </a:ln>
               <a:extLst>
                 <a:ext uri="{91240B29-F687-4f45-9708-019B960494DF}">
-                  <a14:hiddenLine xmlns="" xmlns:a14="http://schemas.microsoft.com/office/drawing/2010/main" w="9525">
+                  <a14:hiddenLine xmlns:a14="http://schemas.microsoft.com/office/drawing/2010/main" xmlns="" w="9525">
                     <a:solidFill>
                       <a:srgbClr val="000000"/>
                     </a:solidFill>
@@ -11674,7 +15553,7 @@
               </a:ln>
               <a:extLst>
                 <a:ext uri="{91240B29-F687-4f45-9708-019B960494DF}">
-                  <a14:hiddenLine xmlns="" xmlns:a14="http://schemas.microsoft.com/office/drawing/2010/main" w="9525">
+                  <a14:hiddenLine xmlns:a14="http://schemas.microsoft.com/office/drawing/2010/main" xmlns="" w="9525">
                     <a:solidFill>
                       <a:srgbClr val="000000"/>
                     </a:solidFill>
@@ -11764,7 +15643,7 @@
               </a:ln>
               <a:extLst>
                 <a:ext uri="{91240B29-F687-4f45-9708-019B960494DF}">
-                  <a14:hiddenLine xmlns="" xmlns:a14="http://schemas.microsoft.com/office/drawing/2010/main" w="9525">
+                  <a14:hiddenLine xmlns:a14="http://schemas.microsoft.com/office/drawing/2010/main" xmlns="" w="9525">
                     <a:solidFill>
                       <a:srgbClr val="000000"/>
                     </a:solidFill>
@@ -11798,7 +15677,7 @@
               </a:ln>
               <a:extLst>
                 <a:ext uri="{91240B29-F687-4f45-9708-019B960494DF}">
-                  <a14:hiddenLine xmlns="" xmlns:a14="http://schemas.microsoft.com/office/drawing/2010/main" w="9525">
+                  <a14:hiddenLine xmlns:a14="http://schemas.microsoft.com/office/drawing/2010/main" xmlns="" w="9525">
                     <a:solidFill>
                       <a:srgbClr val="000000"/>
                     </a:solidFill>
@@ -11939,7 +15818,7 @@
             <a:fld id="{48A87A34-81AB-432B-8DAE-1953F412C126}" type="datetimeFigureOut">
               <a:rPr lang="en-US" dirty="0"/>
               <a:pPr/>
-              <a:t>2/12/2017</a:t>
+              <a:t>4/2/2017</a:t>
             </a:fld>
             <a:endParaRPr lang="en-US" dirty="0"/>
           </a:p>
@@ -12419,6 +16298,64 @@
 </p:sld>
 </file>
 
+<file path=ppt/slides/slide10.xml><?xml version="1.0" encoding="utf-8"?>
+<p:sld xmlns:a="http://schemas.openxmlformats.org/drawingml/2006/main" xmlns:r="http://schemas.openxmlformats.org/officeDocument/2006/relationships" xmlns:p="http://schemas.openxmlformats.org/presentationml/2006/main">
+  <p:cSld>
+    <p:spTree>
+      <p:nvGrpSpPr>
+        <p:cNvPr id="1" name=""/>
+        <p:cNvGrpSpPr/>
+        <p:nvPr/>
+      </p:nvGrpSpPr>
+      <p:grpSpPr>
+        <a:xfrm>
+          <a:off x="0" y="0"/>
+          <a:ext cx="0" cy="0"/>
+          <a:chOff x="0" y="0"/>
+          <a:chExt cx="0" cy="0"/>
+        </a:xfrm>
+      </p:grpSpPr>
+      <p:sp>
+        <p:nvSpPr>
+          <p:cNvPr id="2" name="Title 1"/>
+          <p:cNvSpPr>
+            <a:spLocks noGrp="1"/>
+          </p:cNvSpPr>
+          <p:nvPr>
+            <p:ph type="title"/>
+          </p:nvPr>
+        </p:nvSpPr>
+        <p:spPr>
+          <a:xfrm>
+            <a:off x="1141413" y="618517"/>
+            <a:ext cx="9905998" cy="5522223"/>
+          </a:xfrm>
+        </p:spPr>
+        <p:txBody>
+          <a:bodyPr/>
+          <a:lstStyle/>
+          <a:p>
+            <a:pPr algn="ctr"/>
+            <a:r>
+              <a:rPr lang="en-US" dirty="0"/>
+              <a:t>Questions</a:t>
+            </a:r>
+          </a:p>
+        </p:txBody>
+      </p:sp>
+    </p:spTree>
+    <p:extLst>
+      <p:ext uri="{BB962C8B-B14F-4D97-AF65-F5344CB8AC3E}">
+        <p14:creationId xmlns:p14="http://schemas.microsoft.com/office/powerpoint/2010/main" val="1862163650"/>
+      </p:ext>
+    </p:extLst>
+  </p:cSld>
+  <p:clrMapOvr>
+    <a:masterClrMapping/>
+  </p:clrMapOvr>
+</p:sld>
+</file>
+
 <file path=ppt/slides/slide2.xml><?xml version="1.0" encoding="utf-8"?>
 <p:sld xmlns:a="http://schemas.openxmlformats.org/drawingml/2006/main" xmlns:r="http://schemas.openxmlformats.org/officeDocument/2006/relationships" xmlns:p="http://schemas.openxmlformats.org/presentationml/2006/main">
   <p:cSld>
@@ -12475,25 +16412,25 @@
           <a:p>
             <a:r>
               <a:rPr lang="en-US" dirty="0"/>
-              <a:t>What is a chatbot?</a:t>
+              <a:t>Implementation</a:t>
             </a:r>
           </a:p>
           <a:p>
             <a:r>
               <a:rPr lang="en-US" dirty="0"/>
-              <a:t>Previous work</a:t>
+              <a:t>What didn’t work</a:t>
             </a:r>
           </a:p>
           <a:p>
             <a:r>
               <a:rPr lang="en-US" dirty="0"/>
-              <a:t>How we will accomplish it</a:t>
+              <a:t>Overall Result</a:t>
             </a:r>
           </a:p>
           <a:p>
             <a:r>
               <a:rPr lang="en-US" dirty="0"/>
-              <a:t>Expected outcomes</a:t>
+              <a:t>What's Next</a:t>
             </a:r>
           </a:p>
           <a:p>
@@ -12551,66 +16488,36 @@
           <a:p>
             <a:r>
               <a:rPr lang="en-US" dirty="0"/>
-              <a:t>Background</a:t>
+              <a:t>Implementation</a:t>
             </a:r>
           </a:p>
         </p:txBody>
       </p:sp>
-      <p:sp>
-        <p:nvSpPr>
-          <p:cNvPr id="3" name="Content Placeholder 2"/>
-          <p:cNvSpPr>
-            <a:spLocks noGrp="1"/>
-          </p:cNvSpPr>
+      <p:graphicFrame>
+        <p:nvGraphicFramePr>
+          <p:cNvPr id="4" name="Content Placeholder 3"/>
+          <p:cNvGraphicFramePr>
+            <a:graphicFrameLocks noGrp="1"/>
+          </p:cNvGraphicFramePr>
           <p:nvPr>
             <p:ph idx="1"/>
+            <p:extLst>
+              <p:ext uri="{D42A27DB-BD31-4B8C-83A1-F6EECF244321}">
+                <p14:modId xmlns:p14="http://schemas.microsoft.com/office/powerpoint/2010/main" val="602067460"/>
+              </p:ext>
+            </p:extLst>
           </p:nvPr>
-        </p:nvSpPr>
-        <p:spPr/>
-        <p:txBody>
-          <a:bodyPr/>
-          <a:lstStyle/>
-          <a:p>
-            <a:r>
-              <a:rPr lang="en-US" dirty="0"/>
-              <a:t>A form of artificial intelligence that has the ability to mimic a human-like conversation.</a:t>
-            </a:r>
-          </a:p>
-          <a:p>
-            <a:r>
-              <a:rPr lang="en-US" dirty="0"/>
-              <a:t>Used for…</a:t>
-            </a:r>
-          </a:p>
-          <a:p>
-            <a:pPr lvl="1"/>
-            <a:r>
-              <a:rPr lang="en-US" dirty="0"/>
-              <a:t>Personal Assistants, Technical Support</a:t>
-            </a:r>
-          </a:p>
-          <a:p>
-            <a:pPr lvl="1"/>
-            <a:r>
-              <a:rPr lang="en-US" dirty="0"/>
-              <a:t>Personal Companionship</a:t>
-            </a:r>
-          </a:p>
-          <a:p>
-            <a:r>
-              <a:rPr lang="en-US" dirty="0"/>
-              <a:t>Benefits</a:t>
-            </a:r>
-          </a:p>
-          <a:p>
-            <a:pPr lvl="1"/>
-            <a:r>
-              <a:rPr lang="en-US" dirty="0"/>
-              <a:t>Cheap, unbiased and effective</a:t>
-            </a:r>
-          </a:p>
-        </p:txBody>
-      </p:sp>
+        </p:nvGraphicFramePr>
+        <p:xfrm>
+          <a:off x="1141413" y="2249488"/>
+          <a:ext cx="9906000" cy="3541712"/>
+        </p:xfrm>
+        <a:graphic>
+          <a:graphicData uri="http://schemas.openxmlformats.org/drawingml/2006/diagram">
+            <dgm:relIds xmlns:dgm="http://schemas.openxmlformats.org/drawingml/2006/diagram" xmlns:r="http://schemas.openxmlformats.org/officeDocument/2006/relationships" r:dm="rId2" r:lo="rId3" r:qs="rId4" r:cs="rId5"/>
+          </a:graphicData>
+        </a:graphic>
+      </p:graphicFrame>
     </p:spTree>
     <p:extLst>
       <p:ext uri="{BB962C8B-B14F-4D97-AF65-F5344CB8AC3E}">
@@ -12658,7 +16565,7 @@
           <a:p>
             <a:r>
               <a:rPr lang="en-US" dirty="0"/>
-              <a:t>Other Work</a:t>
+              <a:t>Determining Subjects and Ideas</a:t>
             </a:r>
           </a:p>
         </p:txBody>
@@ -12675,51 +16582,60 @@
         </p:nvSpPr>
         <p:spPr/>
         <p:txBody>
-          <a:bodyPr>
-            <a:normAutofit/>
-          </a:bodyPr>
+          <a:bodyPr/>
           <a:lstStyle/>
           <a:p>
             <a:r>
               <a:rPr lang="en-US" dirty="0"/>
-              <a:t>ELIZE (1966)</a:t>
+              <a:t>Use </a:t>
+            </a:r>
+            <a:r>
+              <a:rPr lang="en-US" dirty="0" err="1"/>
+              <a:t>Pattern.Vector</a:t>
+            </a:r>
+            <a:r>
+              <a:rPr lang="en-US" dirty="0"/>
+              <a:t> library</a:t>
+            </a:r>
+          </a:p>
+          <a:p>
+            <a:r>
+              <a:rPr lang="en-US" dirty="0"/>
+              <a:t>Important words are used less than unimportant words</a:t>
+            </a:r>
+          </a:p>
+          <a:p>
+            <a:r>
+              <a:rPr lang="en-US" dirty="0"/>
+              <a:t>“The black cat was spying on the dog.”</a:t>
             </a:r>
           </a:p>
           <a:p>
             <a:pPr lvl="1"/>
             <a:r>
               <a:rPr lang="en-US" dirty="0"/>
-              <a:t>Psychiatrist</a:t>
-            </a:r>
-          </a:p>
-          <a:p>
-            <a:r>
-              <a:rPr lang="en-US" dirty="0"/>
-              <a:t>A.L.I.C.E. (2003)</a:t>
+              <a:t>“the” and “on” occur frequently in other text </a:t>
             </a:r>
           </a:p>
           <a:p>
             <a:pPr lvl="1"/>
             <a:r>
               <a:rPr lang="en-US" dirty="0"/>
-              <a:t>Artificial Linguistic Internet Computer Entity</a:t>
-            </a:r>
-          </a:p>
-          <a:p>
-            <a:pPr lvl="1"/>
-            <a:r>
-              <a:rPr lang="en-US" dirty="0"/>
-              <a:t>AIML (Artificial Intelligence Mark-Up Language)</a:t>
+              <a:t>“cat” and “dog” occur less frequently and therefor are more important</a:t>
             </a:r>
           </a:p>
           <a:p>
             <a:r>
+              <a:rPr lang="en-US" dirty="0"/>
+              <a:t>For each word add additional words(</a:t>
+            </a:r>
+            <a:r>
               <a:rPr lang="en-US" dirty="0" err="1"/>
-              <a:t>DeepDrumpf</a:t>
+              <a:t>Synontms</a:t>
             </a:r>
             <a:r>
               <a:rPr lang="en-US" dirty="0"/>
-              <a:t>	</a:t>
+              <a:t>, Antonyms…)</a:t>
             </a:r>
           </a:p>
           <a:p>
@@ -12728,7 +16644,7 @@
             </a:pPr>
             <a:r>
               <a:rPr lang="en-US" dirty="0"/>
-              <a:t>A Neural Network trained on Trump’s transcripts	</a:t>
+              <a:t> </a:t>
             </a:r>
           </a:p>
         </p:txBody>
@@ -12736,7 +16652,7 @@
     </p:spTree>
     <p:extLst>
       <p:ext uri="{BB962C8B-B14F-4D97-AF65-F5344CB8AC3E}">
-        <p14:creationId xmlns:p14="http://schemas.microsoft.com/office/powerpoint/2010/main" val="794192401"/>
+        <p14:creationId xmlns:p14="http://schemas.microsoft.com/office/powerpoint/2010/main" val="4293437429"/>
       </p:ext>
     </p:extLst>
   </p:cSld>
@@ -12780,7 +16696,7 @@
           <a:p>
             <a:r>
               <a:rPr lang="en-US" dirty="0"/>
-              <a:t>Methods</a:t>
+              <a:t>Querying Database for Similar Sentences</a:t>
             </a:r>
           </a:p>
         </p:txBody>
@@ -12802,44 +16718,64 @@
           <a:p>
             <a:r>
               <a:rPr lang="en-US" dirty="0"/>
-              <a:t>Use unsupervised learning algorithm (TBD) to group tweets</a:t>
+              <a:t>Use same method to get subjects </a:t>
             </a:r>
           </a:p>
           <a:p>
             <a:r>
               <a:rPr lang="en-US" dirty="0"/>
-              <a:t>Group into: Question, Answer, Comment, </a:t>
-            </a:r>
-            <a:r>
-              <a:rPr lang="en-US" dirty="0" err="1"/>
-              <a:t>etc</a:t>
-            </a:r>
-            <a:endParaRPr lang="en-US" dirty="0"/>
-          </a:p>
-          <a:p>
-            <a:r>
-              <a:rPr lang="en-US" dirty="0"/>
-              <a:t>If input is a Question, respond with a tweet from Answer</a:t>
+              <a:t>Add to population if and subjects match</a:t>
             </a:r>
           </a:p>
           <a:p>
             <a:r>
               <a:rPr lang="en-US" dirty="0"/>
-              <a:t>Pick best tweet by comparing number of same noun categories</a:t>
+              <a:t>A larger base “population” </a:t>
             </a:r>
           </a:p>
           <a:p>
+            <a:pPr lvl="1"/>
             <a:r>
               <a:rPr lang="en-US" dirty="0"/>
-              <a:t>Example noun categories: Italian Food, Video Games, Computer Science</a:t>
+              <a:t>Allows for larger range of responses(Takes Longer, Limited to Database)</a:t>
             </a:r>
           </a:p>
         </p:txBody>
       </p:sp>
+      <p:graphicFrame>
+        <p:nvGraphicFramePr>
+          <p:cNvPr id="4" name="Chart 3">
+            <a:extLst>
+              <a:ext uri="{FF2B5EF4-FFF2-40B4-BE49-F238E27FC236}">
+                <a16:creationId xmlns:a16="http://schemas.microsoft.com/office/drawing/2014/main" id="{C601897F-6E49-4648-83C4-A14CC21B2F43}"/>
+              </a:ext>
+            </a:extLst>
+          </p:cNvPr>
+          <p:cNvGraphicFramePr>
+            <a:graphicFrameLocks/>
+          </p:cNvGraphicFramePr>
+          <p:nvPr>
+            <p:extLst>
+              <p:ext uri="{D42A27DB-BD31-4B8C-83A1-F6EECF244321}">
+                <p14:modId xmlns:p14="http://schemas.microsoft.com/office/powerpoint/2010/main" val="1004667551"/>
+              </p:ext>
+            </p:extLst>
+          </p:nvPr>
+        </p:nvGraphicFramePr>
+        <p:xfrm>
+          <a:off x="2570161" y="4207079"/>
+          <a:ext cx="7048500" cy="2743200"/>
+        </p:xfrm>
+        <a:graphic>
+          <a:graphicData uri="http://schemas.openxmlformats.org/drawingml/2006/chart">
+            <c:chart xmlns:c="http://schemas.openxmlformats.org/drawingml/2006/chart" xmlns:r="http://schemas.openxmlformats.org/officeDocument/2006/relationships" r:id="rId2"/>
+          </a:graphicData>
+        </a:graphic>
+      </p:graphicFrame>
     </p:spTree>
     <p:extLst>
       <p:ext uri="{BB962C8B-B14F-4D97-AF65-F5344CB8AC3E}">
-        <p14:creationId xmlns:p14="http://schemas.microsoft.com/office/powerpoint/2010/main" val="79443293"/>
+        <p14:creationId xmlns:p14="http://schemas.microsoft.com/office/powerpoint/2010/main" val="426166252"/>
       </p:ext>
     </p:extLst>
   </p:cSld>
@@ -12883,43 +16819,3651 @@
           <a:p>
             <a:r>
               <a:rPr lang="en-US" dirty="0"/>
-              <a:t>Expected Results</a:t>
+              <a:t>Model and rank</a:t>
             </a:r>
           </a:p>
         </p:txBody>
       </p:sp>
-      <p:sp>
-        <p:nvSpPr>
-          <p:cNvPr id="3" name="Content Placeholder 2"/>
-          <p:cNvSpPr>
-            <a:spLocks noGrp="1"/>
-          </p:cNvSpPr>
+      <mc:AlternateContent xmlns:mc="http://schemas.openxmlformats.org/markup-compatibility/2006">
+        <mc:Choice xmlns:a14="http://schemas.microsoft.com/office/drawing/2010/main" Requires="a14">
+          <p:sp>
+            <p:nvSpPr>
+              <p:cNvPr id="3" name="Content Placeholder 2"/>
+              <p:cNvSpPr>
+                <a:spLocks noGrp="1"/>
+              </p:cNvSpPr>
+              <p:nvPr>
+                <p:ph idx="1"/>
+              </p:nvPr>
+            </p:nvSpPr>
+            <p:spPr/>
+            <p:txBody>
+              <a:bodyPr/>
+              <a:lstStyle/>
+              <a:p>
+                <a:r>
+                  <a:rPr lang="en-US" dirty="0"/>
+                  <a:t>Uses LSA (matrix of word counts)</a:t>
+                </a:r>
+              </a:p>
+              <a:p>
+                <a:r>
+                  <a:rPr lang="en-US" dirty="0"/>
+                  <a:t>Modified to use TFIDF </a:t>
+                </a:r>
+              </a:p>
+              <a:p>
+                <a:pPr lvl="1"/>
+                <a14:m>
+                  <m:oMath xmlns:m="http://schemas.openxmlformats.org/officeDocument/2006/math">
+                    <m:sSub>
+                      <m:sSubPr>
+                        <m:ctrlPr>
+                          <a:rPr lang="en-US" i="1">
+                            <a:latin typeface="Cambria Math" panose="02040503050406030204" pitchFamily="18" charset="0"/>
+                          </a:rPr>
+                        </m:ctrlPr>
+                      </m:sSubPr>
+                      <m:e>
+                        <m:r>
+                          <a:rPr lang="en-US" b="0" i="1" smtClean="0">
+                            <a:latin typeface="Cambria Math" panose="02040503050406030204" pitchFamily="18" charset="0"/>
+                          </a:rPr>
+                          <m:t>𝑇𝐹𝐼𝐷𝐹</m:t>
+                        </m:r>
+                      </m:e>
+                      <m:sub>
+                        <m:r>
+                          <a:rPr lang="en-US" b="0" i="1" smtClean="0">
+                            <a:latin typeface="Cambria Math" panose="02040503050406030204" pitchFamily="18" charset="0"/>
+                          </a:rPr>
+                          <m:t>𝑖</m:t>
+                        </m:r>
+                        <m:r>
+                          <a:rPr lang="en-US" b="0" i="1" smtClean="0">
+                            <a:latin typeface="Cambria Math" panose="02040503050406030204" pitchFamily="18" charset="0"/>
+                          </a:rPr>
+                          <m:t>,</m:t>
+                        </m:r>
+                        <m:r>
+                          <a:rPr lang="en-US" b="0" i="1" smtClean="0">
+                            <a:latin typeface="Cambria Math" panose="02040503050406030204" pitchFamily="18" charset="0"/>
+                          </a:rPr>
+                          <m:t>𝑗</m:t>
+                        </m:r>
+                      </m:sub>
+                    </m:sSub>
+                    <m:d>
+                      <m:dPr>
+                        <m:ctrlPr>
+                          <a:rPr lang="en-US" b="0" i="1" smtClean="0">
+                            <a:latin typeface="Cambria Math" panose="02040503050406030204" pitchFamily="18" charset="0"/>
+                          </a:rPr>
+                        </m:ctrlPr>
+                      </m:dPr>
+                      <m:e>
+                        <m:f>
+                          <m:fPr>
+                            <m:ctrlPr>
+                              <a:rPr lang="en-US" b="0" i="1" smtClean="0">
+                                <a:latin typeface="Cambria Math" panose="02040503050406030204" pitchFamily="18" charset="0"/>
+                              </a:rPr>
+                            </m:ctrlPr>
+                          </m:fPr>
+                          <m:num>
+                            <m:sSub>
+                              <m:sSubPr>
+                                <m:ctrlPr>
+                                  <a:rPr lang="en-US" b="0" i="1" smtClean="0">
+                                    <a:latin typeface="Cambria Math" panose="02040503050406030204" pitchFamily="18" charset="0"/>
+                                  </a:rPr>
+                                </m:ctrlPr>
+                              </m:sSubPr>
+                              <m:e>
+                                <m:r>
+                                  <a:rPr lang="en-US" b="0" i="1" smtClean="0">
+                                    <a:latin typeface="Cambria Math" panose="02040503050406030204" pitchFamily="18" charset="0"/>
+                                  </a:rPr>
+                                  <m:t>𝑁</m:t>
+                                </m:r>
+                              </m:e>
+                              <m:sub>
+                                <m:r>
+                                  <a:rPr lang="en-US" b="0" i="1" smtClean="0">
+                                    <a:latin typeface="Cambria Math" panose="02040503050406030204" pitchFamily="18" charset="0"/>
+                                  </a:rPr>
+                                  <m:t>𝑖</m:t>
+                                </m:r>
+                                <m:r>
+                                  <a:rPr lang="en-US" b="0" i="1" smtClean="0">
+                                    <a:latin typeface="Cambria Math" panose="02040503050406030204" pitchFamily="18" charset="0"/>
+                                  </a:rPr>
+                                  <m:t>,</m:t>
+                                </m:r>
+                                <m:r>
+                                  <a:rPr lang="en-US" b="0" i="1" smtClean="0">
+                                    <a:latin typeface="Cambria Math" panose="02040503050406030204" pitchFamily="18" charset="0"/>
+                                  </a:rPr>
+                                  <m:t>𝑗</m:t>
+                                </m:r>
+                              </m:sub>
+                            </m:sSub>
+                          </m:num>
+                          <m:den>
+                            <m:sSub>
+                              <m:sSubPr>
+                                <m:ctrlPr>
+                                  <a:rPr lang="en-US" i="1">
+                                    <a:latin typeface="Cambria Math" panose="02040503050406030204" pitchFamily="18" charset="0"/>
+                                  </a:rPr>
+                                </m:ctrlPr>
+                              </m:sSubPr>
+                              <m:e>
+                                <m:r>
+                                  <a:rPr lang="en-US" i="1">
+                                    <a:latin typeface="Cambria Math" panose="02040503050406030204" pitchFamily="18" charset="0"/>
+                                  </a:rPr>
+                                  <m:t>𝑁</m:t>
+                                </m:r>
+                              </m:e>
+                              <m:sub>
+                                <m:r>
+                                  <a:rPr lang="en-US" b="0" i="1" smtClean="0">
+                                    <a:latin typeface="Cambria Math" panose="02040503050406030204" pitchFamily="18" charset="0"/>
+                                  </a:rPr>
+                                  <m:t>∗,</m:t>
+                                </m:r>
+                                <m:r>
+                                  <a:rPr lang="en-US" b="0" i="1" smtClean="0">
+                                    <a:latin typeface="Cambria Math" panose="02040503050406030204" pitchFamily="18" charset="0"/>
+                                  </a:rPr>
+                                  <m:t>𝑗</m:t>
+                                </m:r>
+                              </m:sub>
+                            </m:sSub>
+                          </m:den>
+                        </m:f>
+                      </m:e>
+                    </m:d>
+                    <m:r>
+                      <a:rPr lang="en-US" b="0" i="1" smtClean="0">
+                        <a:latin typeface="Cambria Math" panose="02040503050406030204" pitchFamily="18" charset="0"/>
+                      </a:rPr>
+                      <m:t>∗</m:t>
+                    </m:r>
+                    <m:r>
+                      <m:rPr>
+                        <m:sty m:val="p"/>
+                      </m:rPr>
+                      <a:rPr lang="en-US" b="0" i="0" smtClean="0">
+                        <a:latin typeface="Cambria Math" panose="02040503050406030204" pitchFamily="18" charset="0"/>
+                      </a:rPr>
+                      <m:t>log</m:t>
+                    </m:r>
+                    <m:r>
+                      <a:rPr lang="en-US" b="0" i="1" smtClean="0">
+                        <a:latin typeface="Cambria Math" panose="02040503050406030204" pitchFamily="18" charset="0"/>
+                      </a:rPr>
+                      <m:t>⁡(</m:t>
+                    </m:r>
+                    <m:f>
+                      <m:fPr>
+                        <m:ctrlPr>
+                          <a:rPr lang="en-US" b="0" i="1" smtClean="0">
+                            <a:latin typeface="Cambria Math" panose="02040503050406030204" pitchFamily="18" charset="0"/>
+                          </a:rPr>
+                        </m:ctrlPr>
+                      </m:fPr>
+                      <m:num>
+                        <m:r>
+                          <a:rPr lang="en-US" b="0" i="1" smtClean="0">
+                            <a:latin typeface="Cambria Math" panose="02040503050406030204" pitchFamily="18" charset="0"/>
+                          </a:rPr>
+                          <m:t>𝐷</m:t>
+                        </m:r>
+                      </m:num>
+                      <m:den>
+                        <m:sSub>
+                          <m:sSubPr>
+                            <m:ctrlPr>
+                              <a:rPr lang="en-US" i="1">
+                                <a:latin typeface="Cambria Math" panose="02040503050406030204" pitchFamily="18" charset="0"/>
+                              </a:rPr>
+                            </m:ctrlPr>
+                          </m:sSubPr>
+                          <m:e>
+                            <m:r>
+                              <a:rPr lang="en-US" b="0" i="1" smtClean="0">
+                                <a:latin typeface="Cambria Math" panose="02040503050406030204" pitchFamily="18" charset="0"/>
+                              </a:rPr>
+                              <m:t>𝐷</m:t>
+                            </m:r>
+                          </m:e>
+                          <m:sub>
+                            <m:r>
+                              <a:rPr lang="en-US" b="0" i="1" smtClean="0">
+                                <a:latin typeface="Cambria Math" panose="02040503050406030204" pitchFamily="18" charset="0"/>
+                              </a:rPr>
+                              <m:t>𝑖</m:t>
+                            </m:r>
+                          </m:sub>
+                        </m:sSub>
+                      </m:den>
+                    </m:f>
+                    <m:r>
+                      <a:rPr lang="en-US" b="0" i="1" smtClean="0">
+                        <a:latin typeface="Cambria Math" panose="02040503050406030204" pitchFamily="18" charset="0"/>
+                      </a:rPr>
+                      <m:t>)</m:t>
+                    </m:r>
+                  </m:oMath>
+                </a14:m>
+                <a:endParaRPr lang="en-US" dirty="0"/>
+              </a:p>
+              <a:p>
+                <a:r>
+                  <a:rPr lang="en-US" dirty="0"/>
+                  <a:t>Compare Input with cosine similarity</a:t>
+                </a:r>
+              </a:p>
+              <a:p>
+                <a:pPr lvl="1"/>
+                <a:r>
+                  <a:rPr lang="en-US" dirty="0"/>
+                  <a:t>Take best matched</a:t>
+                </a:r>
+              </a:p>
+              <a:p>
+                <a:pPr lvl="1"/>
+                <a:r>
+                  <a:rPr lang="en-US" dirty="0"/>
+                  <a:t>0 if not similar at all</a:t>
+                </a:r>
+              </a:p>
+            </p:txBody>
+          </p:sp>
+        </mc:Choice>
+        <mc:Fallback>
+          <p:sp>
+            <p:nvSpPr>
+              <p:cNvPr id="3" name="Content Placeholder 2"/>
+              <p:cNvSpPr>
+                <a:spLocks noGrp="1" noRot="1" noChangeAspect="1" noMove="1" noResize="1" noEditPoints="1" noAdjustHandles="1" noChangeArrowheads="1" noChangeShapeType="1" noTextEdit="1"/>
+              </p:cNvSpPr>
+              <p:nvPr>
+                <p:ph idx="1"/>
+              </p:nvPr>
+            </p:nvSpPr>
+            <p:spPr>
+              <a:blipFill>
+                <a:blip r:embed="rId2"/>
+                <a:stretch>
+                  <a:fillRect l="-1231" t="-2238"/>
+                </a:stretch>
+              </a:blipFill>
+            </p:spPr>
+            <p:txBody>
+              <a:bodyPr/>
+              <a:lstStyle/>
+              <a:p>
+                <a:r>
+                  <a:rPr lang="en-US">
+                    <a:noFill/>
+                  </a:rPr>
+                  <a:t> </a:t>
+                </a:r>
+              </a:p>
+            </p:txBody>
+          </p:sp>
+        </mc:Fallback>
+      </mc:AlternateContent>
+      <p:graphicFrame>
+        <p:nvGraphicFramePr>
+          <p:cNvPr id="5" name="Table 4"/>
+          <p:cNvGraphicFramePr>
+            <a:graphicFrameLocks noGrp="1"/>
+          </p:cNvGraphicFramePr>
           <p:nvPr>
-            <p:ph idx="1"/>
+            <p:extLst>
+              <p:ext uri="{D42A27DB-BD31-4B8C-83A1-F6EECF244321}">
+                <p14:modId xmlns:p14="http://schemas.microsoft.com/office/powerpoint/2010/main" val="2347320477"/>
+              </p:ext>
+            </p:extLst>
           </p:nvPr>
-        </p:nvSpPr>
-        <p:spPr/>
-        <p:txBody>
-          <a:bodyPr/>
-          <a:lstStyle/>
-          <a:p>
-            <a:r>
-              <a:rPr lang="en-US" dirty="0"/>
-              <a:t>To test, will give a tweet as input</a:t>
-            </a:r>
-          </a:p>
-          <a:p>
-            <a:r>
-              <a:rPr lang="en-US" dirty="0"/>
-              <a:t>If it responds with same response tweet as the real conversation, success</a:t>
-            </a:r>
-          </a:p>
-        </p:txBody>
-      </p:sp>
+        </p:nvGraphicFramePr>
+        <p:xfrm>
+          <a:off x="6269904" y="2249487"/>
+          <a:ext cx="3657600" cy="2451735"/>
+        </p:xfrm>
+        <a:graphic>
+          <a:graphicData uri="http://schemas.openxmlformats.org/drawingml/2006/table">
+            <a:tbl>
+              <a:tblPr/>
+              <a:tblGrid>
+                <a:gridCol w="609600">
+                  <a:extLst>
+                    <a:ext uri="{9D8B030D-6E8A-4147-A177-3AD203B41FA5}">
+                      <a16:colId xmlns:a16="http://schemas.microsoft.com/office/drawing/2014/main" val="4229043867"/>
+                    </a:ext>
+                  </a:extLst>
+                </a:gridCol>
+                <a:gridCol w="609600">
+                  <a:extLst>
+                    <a:ext uri="{9D8B030D-6E8A-4147-A177-3AD203B41FA5}">
+                      <a16:colId xmlns:a16="http://schemas.microsoft.com/office/drawing/2014/main" val="2028547784"/>
+                    </a:ext>
+                  </a:extLst>
+                </a:gridCol>
+                <a:gridCol w="609600">
+                  <a:extLst>
+                    <a:ext uri="{9D8B030D-6E8A-4147-A177-3AD203B41FA5}">
+                      <a16:colId xmlns:a16="http://schemas.microsoft.com/office/drawing/2014/main" val="3601830092"/>
+                    </a:ext>
+                  </a:extLst>
+                </a:gridCol>
+                <a:gridCol w="609600">
+                  <a:extLst>
+                    <a:ext uri="{9D8B030D-6E8A-4147-A177-3AD203B41FA5}">
+                      <a16:colId xmlns:a16="http://schemas.microsoft.com/office/drawing/2014/main" val="3775514714"/>
+                    </a:ext>
+                  </a:extLst>
+                </a:gridCol>
+                <a:gridCol w="609600">
+                  <a:extLst>
+                    <a:ext uri="{9D8B030D-6E8A-4147-A177-3AD203B41FA5}">
+                      <a16:colId xmlns:a16="http://schemas.microsoft.com/office/drawing/2014/main" val="789201765"/>
+                    </a:ext>
+                  </a:extLst>
+                </a:gridCol>
+                <a:gridCol w="609600">
+                  <a:extLst>
+                    <a:ext uri="{9D8B030D-6E8A-4147-A177-3AD203B41FA5}">
+                      <a16:colId xmlns:a16="http://schemas.microsoft.com/office/drawing/2014/main" val="1787066941"/>
+                    </a:ext>
+                  </a:extLst>
+                </a:gridCol>
+              </a:tblGrid>
+              <a:tr h="190500">
+                <a:tc>
+                  <a:txBody>
+                    <a:bodyPr/>
+                    <a:lstStyle/>
+                    <a:p>
+                      <a:pPr algn="l" fontAlgn="b"/>
+                      <a:r>
+                        <a:rPr lang="en-US" sz="1100" b="1" i="0" u="none" strike="noStrike">
+                          <a:solidFill>
+                            <a:srgbClr val="000000"/>
+                          </a:solidFill>
+                          <a:effectLst/>
+                          <a:latin typeface="Calibri" panose="020F0502020204030204" pitchFamily="34" charset="0"/>
+                        </a:rPr>
+                        <a:t>Word</a:t>
+                      </a:r>
+                    </a:p>
+                  </a:txBody>
+                  <a:tcPr marL="9525" marR="9525" marT="9525" anchor="b">
+                    <a:lnL>
+                      <a:noFill/>
+                    </a:lnL>
+                    <a:lnR>
+                      <a:noFill/>
+                    </a:lnR>
+                    <a:lnT>
+                      <a:noFill/>
+                    </a:lnT>
+                    <a:lnB>
+                      <a:noFill/>
+                    </a:lnB>
+                    <a:solidFill>
+                      <a:srgbClr val="A6A6A6"/>
+                    </a:solidFill>
+                  </a:tcPr>
+                </a:tc>
+                <a:tc gridSpan="5">
+                  <a:txBody>
+                    <a:bodyPr/>
+                    <a:lstStyle/>
+                    <a:p>
+                      <a:pPr algn="ctr" fontAlgn="b"/>
+                      <a:r>
+                        <a:rPr lang="en-US" sz="1100" b="1" i="0" u="none" strike="noStrike">
+                          <a:solidFill>
+                            <a:srgbClr val="000000"/>
+                          </a:solidFill>
+                          <a:effectLst/>
+                          <a:latin typeface="Calibri" panose="020F0502020204030204" pitchFamily="34" charset="0"/>
+                        </a:rPr>
+                        <a:t>Sentences </a:t>
+                      </a:r>
+                    </a:p>
+                  </a:txBody>
+                  <a:tcPr marL="9525" marR="9525" marT="9525" anchor="b">
+                    <a:lnL>
+                      <a:noFill/>
+                    </a:lnL>
+                    <a:lnR>
+                      <a:noFill/>
+                    </a:lnR>
+                    <a:lnT>
+                      <a:noFill/>
+                    </a:lnT>
+                    <a:lnB>
+                      <a:noFill/>
+                    </a:lnB>
+                    <a:solidFill>
+                      <a:srgbClr val="A6A6A6"/>
+                    </a:solidFill>
+                  </a:tcPr>
+                </a:tc>
+                <a:tc hMerge="1">
+                  <a:txBody>
+                    <a:bodyPr/>
+                    <a:lstStyle/>
+                    <a:p>
+                      <a:endParaRPr lang="en-US"/>
+                    </a:p>
+                  </a:txBody>
+                  <a:tcPr/>
+                </a:tc>
+                <a:tc hMerge="1">
+                  <a:txBody>
+                    <a:bodyPr/>
+                    <a:lstStyle/>
+                    <a:p>
+                      <a:endParaRPr lang="en-US"/>
+                    </a:p>
+                  </a:txBody>
+                  <a:tcPr/>
+                </a:tc>
+                <a:tc hMerge="1">
+                  <a:txBody>
+                    <a:bodyPr/>
+                    <a:lstStyle/>
+                    <a:p>
+                      <a:endParaRPr lang="en-US"/>
+                    </a:p>
+                  </a:txBody>
+                  <a:tcPr/>
+                </a:tc>
+                <a:tc hMerge="1">
+                  <a:txBody>
+                    <a:bodyPr/>
+                    <a:lstStyle/>
+                    <a:p>
+                      <a:endParaRPr lang="en-US"/>
+                    </a:p>
+                  </a:txBody>
+                  <a:tcPr/>
+                </a:tc>
+                <a:extLst>
+                  <a:ext uri="{0D108BD9-81ED-4DB2-BD59-A6C34878D82A}">
+                    <a16:rowId xmlns:a16="http://schemas.microsoft.com/office/drawing/2014/main" val="3336999977"/>
+                  </a:ext>
+                </a:extLst>
+              </a:tr>
+              <a:tr h="190500">
+                <a:tc>
+                  <a:txBody>
+                    <a:bodyPr/>
+                    <a:lstStyle/>
+                    <a:p>
+                      <a:pPr algn="l" fontAlgn="b"/>
+                      <a:endParaRPr lang="en-US" sz="1100" b="0" i="0" u="none" strike="noStrike">
+                        <a:solidFill>
+                          <a:srgbClr val="000000"/>
+                        </a:solidFill>
+                        <a:effectLst/>
+                        <a:latin typeface="Calibri" panose="020F0502020204030204" pitchFamily="34" charset="0"/>
+                      </a:endParaRPr>
+                    </a:p>
+                  </a:txBody>
+                  <a:tcPr marL="9525" marR="9525" marT="9525" anchor="b">
+                    <a:lnL>
+                      <a:noFill/>
+                    </a:lnL>
+                    <a:lnR>
+                      <a:noFill/>
+                    </a:lnR>
+                    <a:lnT>
+                      <a:noFill/>
+                    </a:lnT>
+                    <a:lnB>
+                      <a:noFill/>
+                    </a:lnB>
+                    <a:solidFill>
+                      <a:srgbClr val="A6A6A6"/>
+                    </a:solidFill>
+                  </a:tcPr>
+                </a:tc>
+                <a:tc>
+                  <a:txBody>
+                    <a:bodyPr/>
+                    <a:lstStyle/>
+                    <a:p>
+                      <a:pPr algn="l" fontAlgn="b"/>
+                      <a:r>
+                        <a:rPr lang="en-US" sz="1100" b="0" i="0" u="none" strike="noStrike">
+                          <a:solidFill>
+                            <a:srgbClr val="000000"/>
+                          </a:solidFill>
+                          <a:effectLst/>
+                          <a:latin typeface="Calibri" panose="020F0502020204030204" pitchFamily="34" charset="0"/>
+                        </a:rPr>
+                        <a:t>S1</a:t>
+                      </a:r>
+                    </a:p>
+                  </a:txBody>
+                  <a:tcPr marL="9525" marR="9525" marT="9525" anchor="b">
+                    <a:lnL>
+                      <a:noFill/>
+                    </a:lnL>
+                    <a:lnR>
+                      <a:noFill/>
+                    </a:lnR>
+                    <a:lnT>
+                      <a:noFill/>
+                    </a:lnT>
+                    <a:lnB w="6350" cap="flat" cmpd="sng" algn="ctr">
+                      <a:solidFill>
+                        <a:srgbClr val="000000"/>
+                      </a:solidFill>
+                      <a:prstDash val="solid"/>
+                      <a:round/>
+                      <a:headEnd type="none" w="med" len="med"/>
+                      <a:tailEnd type="none" w="med" len="med"/>
+                    </a:lnB>
+                  </a:tcPr>
+                </a:tc>
+                <a:tc>
+                  <a:txBody>
+                    <a:bodyPr/>
+                    <a:lstStyle/>
+                    <a:p>
+                      <a:pPr algn="l" fontAlgn="b"/>
+                      <a:r>
+                        <a:rPr lang="en-US" sz="1100" b="0" i="0" u="none" strike="noStrike">
+                          <a:solidFill>
+                            <a:srgbClr val="000000"/>
+                          </a:solidFill>
+                          <a:effectLst/>
+                          <a:latin typeface="Calibri" panose="020F0502020204030204" pitchFamily="34" charset="0"/>
+                        </a:rPr>
+                        <a:t>S2</a:t>
+                      </a:r>
+                    </a:p>
+                  </a:txBody>
+                  <a:tcPr marL="9525" marR="9525" marT="9525" anchor="b">
+                    <a:lnL>
+                      <a:noFill/>
+                    </a:lnL>
+                    <a:lnR>
+                      <a:noFill/>
+                    </a:lnR>
+                    <a:lnT>
+                      <a:noFill/>
+                    </a:lnT>
+                    <a:lnB w="6350" cap="flat" cmpd="sng" algn="ctr">
+                      <a:solidFill>
+                        <a:srgbClr val="000000"/>
+                      </a:solidFill>
+                      <a:prstDash val="solid"/>
+                      <a:round/>
+                      <a:headEnd type="none" w="med" len="med"/>
+                      <a:tailEnd type="none" w="med" len="med"/>
+                    </a:lnB>
+                  </a:tcPr>
+                </a:tc>
+                <a:tc>
+                  <a:txBody>
+                    <a:bodyPr/>
+                    <a:lstStyle/>
+                    <a:p>
+                      <a:pPr algn="l" fontAlgn="b"/>
+                      <a:r>
+                        <a:rPr lang="en-US" sz="1100" b="0" i="0" u="none" strike="noStrike">
+                          <a:solidFill>
+                            <a:srgbClr val="000000"/>
+                          </a:solidFill>
+                          <a:effectLst/>
+                          <a:latin typeface="Calibri" panose="020F0502020204030204" pitchFamily="34" charset="0"/>
+                        </a:rPr>
+                        <a:t>S3</a:t>
+                      </a:r>
+                    </a:p>
+                  </a:txBody>
+                  <a:tcPr marL="9525" marR="9525" marT="9525" anchor="b">
+                    <a:lnL>
+                      <a:noFill/>
+                    </a:lnL>
+                    <a:lnR>
+                      <a:noFill/>
+                    </a:lnR>
+                    <a:lnT>
+                      <a:noFill/>
+                    </a:lnT>
+                    <a:lnB w="6350" cap="flat" cmpd="sng" algn="ctr">
+                      <a:solidFill>
+                        <a:srgbClr val="000000"/>
+                      </a:solidFill>
+                      <a:prstDash val="solid"/>
+                      <a:round/>
+                      <a:headEnd type="none" w="med" len="med"/>
+                      <a:tailEnd type="none" w="med" len="med"/>
+                    </a:lnB>
+                  </a:tcPr>
+                </a:tc>
+                <a:tc>
+                  <a:txBody>
+                    <a:bodyPr/>
+                    <a:lstStyle/>
+                    <a:p>
+                      <a:pPr algn="l" fontAlgn="b"/>
+                      <a:r>
+                        <a:rPr lang="en-US" sz="1100" b="0" i="0" u="none" strike="noStrike">
+                          <a:solidFill>
+                            <a:srgbClr val="000000"/>
+                          </a:solidFill>
+                          <a:effectLst/>
+                          <a:latin typeface="Calibri" panose="020F0502020204030204" pitchFamily="34" charset="0"/>
+                        </a:rPr>
+                        <a:t>S4</a:t>
+                      </a:r>
+                    </a:p>
+                  </a:txBody>
+                  <a:tcPr marL="9525" marR="9525" marT="9525" anchor="b">
+                    <a:lnL>
+                      <a:noFill/>
+                    </a:lnL>
+                    <a:lnR>
+                      <a:noFill/>
+                    </a:lnR>
+                    <a:lnT>
+                      <a:noFill/>
+                    </a:lnT>
+                    <a:lnB w="6350" cap="flat" cmpd="sng" algn="ctr">
+                      <a:solidFill>
+                        <a:srgbClr val="000000"/>
+                      </a:solidFill>
+                      <a:prstDash val="solid"/>
+                      <a:round/>
+                      <a:headEnd type="none" w="med" len="med"/>
+                      <a:tailEnd type="none" w="med" len="med"/>
+                    </a:lnB>
+                  </a:tcPr>
+                </a:tc>
+                <a:tc>
+                  <a:txBody>
+                    <a:bodyPr/>
+                    <a:lstStyle/>
+                    <a:p>
+                      <a:pPr algn="l" fontAlgn="b"/>
+                      <a:r>
+                        <a:rPr lang="en-US" sz="1100" b="0" i="0" u="none" strike="noStrike">
+                          <a:solidFill>
+                            <a:srgbClr val="000000"/>
+                          </a:solidFill>
+                          <a:effectLst/>
+                          <a:latin typeface="Calibri" panose="020F0502020204030204" pitchFamily="34" charset="0"/>
+                        </a:rPr>
+                        <a:t>S5</a:t>
+                      </a:r>
+                    </a:p>
+                  </a:txBody>
+                  <a:tcPr marL="9525" marR="9525" marT="9525" anchor="b">
+                    <a:lnL>
+                      <a:noFill/>
+                    </a:lnL>
+                    <a:lnR w="6350" cap="flat" cmpd="sng" algn="ctr">
+                      <a:solidFill>
+                        <a:srgbClr val="000000"/>
+                      </a:solidFill>
+                      <a:prstDash val="solid"/>
+                      <a:round/>
+                      <a:headEnd type="none" w="med" len="med"/>
+                      <a:tailEnd type="none" w="med" len="med"/>
+                    </a:lnR>
+                    <a:lnT>
+                      <a:noFill/>
+                    </a:lnT>
+                    <a:lnB w="6350" cap="flat" cmpd="sng" algn="ctr">
+                      <a:solidFill>
+                        <a:srgbClr val="000000"/>
+                      </a:solidFill>
+                      <a:prstDash val="solid"/>
+                      <a:round/>
+                      <a:headEnd type="none" w="med" len="med"/>
+                      <a:tailEnd type="none" w="med" len="med"/>
+                    </a:lnB>
+                  </a:tcPr>
+                </a:tc>
+                <a:extLst>
+                  <a:ext uri="{0D108BD9-81ED-4DB2-BD59-A6C34878D82A}">
+                    <a16:rowId xmlns:a16="http://schemas.microsoft.com/office/drawing/2014/main" val="2733071328"/>
+                  </a:ext>
+                </a:extLst>
+              </a:tr>
+              <a:tr h="190500">
+                <a:tc>
+                  <a:txBody>
+                    <a:bodyPr/>
+                    <a:lstStyle/>
+                    <a:p>
+                      <a:pPr algn="l" fontAlgn="b"/>
+                      <a:r>
+                        <a:rPr lang="en-US" sz="1100" b="1" i="0" u="none" strike="noStrike" dirty="0">
+                          <a:solidFill>
+                            <a:srgbClr val="000000"/>
+                          </a:solidFill>
+                          <a:effectLst/>
+                          <a:latin typeface="Calibri" panose="020F0502020204030204" pitchFamily="34" charset="0"/>
+                        </a:rPr>
+                        <a:t>I</a:t>
+                      </a:r>
+                    </a:p>
+                  </a:txBody>
+                  <a:tcPr marL="9525" marR="9525" marT="9525" anchor="b">
+                    <a:lnL>
+                      <a:noFill/>
+                    </a:lnL>
+                    <a:lnR w="6350" cap="flat" cmpd="sng" algn="ctr">
+                      <a:solidFill>
+                        <a:srgbClr val="000000"/>
+                      </a:solidFill>
+                      <a:prstDash val="solid"/>
+                      <a:round/>
+                      <a:headEnd type="none" w="med" len="med"/>
+                      <a:tailEnd type="none" w="med" len="med"/>
+                    </a:lnR>
+                    <a:lnT>
+                      <a:noFill/>
+                    </a:lnT>
+                    <a:lnB>
+                      <a:noFill/>
+                    </a:lnB>
+                    <a:solidFill>
+                      <a:srgbClr val="A6A6A6"/>
+                    </a:solidFill>
+                  </a:tcPr>
+                </a:tc>
+                <a:tc>
+                  <a:txBody>
+                    <a:bodyPr/>
+                    <a:lstStyle/>
+                    <a:p>
+                      <a:pPr algn="r" fontAlgn="b"/>
+                      <a:r>
+                        <a:rPr lang="en-US" sz="1100" b="0" i="0" u="none" strike="noStrike">
+                          <a:solidFill>
+                            <a:srgbClr val="000000"/>
+                          </a:solidFill>
+                          <a:effectLst/>
+                          <a:latin typeface="Calibri" panose="020F0502020204030204" pitchFamily="34" charset="0"/>
+                        </a:rPr>
+                        <a:t>1</a:t>
+                      </a:r>
+                    </a:p>
+                  </a:txBody>
+                  <a:tcPr marL="9525" marR="9525" marT="9525" anchor="b">
+                    <a:lnL w="6350" cap="flat" cmpd="sng" algn="ctr">
+                      <a:solidFill>
+                        <a:srgbClr val="000000"/>
+                      </a:solidFill>
+                      <a:prstDash val="solid"/>
+                      <a:round/>
+                      <a:headEnd type="none" w="med" len="med"/>
+                      <a:tailEnd type="none" w="med" len="med"/>
+                    </a:lnL>
+                    <a:lnR w="6350" cap="flat" cmpd="sng" algn="ctr">
+                      <a:solidFill>
+                        <a:srgbClr val="000000"/>
+                      </a:solidFill>
+                      <a:prstDash val="solid"/>
+                      <a:round/>
+                      <a:headEnd type="none" w="med" len="med"/>
+                      <a:tailEnd type="none" w="med" len="med"/>
+                    </a:lnR>
+                    <a:lnT w="6350" cap="flat" cmpd="sng" algn="ctr">
+                      <a:solidFill>
+                        <a:srgbClr val="000000"/>
+                      </a:solidFill>
+                      <a:prstDash val="solid"/>
+                      <a:round/>
+                      <a:headEnd type="none" w="med" len="med"/>
+                      <a:tailEnd type="none" w="med" len="med"/>
+                    </a:lnT>
+                    <a:lnB w="6350" cap="flat" cmpd="sng" algn="ctr">
+                      <a:solidFill>
+                        <a:srgbClr val="000000"/>
+                      </a:solidFill>
+                      <a:prstDash val="solid"/>
+                      <a:round/>
+                      <a:headEnd type="none" w="med" len="med"/>
+                      <a:tailEnd type="none" w="med" len="med"/>
+                    </a:lnB>
+                  </a:tcPr>
+                </a:tc>
+                <a:tc>
+                  <a:txBody>
+                    <a:bodyPr/>
+                    <a:lstStyle/>
+                    <a:p>
+                      <a:pPr algn="l" fontAlgn="b"/>
+                      <a:endParaRPr lang="en-US" sz="1100" b="0" i="0" u="none" strike="noStrike">
+                        <a:solidFill>
+                          <a:srgbClr val="000000"/>
+                        </a:solidFill>
+                        <a:effectLst/>
+                        <a:latin typeface="Calibri" panose="020F0502020204030204" pitchFamily="34" charset="0"/>
+                      </a:endParaRPr>
+                    </a:p>
+                  </a:txBody>
+                  <a:tcPr marL="9525" marR="9525" marT="9525" anchor="b">
+                    <a:lnL w="6350" cap="flat" cmpd="sng" algn="ctr">
+                      <a:solidFill>
+                        <a:srgbClr val="000000"/>
+                      </a:solidFill>
+                      <a:prstDash val="solid"/>
+                      <a:round/>
+                      <a:headEnd type="none" w="med" len="med"/>
+                      <a:tailEnd type="none" w="med" len="med"/>
+                    </a:lnL>
+                    <a:lnR w="6350" cap="flat" cmpd="sng" algn="ctr">
+                      <a:solidFill>
+                        <a:srgbClr val="000000"/>
+                      </a:solidFill>
+                      <a:prstDash val="solid"/>
+                      <a:round/>
+                      <a:headEnd type="none" w="med" len="med"/>
+                      <a:tailEnd type="none" w="med" len="med"/>
+                    </a:lnR>
+                    <a:lnT w="6350" cap="flat" cmpd="sng" algn="ctr">
+                      <a:solidFill>
+                        <a:srgbClr val="000000"/>
+                      </a:solidFill>
+                      <a:prstDash val="solid"/>
+                      <a:round/>
+                      <a:headEnd type="none" w="med" len="med"/>
+                      <a:tailEnd type="none" w="med" len="med"/>
+                    </a:lnT>
+                    <a:lnB w="6350" cap="flat" cmpd="sng" algn="ctr">
+                      <a:solidFill>
+                        <a:srgbClr val="000000"/>
+                      </a:solidFill>
+                      <a:prstDash val="solid"/>
+                      <a:round/>
+                      <a:headEnd type="none" w="med" len="med"/>
+                      <a:tailEnd type="none" w="med" len="med"/>
+                    </a:lnB>
+                  </a:tcPr>
+                </a:tc>
+                <a:tc>
+                  <a:txBody>
+                    <a:bodyPr/>
+                    <a:lstStyle/>
+                    <a:p>
+                      <a:pPr algn="l" fontAlgn="b"/>
+                      <a:endParaRPr lang="en-US" sz="1100" b="0" i="0" u="none" strike="noStrike">
+                        <a:solidFill>
+                          <a:srgbClr val="000000"/>
+                        </a:solidFill>
+                        <a:effectLst/>
+                        <a:latin typeface="Calibri" panose="020F0502020204030204" pitchFamily="34" charset="0"/>
+                      </a:endParaRPr>
+                    </a:p>
+                  </a:txBody>
+                  <a:tcPr marL="9525" marR="9525" marT="9525" anchor="b">
+                    <a:lnL w="6350" cap="flat" cmpd="sng" algn="ctr">
+                      <a:solidFill>
+                        <a:srgbClr val="000000"/>
+                      </a:solidFill>
+                      <a:prstDash val="solid"/>
+                      <a:round/>
+                      <a:headEnd type="none" w="med" len="med"/>
+                      <a:tailEnd type="none" w="med" len="med"/>
+                    </a:lnL>
+                    <a:lnR w="6350" cap="flat" cmpd="sng" algn="ctr">
+                      <a:solidFill>
+                        <a:srgbClr val="000000"/>
+                      </a:solidFill>
+                      <a:prstDash val="solid"/>
+                      <a:round/>
+                      <a:headEnd type="none" w="med" len="med"/>
+                      <a:tailEnd type="none" w="med" len="med"/>
+                    </a:lnR>
+                    <a:lnT w="6350" cap="flat" cmpd="sng" algn="ctr">
+                      <a:solidFill>
+                        <a:srgbClr val="000000"/>
+                      </a:solidFill>
+                      <a:prstDash val="solid"/>
+                      <a:round/>
+                      <a:headEnd type="none" w="med" len="med"/>
+                      <a:tailEnd type="none" w="med" len="med"/>
+                    </a:lnT>
+                    <a:lnB w="6350" cap="flat" cmpd="sng" algn="ctr">
+                      <a:solidFill>
+                        <a:srgbClr val="000000"/>
+                      </a:solidFill>
+                      <a:prstDash val="solid"/>
+                      <a:round/>
+                      <a:headEnd type="none" w="med" len="med"/>
+                      <a:tailEnd type="none" w="med" len="med"/>
+                    </a:lnB>
+                  </a:tcPr>
+                </a:tc>
+                <a:tc>
+                  <a:txBody>
+                    <a:bodyPr/>
+                    <a:lstStyle/>
+                    <a:p>
+                      <a:pPr algn="r" fontAlgn="b"/>
+                      <a:r>
+                        <a:rPr lang="en-US" sz="1100" b="0" i="0" u="none" strike="noStrike">
+                          <a:solidFill>
+                            <a:srgbClr val="000000"/>
+                          </a:solidFill>
+                          <a:effectLst/>
+                          <a:latin typeface="Calibri" panose="020F0502020204030204" pitchFamily="34" charset="0"/>
+                        </a:rPr>
+                        <a:t>1</a:t>
+                      </a:r>
+                    </a:p>
+                  </a:txBody>
+                  <a:tcPr marL="9525" marR="9525" marT="9525" anchor="b">
+                    <a:lnL w="6350" cap="flat" cmpd="sng" algn="ctr">
+                      <a:solidFill>
+                        <a:srgbClr val="000000"/>
+                      </a:solidFill>
+                      <a:prstDash val="solid"/>
+                      <a:round/>
+                      <a:headEnd type="none" w="med" len="med"/>
+                      <a:tailEnd type="none" w="med" len="med"/>
+                    </a:lnL>
+                    <a:lnR w="6350" cap="flat" cmpd="sng" algn="ctr">
+                      <a:solidFill>
+                        <a:srgbClr val="000000"/>
+                      </a:solidFill>
+                      <a:prstDash val="solid"/>
+                      <a:round/>
+                      <a:headEnd type="none" w="med" len="med"/>
+                      <a:tailEnd type="none" w="med" len="med"/>
+                    </a:lnR>
+                    <a:lnT w="6350" cap="flat" cmpd="sng" algn="ctr">
+                      <a:solidFill>
+                        <a:srgbClr val="000000"/>
+                      </a:solidFill>
+                      <a:prstDash val="solid"/>
+                      <a:round/>
+                      <a:headEnd type="none" w="med" len="med"/>
+                      <a:tailEnd type="none" w="med" len="med"/>
+                    </a:lnT>
+                    <a:lnB w="6350" cap="flat" cmpd="sng" algn="ctr">
+                      <a:solidFill>
+                        <a:srgbClr val="000000"/>
+                      </a:solidFill>
+                      <a:prstDash val="solid"/>
+                      <a:round/>
+                      <a:headEnd type="none" w="med" len="med"/>
+                      <a:tailEnd type="none" w="med" len="med"/>
+                    </a:lnB>
+                  </a:tcPr>
+                </a:tc>
+                <a:tc>
+                  <a:txBody>
+                    <a:bodyPr/>
+                    <a:lstStyle/>
+                    <a:p>
+                      <a:pPr algn="l" fontAlgn="b"/>
+                      <a:endParaRPr lang="en-US" sz="1100" b="0" i="0" u="none" strike="noStrike">
+                        <a:solidFill>
+                          <a:srgbClr val="000000"/>
+                        </a:solidFill>
+                        <a:effectLst/>
+                        <a:latin typeface="Calibri" panose="020F0502020204030204" pitchFamily="34" charset="0"/>
+                      </a:endParaRPr>
+                    </a:p>
+                  </a:txBody>
+                  <a:tcPr marL="9525" marR="9525" marT="9525" anchor="b">
+                    <a:lnL w="6350" cap="flat" cmpd="sng" algn="ctr">
+                      <a:solidFill>
+                        <a:srgbClr val="000000"/>
+                      </a:solidFill>
+                      <a:prstDash val="solid"/>
+                      <a:round/>
+                      <a:headEnd type="none" w="med" len="med"/>
+                      <a:tailEnd type="none" w="med" len="med"/>
+                    </a:lnL>
+                    <a:lnR w="6350" cap="flat" cmpd="sng" algn="ctr">
+                      <a:solidFill>
+                        <a:srgbClr val="000000"/>
+                      </a:solidFill>
+                      <a:prstDash val="solid"/>
+                      <a:round/>
+                      <a:headEnd type="none" w="med" len="med"/>
+                      <a:tailEnd type="none" w="med" len="med"/>
+                    </a:lnR>
+                    <a:lnT w="6350" cap="flat" cmpd="sng" algn="ctr">
+                      <a:solidFill>
+                        <a:srgbClr val="000000"/>
+                      </a:solidFill>
+                      <a:prstDash val="solid"/>
+                      <a:round/>
+                      <a:headEnd type="none" w="med" len="med"/>
+                      <a:tailEnd type="none" w="med" len="med"/>
+                    </a:lnT>
+                    <a:lnB w="6350" cap="flat" cmpd="sng" algn="ctr">
+                      <a:solidFill>
+                        <a:srgbClr val="000000"/>
+                      </a:solidFill>
+                      <a:prstDash val="solid"/>
+                      <a:round/>
+                      <a:headEnd type="none" w="med" len="med"/>
+                      <a:tailEnd type="none" w="med" len="med"/>
+                    </a:lnB>
+                  </a:tcPr>
+                </a:tc>
+                <a:extLst>
+                  <a:ext uri="{0D108BD9-81ED-4DB2-BD59-A6C34878D82A}">
+                    <a16:rowId xmlns:a16="http://schemas.microsoft.com/office/drawing/2014/main" val="2967976785"/>
+                  </a:ext>
+                </a:extLst>
+              </a:tr>
+              <a:tr h="190500">
+                <a:tc>
+                  <a:txBody>
+                    <a:bodyPr/>
+                    <a:lstStyle/>
+                    <a:p>
+                      <a:pPr algn="l" fontAlgn="b"/>
+                      <a:r>
+                        <a:rPr lang="en-US" sz="1100" b="1" i="0" u="none" strike="noStrike">
+                          <a:solidFill>
+                            <a:srgbClr val="000000"/>
+                          </a:solidFill>
+                          <a:effectLst/>
+                          <a:latin typeface="Calibri" panose="020F0502020204030204" pitchFamily="34" charset="0"/>
+                        </a:rPr>
+                        <a:t>Dog</a:t>
+                      </a:r>
+                    </a:p>
+                  </a:txBody>
+                  <a:tcPr marL="9525" marR="9525" marT="9525" anchor="b">
+                    <a:lnL>
+                      <a:noFill/>
+                    </a:lnL>
+                    <a:lnR w="6350" cap="flat" cmpd="sng" algn="ctr">
+                      <a:solidFill>
+                        <a:srgbClr val="000000"/>
+                      </a:solidFill>
+                      <a:prstDash val="solid"/>
+                      <a:round/>
+                      <a:headEnd type="none" w="med" len="med"/>
+                      <a:tailEnd type="none" w="med" len="med"/>
+                    </a:lnR>
+                    <a:lnT>
+                      <a:noFill/>
+                    </a:lnT>
+                    <a:lnB>
+                      <a:noFill/>
+                    </a:lnB>
+                    <a:solidFill>
+                      <a:srgbClr val="A6A6A6"/>
+                    </a:solidFill>
+                  </a:tcPr>
+                </a:tc>
+                <a:tc>
+                  <a:txBody>
+                    <a:bodyPr/>
+                    <a:lstStyle/>
+                    <a:p>
+                      <a:pPr algn="l" fontAlgn="b"/>
+                      <a:endParaRPr lang="en-US" sz="1100" b="0" i="0" u="none" strike="noStrike">
+                        <a:solidFill>
+                          <a:srgbClr val="000000"/>
+                        </a:solidFill>
+                        <a:effectLst/>
+                        <a:latin typeface="Calibri" panose="020F0502020204030204" pitchFamily="34" charset="0"/>
+                      </a:endParaRPr>
+                    </a:p>
+                  </a:txBody>
+                  <a:tcPr marL="9525" marR="9525" marT="9525" anchor="b">
+                    <a:lnL w="6350" cap="flat" cmpd="sng" algn="ctr">
+                      <a:solidFill>
+                        <a:srgbClr val="000000"/>
+                      </a:solidFill>
+                      <a:prstDash val="solid"/>
+                      <a:round/>
+                      <a:headEnd type="none" w="med" len="med"/>
+                      <a:tailEnd type="none" w="med" len="med"/>
+                    </a:lnL>
+                    <a:lnR w="6350" cap="flat" cmpd="sng" algn="ctr">
+                      <a:solidFill>
+                        <a:srgbClr val="000000"/>
+                      </a:solidFill>
+                      <a:prstDash val="solid"/>
+                      <a:round/>
+                      <a:headEnd type="none" w="med" len="med"/>
+                      <a:tailEnd type="none" w="med" len="med"/>
+                    </a:lnR>
+                    <a:lnT w="6350" cap="flat" cmpd="sng" algn="ctr">
+                      <a:solidFill>
+                        <a:srgbClr val="000000"/>
+                      </a:solidFill>
+                      <a:prstDash val="solid"/>
+                      <a:round/>
+                      <a:headEnd type="none" w="med" len="med"/>
+                      <a:tailEnd type="none" w="med" len="med"/>
+                    </a:lnT>
+                    <a:lnB w="6350" cap="flat" cmpd="sng" algn="ctr">
+                      <a:solidFill>
+                        <a:srgbClr val="000000"/>
+                      </a:solidFill>
+                      <a:prstDash val="solid"/>
+                      <a:round/>
+                      <a:headEnd type="none" w="med" len="med"/>
+                      <a:tailEnd type="none" w="med" len="med"/>
+                    </a:lnB>
+                  </a:tcPr>
+                </a:tc>
+                <a:tc>
+                  <a:txBody>
+                    <a:bodyPr/>
+                    <a:lstStyle/>
+                    <a:p>
+                      <a:pPr algn="r" fontAlgn="b"/>
+                      <a:r>
+                        <a:rPr lang="en-US" sz="1100" b="0" i="0" u="none" strike="noStrike">
+                          <a:solidFill>
+                            <a:srgbClr val="000000"/>
+                          </a:solidFill>
+                          <a:effectLst/>
+                          <a:latin typeface="Calibri" panose="020F0502020204030204" pitchFamily="34" charset="0"/>
+                        </a:rPr>
+                        <a:t>1</a:t>
+                      </a:r>
+                    </a:p>
+                  </a:txBody>
+                  <a:tcPr marL="9525" marR="9525" marT="9525" anchor="b">
+                    <a:lnL w="6350" cap="flat" cmpd="sng" algn="ctr">
+                      <a:solidFill>
+                        <a:srgbClr val="000000"/>
+                      </a:solidFill>
+                      <a:prstDash val="solid"/>
+                      <a:round/>
+                      <a:headEnd type="none" w="med" len="med"/>
+                      <a:tailEnd type="none" w="med" len="med"/>
+                    </a:lnL>
+                    <a:lnR w="6350" cap="flat" cmpd="sng" algn="ctr">
+                      <a:solidFill>
+                        <a:srgbClr val="000000"/>
+                      </a:solidFill>
+                      <a:prstDash val="solid"/>
+                      <a:round/>
+                      <a:headEnd type="none" w="med" len="med"/>
+                      <a:tailEnd type="none" w="med" len="med"/>
+                    </a:lnR>
+                    <a:lnT w="6350" cap="flat" cmpd="sng" algn="ctr">
+                      <a:solidFill>
+                        <a:srgbClr val="000000"/>
+                      </a:solidFill>
+                      <a:prstDash val="solid"/>
+                      <a:round/>
+                      <a:headEnd type="none" w="med" len="med"/>
+                      <a:tailEnd type="none" w="med" len="med"/>
+                    </a:lnT>
+                    <a:lnB w="6350" cap="flat" cmpd="sng" algn="ctr">
+                      <a:solidFill>
+                        <a:srgbClr val="000000"/>
+                      </a:solidFill>
+                      <a:prstDash val="solid"/>
+                      <a:round/>
+                      <a:headEnd type="none" w="med" len="med"/>
+                      <a:tailEnd type="none" w="med" len="med"/>
+                    </a:lnB>
+                  </a:tcPr>
+                </a:tc>
+                <a:tc>
+                  <a:txBody>
+                    <a:bodyPr/>
+                    <a:lstStyle/>
+                    <a:p>
+                      <a:pPr algn="l" fontAlgn="b"/>
+                      <a:endParaRPr lang="en-US" sz="1100" b="0" i="0" u="none" strike="noStrike">
+                        <a:solidFill>
+                          <a:srgbClr val="000000"/>
+                        </a:solidFill>
+                        <a:effectLst/>
+                        <a:latin typeface="Calibri" panose="020F0502020204030204" pitchFamily="34" charset="0"/>
+                      </a:endParaRPr>
+                    </a:p>
+                  </a:txBody>
+                  <a:tcPr marL="9525" marR="9525" marT="9525" anchor="b">
+                    <a:lnL w="6350" cap="flat" cmpd="sng" algn="ctr">
+                      <a:solidFill>
+                        <a:srgbClr val="000000"/>
+                      </a:solidFill>
+                      <a:prstDash val="solid"/>
+                      <a:round/>
+                      <a:headEnd type="none" w="med" len="med"/>
+                      <a:tailEnd type="none" w="med" len="med"/>
+                    </a:lnL>
+                    <a:lnR w="6350" cap="flat" cmpd="sng" algn="ctr">
+                      <a:solidFill>
+                        <a:srgbClr val="000000"/>
+                      </a:solidFill>
+                      <a:prstDash val="solid"/>
+                      <a:round/>
+                      <a:headEnd type="none" w="med" len="med"/>
+                      <a:tailEnd type="none" w="med" len="med"/>
+                    </a:lnR>
+                    <a:lnT w="6350" cap="flat" cmpd="sng" algn="ctr">
+                      <a:solidFill>
+                        <a:srgbClr val="000000"/>
+                      </a:solidFill>
+                      <a:prstDash val="solid"/>
+                      <a:round/>
+                      <a:headEnd type="none" w="med" len="med"/>
+                      <a:tailEnd type="none" w="med" len="med"/>
+                    </a:lnT>
+                    <a:lnB w="6350" cap="flat" cmpd="sng" algn="ctr">
+                      <a:solidFill>
+                        <a:srgbClr val="000000"/>
+                      </a:solidFill>
+                      <a:prstDash val="solid"/>
+                      <a:round/>
+                      <a:headEnd type="none" w="med" len="med"/>
+                      <a:tailEnd type="none" w="med" len="med"/>
+                    </a:lnB>
+                  </a:tcPr>
+                </a:tc>
+                <a:tc>
+                  <a:txBody>
+                    <a:bodyPr/>
+                    <a:lstStyle/>
+                    <a:p>
+                      <a:pPr algn="l" fontAlgn="b"/>
+                      <a:endParaRPr lang="en-US" sz="1100" b="0" i="0" u="none" strike="noStrike">
+                        <a:solidFill>
+                          <a:srgbClr val="000000"/>
+                        </a:solidFill>
+                        <a:effectLst/>
+                        <a:latin typeface="Calibri" panose="020F0502020204030204" pitchFamily="34" charset="0"/>
+                      </a:endParaRPr>
+                    </a:p>
+                  </a:txBody>
+                  <a:tcPr marL="9525" marR="9525" marT="9525" anchor="b">
+                    <a:lnL w="6350" cap="flat" cmpd="sng" algn="ctr">
+                      <a:solidFill>
+                        <a:srgbClr val="000000"/>
+                      </a:solidFill>
+                      <a:prstDash val="solid"/>
+                      <a:round/>
+                      <a:headEnd type="none" w="med" len="med"/>
+                      <a:tailEnd type="none" w="med" len="med"/>
+                    </a:lnL>
+                    <a:lnR w="6350" cap="flat" cmpd="sng" algn="ctr">
+                      <a:solidFill>
+                        <a:srgbClr val="000000"/>
+                      </a:solidFill>
+                      <a:prstDash val="solid"/>
+                      <a:round/>
+                      <a:headEnd type="none" w="med" len="med"/>
+                      <a:tailEnd type="none" w="med" len="med"/>
+                    </a:lnR>
+                    <a:lnT w="6350" cap="flat" cmpd="sng" algn="ctr">
+                      <a:solidFill>
+                        <a:srgbClr val="000000"/>
+                      </a:solidFill>
+                      <a:prstDash val="solid"/>
+                      <a:round/>
+                      <a:headEnd type="none" w="med" len="med"/>
+                      <a:tailEnd type="none" w="med" len="med"/>
+                    </a:lnT>
+                    <a:lnB w="6350" cap="flat" cmpd="sng" algn="ctr">
+                      <a:solidFill>
+                        <a:srgbClr val="000000"/>
+                      </a:solidFill>
+                      <a:prstDash val="solid"/>
+                      <a:round/>
+                      <a:headEnd type="none" w="med" len="med"/>
+                      <a:tailEnd type="none" w="med" len="med"/>
+                    </a:lnB>
+                  </a:tcPr>
+                </a:tc>
+                <a:tc>
+                  <a:txBody>
+                    <a:bodyPr/>
+                    <a:lstStyle/>
+                    <a:p>
+                      <a:pPr algn="r" fontAlgn="b"/>
+                      <a:r>
+                        <a:rPr lang="en-US" sz="1100" b="0" i="0" u="none" strike="noStrike">
+                          <a:solidFill>
+                            <a:srgbClr val="000000"/>
+                          </a:solidFill>
+                          <a:effectLst/>
+                          <a:latin typeface="Calibri" panose="020F0502020204030204" pitchFamily="34" charset="0"/>
+                        </a:rPr>
+                        <a:t>1</a:t>
+                      </a:r>
+                    </a:p>
+                  </a:txBody>
+                  <a:tcPr marL="9525" marR="9525" marT="9525" anchor="b">
+                    <a:lnL w="6350" cap="flat" cmpd="sng" algn="ctr">
+                      <a:solidFill>
+                        <a:srgbClr val="000000"/>
+                      </a:solidFill>
+                      <a:prstDash val="solid"/>
+                      <a:round/>
+                      <a:headEnd type="none" w="med" len="med"/>
+                      <a:tailEnd type="none" w="med" len="med"/>
+                    </a:lnL>
+                    <a:lnR w="6350" cap="flat" cmpd="sng" algn="ctr">
+                      <a:solidFill>
+                        <a:srgbClr val="000000"/>
+                      </a:solidFill>
+                      <a:prstDash val="solid"/>
+                      <a:round/>
+                      <a:headEnd type="none" w="med" len="med"/>
+                      <a:tailEnd type="none" w="med" len="med"/>
+                    </a:lnR>
+                    <a:lnT w="6350" cap="flat" cmpd="sng" algn="ctr">
+                      <a:solidFill>
+                        <a:srgbClr val="000000"/>
+                      </a:solidFill>
+                      <a:prstDash val="solid"/>
+                      <a:round/>
+                      <a:headEnd type="none" w="med" len="med"/>
+                      <a:tailEnd type="none" w="med" len="med"/>
+                    </a:lnT>
+                    <a:lnB w="6350" cap="flat" cmpd="sng" algn="ctr">
+                      <a:solidFill>
+                        <a:srgbClr val="000000"/>
+                      </a:solidFill>
+                      <a:prstDash val="solid"/>
+                      <a:round/>
+                      <a:headEnd type="none" w="med" len="med"/>
+                      <a:tailEnd type="none" w="med" len="med"/>
+                    </a:lnB>
+                  </a:tcPr>
+                </a:tc>
+                <a:extLst>
+                  <a:ext uri="{0D108BD9-81ED-4DB2-BD59-A6C34878D82A}">
+                    <a16:rowId xmlns:a16="http://schemas.microsoft.com/office/drawing/2014/main" val="1855907356"/>
+                  </a:ext>
+                </a:extLst>
+              </a:tr>
+              <a:tr h="190500">
+                <a:tc>
+                  <a:txBody>
+                    <a:bodyPr/>
+                    <a:lstStyle/>
+                    <a:p>
+                      <a:pPr algn="l" fontAlgn="b"/>
+                      <a:r>
+                        <a:rPr lang="en-US" sz="1100" b="1" i="0" u="none" strike="noStrike">
+                          <a:solidFill>
+                            <a:srgbClr val="000000"/>
+                          </a:solidFill>
+                          <a:effectLst/>
+                          <a:latin typeface="Calibri" panose="020F0502020204030204" pitchFamily="34" charset="0"/>
+                        </a:rPr>
+                        <a:t>Cat</a:t>
+                      </a:r>
+                    </a:p>
+                  </a:txBody>
+                  <a:tcPr marL="9525" marR="9525" marT="9525" anchor="b">
+                    <a:lnL>
+                      <a:noFill/>
+                    </a:lnL>
+                    <a:lnR w="6350" cap="flat" cmpd="sng" algn="ctr">
+                      <a:solidFill>
+                        <a:srgbClr val="000000"/>
+                      </a:solidFill>
+                      <a:prstDash val="solid"/>
+                      <a:round/>
+                      <a:headEnd type="none" w="med" len="med"/>
+                      <a:tailEnd type="none" w="med" len="med"/>
+                    </a:lnR>
+                    <a:lnT>
+                      <a:noFill/>
+                    </a:lnT>
+                    <a:lnB>
+                      <a:noFill/>
+                    </a:lnB>
+                    <a:solidFill>
+                      <a:srgbClr val="A6A6A6"/>
+                    </a:solidFill>
+                  </a:tcPr>
+                </a:tc>
+                <a:tc>
+                  <a:txBody>
+                    <a:bodyPr/>
+                    <a:lstStyle/>
+                    <a:p>
+                      <a:pPr algn="r" fontAlgn="b"/>
+                      <a:r>
+                        <a:rPr lang="en-US" sz="1100" b="0" i="0" u="none" strike="noStrike">
+                          <a:solidFill>
+                            <a:srgbClr val="000000"/>
+                          </a:solidFill>
+                          <a:effectLst/>
+                          <a:latin typeface="Calibri" panose="020F0502020204030204" pitchFamily="34" charset="0"/>
+                        </a:rPr>
+                        <a:t>1</a:t>
+                      </a:r>
+                    </a:p>
+                  </a:txBody>
+                  <a:tcPr marL="9525" marR="9525" marT="9525" anchor="b">
+                    <a:lnL w="6350" cap="flat" cmpd="sng" algn="ctr">
+                      <a:solidFill>
+                        <a:srgbClr val="000000"/>
+                      </a:solidFill>
+                      <a:prstDash val="solid"/>
+                      <a:round/>
+                      <a:headEnd type="none" w="med" len="med"/>
+                      <a:tailEnd type="none" w="med" len="med"/>
+                    </a:lnL>
+                    <a:lnR w="6350" cap="flat" cmpd="sng" algn="ctr">
+                      <a:solidFill>
+                        <a:srgbClr val="000000"/>
+                      </a:solidFill>
+                      <a:prstDash val="solid"/>
+                      <a:round/>
+                      <a:headEnd type="none" w="med" len="med"/>
+                      <a:tailEnd type="none" w="med" len="med"/>
+                    </a:lnR>
+                    <a:lnT w="6350" cap="flat" cmpd="sng" algn="ctr">
+                      <a:solidFill>
+                        <a:srgbClr val="000000"/>
+                      </a:solidFill>
+                      <a:prstDash val="solid"/>
+                      <a:round/>
+                      <a:headEnd type="none" w="med" len="med"/>
+                      <a:tailEnd type="none" w="med" len="med"/>
+                    </a:lnT>
+                    <a:lnB w="6350" cap="flat" cmpd="sng" algn="ctr">
+                      <a:solidFill>
+                        <a:srgbClr val="000000"/>
+                      </a:solidFill>
+                      <a:prstDash val="solid"/>
+                      <a:round/>
+                      <a:headEnd type="none" w="med" len="med"/>
+                      <a:tailEnd type="none" w="med" len="med"/>
+                    </a:lnB>
+                  </a:tcPr>
+                </a:tc>
+                <a:tc>
+                  <a:txBody>
+                    <a:bodyPr/>
+                    <a:lstStyle/>
+                    <a:p>
+                      <a:pPr algn="r" fontAlgn="b"/>
+                      <a:r>
+                        <a:rPr lang="en-US" sz="1100" b="0" i="0" u="none" strike="noStrike">
+                          <a:solidFill>
+                            <a:srgbClr val="000000"/>
+                          </a:solidFill>
+                          <a:effectLst/>
+                          <a:latin typeface="Calibri" panose="020F0502020204030204" pitchFamily="34" charset="0"/>
+                        </a:rPr>
+                        <a:t>1</a:t>
+                      </a:r>
+                    </a:p>
+                  </a:txBody>
+                  <a:tcPr marL="9525" marR="9525" marT="9525" anchor="b">
+                    <a:lnL w="6350" cap="flat" cmpd="sng" algn="ctr">
+                      <a:solidFill>
+                        <a:srgbClr val="000000"/>
+                      </a:solidFill>
+                      <a:prstDash val="solid"/>
+                      <a:round/>
+                      <a:headEnd type="none" w="med" len="med"/>
+                      <a:tailEnd type="none" w="med" len="med"/>
+                    </a:lnL>
+                    <a:lnR w="6350" cap="flat" cmpd="sng" algn="ctr">
+                      <a:solidFill>
+                        <a:srgbClr val="000000"/>
+                      </a:solidFill>
+                      <a:prstDash val="solid"/>
+                      <a:round/>
+                      <a:headEnd type="none" w="med" len="med"/>
+                      <a:tailEnd type="none" w="med" len="med"/>
+                    </a:lnR>
+                    <a:lnT w="6350" cap="flat" cmpd="sng" algn="ctr">
+                      <a:solidFill>
+                        <a:srgbClr val="000000"/>
+                      </a:solidFill>
+                      <a:prstDash val="solid"/>
+                      <a:round/>
+                      <a:headEnd type="none" w="med" len="med"/>
+                      <a:tailEnd type="none" w="med" len="med"/>
+                    </a:lnT>
+                    <a:lnB w="6350" cap="flat" cmpd="sng" algn="ctr">
+                      <a:solidFill>
+                        <a:srgbClr val="000000"/>
+                      </a:solidFill>
+                      <a:prstDash val="solid"/>
+                      <a:round/>
+                      <a:headEnd type="none" w="med" len="med"/>
+                      <a:tailEnd type="none" w="med" len="med"/>
+                    </a:lnB>
+                  </a:tcPr>
+                </a:tc>
+                <a:tc>
+                  <a:txBody>
+                    <a:bodyPr/>
+                    <a:lstStyle/>
+                    <a:p>
+                      <a:pPr algn="l" fontAlgn="b"/>
+                      <a:endParaRPr lang="en-US" sz="1100" b="0" i="0" u="none" strike="noStrike">
+                        <a:solidFill>
+                          <a:srgbClr val="000000"/>
+                        </a:solidFill>
+                        <a:effectLst/>
+                        <a:latin typeface="Calibri" panose="020F0502020204030204" pitchFamily="34" charset="0"/>
+                      </a:endParaRPr>
+                    </a:p>
+                  </a:txBody>
+                  <a:tcPr marL="9525" marR="9525" marT="9525" anchor="b">
+                    <a:lnL w="6350" cap="flat" cmpd="sng" algn="ctr">
+                      <a:solidFill>
+                        <a:srgbClr val="000000"/>
+                      </a:solidFill>
+                      <a:prstDash val="solid"/>
+                      <a:round/>
+                      <a:headEnd type="none" w="med" len="med"/>
+                      <a:tailEnd type="none" w="med" len="med"/>
+                    </a:lnL>
+                    <a:lnR w="6350" cap="flat" cmpd="sng" algn="ctr">
+                      <a:solidFill>
+                        <a:srgbClr val="000000"/>
+                      </a:solidFill>
+                      <a:prstDash val="solid"/>
+                      <a:round/>
+                      <a:headEnd type="none" w="med" len="med"/>
+                      <a:tailEnd type="none" w="med" len="med"/>
+                    </a:lnR>
+                    <a:lnT w="6350" cap="flat" cmpd="sng" algn="ctr">
+                      <a:solidFill>
+                        <a:srgbClr val="000000"/>
+                      </a:solidFill>
+                      <a:prstDash val="solid"/>
+                      <a:round/>
+                      <a:headEnd type="none" w="med" len="med"/>
+                      <a:tailEnd type="none" w="med" len="med"/>
+                    </a:lnT>
+                    <a:lnB w="6350" cap="flat" cmpd="sng" algn="ctr">
+                      <a:solidFill>
+                        <a:srgbClr val="000000"/>
+                      </a:solidFill>
+                      <a:prstDash val="solid"/>
+                      <a:round/>
+                      <a:headEnd type="none" w="med" len="med"/>
+                      <a:tailEnd type="none" w="med" len="med"/>
+                    </a:lnB>
+                  </a:tcPr>
+                </a:tc>
+                <a:tc>
+                  <a:txBody>
+                    <a:bodyPr/>
+                    <a:lstStyle/>
+                    <a:p>
+                      <a:pPr algn="l" fontAlgn="b"/>
+                      <a:endParaRPr lang="en-US" sz="1100" b="0" i="0" u="none" strike="noStrike">
+                        <a:solidFill>
+                          <a:srgbClr val="000000"/>
+                        </a:solidFill>
+                        <a:effectLst/>
+                        <a:latin typeface="Calibri" panose="020F0502020204030204" pitchFamily="34" charset="0"/>
+                      </a:endParaRPr>
+                    </a:p>
+                  </a:txBody>
+                  <a:tcPr marL="9525" marR="9525" marT="9525" anchor="b">
+                    <a:lnL w="6350" cap="flat" cmpd="sng" algn="ctr">
+                      <a:solidFill>
+                        <a:srgbClr val="000000"/>
+                      </a:solidFill>
+                      <a:prstDash val="solid"/>
+                      <a:round/>
+                      <a:headEnd type="none" w="med" len="med"/>
+                      <a:tailEnd type="none" w="med" len="med"/>
+                    </a:lnL>
+                    <a:lnR w="6350" cap="flat" cmpd="sng" algn="ctr">
+                      <a:solidFill>
+                        <a:srgbClr val="000000"/>
+                      </a:solidFill>
+                      <a:prstDash val="solid"/>
+                      <a:round/>
+                      <a:headEnd type="none" w="med" len="med"/>
+                      <a:tailEnd type="none" w="med" len="med"/>
+                    </a:lnR>
+                    <a:lnT w="6350" cap="flat" cmpd="sng" algn="ctr">
+                      <a:solidFill>
+                        <a:srgbClr val="000000"/>
+                      </a:solidFill>
+                      <a:prstDash val="solid"/>
+                      <a:round/>
+                      <a:headEnd type="none" w="med" len="med"/>
+                      <a:tailEnd type="none" w="med" len="med"/>
+                    </a:lnT>
+                    <a:lnB w="6350" cap="flat" cmpd="sng" algn="ctr">
+                      <a:solidFill>
+                        <a:srgbClr val="000000"/>
+                      </a:solidFill>
+                      <a:prstDash val="solid"/>
+                      <a:round/>
+                      <a:headEnd type="none" w="med" len="med"/>
+                      <a:tailEnd type="none" w="med" len="med"/>
+                    </a:lnB>
+                  </a:tcPr>
+                </a:tc>
+                <a:tc>
+                  <a:txBody>
+                    <a:bodyPr/>
+                    <a:lstStyle/>
+                    <a:p>
+                      <a:pPr algn="r" fontAlgn="b"/>
+                      <a:r>
+                        <a:rPr lang="en-US" sz="1100" b="0" i="0" u="none" strike="noStrike" dirty="0">
+                          <a:solidFill>
+                            <a:srgbClr val="000000"/>
+                          </a:solidFill>
+                          <a:effectLst/>
+                          <a:latin typeface="Calibri" panose="020F0502020204030204" pitchFamily="34" charset="0"/>
+                        </a:rPr>
+                        <a:t>1</a:t>
+                      </a:r>
+                    </a:p>
+                  </a:txBody>
+                  <a:tcPr marL="9525" marR="9525" marT="9525" anchor="b">
+                    <a:lnL w="6350" cap="flat" cmpd="sng" algn="ctr">
+                      <a:solidFill>
+                        <a:srgbClr val="000000"/>
+                      </a:solidFill>
+                      <a:prstDash val="solid"/>
+                      <a:round/>
+                      <a:headEnd type="none" w="med" len="med"/>
+                      <a:tailEnd type="none" w="med" len="med"/>
+                    </a:lnL>
+                    <a:lnR w="6350" cap="flat" cmpd="sng" algn="ctr">
+                      <a:solidFill>
+                        <a:srgbClr val="000000"/>
+                      </a:solidFill>
+                      <a:prstDash val="solid"/>
+                      <a:round/>
+                      <a:headEnd type="none" w="med" len="med"/>
+                      <a:tailEnd type="none" w="med" len="med"/>
+                    </a:lnR>
+                    <a:lnT w="6350" cap="flat" cmpd="sng" algn="ctr">
+                      <a:solidFill>
+                        <a:srgbClr val="000000"/>
+                      </a:solidFill>
+                      <a:prstDash val="solid"/>
+                      <a:round/>
+                      <a:headEnd type="none" w="med" len="med"/>
+                      <a:tailEnd type="none" w="med" len="med"/>
+                    </a:lnT>
+                    <a:lnB w="6350" cap="flat" cmpd="sng" algn="ctr">
+                      <a:solidFill>
+                        <a:srgbClr val="000000"/>
+                      </a:solidFill>
+                      <a:prstDash val="solid"/>
+                      <a:round/>
+                      <a:headEnd type="none" w="med" len="med"/>
+                      <a:tailEnd type="none" w="med" len="med"/>
+                    </a:lnB>
+                  </a:tcPr>
+                </a:tc>
+                <a:extLst>
+                  <a:ext uri="{0D108BD9-81ED-4DB2-BD59-A6C34878D82A}">
+                    <a16:rowId xmlns:a16="http://schemas.microsoft.com/office/drawing/2014/main" val="2670706185"/>
+                  </a:ext>
+                </a:extLst>
+              </a:tr>
+              <a:tr h="190500">
+                <a:tc>
+                  <a:txBody>
+                    <a:bodyPr/>
+                    <a:lstStyle/>
+                    <a:p>
+                      <a:pPr algn="l" fontAlgn="b"/>
+                      <a:r>
+                        <a:rPr lang="en-US" sz="1100" b="1" i="0" u="none" strike="noStrike">
+                          <a:solidFill>
+                            <a:srgbClr val="000000"/>
+                          </a:solidFill>
+                          <a:effectLst/>
+                          <a:latin typeface="Calibri" panose="020F0502020204030204" pitchFamily="34" charset="0"/>
+                        </a:rPr>
+                        <a:t>Black</a:t>
+                      </a:r>
+                    </a:p>
+                  </a:txBody>
+                  <a:tcPr marL="9525" marR="9525" marT="9525" anchor="b">
+                    <a:lnL>
+                      <a:noFill/>
+                    </a:lnL>
+                    <a:lnR w="6350" cap="flat" cmpd="sng" algn="ctr">
+                      <a:solidFill>
+                        <a:srgbClr val="000000"/>
+                      </a:solidFill>
+                      <a:prstDash val="solid"/>
+                      <a:round/>
+                      <a:headEnd type="none" w="med" len="med"/>
+                      <a:tailEnd type="none" w="med" len="med"/>
+                    </a:lnR>
+                    <a:lnT>
+                      <a:noFill/>
+                    </a:lnT>
+                    <a:lnB>
+                      <a:noFill/>
+                    </a:lnB>
+                    <a:solidFill>
+                      <a:srgbClr val="A6A6A6"/>
+                    </a:solidFill>
+                  </a:tcPr>
+                </a:tc>
+                <a:tc>
+                  <a:txBody>
+                    <a:bodyPr/>
+                    <a:lstStyle/>
+                    <a:p>
+                      <a:pPr algn="l" fontAlgn="b"/>
+                      <a:endParaRPr lang="en-US" sz="1100" b="0" i="0" u="none" strike="noStrike">
+                        <a:solidFill>
+                          <a:srgbClr val="000000"/>
+                        </a:solidFill>
+                        <a:effectLst/>
+                        <a:latin typeface="Calibri" panose="020F0502020204030204" pitchFamily="34" charset="0"/>
+                      </a:endParaRPr>
+                    </a:p>
+                  </a:txBody>
+                  <a:tcPr marL="9525" marR="9525" marT="9525" anchor="b">
+                    <a:lnL w="6350" cap="flat" cmpd="sng" algn="ctr">
+                      <a:solidFill>
+                        <a:srgbClr val="000000"/>
+                      </a:solidFill>
+                      <a:prstDash val="solid"/>
+                      <a:round/>
+                      <a:headEnd type="none" w="med" len="med"/>
+                      <a:tailEnd type="none" w="med" len="med"/>
+                    </a:lnL>
+                    <a:lnR w="6350" cap="flat" cmpd="sng" algn="ctr">
+                      <a:solidFill>
+                        <a:srgbClr val="000000"/>
+                      </a:solidFill>
+                      <a:prstDash val="solid"/>
+                      <a:round/>
+                      <a:headEnd type="none" w="med" len="med"/>
+                      <a:tailEnd type="none" w="med" len="med"/>
+                    </a:lnR>
+                    <a:lnT w="6350" cap="flat" cmpd="sng" algn="ctr">
+                      <a:solidFill>
+                        <a:srgbClr val="000000"/>
+                      </a:solidFill>
+                      <a:prstDash val="solid"/>
+                      <a:round/>
+                      <a:headEnd type="none" w="med" len="med"/>
+                      <a:tailEnd type="none" w="med" len="med"/>
+                    </a:lnT>
+                    <a:lnB w="6350" cap="flat" cmpd="sng" algn="ctr">
+                      <a:solidFill>
+                        <a:srgbClr val="000000"/>
+                      </a:solidFill>
+                      <a:prstDash val="solid"/>
+                      <a:round/>
+                      <a:headEnd type="none" w="med" len="med"/>
+                      <a:tailEnd type="none" w="med" len="med"/>
+                    </a:lnB>
+                  </a:tcPr>
+                </a:tc>
+                <a:tc>
+                  <a:txBody>
+                    <a:bodyPr/>
+                    <a:lstStyle/>
+                    <a:p>
+                      <a:pPr algn="l" fontAlgn="b"/>
+                      <a:endParaRPr lang="en-US" sz="1100" b="0" i="0" u="none" strike="noStrike">
+                        <a:solidFill>
+                          <a:srgbClr val="000000"/>
+                        </a:solidFill>
+                        <a:effectLst/>
+                        <a:latin typeface="Calibri" panose="020F0502020204030204" pitchFamily="34" charset="0"/>
+                      </a:endParaRPr>
+                    </a:p>
+                  </a:txBody>
+                  <a:tcPr marL="9525" marR="9525" marT="9525" anchor="b">
+                    <a:lnL w="6350" cap="flat" cmpd="sng" algn="ctr">
+                      <a:solidFill>
+                        <a:srgbClr val="000000"/>
+                      </a:solidFill>
+                      <a:prstDash val="solid"/>
+                      <a:round/>
+                      <a:headEnd type="none" w="med" len="med"/>
+                      <a:tailEnd type="none" w="med" len="med"/>
+                    </a:lnL>
+                    <a:lnR w="6350" cap="flat" cmpd="sng" algn="ctr">
+                      <a:solidFill>
+                        <a:srgbClr val="000000"/>
+                      </a:solidFill>
+                      <a:prstDash val="solid"/>
+                      <a:round/>
+                      <a:headEnd type="none" w="med" len="med"/>
+                      <a:tailEnd type="none" w="med" len="med"/>
+                    </a:lnR>
+                    <a:lnT w="6350" cap="flat" cmpd="sng" algn="ctr">
+                      <a:solidFill>
+                        <a:srgbClr val="000000"/>
+                      </a:solidFill>
+                      <a:prstDash val="solid"/>
+                      <a:round/>
+                      <a:headEnd type="none" w="med" len="med"/>
+                      <a:tailEnd type="none" w="med" len="med"/>
+                    </a:lnT>
+                    <a:lnB w="6350" cap="flat" cmpd="sng" algn="ctr">
+                      <a:solidFill>
+                        <a:srgbClr val="000000"/>
+                      </a:solidFill>
+                      <a:prstDash val="solid"/>
+                      <a:round/>
+                      <a:headEnd type="none" w="med" len="med"/>
+                      <a:tailEnd type="none" w="med" len="med"/>
+                    </a:lnB>
+                  </a:tcPr>
+                </a:tc>
+                <a:tc>
+                  <a:txBody>
+                    <a:bodyPr/>
+                    <a:lstStyle/>
+                    <a:p>
+                      <a:pPr algn="l" fontAlgn="b"/>
+                      <a:endParaRPr lang="en-US" sz="1100" b="0" i="0" u="none" strike="noStrike">
+                        <a:solidFill>
+                          <a:srgbClr val="000000"/>
+                        </a:solidFill>
+                        <a:effectLst/>
+                        <a:latin typeface="Calibri" panose="020F0502020204030204" pitchFamily="34" charset="0"/>
+                      </a:endParaRPr>
+                    </a:p>
+                  </a:txBody>
+                  <a:tcPr marL="9525" marR="9525" marT="9525" anchor="b">
+                    <a:lnL w="6350" cap="flat" cmpd="sng" algn="ctr">
+                      <a:solidFill>
+                        <a:srgbClr val="000000"/>
+                      </a:solidFill>
+                      <a:prstDash val="solid"/>
+                      <a:round/>
+                      <a:headEnd type="none" w="med" len="med"/>
+                      <a:tailEnd type="none" w="med" len="med"/>
+                    </a:lnL>
+                    <a:lnR w="6350" cap="flat" cmpd="sng" algn="ctr">
+                      <a:solidFill>
+                        <a:srgbClr val="000000"/>
+                      </a:solidFill>
+                      <a:prstDash val="solid"/>
+                      <a:round/>
+                      <a:headEnd type="none" w="med" len="med"/>
+                      <a:tailEnd type="none" w="med" len="med"/>
+                    </a:lnR>
+                    <a:lnT w="6350" cap="flat" cmpd="sng" algn="ctr">
+                      <a:solidFill>
+                        <a:srgbClr val="000000"/>
+                      </a:solidFill>
+                      <a:prstDash val="solid"/>
+                      <a:round/>
+                      <a:headEnd type="none" w="med" len="med"/>
+                      <a:tailEnd type="none" w="med" len="med"/>
+                    </a:lnT>
+                    <a:lnB w="6350" cap="flat" cmpd="sng" algn="ctr">
+                      <a:solidFill>
+                        <a:srgbClr val="000000"/>
+                      </a:solidFill>
+                      <a:prstDash val="solid"/>
+                      <a:round/>
+                      <a:headEnd type="none" w="med" len="med"/>
+                      <a:tailEnd type="none" w="med" len="med"/>
+                    </a:lnB>
+                  </a:tcPr>
+                </a:tc>
+                <a:tc>
+                  <a:txBody>
+                    <a:bodyPr/>
+                    <a:lstStyle/>
+                    <a:p>
+                      <a:pPr algn="r" fontAlgn="b"/>
+                      <a:r>
+                        <a:rPr lang="en-US" sz="1100" b="0" i="0" u="none" strike="noStrike" dirty="0">
+                          <a:solidFill>
+                            <a:srgbClr val="000000"/>
+                          </a:solidFill>
+                          <a:effectLst/>
+                          <a:latin typeface="Calibri" panose="020F0502020204030204" pitchFamily="34" charset="0"/>
+                        </a:rPr>
+                        <a:t>1</a:t>
+                      </a:r>
+                    </a:p>
+                  </a:txBody>
+                  <a:tcPr marL="9525" marR="9525" marT="9525" anchor="b">
+                    <a:lnL w="6350" cap="flat" cmpd="sng" algn="ctr">
+                      <a:solidFill>
+                        <a:srgbClr val="000000"/>
+                      </a:solidFill>
+                      <a:prstDash val="solid"/>
+                      <a:round/>
+                      <a:headEnd type="none" w="med" len="med"/>
+                      <a:tailEnd type="none" w="med" len="med"/>
+                    </a:lnL>
+                    <a:lnR w="6350" cap="flat" cmpd="sng" algn="ctr">
+                      <a:solidFill>
+                        <a:srgbClr val="000000"/>
+                      </a:solidFill>
+                      <a:prstDash val="solid"/>
+                      <a:round/>
+                      <a:headEnd type="none" w="med" len="med"/>
+                      <a:tailEnd type="none" w="med" len="med"/>
+                    </a:lnR>
+                    <a:lnT w="6350" cap="flat" cmpd="sng" algn="ctr">
+                      <a:solidFill>
+                        <a:srgbClr val="000000"/>
+                      </a:solidFill>
+                      <a:prstDash val="solid"/>
+                      <a:round/>
+                      <a:headEnd type="none" w="med" len="med"/>
+                      <a:tailEnd type="none" w="med" len="med"/>
+                    </a:lnT>
+                    <a:lnB w="6350" cap="flat" cmpd="sng" algn="ctr">
+                      <a:solidFill>
+                        <a:srgbClr val="000000"/>
+                      </a:solidFill>
+                      <a:prstDash val="solid"/>
+                      <a:round/>
+                      <a:headEnd type="none" w="med" len="med"/>
+                      <a:tailEnd type="none" w="med" len="med"/>
+                    </a:lnB>
+                  </a:tcPr>
+                </a:tc>
+                <a:tc>
+                  <a:txBody>
+                    <a:bodyPr/>
+                    <a:lstStyle/>
+                    <a:p>
+                      <a:pPr algn="l" fontAlgn="b"/>
+                      <a:endParaRPr lang="en-US" sz="1100" b="0" i="0" u="none" strike="noStrike">
+                        <a:solidFill>
+                          <a:srgbClr val="000000"/>
+                        </a:solidFill>
+                        <a:effectLst/>
+                        <a:latin typeface="Calibri" panose="020F0502020204030204" pitchFamily="34" charset="0"/>
+                      </a:endParaRPr>
+                    </a:p>
+                  </a:txBody>
+                  <a:tcPr marL="9525" marR="9525" marT="9525" anchor="b">
+                    <a:lnL w="6350" cap="flat" cmpd="sng" algn="ctr">
+                      <a:solidFill>
+                        <a:srgbClr val="000000"/>
+                      </a:solidFill>
+                      <a:prstDash val="solid"/>
+                      <a:round/>
+                      <a:headEnd type="none" w="med" len="med"/>
+                      <a:tailEnd type="none" w="med" len="med"/>
+                    </a:lnL>
+                    <a:lnR w="6350" cap="flat" cmpd="sng" algn="ctr">
+                      <a:solidFill>
+                        <a:srgbClr val="000000"/>
+                      </a:solidFill>
+                      <a:prstDash val="solid"/>
+                      <a:round/>
+                      <a:headEnd type="none" w="med" len="med"/>
+                      <a:tailEnd type="none" w="med" len="med"/>
+                    </a:lnR>
+                    <a:lnT w="6350" cap="flat" cmpd="sng" algn="ctr">
+                      <a:solidFill>
+                        <a:srgbClr val="000000"/>
+                      </a:solidFill>
+                      <a:prstDash val="solid"/>
+                      <a:round/>
+                      <a:headEnd type="none" w="med" len="med"/>
+                      <a:tailEnd type="none" w="med" len="med"/>
+                    </a:lnT>
+                    <a:lnB w="6350" cap="flat" cmpd="sng" algn="ctr">
+                      <a:solidFill>
+                        <a:srgbClr val="000000"/>
+                      </a:solidFill>
+                      <a:prstDash val="solid"/>
+                      <a:round/>
+                      <a:headEnd type="none" w="med" len="med"/>
+                      <a:tailEnd type="none" w="med" len="med"/>
+                    </a:lnB>
+                  </a:tcPr>
+                </a:tc>
+                <a:extLst>
+                  <a:ext uri="{0D108BD9-81ED-4DB2-BD59-A6C34878D82A}">
+                    <a16:rowId xmlns:a16="http://schemas.microsoft.com/office/drawing/2014/main" val="3019367108"/>
+                  </a:ext>
+                </a:extLst>
+              </a:tr>
+              <a:tr h="190500">
+                <a:tc>
+                  <a:txBody>
+                    <a:bodyPr/>
+                    <a:lstStyle/>
+                    <a:p>
+                      <a:pPr algn="l" fontAlgn="b"/>
+                      <a:r>
+                        <a:rPr lang="en-US" sz="1100" b="1" i="0" u="none" strike="noStrike">
+                          <a:solidFill>
+                            <a:srgbClr val="000000"/>
+                          </a:solidFill>
+                          <a:effectLst/>
+                          <a:latin typeface="Calibri" panose="020F0502020204030204" pitchFamily="34" charset="0"/>
+                        </a:rPr>
+                        <a:t>Yellow</a:t>
+                      </a:r>
+                    </a:p>
+                  </a:txBody>
+                  <a:tcPr marL="9525" marR="9525" marT="9525" anchor="b">
+                    <a:lnL>
+                      <a:noFill/>
+                    </a:lnL>
+                    <a:lnR w="6350" cap="flat" cmpd="sng" algn="ctr">
+                      <a:solidFill>
+                        <a:srgbClr val="000000"/>
+                      </a:solidFill>
+                      <a:prstDash val="solid"/>
+                      <a:round/>
+                      <a:headEnd type="none" w="med" len="med"/>
+                      <a:tailEnd type="none" w="med" len="med"/>
+                    </a:lnR>
+                    <a:lnT>
+                      <a:noFill/>
+                    </a:lnT>
+                    <a:lnB>
+                      <a:noFill/>
+                    </a:lnB>
+                    <a:solidFill>
+                      <a:srgbClr val="A6A6A6"/>
+                    </a:solidFill>
+                  </a:tcPr>
+                </a:tc>
+                <a:tc>
+                  <a:txBody>
+                    <a:bodyPr/>
+                    <a:lstStyle/>
+                    <a:p>
+                      <a:pPr algn="r" fontAlgn="b"/>
+                      <a:r>
+                        <a:rPr lang="en-US" sz="1100" b="0" i="0" u="none" strike="noStrike">
+                          <a:solidFill>
+                            <a:srgbClr val="000000"/>
+                          </a:solidFill>
+                          <a:effectLst/>
+                          <a:latin typeface="Calibri" panose="020F0502020204030204" pitchFamily="34" charset="0"/>
+                        </a:rPr>
+                        <a:t>1</a:t>
+                      </a:r>
+                    </a:p>
+                  </a:txBody>
+                  <a:tcPr marL="9525" marR="9525" marT="9525" anchor="b">
+                    <a:lnL w="6350" cap="flat" cmpd="sng" algn="ctr">
+                      <a:solidFill>
+                        <a:srgbClr val="000000"/>
+                      </a:solidFill>
+                      <a:prstDash val="solid"/>
+                      <a:round/>
+                      <a:headEnd type="none" w="med" len="med"/>
+                      <a:tailEnd type="none" w="med" len="med"/>
+                    </a:lnL>
+                    <a:lnR w="6350" cap="flat" cmpd="sng" algn="ctr">
+                      <a:solidFill>
+                        <a:srgbClr val="000000"/>
+                      </a:solidFill>
+                      <a:prstDash val="solid"/>
+                      <a:round/>
+                      <a:headEnd type="none" w="med" len="med"/>
+                      <a:tailEnd type="none" w="med" len="med"/>
+                    </a:lnR>
+                    <a:lnT w="6350" cap="flat" cmpd="sng" algn="ctr">
+                      <a:solidFill>
+                        <a:srgbClr val="000000"/>
+                      </a:solidFill>
+                      <a:prstDash val="solid"/>
+                      <a:round/>
+                      <a:headEnd type="none" w="med" len="med"/>
+                      <a:tailEnd type="none" w="med" len="med"/>
+                    </a:lnT>
+                    <a:lnB w="6350" cap="flat" cmpd="sng" algn="ctr">
+                      <a:solidFill>
+                        <a:srgbClr val="000000"/>
+                      </a:solidFill>
+                      <a:prstDash val="solid"/>
+                      <a:round/>
+                      <a:headEnd type="none" w="med" len="med"/>
+                      <a:tailEnd type="none" w="med" len="med"/>
+                    </a:lnB>
+                  </a:tcPr>
+                </a:tc>
+                <a:tc>
+                  <a:txBody>
+                    <a:bodyPr/>
+                    <a:lstStyle/>
+                    <a:p>
+                      <a:pPr algn="l" fontAlgn="b"/>
+                      <a:endParaRPr lang="en-US" sz="1100" b="0" i="0" u="none" strike="noStrike">
+                        <a:solidFill>
+                          <a:srgbClr val="000000"/>
+                        </a:solidFill>
+                        <a:effectLst/>
+                        <a:latin typeface="Calibri" panose="020F0502020204030204" pitchFamily="34" charset="0"/>
+                      </a:endParaRPr>
+                    </a:p>
+                  </a:txBody>
+                  <a:tcPr marL="9525" marR="9525" marT="9525" anchor="b">
+                    <a:lnL w="6350" cap="flat" cmpd="sng" algn="ctr">
+                      <a:solidFill>
+                        <a:srgbClr val="000000"/>
+                      </a:solidFill>
+                      <a:prstDash val="solid"/>
+                      <a:round/>
+                      <a:headEnd type="none" w="med" len="med"/>
+                      <a:tailEnd type="none" w="med" len="med"/>
+                    </a:lnL>
+                    <a:lnR w="6350" cap="flat" cmpd="sng" algn="ctr">
+                      <a:solidFill>
+                        <a:srgbClr val="000000"/>
+                      </a:solidFill>
+                      <a:prstDash val="solid"/>
+                      <a:round/>
+                      <a:headEnd type="none" w="med" len="med"/>
+                      <a:tailEnd type="none" w="med" len="med"/>
+                    </a:lnR>
+                    <a:lnT w="6350" cap="flat" cmpd="sng" algn="ctr">
+                      <a:solidFill>
+                        <a:srgbClr val="000000"/>
+                      </a:solidFill>
+                      <a:prstDash val="solid"/>
+                      <a:round/>
+                      <a:headEnd type="none" w="med" len="med"/>
+                      <a:tailEnd type="none" w="med" len="med"/>
+                    </a:lnT>
+                    <a:lnB w="6350" cap="flat" cmpd="sng" algn="ctr">
+                      <a:solidFill>
+                        <a:srgbClr val="000000"/>
+                      </a:solidFill>
+                      <a:prstDash val="solid"/>
+                      <a:round/>
+                      <a:headEnd type="none" w="med" len="med"/>
+                      <a:tailEnd type="none" w="med" len="med"/>
+                    </a:lnB>
+                  </a:tcPr>
+                </a:tc>
+                <a:tc>
+                  <a:txBody>
+                    <a:bodyPr/>
+                    <a:lstStyle/>
+                    <a:p>
+                      <a:pPr algn="l" fontAlgn="b"/>
+                      <a:endParaRPr lang="en-US" sz="1100" b="0" i="0" u="none" strike="noStrike">
+                        <a:solidFill>
+                          <a:srgbClr val="000000"/>
+                        </a:solidFill>
+                        <a:effectLst/>
+                        <a:latin typeface="Calibri" panose="020F0502020204030204" pitchFamily="34" charset="0"/>
+                      </a:endParaRPr>
+                    </a:p>
+                  </a:txBody>
+                  <a:tcPr marL="9525" marR="9525" marT="9525" anchor="b">
+                    <a:lnL w="6350" cap="flat" cmpd="sng" algn="ctr">
+                      <a:solidFill>
+                        <a:srgbClr val="000000"/>
+                      </a:solidFill>
+                      <a:prstDash val="solid"/>
+                      <a:round/>
+                      <a:headEnd type="none" w="med" len="med"/>
+                      <a:tailEnd type="none" w="med" len="med"/>
+                    </a:lnL>
+                    <a:lnR w="6350" cap="flat" cmpd="sng" algn="ctr">
+                      <a:solidFill>
+                        <a:srgbClr val="000000"/>
+                      </a:solidFill>
+                      <a:prstDash val="solid"/>
+                      <a:round/>
+                      <a:headEnd type="none" w="med" len="med"/>
+                      <a:tailEnd type="none" w="med" len="med"/>
+                    </a:lnR>
+                    <a:lnT w="6350" cap="flat" cmpd="sng" algn="ctr">
+                      <a:solidFill>
+                        <a:srgbClr val="000000"/>
+                      </a:solidFill>
+                      <a:prstDash val="solid"/>
+                      <a:round/>
+                      <a:headEnd type="none" w="med" len="med"/>
+                      <a:tailEnd type="none" w="med" len="med"/>
+                    </a:lnT>
+                    <a:lnB w="6350" cap="flat" cmpd="sng" algn="ctr">
+                      <a:solidFill>
+                        <a:srgbClr val="000000"/>
+                      </a:solidFill>
+                      <a:prstDash val="solid"/>
+                      <a:round/>
+                      <a:headEnd type="none" w="med" len="med"/>
+                      <a:tailEnd type="none" w="med" len="med"/>
+                    </a:lnB>
+                  </a:tcPr>
+                </a:tc>
+                <a:tc>
+                  <a:txBody>
+                    <a:bodyPr/>
+                    <a:lstStyle/>
+                    <a:p>
+                      <a:pPr algn="l" fontAlgn="b"/>
+                      <a:endParaRPr lang="en-US" sz="1100" b="0" i="0" u="none" strike="noStrike">
+                        <a:solidFill>
+                          <a:srgbClr val="000000"/>
+                        </a:solidFill>
+                        <a:effectLst/>
+                        <a:latin typeface="Calibri" panose="020F0502020204030204" pitchFamily="34" charset="0"/>
+                      </a:endParaRPr>
+                    </a:p>
+                  </a:txBody>
+                  <a:tcPr marL="9525" marR="9525" marT="9525" anchor="b">
+                    <a:lnL w="6350" cap="flat" cmpd="sng" algn="ctr">
+                      <a:solidFill>
+                        <a:srgbClr val="000000"/>
+                      </a:solidFill>
+                      <a:prstDash val="solid"/>
+                      <a:round/>
+                      <a:headEnd type="none" w="med" len="med"/>
+                      <a:tailEnd type="none" w="med" len="med"/>
+                    </a:lnL>
+                    <a:lnR w="6350" cap="flat" cmpd="sng" algn="ctr">
+                      <a:solidFill>
+                        <a:srgbClr val="000000"/>
+                      </a:solidFill>
+                      <a:prstDash val="solid"/>
+                      <a:round/>
+                      <a:headEnd type="none" w="med" len="med"/>
+                      <a:tailEnd type="none" w="med" len="med"/>
+                    </a:lnR>
+                    <a:lnT w="6350" cap="flat" cmpd="sng" algn="ctr">
+                      <a:solidFill>
+                        <a:srgbClr val="000000"/>
+                      </a:solidFill>
+                      <a:prstDash val="solid"/>
+                      <a:round/>
+                      <a:headEnd type="none" w="med" len="med"/>
+                      <a:tailEnd type="none" w="med" len="med"/>
+                    </a:lnT>
+                    <a:lnB w="6350" cap="flat" cmpd="sng" algn="ctr">
+                      <a:solidFill>
+                        <a:srgbClr val="000000"/>
+                      </a:solidFill>
+                      <a:prstDash val="solid"/>
+                      <a:round/>
+                      <a:headEnd type="none" w="med" len="med"/>
+                      <a:tailEnd type="none" w="med" len="med"/>
+                    </a:lnB>
+                  </a:tcPr>
+                </a:tc>
+                <a:tc>
+                  <a:txBody>
+                    <a:bodyPr/>
+                    <a:lstStyle/>
+                    <a:p>
+                      <a:pPr algn="l" fontAlgn="b"/>
+                      <a:endParaRPr lang="en-US" sz="1100" b="0" i="0" u="none" strike="noStrike">
+                        <a:solidFill>
+                          <a:srgbClr val="000000"/>
+                        </a:solidFill>
+                        <a:effectLst/>
+                        <a:latin typeface="Calibri" panose="020F0502020204030204" pitchFamily="34" charset="0"/>
+                      </a:endParaRPr>
+                    </a:p>
+                  </a:txBody>
+                  <a:tcPr marL="9525" marR="9525" marT="9525" anchor="b">
+                    <a:lnL w="6350" cap="flat" cmpd="sng" algn="ctr">
+                      <a:solidFill>
+                        <a:srgbClr val="000000"/>
+                      </a:solidFill>
+                      <a:prstDash val="solid"/>
+                      <a:round/>
+                      <a:headEnd type="none" w="med" len="med"/>
+                      <a:tailEnd type="none" w="med" len="med"/>
+                    </a:lnL>
+                    <a:lnR w="6350" cap="flat" cmpd="sng" algn="ctr">
+                      <a:solidFill>
+                        <a:srgbClr val="000000"/>
+                      </a:solidFill>
+                      <a:prstDash val="solid"/>
+                      <a:round/>
+                      <a:headEnd type="none" w="med" len="med"/>
+                      <a:tailEnd type="none" w="med" len="med"/>
+                    </a:lnR>
+                    <a:lnT w="6350" cap="flat" cmpd="sng" algn="ctr">
+                      <a:solidFill>
+                        <a:srgbClr val="000000"/>
+                      </a:solidFill>
+                      <a:prstDash val="solid"/>
+                      <a:round/>
+                      <a:headEnd type="none" w="med" len="med"/>
+                      <a:tailEnd type="none" w="med" len="med"/>
+                    </a:lnT>
+                    <a:lnB w="6350" cap="flat" cmpd="sng" algn="ctr">
+                      <a:solidFill>
+                        <a:srgbClr val="000000"/>
+                      </a:solidFill>
+                      <a:prstDash val="solid"/>
+                      <a:round/>
+                      <a:headEnd type="none" w="med" len="med"/>
+                      <a:tailEnd type="none" w="med" len="med"/>
+                    </a:lnB>
+                  </a:tcPr>
+                </a:tc>
+                <a:extLst>
+                  <a:ext uri="{0D108BD9-81ED-4DB2-BD59-A6C34878D82A}">
+                    <a16:rowId xmlns:a16="http://schemas.microsoft.com/office/drawing/2014/main" val="3939374430"/>
+                  </a:ext>
+                </a:extLst>
+              </a:tr>
+              <a:tr h="190500">
+                <a:tc>
+                  <a:txBody>
+                    <a:bodyPr/>
+                    <a:lstStyle/>
+                    <a:p>
+                      <a:pPr algn="l" fontAlgn="b"/>
+                      <a:r>
+                        <a:rPr lang="en-US" sz="1100" b="1" i="0" u="none" strike="noStrike">
+                          <a:solidFill>
+                            <a:srgbClr val="000000"/>
+                          </a:solidFill>
+                          <a:effectLst/>
+                          <a:latin typeface="Calibri" panose="020F0502020204030204" pitchFamily="34" charset="0"/>
+                        </a:rPr>
+                        <a:t>Human</a:t>
+                      </a:r>
+                    </a:p>
+                  </a:txBody>
+                  <a:tcPr marL="9525" marR="9525" marT="9525" anchor="b">
+                    <a:lnL>
+                      <a:noFill/>
+                    </a:lnL>
+                    <a:lnR w="6350" cap="flat" cmpd="sng" algn="ctr">
+                      <a:solidFill>
+                        <a:srgbClr val="000000"/>
+                      </a:solidFill>
+                      <a:prstDash val="solid"/>
+                      <a:round/>
+                      <a:headEnd type="none" w="med" len="med"/>
+                      <a:tailEnd type="none" w="med" len="med"/>
+                    </a:lnR>
+                    <a:lnT>
+                      <a:noFill/>
+                    </a:lnT>
+                    <a:lnB>
+                      <a:noFill/>
+                    </a:lnB>
+                    <a:solidFill>
+                      <a:srgbClr val="A6A6A6"/>
+                    </a:solidFill>
+                  </a:tcPr>
+                </a:tc>
+                <a:tc>
+                  <a:txBody>
+                    <a:bodyPr/>
+                    <a:lstStyle/>
+                    <a:p>
+                      <a:pPr algn="l" fontAlgn="b"/>
+                      <a:endParaRPr lang="en-US" sz="1100" b="0" i="0" u="none" strike="noStrike">
+                        <a:solidFill>
+                          <a:srgbClr val="000000"/>
+                        </a:solidFill>
+                        <a:effectLst/>
+                        <a:latin typeface="Calibri" panose="020F0502020204030204" pitchFamily="34" charset="0"/>
+                      </a:endParaRPr>
+                    </a:p>
+                  </a:txBody>
+                  <a:tcPr marL="9525" marR="9525" marT="9525" anchor="b">
+                    <a:lnL w="6350" cap="flat" cmpd="sng" algn="ctr">
+                      <a:solidFill>
+                        <a:srgbClr val="000000"/>
+                      </a:solidFill>
+                      <a:prstDash val="solid"/>
+                      <a:round/>
+                      <a:headEnd type="none" w="med" len="med"/>
+                      <a:tailEnd type="none" w="med" len="med"/>
+                    </a:lnL>
+                    <a:lnR w="6350" cap="flat" cmpd="sng" algn="ctr">
+                      <a:solidFill>
+                        <a:srgbClr val="000000"/>
+                      </a:solidFill>
+                      <a:prstDash val="solid"/>
+                      <a:round/>
+                      <a:headEnd type="none" w="med" len="med"/>
+                      <a:tailEnd type="none" w="med" len="med"/>
+                    </a:lnR>
+                    <a:lnT w="6350" cap="flat" cmpd="sng" algn="ctr">
+                      <a:solidFill>
+                        <a:srgbClr val="000000"/>
+                      </a:solidFill>
+                      <a:prstDash val="solid"/>
+                      <a:round/>
+                      <a:headEnd type="none" w="med" len="med"/>
+                      <a:tailEnd type="none" w="med" len="med"/>
+                    </a:lnT>
+                    <a:lnB w="6350" cap="flat" cmpd="sng" algn="ctr">
+                      <a:solidFill>
+                        <a:srgbClr val="000000"/>
+                      </a:solidFill>
+                      <a:prstDash val="solid"/>
+                      <a:round/>
+                      <a:headEnd type="none" w="med" len="med"/>
+                      <a:tailEnd type="none" w="med" len="med"/>
+                    </a:lnB>
+                  </a:tcPr>
+                </a:tc>
+                <a:tc>
+                  <a:txBody>
+                    <a:bodyPr/>
+                    <a:lstStyle/>
+                    <a:p>
+                      <a:pPr algn="r" fontAlgn="b"/>
+                      <a:r>
+                        <a:rPr lang="en-US" sz="1100" b="0" i="0" u="none" strike="noStrike">
+                          <a:solidFill>
+                            <a:srgbClr val="000000"/>
+                          </a:solidFill>
+                          <a:effectLst/>
+                          <a:latin typeface="Calibri" panose="020F0502020204030204" pitchFamily="34" charset="0"/>
+                        </a:rPr>
+                        <a:t>1</a:t>
+                      </a:r>
+                    </a:p>
+                  </a:txBody>
+                  <a:tcPr marL="9525" marR="9525" marT="9525" anchor="b">
+                    <a:lnL w="6350" cap="flat" cmpd="sng" algn="ctr">
+                      <a:solidFill>
+                        <a:srgbClr val="000000"/>
+                      </a:solidFill>
+                      <a:prstDash val="solid"/>
+                      <a:round/>
+                      <a:headEnd type="none" w="med" len="med"/>
+                      <a:tailEnd type="none" w="med" len="med"/>
+                    </a:lnL>
+                    <a:lnR w="6350" cap="flat" cmpd="sng" algn="ctr">
+                      <a:solidFill>
+                        <a:srgbClr val="000000"/>
+                      </a:solidFill>
+                      <a:prstDash val="solid"/>
+                      <a:round/>
+                      <a:headEnd type="none" w="med" len="med"/>
+                      <a:tailEnd type="none" w="med" len="med"/>
+                    </a:lnR>
+                    <a:lnT w="6350" cap="flat" cmpd="sng" algn="ctr">
+                      <a:solidFill>
+                        <a:srgbClr val="000000"/>
+                      </a:solidFill>
+                      <a:prstDash val="solid"/>
+                      <a:round/>
+                      <a:headEnd type="none" w="med" len="med"/>
+                      <a:tailEnd type="none" w="med" len="med"/>
+                    </a:lnT>
+                    <a:lnB w="6350" cap="flat" cmpd="sng" algn="ctr">
+                      <a:solidFill>
+                        <a:srgbClr val="000000"/>
+                      </a:solidFill>
+                      <a:prstDash val="solid"/>
+                      <a:round/>
+                      <a:headEnd type="none" w="med" len="med"/>
+                      <a:tailEnd type="none" w="med" len="med"/>
+                    </a:lnB>
+                  </a:tcPr>
+                </a:tc>
+                <a:tc>
+                  <a:txBody>
+                    <a:bodyPr/>
+                    <a:lstStyle/>
+                    <a:p>
+                      <a:pPr algn="l" fontAlgn="b"/>
+                      <a:endParaRPr lang="en-US" sz="1100" b="0" i="0" u="none" strike="noStrike">
+                        <a:solidFill>
+                          <a:srgbClr val="000000"/>
+                        </a:solidFill>
+                        <a:effectLst/>
+                        <a:latin typeface="Calibri" panose="020F0502020204030204" pitchFamily="34" charset="0"/>
+                      </a:endParaRPr>
+                    </a:p>
+                  </a:txBody>
+                  <a:tcPr marL="9525" marR="9525" marT="9525" anchor="b">
+                    <a:lnL w="6350" cap="flat" cmpd="sng" algn="ctr">
+                      <a:solidFill>
+                        <a:srgbClr val="000000"/>
+                      </a:solidFill>
+                      <a:prstDash val="solid"/>
+                      <a:round/>
+                      <a:headEnd type="none" w="med" len="med"/>
+                      <a:tailEnd type="none" w="med" len="med"/>
+                    </a:lnL>
+                    <a:lnR w="6350" cap="flat" cmpd="sng" algn="ctr">
+                      <a:solidFill>
+                        <a:srgbClr val="000000"/>
+                      </a:solidFill>
+                      <a:prstDash val="solid"/>
+                      <a:round/>
+                      <a:headEnd type="none" w="med" len="med"/>
+                      <a:tailEnd type="none" w="med" len="med"/>
+                    </a:lnR>
+                    <a:lnT w="6350" cap="flat" cmpd="sng" algn="ctr">
+                      <a:solidFill>
+                        <a:srgbClr val="000000"/>
+                      </a:solidFill>
+                      <a:prstDash val="solid"/>
+                      <a:round/>
+                      <a:headEnd type="none" w="med" len="med"/>
+                      <a:tailEnd type="none" w="med" len="med"/>
+                    </a:lnT>
+                    <a:lnB w="6350" cap="flat" cmpd="sng" algn="ctr">
+                      <a:solidFill>
+                        <a:srgbClr val="000000"/>
+                      </a:solidFill>
+                      <a:prstDash val="solid"/>
+                      <a:round/>
+                      <a:headEnd type="none" w="med" len="med"/>
+                      <a:tailEnd type="none" w="med" len="med"/>
+                    </a:lnB>
+                  </a:tcPr>
+                </a:tc>
+                <a:tc>
+                  <a:txBody>
+                    <a:bodyPr/>
+                    <a:lstStyle/>
+                    <a:p>
+                      <a:pPr algn="l" fontAlgn="b"/>
+                      <a:endParaRPr lang="en-US" sz="1100" b="0" i="0" u="none" strike="noStrike">
+                        <a:solidFill>
+                          <a:srgbClr val="000000"/>
+                        </a:solidFill>
+                        <a:effectLst/>
+                        <a:latin typeface="Calibri" panose="020F0502020204030204" pitchFamily="34" charset="0"/>
+                      </a:endParaRPr>
+                    </a:p>
+                  </a:txBody>
+                  <a:tcPr marL="9525" marR="9525" marT="9525" anchor="b">
+                    <a:lnL w="6350" cap="flat" cmpd="sng" algn="ctr">
+                      <a:solidFill>
+                        <a:srgbClr val="000000"/>
+                      </a:solidFill>
+                      <a:prstDash val="solid"/>
+                      <a:round/>
+                      <a:headEnd type="none" w="med" len="med"/>
+                      <a:tailEnd type="none" w="med" len="med"/>
+                    </a:lnL>
+                    <a:lnR w="6350" cap="flat" cmpd="sng" algn="ctr">
+                      <a:solidFill>
+                        <a:srgbClr val="000000"/>
+                      </a:solidFill>
+                      <a:prstDash val="solid"/>
+                      <a:round/>
+                      <a:headEnd type="none" w="med" len="med"/>
+                      <a:tailEnd type="none" w="med" len="med"/>
+                    </a:lnR>
+                    <a:lnT w="6350" cap="flat" cmpd="sng" algn="ctr">
+                      <a:solidFill>
+                        <a:srgbClr val="000000"/>
+                      </a:solidFill>
+                      <a:prstDash val="solid"/>
+                      <a:round/>
+                      <a:headEnd type="none" w="med" len="med"/>
+                      <a:tailEnd type="none" w="med" len="med"/>
+                    </a:lnT>
+                    <a:lnB w="6350" cap="flat" cmpd="sng" algn="ctr">
+                      <a:solidFill>
+                        <a:srgbClr val="000000"/>
+                      </a:solidFill>
+                      <a:prstDash val="solid"/>
+                      <a:round/>
+                      <a:headEnd type="none" w="med" len="med"/>
+                      <a:tailEnd type="none" w="med" len="med"/>
+                    </a:lnB>
+                  </a:tcPr>
+                </a:tc>
+                <a:tc>
+                  <a:txBody>
+                    <a:bodyPr/>
+                    <a:lstStyle/>
+                    <a:p>
+                      <a:pPr algn="r" fontAlgn="b"/>
+                      <a:r>
+                        <a:rPr lang="en-US" sz="1100" b="0" i="0" u="none" strike="noStrike">
+                          <a:solidFill>
+                            <a:srgbClr val="000000"/>
+                          </a:solidFill>
+                          <a:effectLst/>
+                          <a:latin typeface="Calibri" panose="020F0502020204030204" pitchFamily="34" charset="0"/>
+                        </a:rPr>
+                        <a:t>1</a:t>
+                      </a:r>
+                    </a:p>
+                  </a:txBody>
+                  <a:tcPr marL="9525" marR="9525" marT="9525" anchor="b">
+                    <a:lnL w="6350" cap="flat" cmpd="sng" algn="ctr">
+                      <a:solidFill>
+                        <a:srgbClr val="000000"/>
+                      </a:solidFill>
+                      <a:prstDash val="solid"/>
+                      <a:round/>
+                      <a:headEnd type="none" w="med" len="med"/>
+                      <a:tailEnd type="none" w="med" len="med"/>
+                    </a:lnL>
+                    <a:lnR w="6350" cap="flat" cmpd="sng" algn="ctr">
+                      <a:solidFill>
+                        <a:srgbClr val="000000"/>
+                      </a:solidFill>
+                      <a:prstDash val="solid"/>
+                      <a:round/>
+                      <a:headEnd type="none" w="med" len="med"/>
+                      <a:tailEnd type="none" w="med" len="med"/>
+                    </a:lnR>
+                    <a:lnT w="6350" cap="flat" cmpd="sng" algn="ctr">
+                      <a:solidFill>
+                        <a:srgbClr val="000000"/>
+                      </a:solidFill>
+                      <a:prstDash val="solid"/>
+                      <a:round/>
+                      <a:headEnd type="none" w="med" len="med"/>
+                      <a:tailEnd type="none" w="med" len="med"/>
+                    </a:lnT>
+                    <a:lnB w="6350" cap="flat" cmpd="sng" algn="ctr">
+                      <a:solidFill>
+                        <a:srgbClr val="000000"/>
+                      </a:solidFill>
+                      <a:prstDash val="solid"/>
+                      <a:round/>
+                      <a:headEnd type="none" w="med" len="med"/>
+                      <a:tailEnd type="none" w="med" len="med"/>
+                    </a:lnB>
+                  </a:tcPr>
+                </a:tc>
+                <a:extLst>
+                  <a:ext uri="{0D108BD9-81ED-4DB2-BD59-A6C34878D82A}">
+                    <a16:rowId xmlns:a16="http://schemas.microsoft.com/office/drawing/2014/main" val="3046781299"/>
+                  </a:ext>
+                </a:extLst>
+              </a:tr>
+              <a:tr h="190500">
+                <a:tc>
+                  <a:txBody>
+                    <a:bodyPr/>
+                    <a:lstStyle/>
+                    <a:p>
+                      <a:pPr algn="l" fontAlgn="b"/>
+                      <a:r>
+                        <a:rPr lang="en-US" sz="1100" b="1" i="0" u="none" strike="noStrike">
+                          <a:solidFill>
+                            <a:srgbClr val="000000"/>
+                          </a:solidFill>
+                          <a:effectLst/>
+                          <a:latin typeface="Calibri" panose="020F0502020204030204" pitchFamily="34" charset="0"/>
+                        </a:rPr>
+                        <a:t>Dolphin</a:t>
+                      </a:r>
+                    </a:p>
+                  </a:txBody>
+                  <a:tcPr marL="9525" marR="9525" marT="9525" anchor="b">
+                    <a:lnL>
+                      <a:noFill/>
+                    </a:lnL>
+                    <a:lnR w="6350" cap="flat" cmpd="sng" algn="ctr">
+                      <a:solidFill>
+                        <a:srgbClr val="000000"/>
+                      </a:solidFill>
+                      <a:prstDash val="solid"/>
+                      <a:round/>
+                      <a:headEnd type="none" w="med" len="med"/>
+                      <a:tailEnd type="none" w="med" len="med"/>
+                    </a:lnR>
+                    <a:lnT>
+                      <a:noFill/>
+                    </a:lnT>
+                    <a:lnB>
+                      <a:noFill/>
+                    </a:lnB>
+                    <a:solidFill>
+                      <a:srgbClr val="A6A6A6"/>
+                    </a:solidFill>
+                  </a:tcPr>
+                </a:tc>
+                <a:tc>
+                  <a:txBody>
+                    <a:bodyPr/>
+                    <a:lstStyle/>
+                    <a:p>
+                      <a:pPr algn="l" fontAlgn="b"/>
+                      <a:endParaRPr lang="en-US" sz="1100" b="0" i="0" u="none" strike="noStrike">
+                        <a:solidFill>
+                          <a:srgbClr val="000000"/>
+                        </a:solidFill>
+                        <a:effectLst/>
+                        <a:latin typeface="Calibri" panose="020F0502020204030204" pitchFamily="34" charset="0"/>
+                      </a:endParaRPr>
+                    </a:p>
+                  </a:txBody>
+                  <a:tcPr marL="9525" marR="9525" marT="9525" anchor="b">
+                    <a:lnL w="6350" cap="flat" cmpd="sng" algn="ctr">
+                      <a:solidFill>
+                        <a:srgbClr val="000000"/>
+                      </a:solidFill>
+                      <a:prstDash val="solid"/>
+                      <a:round/>
+                      <a:headEnd type="none" w="med" len="med"/>
+                      <a:tailEnd type="none" w="med" len="med"/>
+                    </a:lnL>
+                    <a:lnR w="6350" cap="flat" cmpd="sng" algn="ctr">
+                      <a:solidFill>
+                        <a:srgbClr val="000000"/>
+                      </a:solidFill>
+                      <a:prstDash val="solid"/>
+                      <a:round/>
+                      <a:headEnd type="none" w="med" len="med"/>
+                      <a:tailEnd type="none" w="med" len="med"/>
+                    </a:lnR>
+                    <a:lnT w="6350" cap="flat" cmpd="sng" algn="ctr">
+                      <a:solidFill>
+                        <a:srgbClr val="000000"/>
+                      </a:solidFill>
+                      <a:prstDash val="solid"/>
+                      <a:round/>
+                      <a:headEnd type="none" w="med" len="med"/>
+                      <a:tailEnd type="none" w="med" len="med"/>
+                    </a:lnT>
+                    <a:lnB w="6350" cap="flat" cmpd="sng" algn="ctr">
+                      <a:solidFill>
+                        <a:srgbClr val="000000"/>
+                      </a:solidFill>
+                      <a:prstDash val="solid"/>
+                      <a:round/>
+                      <a:headEnd type="none" w="med" len="med"/>
+                      <a:tailEnd type="none" w="med" len="med"/>
+                    </a:lnB>
+                  </a:tcPr>
+                </a:tc>
+                <a:tc>
+                  <a:txBody>
+                    <a:bodyPr/>
+                    <a:lstStyle/>
+                    <a:p>
+                      <a:pPr algn="l" fontAlgn="b"/>
+                      <a:endParaRPr lang="en-US" sz="1100" b="0" i="0" u="none" strike="noStrike">
+                        <a:solidFill>
+                          <a:srgbClr val="000000"/>
+                        </a:solidFill>
+                        <a:effectLst/>
+                        <a:latin typeface="Calibri" panose="020F0502020204030204" pitchFamily="34" charset="0"/>
+                      </a:endParaRPr>
+                    </a:p>
+                  </a:txBody>
+                  <a:tcPr marL="9525" marR="9525" marT="9525" anchor="b">
+                    <a:lnL w="6350" cap="flat" cmpd="sng" algn="ctr">
+                      <a:solidFill>
+                        <a:srgbClr val="000000"/>
+                      </a:solidFill>
+                      <a:prstDash val="solid"/>
+                      <a:round/>
+                      <a:headEnd type="none" w="med" len="med"/>
+                      <a:tailEnd type="none" w="med" len="med"/>
+                    </a:lnL>
+                    <a:lnR w="6350" cap="flat" cmpd="sng" algn="ctr">
+                      <a:solidFill>
+                        <a:srgbClr val="000000"/>
+                      </a:solidFill>
+                      <a:prstDash val="solid"/>
+                      <a:round/>
+                      <a:headEnd type="none" w="med" len="med"/>
+                      <a:tailEnd type="none" w="med" len="med"/>
+                    </a:lnR>
+                    <a:lnT w="6350" cap="flat" cmpd="sng" algn="ctr">
+                      <a:solidFill>
+                        <a:srgbClr val="000000"/>
+                      </a:solidFill>
+                      <a:prstDash val="solid"/>
+                      <a:round/>
+                      <a:headEnd type="none" w="med" len="med"/>
+                      <a:tailEnd type="none" w="med" len="med"/>
+                    </a:lnT>
+                    <a:lnB w="6350" cap="flat" cmpd="sng" algn="ctr">
+                      <a:solidFill>
+                        <a:srgbClr val="000000"/>
+                      </a:solidFill>
+                      <a:prstDash val="solid"/>
+                      <a:round/>
+                      <a:headEnd type="none" w="med" len="med"/>
+                      <a:tailEnd type="none" w="med" len="med"/>
+                    </a:lnB>
+                  </a:tcPr>
+                </a:tc>
+                <a:tc>
+                  <a:txBody>
+                    <a:bodyPr/>
+                    <a:lstStyle/>
+                    <a:p>
+                      <a:pPr algn="r" fontAlgn="b"/>
+                      <a:r>
+                        <a:rPr lang="en-US" sz="1100" b="0" i="0" u="none" strike="noStrike">
+                          <a:solidFill>
+                            <a:srgbClr val="000000"/>
+                          </a:solidFill>
+                          <a:effectLst/>
+                          <a:latin typeface="Calibri" panose="020F0502020204030204" pitchFamily="34" charset="0"/>
+                        </a:rPr>
+                        <a:t>1</a:t>
+                      </a:r>
+                    </a:p>
+                  </a:txBody>
+                  <a:tcPr marL="9525" marR="9525" marT="9525" anchor="b">
+                    <a:lnL w="6350" cap="flat" cmpd="sng" algn="ctr">
+                      <a:solidFill>
+                        <a:srgbClr val="000000"/>
+                      </a:solidFill>
+                      <a:prstDash val="solid"/>
+                      <a:round/>
+                      <a:headEnd type="none" w="med" len="med"/>
+                      <a:tailEnd type="none" w="med" len="med"/>
+                    </a:lnL>
+                    <a:lnR w="6350" cap="flat" cmpd="sng" algn="ctr">
+                      <a:solidFill>
+                        <a:srgbClr val="000000"/>
+                      </a:solidFill>
+                      <a:prstDash val="solid"/>
+                      <a:round/>
+                      <a:headEnd type="none" w="med" len="med"/>
+                      <a:tailEnd type="none" w="med" len="med"/>
+                    </a:lnR>
+                    <a:lnT w="6350" cap="flat" cmpd="sng" algn="ctr">
+                      <a:solidFill>
+                        <a:srgbClr val="000000"/>
+                      </a:solidFill>
+                      <a:prstDash val="solid"/>
+                      <a:round/>
+                      <a:headEnd type="none" w="med" len="med"/>
+                      <a:tailEnd type="none" w="med" len="med"/>
+                    </a:lnT>
+                    <a:lnB w="6350" cap="flat" cmpd="sng" algn="ctr">
+                      <a:solidFill>
+                        <a:srgbClr val="000000"/>
+                      </a:solidFill>
+                      <a:prstDash val="solid"/>
+                      <a:round/>
+                      <a:headEnd type="none" w="med" len="med"/>
+                      <a:tailEnd type="none" w="med" len="med"/>
+                    </a:lnB>
+                  </a:tcPr>
+                </a:tc>
+                <a:tc>
+                  <a:txBody>
+                    <a:bodyPr/>
+                    <a:lstStyle/>
+                    <a:p>
+                      <a:pPr algn="l" fontAlgn="b"/>
+                      <a:endParaRPr lang="en-US" sz="1100" b="0" i="0" u="none" strike="noStrike">
+                        <a:solidFill>
+                          <a:srgbClr val="000000"/>
+                        </a:solidFill>
+                        <a:effectLst/>
+                        <a:latin typeface="Calibri" panose="020F0502020204030204" pitchFamily="34" charset="0"/>
+                      </a:endParaRPr>
+                    </a:p>
+                  </a:txBody>
+                  <a:tcPr marL="9525" marR="9525" marT="9525" anchor="b">
+                    <a:lnL w="6350" cap="flat" cmpd="sng" algn="ctr">
+                      <a:solidFill>
+                        <a:srgbClr val="000000"/>
+                      </a:solidFill>
+                      <a:prstDash val="solid"/>
+                      <a:round/>
+                      <a:headEnd type="none" w="med" len="med"/>
+                      <a:tailEnd type="none" w="med" len="med"/>
+                    </a:lnL>
+                    <a:lnR w="6350" cap="flat" cmpd="sng" algn="ctr">
+                      <a:solidFill>
+                        <a:srgbClr val="000000"/>
+                      </a:solidFill>
+                      <a:prstDash val="solid"/>
+                      <a:round/>
+                      <a:headEnd type="none" w="med" len="med"/>
+                      <a:tailEnd type="none" w="med" len="med"/>
+                    </a:lnR>
+                    <a:lnT w="6350" cap="flat" cmpd="sng" algn="ctr">
+                      <a:solidFill>
+                        <a:srgbClr val="000000"/>
+                      </a:solidFill>
+                      <a:prstDash val="solid"/>
+                      <a:round/>
+                      <a:headEnd type="none" w="med" len="med"/>
+                      <a:tailEnd type="none" w="med" len="med"/>
+                    </a:lnT>
+                    <a:lnB w="6350" cap="flat" cmpd="sng" algn="ctr">
+                      <a:solidFill>
+                        <a:srgbClr val="000000"/>
+                      </a:solidFill>
+                      <a:prstDash val="solid"/>
+                      <a:round/>
+                      <a:headEnd type="none" w="med" len="med"/>
+                      <a:tailEnd type="none" w="med" len="med"/>
+                    </a:lnB>
+                  </a:tcPr>
+                </a:tc>
+                <a:tc>
+                  <a:txBody>
+                    <a:bodyPr/>
+                    <a:lstStyle/>
+                    <a:p>
+                      <a:pPr algn="l" fontAlgn="b"/>
+                      <a:endParaRPr lang="en-US" sz="1100" b="0" i="0" u="none" strike="noStrike">
+                        <a:solidFill>
+                          <a:srgbClr val="000000"/>
+                        </a:solidFill>
+                        <a:effectLst/>
+                        <a:latin typeface="Calibri" panose="020F0502020204030204" pitchFamily="34" charset="0"/>
+                      </a:endParaRPr>
+                    </a:p>
+                  </a:txBody>
+                  <a:tcPr marL="9525" marR="9525" marT="9525" anchor="b">
+                    <a:lnL w="6350" cap="flat" cmpd="sng" algn="ctr">
+                      <a:solidFill>
+                        <a:srgbClr val="000000"/>
+                      </a:solidFill>
+                      <a:prstDash val="solid"/>
+                      <a:round/>
+                      <a:headEnd type="none" w="med" len="med"/>
+                      <a:tailEnd type="none" w="med" len="med"/>
+                    </a:lnL>
+                    <a:lnR w="6350" cap="flat" cmpd="sng" algn="ctr">
+                      <a:solidFill>
+                        <a:srgbClr val="000000"/>
+                      </a:solidFill>
+                      <a:prstDash val="solid"/>
+                      <a:round/>
+                      <a:headEnd type="none" w="med" len="med"/>
+                      <a:tailEnd type="none" w="med" len="med"/>
+                    </a:lnR>
+                    <a:lnT w="6350" cap="flat" cmpd="sng" algn="ctr">
+                      <a:solidFill>
+                        <a:srgbClr val="000000"/>
+                      </a:solidFill>
+                      <a:prstDash val="solid"/>
+                      <a:round/>
+                      <a:headEnd type="none" w="med" len="med"/>
+                      <a:tailEnd type="none" w="med" len="med"/>
+                    </a:lnT>
+                    <a:lnB w="6350" cap="flat" cmpd="sng" algn="ctr">
+                      <a:solidFill>
+                        <a:srgbClr val="000000"/>
+                      </a:solidFill>
+                      <a:prstDash val="solid"/>
+                      <a:round/>
+                      <a:headEnd type="none" w="med" len="med"/>
+                      <a:tailEnd type="none" w="med" len="med"/>
+                    </a:lnB>
+                  </a:tcPr>
+                </a:tc>
+                <a:extLst>
+                  <a:ext uri="{0D108BD9-81ED-4DB2-BD59-A6C34878D82A}">
+                    <a16:rowId xmlns:a16="http://schemas.microsoft.com/office/drawing/2014/main" val="1583276726"/>
+                  </a:ext>
+                </a:extLst>
+              </a:tr>
+              <a:tr h="190500">
+                <a:tc>
+                  <a:txBody>
+                    <a:bodyPr/>
+                    <a:lstStyle/>
+                    <a:p>
+                      <a:pPr algn="l" fontAlgn="b"/>
+                      <a:r>
+                        <a:rPr lang="en-US" sz="1100" b="1" i="0" u="none" strike="noStrike">
+                          <a:solidFill>
+                            <a:srgbClr val="000000"/>
+                          </a:solidFill>
+                          <a:effectLst/>
+                          <a:latin typeface="Calibri" panose="020F0502020204030204" pitchFamily="34" charset="0"/>
+                        </a:rPr>
+                        <a:t>You</a:t>
+                      </a:r>
+                    </a:p>
+                  </a:txBody>
+                  <a:tcPr marL="9525" marR="9525" marT="9525" anchor="b">
+                    <a:lnL>
+                      <a:noFill/>
+                    </a:lnL>
+                    <a:lnR w="6350" cap="flat" cmpd="sng" algn="ctr">
+                      <a:solidFill>
+                        <a:srgbClr val="000000"/>
+                      </a:solidFill>
+                      <a:prstDash val="solid"/>
+                      <a:round/>
+                      <a:headEnd type="none" w="med" len="med"/>
+                      <a:tailEnd type="none" w="med" len="med"/>
+                    </a:lnR>
+                    <a:lnT>
+                      <a:noFill/>
+                    </a:lnT>
+                    <a:lnB>
+                      <a:noFill/>
+                    </a:lnB>
+                    <a:solidFill>
+                      <a:srgbClr val="A6A6A6"/>
+                    </a:solidFill>
+                  </a:tcPr>
+                </a:tc>
+                <a:tc>
+                  <a:txBody>
+                    <a:bodyPr/>
+                    <a:lstStyle/>
+                    <a:p>
+                      <a:pPr algn="l" fontAlgn="b"/>
+                      <a:endParaRPr lang="en-US" sz="1100" b="0" i="0" u="none" strike="noStrike">
+                        <a:solidFill>
+                          <a:srgbClr val="000000"/>
+                        </a:solidFill>
+                        <a:effectLst/>
+                        <a:latin typeface="Calibri" panose="020F0502020204030204" pitchFamily="34" charset="0"/>
+                      </a:endParaRPr>
+                    </a:p>
+                  </a:txBody>
+                  <a:tcPr marL="9525" marR="9525" marT="9525" anchor="b">
+                    <a:lnL w="6350" cap="flat" cmpd="sng" algn="ctr">
+                      <a:solidFill>
+                        <a:srgbClr val="000000"/>
+                      </a:solidFill>
+                      <a:prstDash val="solid"/>
+                      <a:round/>
+                      <a:headEnd type="none" w="med" len="med"/>
+                      <a:tailEnd type="none" w="med" len="med"/>
+                    </a:lnL>
+                    <a:lnR w="6350" cap="flat" cmpd="sng" algn="ctr">
+                      <a:solidFill>
+                        <a:srgbClr val="000000"/>
+                      </a:solidFill>
+                      <a:prstDash val="solid"/>
+                      <a:round/>
+                      <a:headEnd type="none" w="med" len="med"/>
+                      <a:tailEnd type="none" w="med" len="med"/>
+                    </a:lnR>
+                    <a:lnT w="6350" cap="flat" cmpd="sng" algn="ctr">
+                      <a:solidFill>
+                        <a:srgbClr val="000000"/>
+                      </a:solidFill>
+                      <a:prstDash val="solid"/>
+                      <a:round/>
+                      <a:headEnd type="none" w="med" len="med"/>
+                      <a:tailEnd type="none" w="med" len="med"/>
+                    </a:lnT>
+                    <a:lnB w="6350" cap="flat" cmpd="sng" algn="ctr">
+                      <a:solidFill>
+                        <a:srgbClr val="000000"/>
+                      </a:solidFill>
+                      <a:prstDash val="solid"/>
+                      <a:round/>
+                      <a:headEnd type="none" w="med" len="med"/>
+                      <a:tailEnd type="none" w="med" len="med"/>
+                    </a:lnB>
+                  </a:tcPr>
+                </a:tc>
+                <a:tc>
+                  <a:txBody>
+                    <a:bodyPr/>
+                    <a:lstStyle/>
+                    <a:p>
+                      <a:pPr algn="l" fontAlgn="b"/>
+                      <a:endParaRPr lang="en-US" sz="1100" b="0" i="0" u="none" strike="noStrike">
+                        <a:solidFill>
+                          <a:srgbClr val="000000"/>
+                        </a:solidFill>
+                        <a:effectLst/>
+                        <a:latin typeface="Calibri" panose="020F0502020204030204" pitchFamily="34" charset="0"/>
+                      </a:endParaRPr>
+                    </a:p>
+                  </a:txBody>
+                  <a:tcPr marL="9525" marR="9525" marT="9525" anchor="b">
+                    <a:lnL w="6350" cap="flat" cmpd="sng" algn="ctr">
+                      <a:solidFill>
+                        <a:srgbClr val="000000"/>
+                      </a:solidFill>
+                      <a:prstDash val="solid"/>
+                      <a:round/>
+                      <a:headEnd type="none" w="med" len="med"/>
+                      <a:tailEnd type="none" w="med" len="med"/>
+                    </a:lnL>
+                    <a:lnR w="6350" cap="flat" cmpd="sng" algn="ctr">
+                      <a:solidFill>
+                        <a:srgbClr val="000000"/>
+                      </a:solidFill>
+                      <a:prstDash val="solid"/>
+                      <a:round/>
+                      <a:headEnd type="none" w="med" len="med"/>
+                      <a:tailEnd type="none" w="med" len="med"/>
+                    </a:lnR>
+                    <a:lnT w="6350" cap="flat" cmpd="sng" algn="ctr">
+                      <a:solidFill>
+                        <a:srgbClr val="000000"/>
+                      </a:solidFill>
+                      <a:prstDash val="solid"/>
+                      <a:round/>
+                      <a:headEnd type="none" w="med" len="med"/>
+                      <a:tailEnd type="none" w="med" len="med"/>
+                    </a:lnT>
+                    <a:lnB w="6350" cap="flat" cmpd="sng" algn="ctr">
+                      <a:solidFill>
+                        <a:srgbClr val="000000"/>
+                      </a:solidFill>
+                      <a:prstDash val="solid"/>
+                      <a:round/>
+                      <a:headEnd type="none" w="med" len="med"/>
+                      <a:tailEnd type="none" w="med" len="med"/>
+                    </a:lnB>
+                  </a:tcPr>
+                </a:tc>
+                <a:tc>
+                  <a:txBody>
+                    <a:bodyPr/>
+                    <a:lstStyle/>
+                    <a:p>
+                      <a:pPr algn="r" fontAlgn="b"/>
+                      <a:r>
+                        <a:rPr lang="en-US" sz="1100" b="0" i="0" u="none" strike="noStrike">
+                          <a:solidFill>
+                            <a:srgbClr val="000000"/>
+                          </a:solidFill>
+                          <a:effectLst/>
+                          <a:latin typeface="Calibri" panose="020F0502020204030204" pitchFamily="34" charset="0"/>
+                        </a:rPr>
+                        <a:t>1</a:t>
+                      </a:r>
+                    </a:p>
+                  </a:txBody>
+                  <a:tcPr marL="9525" marR="9525" marT="9525" anchor="b">
+                    <a:lnL w="6350" cap="flat" cmpd="sng" algn="ctr">
+                      <a:solidFill>
+                        <a:srgbClr val="000000"/>
+                      </a:solidFill>
+                      <a:prstDash val="solid"/>
+                      <a:round/>
+                      <a:headEnd type="none" w="med" len="med"/>
+                      <a:tailEnd type="none" w="med" len="med"/>
+                    </a:lnL>
+                    <a:lnR w="6350" cap="flat" cmpd="sng" algn="ctr">
+                      <a:solidFill>
+                        <a:srgbClr val="000000"/>
+                      </a:solidFill>
+                      <a:prstDash val="solid"/>
+                      <a:round/>
+                      <a:headEnd type="none" w="med" len="med"/>
+                      <a:tailEnd type="none" w="med" len="med"/>
+                    </a:lnR>
+                    <a:lnT w="6350" cap="flat" cmpd="sng" algn="ctr">
+                      <a:solidFill>
+                        <a:srgbClr val="000000"/>
+                      </a:solidFill>
+                      <a:prstDash val="solid"/>
+                      <a:round/>
+                      <a:headEnd type="none" w="med" len="med"/>
+                      <a:tailEnd type="none" w="med" len="med"/>
+                    </a:lnT>
+                    <a:lnB w="6350" cap="flat" cmpd="sng" algn="ctr">
+                      <a:solidFill>
+                        <a:srgbClr val="000000"/>
+                      </a:solidFill>
+                      <a:prstDash val="solid"/>
+                      <a:round/>
+                      <a:headEnd type="none" w="med" len="med"/>
+                      <a:tailEnd type="none" w="med" len="med"/>
+                    </a:lnB>
+                  </a:tcPr>
+                </a:tc>
+                <a:tc>
+                  <a:txBody>
+                    <a:bodyPr/>
+                    <a:lstStyle/>
+                    <a:p>
+                      <a:pPr algn="l" fontAlgn="b"/>
+                      <a:endParaRPr lang="en-US" sz="1100" b="0" i="0" u="none" strike="noStrike">
+                        <a:solidFill>
+                          <a:srgbClr val="000000"/>
+                        </a:solidFill>
+                        <a:effectLst/>
+                        <a:latin typeface="Calibri" panose="020F0502020204030204" pitchFamily="34" charset="0"/>
+                      </a:endParaRPr>
+                    </a:p>
+                  </a:txBody>
+                  <a:tcPr marL="9525" marR="9525" marT="9525" anchor="b">
+                    <a:lnL w="6350" cap="flat" cmpd="sng" algn="ctr">
+                      <a:solidFill>
+                        <a:srgbClr val="000000"/>
+                      </a:solidFill>
+                      <a:prstDash val="solid"/>
+                      <a:round/>
+                      <a:headEnd type="none" w="med" len="med"/>
+                      <a:tailEnd type="none" w="med" len="med"/>
+                    </a:lnL>
+                    <a:lnR w="6350" cap="flat" cmpd="sng" algn="ctr">
+                      <a:solidFill>
+                        <a:srgbClr val="000000"/>
+                      </a:solidFill>
+                      <a:prstDash val="solid"/>
+                      <a:round/>
+                      <a:headEnd type="none" w="med" len="med"/>
+                      <a:tailEnd type="none" w="med" len="med"/>
+                    </a:lnR>
+                    <a:lnT w="6350" cap="flat" cmpd="sng" algn="ctr">
+                      <a:solidFill>
+                        <a:srgbClr val="000000"/>
+                      </a:solidFill>
+                      <a:prstDash val="solid"/>
+                      <a:round/>
+                      <a:headEnd type="none" w="med" len="med"/>
+                      <a:tailEnd type="none" w="med" len="med"/>
+                    </a:lnT>
+                    <a:lnB w="6350" cap="flat" cmpd="sng" algn="ctr">
+                      <a:solidFill>
+                        <a:srgbClr val="000000"/>
+                      </a:solidFill>
+                      <a:prstDash val="solid"/>
+                      <a:round/>
+                      <a:headEnd type="none" w="med" len="med"/>
+                      <a:tailEnd type="none" w="med" len="med"/>
+                    </a:lnB>
+                  </a:tcPr>
+                </a:tc>
+                <a:tc>
+                  <a:txBody>
+                    <a:bodyPr/>
+                    <a:lstStyle/>
+                    <a:p>
+                      <a:pPr algn="l" fontAlgn="b"/>
+                      <a:endParaRPr lang="en-US" sz="1100" b="0" i="0" u="none" strike="noStrike">
+                        <a:solidFill>
+                          <a:srgbClr val="000000"/>
+                        </a:solidFill>
+                        <a:effectLst/>
+                        <a:latin typeface="Calibri" panose="020F0502020204030204" pitchFamily="34" charset="0"/>
+                      </a:endParaRPr>
+                    </a:p>
+                  </a:txBody>
+                  <a:tcPr marL="9525" marR="9525" marT="9525" anchor="b">
+                    <a:lnL w="6350" cap="flat" cmpd="sng" algn="ctr">
+                      <a:solidFill>
+                        <a:srgbClr val="000000"/>
+                      </a:solidFill>
+                      <a:prstDash val="solid"/>
+                      <a:round/>
+                      <a:headEnd type="none" w="med" len="med"/>
+                      <a:tailEnd type="none" w="med" len="med"/>
+                    </a:lnL>
+                    <a:lnR w="6350" cap="flat" cmpd="sng" algn="ctr">
+                      <a:solidFill>
+                        <a:srgbClr val="000000"/>
+                      </a:solidFill>
+                      <a:prstDash val="solid"/>
+                      <a:round/>
+                      <a:headEnd type="none" w="med" len="med"/>
+                      <a:tailEnd type="none" w="med" len="med"/>
+                    </a:lnR>
+                    <a:lnT w="6350" cap="flat" cmpd="sng" algn="ctr">
+                      <a:solidFill>
+                        <a:srgbClr val="000000"/>
+                      </a:solidFill>
+                      <a:prstDash val="solid"/>
+                      <a:round/>
+                      <a:headEnd type="none" w="med" len="med"/>
+                      <a:tailEnd type="none" w="med" len="med"/>
+                    </a:lnT>
+                    <a:lnB w="6350" cap="flat" cmpd="sng" algn="ctr">
+                      <a:solidFill>
+                        <a:srgbClr val="000000"/>
+                      </a:solidFill>
+                      <a:prstDash val="solid"/>
+                      <a:round/>
+                      <a:headEnd type="none" w="med" len="med"/>
+                      <a:tailEnd type="none" w="med" len="med"/>
+                    </a:lnB>
+                  </a:tcPr>
+                </a:tc>
+                <a:extLst>
+                  <a:ext uri="{0D108BD9-81ED-4DB2-BD59-A6C34878D82A}">
+                    <a16:rowId xmlns:a16="http://schemas.microsoft.com/office/drawing/2014/main" val="577161455"/>
+                  </a:ext>
+                </a:extLst>
+              </a:tr>
+              <a:tr h="190500">
+                <a:tc>
+                  <a:txBody>
+                    <a:bodyPr/>
+                    <a:lstStyle/>
+                    <a:p>
+                      <a:pPr algn="l" fontAlgn="b"/>
+                      <a:r>
+                        <a:rPr lang="en-US" sz="1100" b="1" i="0" u="none" strike="noStrike">
+                          <a:solidFill>
+                            <a:srgbClr val="000000"/>
+                          </a:solidFill>
+                          <a:effectLst/>
+                          <a:latin typeface="Calibri" panose="020F0502020204030204" pitchFamily="34" charset="0"/>
+                        </a:rPr>
+                        <a:t>Kanya</a:t>
+                      </a:r>
+                    </a:p>
+                  </a:txBody>
+                  <a:tcPr marL="9525" marR="9525" marT="9525" anchor="b">
+                    <a:lnL>
+                      <a:noFill/>
+                    </a:lnL>
+                    <a:lnR w="6350" cap="flat" cmpd="sng" algn="ctr">
+                      <a:solidFill>
+                        <a:srgbClr val="000000"/>
+                      </a:solidFill>
+                      <a:prstDash val="solid"/>
+                      <a:round/>
+                      <a:headEnd type="none" w="med" len="med"/>
+                      <a:tailEnd type="none" w="med" len="med"/>
+                    </a:lnR>
+                    <a:lnT>
+                      <a:noFill/>
+                    </a:lnT>
+                    <a:lnB>
+                      <a:noFill/>
+                    </a:lnB>
+                    <a:solidFill>
+                      <a:srgbClr val="A6A6A6"/>
+                    </a:solidFill>
+                  </a:tcPr>
+                </a:tc>
+                <a:tc>
+                  <a:txBody>
+                    <a:bodyPr/>
+                    <a:lstStyle/>
+                    <a:p>
+                      <a:pPr algn="l" fontAlgn="b"/>
+                      <a:endParaRPr lang="en-US" sz="1100" b="0" i="0" u="none" strike="noStrike">
+                        <a:solidFill>
+                          <a:srgbClr val="000000"/>
+                        </a:solidFill>
+                        <a:effectLst/>
+                        <a:latin typeface="Calibri" panose="020F0502020204030204" pitchFamily="34" charset="0"/>
+                      </a:endParaRPr>
+                    </a:p>
+                  </a:txBody>
+                  <a:tcPr marL="9525" marR="9525" marT="9525" anchor="b">
+                    <a:lnL w="6350" cap="flat" cmpd="sng" algn="ctr">
+                      <a:solidFill>
+                        <a:srgbClr val="000000"/>
+                      </a:solidFill>
+                      <a:prstDash val="solid"/>
+                      <a:round/>
+                      <a:headEnd type="none" w="med" len="med"/>
+                      <a:tailEnd type="none" w="med" len="med"/>
+                    </a:lnL>
+                    <a:lnR w="6350" cap="flat" cmpd="sng" algn="ctr">
+                      <a:solidFill>
+                        <a:srgbClr val="000000"/>
+                      </a:solidFill>
+                      <a:prstDash val="solid"/>
+                      <a:round/>
+                      <a:headEnd type="none" w="med" len="med"/>
+                      <a:tailEnd type="none" w="med" len="med"/>
+                    </a:lnR>
+                    <a:lnT w="6350" cap="flat" cmpd="sng" algn="ctr">
+                      <a:solidFill>
+                        <a:srgbClr val="000000"/>
+                      </a:solidFill>
+                      <a:prstDash val="solid"/>
+                      <a:round/>
+                      <a:headEnd type="none" w="med" len="med"/>
+                      <a:tailEnd type="none" w="med" len="med"/>
+                    </a:lnT>
+                    <a:lnB w="6350" cap="flat" cmpd="sng" algn="ctr">
+                      <a:solidFill>
+                        <a:srgbClr val="000000"/>
+                      </a:solidFill>
+                      <a:prstDash val="solid"/>
+                      <a:round/>
+                      <a:headEnd type="none" w="med" len="med"/>
+                      <a:tailEnd type="none" w="med" len="med"/>
+                    </a:lnB>
+                  </a:tcPr>
+                </a:tc>
+                <a:tc>
+                  <a:txBody>
+                    <a:bodyPr/>
+                    <a:lstStyle/>
+                    <a:p>
+                      <a:pPr algn="l" fontAlgn="b"/>
+                      <a:endParaRPr lang="en-US" sz="1100" b="0" i="0" u="none" strike="noStrike">
+                        <a:solidFill>
+                          <a:srgbClr val="000000"/>
+                        </a:solidFill>
+                        <a:effectLst/>
+                        <a:latin typeface="Calibri" panose="020F0502020204030204" pitchFamily="34" charset="0"/>
+                      </a:endParaRPr>
+                    </a:p>
+                  </a:txBody>
+                  <a:tcPr marL="9525" marR="9525" marT="9525" anchor="b">
+                    <a:lnL w="6350" cap="flat" cmpd="sng" algn="ctr">
+                      <a:solidFill>
+                        <a:srgbClr val="000000"/>
+                      </a:solidFill>
+                      <a:prstDash val="solid"/>
+                      <a:round/>
+                      <a:headEnd type="none" w="med" len="med"/>
+                      <a:tailEnd type="none" w="med" len="med"/>
+                    </a:lnL>
+                    <a:lnR w="6350" cap="flat" cmpd="sng" algn="ctr">
+                      <a:solidFill>
+                        <a:srgbClr val="000000"/>
+                      </a:solidFill>
+                      <a:prstDash val="solid"/>
+                      <a:round/>
+                      <a:headEnd type="none" w="med" len="med"/>
+                      <a:tailEnd type="none" w="med" len="med"/>
+                    </a:lnR>
+                    <a:lnT w="6350" cap="flat" cmpd="sng" algn="ctr">
+                      <a:solidFill>
+                        <a:srgbClr val="000000"/>
+                      </a:solidFill>
+                      <a:prstDash val="solid"/>
+                      <a:round/>
+                      <a:headEnd type="none" w="med" len="med"/>
+                      <a:tailEnd type="none" w="med" len="med"/>
+                    </a:lnT>
+                    <a:lnB w="6350" cap="flat" cmpd="sng" algn="ctr">
+                      <a:solidFill>
+                        <a:srgbClr val="000000"/>
+                      </a:solidFill>
+                      <a:prstDash val="solid"/>
+                      <a:round/>
+                      <a:headEnd type="none" w="med" len="med"/>
+                      <a:tailEnd type="none" w="med" len="med"/>
+                    </a:lnB>
+                  </a:tcPr>
+                </a:tc>
+                <a:tc>
+                  <a:txBody>
+                    <a:bodyPr/>
+                    <a:lstStyle/>
+                    <a:p>
+                      <a:pPr algn="l" fontAlgn="b"/>
+                      <a:endParaRPr lang="en-US" sz="1100" b="0" i="0" u="none" strike="noStrike">
+                        <a:solidFill>
+                          <a:srgbClr val="000000"/>
+                        </a:solidFill>
+                        <a:effectLst/>
+                        <a:latin typeface="Calibri" panose="020F0502020204030204" pitchFamily="34" charset="0"/>
+                      </a:endParaRPr>
+                    </a:p>
+                  </a:txBody>
+                  <a:tcPr marL="9525" marR="9525" marT="9525" anchor="b">
+                    <a:lnL w="6350" cap="flat" cmpd="sng" algn="ctr">
+                      <a:solidFill>
+                        <a:srgbClr val="000000"/>
+                      </a:solidFill>
+                      <a:prstDash val="solid"/>
+                      <a:round/>
+                      <a:headEnd type="none" w="med" len="med"/>
+                      <a:tailEnd type="none" w="med" len="med"/>
+                    </a:lnL>
+                    <a:lnR w="6350" cap="flat" cmpd="sng" algn="ctr">
+                      <a:solidFill>
+                        <a:srgbClr val="000000"/>
+                      </a:solidFill>
+                      <a:prstDash val="solid"/>
+                      <a:round/>
+                      <a:headEnd type="none" w="med" len="med"/>
+                      <a:tailEnd type="none" w="med" len="med"/>
+                    </a:lnR>
+                    <a:lnT w="6350" cap="flat" cmpd="sng" algn="ctr">
+                      <a:solidFill>
+                        <a:srgbClr val="000000"/>
+                      </a:solidFill>
+                      <a:prstDash val="solid"/>
+                      <a:round/>
+                      <a:headEnd type="none" w="med" len="med"/>
+                      <a:tailEnd type="none" w="med" len="med"/>
+                    </a:lnT>
+                    <a:lnB w="6350" cap="flat" cmpd="sng" algn="ctr">
+                      <a:solidFill>
+                        <a:srgbClr val="000000"/>
+                      </a:solidFill>
+                      <a:prstDash val="solid"/>
+                      <a:round/>
+                      <a:headEnd type="none" w="med" len="med"/>
+                      <a:tailEnd type="none" w="med" len="med"/>
+                    </a:lnB>
+                  </a:tcPr>
+                </a:tc>
+                <a:tc>
+                  <a:txBody>
+                    <a:bodyPr/>
+                    <a:lstStyle/>
+                    <a:p>
+                      <a:pPr algn="r" fontAlgn="b"/>
+                      <a:r>
+                        <a:rPr lang="en-US" sz="1100" b="0" i="0" u="none" strike="noStrike">
+                          <a:solidFill>
+                            <a:srgbClr val="000000"/>
+                          </a:solidFill>
+                          <a:effectLst/>
+                          <a:latin typeface="Calibri" panose="020F0502020204030204" pitchFamily="34" charset="0"/>
+                        </a:rPr>
+                        <a:t>1</a:t>
+                      </a:r>
+                    </a:p>
+                  </a:txBody>
+                  <a:tcPr marL="9525" marR="9525" marT="9525" anchor="b">
+                    <a:lnL w="6350" cap="flat" cmpd="sng" algn="ctr">
+                      <a:solidFill>
+                        <a:srgbClr val="000000"/>
+                      </a:solidFill>
+                      <a:prstDash val="solid"/>
+                      <a:round/>
+                      <a:headEnd type="none" w="med" len="med"/>
+                      <a:tailEnd type="none" w="med" len="med"/>
+                    </a:lnL>
+                    <a:lnR w="6350" cap="flat" cmpd="sng" algn="ctr">
+                      <a:solidFill>
+                        <a:srgbClr val="000000"/>
+                      </a:solidFill>
+                      <a:prstDash val="solid"/>
+                      <a:round/>
+                      <a:headEnd type="none" w="med" len="med"/>
+                      <a:tailEnd type="none" w="med" len="med"/>
+                    </a:lnR>
+                    <a:lnT w="6350" cap="flat" cmpd="sng" algn="ctr">
+                      <a:solidFill>
+                        <a:srgbClr val="000000"/>
+                      </a:solidFill>
+                      <a:prstDash val="solid"/>
+                      <a:round/>
+                      <a:headEnd type="none" w="med" len="med"/>
+                      <a:tailEnd type="none" w="med" len="med"/>
+                    </a:lnT>
+                    <a:lnB w="6350" cap="flat" cmpd="sng" algn="ctr">
+                      <a:solidFill>
+                        <a:srgbClr val="000000"/>
+                      </a:solidFill>
+                      <a:prstDash val="solid"/>
+                      <a:round/>
+                      <a:headEnd type="none" w="med" len="med"/>
+                      <a:tailEnd type="none" w="med" len="med"/>
+                    </a:lnB>
+                  </a:tcPr>
+                </a:tc>
+                <a:tc>
+                  <a:txBody>
+                    <a:bodyPr/>
+                    <a:lstStyle/>
+                    <a:p>
+                      <a:pPr algn="l" fontAlgn="b"/>
+                      <a:endParaRPr lang="en-US" sz="1100" b="0" i="0" u="none" strike="noStrike" dirty="0">
+                        <a:solidFill>
+                          <a:srgbClr val="000000"/>
+                        </a:solidFill>
+                        <a:effectLst/>
+                        <a:latin typeface="Calibri" panose="020F0502020204030204" pitchFamily="34" charset="0"/>
+                      </a:endParaRPr>
+                    </a:p>
+                  </a:txBody>
+                  <a:tcPr marL="9525" marR="9525" marT="9525" anchor="b">
+                    <a:lnL w="6350" cap="flat" cmpd="sng" algn="ctr">
+                      <a:solidFill>
+                        <a:srgbClr val="000000"/>
+                      </a:solidFill>
+                      <a:prstDash val="solid"/>
+                      <a:round/>
+                      <a:headEnd type="none" w="med" len="med"/>
+                      <a:tailEnd type="none" w="med" len="med"/>
+                    </a:lnL>
+                    <a:lnR w="6350" cap="flat" cmpd="sng" algn="ctr">
+                      <a:solidFill>
+                        <a:srgbClr val="000000"/>
+                      </a:solidFill>
+                      <a:prstDash val="solid"/>
+                      <a:round/>
+                      <a:headEnd type="none" w="med" len="med"/>
+                      <a:tailEnd type="none" w="med" len="med"/>
+                    </a:lnR>
+                    <a:lnT w="6350" cap="flat" cmpd="sng" algn="ctr">
+                      <a:solidFill>
+                        <a:srgbClr val="000000"/>
+                      </a:solidFill>
+                      <a:prstDash val="solid"/>
+                      <a:round/>
+                      <a:headEnd type="none" w="med" len="med"/>
+                      <a:tailEnd type="none" w="med" len="med"/>
+                    </a:lnT>
+                    <a:lnB w="6350" cap="flat" cmpd="sng" algn="ctr">
+                      <a:solidFill>
+                        <a:srgbClr val="000000"/>
+                      </a:solidFill>
+                      <a:prstDash val="solid"/>
+                      <a:round/>
+                      <a:headEnd type="none" w="med" len="med"/>
+                      <a:tailEnd type="none" w="med" len="med"/>
+                    </a:lnB>
+                  </a:tcPr>
+                </a:tc>
+                <a:extLst>
+                  <a:ext uri="{0D108BD9-81ED-4DB2-BD59-A6C34878D82A}">
+                    <a16:rowId xmlns:a16="http://schemas.microsoft.com/office/drawing/2014/main" val="380583155"/>
+                  </a:ext>
+                </a:extLst>
+              </a:tr>
+            </a:tbl>
+          </a:graphicData>
+        </a:graphic>
+      </p:graphicFrame>
     </p:spTree>
     <p:extLst>
       <p:ext uri="{BB962C8B-B14F-4D97-AF65-F5344CB8AC3E}">
-        <p14:creationId xmlns:p14="http://schemas.microsoft.com/office/powerpoint/2010/main" val="1530237065"/>
+        <p14:creationId xmlns:p14="http://schemas.microsoft.com/office/powerpoint/2010/main" val="1933079401"/>
       </p:ext>
     </p:extLst>
   </p:cSld>
@@ -12963,7 +20507,7 @@
           <a:p>
             <a:r>
               <a:rPr lang="en-US" dirty="0"/>
-              <a:t>Conclusion</a:t>
+              <a:t>K-Means</a:t>
             </a:r>
           </a:p>
         </p:txBody>
@@ -12985,22 +20529,33 @@
           <a:p>
             <a:r>
               <a:rPr lang="en-US" dirty="0"/>
-              <a:t>Chatbots create human-like responses</a:t>
+              <a:t>Clustered into subjects</a:t>
+            </a:r>
+          </a:p>
+          <a:p>
+            <a:pPr lvl="1"/>
+            <a:r>
+              <a:rPr lang="en-US" dirty="0"/>
+              <a:t>Subjects could sometimes not be determined/to broad</a:t>
+            </a:r>
+          </a:p>
+          <a:p>
+            <a:pPr lvl="1"/>
+            <a:r>
+              <a:rPr lang="en-US" dirty="0"/>
+              <a:t>Large database had to many subjects </a:t>
             </a:r>
           </a:p>
           <a:p>
             <a:r>
               <a:rPr lang="en-US" dirty="0"/>
-              <a:t>Will use a unsupervised learning algorithm</a:t>
+              <a:t>Would take to long to refactor with new data</a:t>
             </a:r>
           </a:p>
           <a:p>
-            <a:r>
-              <a:rPr lang="en-US" dirty="0"/>
-              <a:t>Ours will have more human-like responses </a:t>
-            </a:r>
-          </a:p>
-          <a:p>
+            <a:pPr marL="0" indent="0">
+              <a:buNone/>
+            </a:pPr>
             <a:endParaRPr lang="en-US" dirty="0"/>
           </a:p>
           <a:p>
@@ -13011,7 +20566,7 @@
     </p:spTree>
     <p:extLst>
       <p:ext uri="{BB962C8B-B14F-4D97-AF65-F5344CB8AC3E}">
-        <p14:creationId xmlns:p14="http://schemas.microsoft.com/office/powerpoint/2010/main" val="2644705398"/>
+        <p14:creationId xmlns:p14="http://schemas.microsoft.com/office/powerpoint/2010/main" val="395403595"/>
       </p:ext>
     </p:extLst>
   </p:cSld>
@@ -13048,20 +20603,168 @@
             <p:ph type="title"/>
           </p:nvPr>
         </p:nvSpPr>
-        <p:spPr>
-          <a:xfrm>
-            <a:off x="1141413" y="618517"/>
-            <a:ext cx="9905998" cy="5522223"/>
-          </a:xfrm>
-        </p:spPr>
+        <p:spPr/>
         <p:txBody>
           <a:bodyPr/>
           <a:lstStyle/>
           <a:p>
-            <a:pPr algn="ctr"/>
             <a:r>
               <a:rPr lang="en-US" dirty="0"/>
-              <a:t>Questions</a:t>
+              <a:t>Results</a:t>
+            </a:r>
+          </a:p>
+        </p:txBody>
+      </p:sp>
+      <p:sp>
+        <p:nvSpPr>
+          <p:cNvPr id="3" name="Content Placeholder 2"/>
+          <p:cNvSpPr>
+            <a:spLocks noGrp="1"/>
+          </p:cNvSpPr>
+          <p:nvPr>
+            <p:ph idx="1"/>
+          </p:nvPr>
+        </p:nvSpPr>
+        <p:spPr/>
+        <p:txBody>
+          <a:bodyPr/>
+          <a:lstStyle/>
+          <a:p>
+            <a:r>
+              <a:rPr lang="en-US" dirty="0"/>
+              <a:t>73% successful response</a:t>
+            </a:r>
+          </a:p>
+          <a:p>
+            <a:r>
+              <a:rPr lang="en-US" dirty="0"/>
+              <a:t>Responses are similar in subjects but don’t necessarily make sense</a:t>
+            </a:r>
+          </a:p>
+          <a:p>
+            <a:r>
+              <a:rPr lang="en-US" dirty="0"/>
+              <a:t>Responses are always the same </a:t>
+            </a:r>
+          </a:p>
+          <a:p>
+            <a:r>
+              <a:rPr lang="en-US" dirty="0"/>
+              <a:t>No saved passed conversations</a:t>
+            </a:r>
+          </a:p>
+          <a:p>
+            <a:pPr marL="0" indent="0">
+              <a:buNone/>
+            </a:pPr>
+            <a:endParaRPr lang="en-US" dirty="0"/>
+          </a:p>
+        </p:txBody>
+      </p:sp>
+    </p:spTree>
+    <p:extLst>
+      <p:ext uri="{BB962C8B-B14F-4D97-AF65-F5344CB8AC3E}">
+        <p14:creationId xmlns:p14="http://schemas.microsoft.com/office/powerpoint/2010/main" val="3464952780"/>
+      </p:ext>
+    </p:extLst>
+  </p:cSld>
+  <p:clrMapOvr>
+    <a:masterClrMapping/>
+  </p:clrMapOvr>
+</p:sld>
+</file>
+
+<file path=ppt/slides/slide9.xml><?xml version="1.0" encoding="utf-8"?>
+<p:sld xmlns:a="http://schemas.openxmlformats.org/drawingml/2006/main" xmlns:r="http://schemas.openxmlformats.org/officeDocument/2006/relationships" xmlns:p="http://schemas.openxmlformats.org/presentationml/2006/main">
+  <p:cSld>
+    <p:spTree>
+      <p:nvGrpSpPr>
+        <p:cNvPr id="1" name=""/>
+        <p:cNvGrpSpPr/>
+        <p:nvPr/>
+      </p:nvGrpSpPr>
+      <p:grpSpPr>
+        <a:xfrm>
+          <a:off x="0" y="0"/>
+          <a:ext cx="0" cy="0"/>
+          <a:chOff x="0" y="0"/>
+          <a:chExt cx="0" cy="0"/>
+        </a:xfrm>
+      </p:grpSpPr>
+      <p:sp>
+        <p:nvSpPr>
+          <p:cNvPr id="2" name="Title 1"/>
+          <p:cNvSpPr>
+            <a:spLocks noGrp="1"/>
+          </p:cNvSpPr>
+          <p:nvPr>
+            <p:ph type="title"/>
+          </p:nvPr>
+        </p:nvSpPr>
+        <p:spPr/>
+        <p:txBody>
+          <a:bodyPr/>
+          <a:lstStyle/>
+          <a:p>
+            <a:r>
+              <a:rPr lang="en-US" dirty="0"/>
+              <a:t>Future Work</a:t>
+            </a:r>
+          </a:p>
+        </p:txBody>
+      </p:sp>
+      <p:sp>
+        <p:nvSpPr>
+          <p:cNvPr id="3" name="Content Placeholder 2"/>
+          <p:cNvSpPr>
+            <a:spLocks noGrp="1"/>
+          </p:cNvSpPr>
+          <p:nvPr>
+            <p:ph idx="1"/>
+          </p:nvPr>
+        </p:nvSpPr>
+        <p:spPr/>
+        <p:txBody>
+          <a:bodyPr/>
+          <a:lstStyle/>
+          <a:p>
+            <a:r>
+              <a:rPr lang="en-US" dirty="0"/>
+              <a:t>Query database based on refined input</a:t>
+            </a:r>
+          </a:p>
+          <a:p>
+            <a:pPr lvl="1"/>
+            <a:r>
+              <a:rPr lang="en-US" dirty="0"/>
+              <a:t>Instead of searching “you” it would look for “I”</a:t>
+            </a:r>
+          </a:p>
+          <a:p>
+            <a:pPr lvl="1"/>
+            <a:r>
+              <a:rPr lang="en-US" dirty="0"/>
+              <a:t>Determine if question or statement</a:t>
+            </a:r>
+          </a:p>
+          <a:p>
+            <a:r>
+              <a:rPr lang="en-US" dirty="0"/>
+              <a:t>Implement saved “state”</a:t>
+            </a:r>
+          </a:p>
+          <a:p>
+            <a:pPr lvl="1"/>
+            <a:r>
+              <a:rPr lang="en-US" dirty="0"/>
+              <a:t>Prevent saying the same thing over and over</a:t>
+            </a:r>
+          </a:p>
+          <a:p>
+            <a:pPr lvl="1"/>
+            <a:r>
+              <a:rPr lang="en-US" dirty="0"/>
+              <a:t>Be able to add past words for searches</a:t>
             </a:r>
           </a:p>
         </p:txBody>
@@ -13069,7 +20772,7 @@
     </p:spTree>
     <p:extLst>
       <p:ext uri="{BB962C8B-B14F-4D97-AF65-F5344CB8AC3E}">
-        <p14:creationId xmlns:p14="http://schemas.microsoft.com/office/powerpoint/2010/main" val="1862163650"/>
+        <p14:creationId xmlns:p14="http://schemas.microsoft.com/office/powerpoint/2010/main" val="3339509314"/>
       </p:ext>
     </p:extLst>
   </p:cSld>
